--- a/FiveEasyPieces2.pptx
+++ b/FiveEasyPieces2.pptx
@@ -18923,24 +18923,12 @@
               <a:t>&gt; </a:t>
             </a:r>
             <a:r>
-              <a:rPr lang="en-US" sz="3200" dirty="0" err="1"/>
+              <a:rPr lang="en-US" sz="3200" dirty="0" err="1" smtClean="0"/>
               <a:t>fibonacci</a:t>
             </a:r>
             <a:r>
-              <a:rPr lang="en-US" sz="3200" dirty="0"/>
-              <a:t>(</a:t>
-            </a:r>
-            <a:r>
-              <a:rPr lang="en-US" sz="3200" dirty="0" err="1"/>
-              <a:t>int</a:t>
-            </a:r>
-            <a:r>
-              <a:rPr lang="en-US" sz="3200" dirty="0"/>
-              <a:t> limit</a:t>
-            </a:r>
-            <a:r>
               <a:rPr lang="en-US" sz="3200" dirty="0" smtClean="0"/>
-              <a:t>) {</a:t>
+              <a:t>() {</a:t>
             </a:r>
             <a:endParaRPr lang="en-US" sz="3200" dirty="0"/>
           </a:p>
@@ -18986,12 +18974,12 @@
               <a:t>while </a:t>
             </a:r>
             <a:r>
-              <a:rPr lang="en-US" sz="3200" dirty="0"/>
-              <a:t>(a &lt; limit</a:t>
+              <a:rPr lang="en-US" sz="3200" smtClean="0"/>
+              <a:t>(true) </a:t>
             </a:r>
             <a:r>
               <a:rPr lang="en-US" sz="3200" dirty="0" smtClean="0"/>
-              <a:t>) {</a:t>
+              <a:t>{</a:t>
             </a:r>
             <a:endParaRPr lang="en-US" sz="3200" dirty="0"/>
           </a:p>

--- a/FiveEasyPieces2.pptx
+++ b/FiveEasyPieces2.pptx
@@ -5,42 +5,35 @@
     <p:sldMasterId id="2147483648" r:id="rId1"/>
   </p:sldMasterIdLst>
   <p:notesMasterIdLst>
-    <p:notesMasterId r:id="rId32"/>
+    <p:notesMasterId r:id="rId25"/>
   </p:notesMasterIdLst>
   <p:handoutMasterIdLst>
-    <p:handoutMasterId r:id="rId33"/>
+    <p:handoutMasterId r:id="rId26"/>
   </p:handoutMasterIdLst>
   <p:sldIdLst>
     <p:sldId id="256" r:id="rId2"/>
-    <p:sldId id="337" r:id="rId3"/>
-    <p:sldId id="338" r:id="rId4"/>
-    <p:sldId id="348" r:id="rId5"/>
-    <p:sldId id="343" r:id="rId6"/>
-    <p:sldId id="361" r:id="rId7"/>
-    <p:sldId id="386" r:id="rId8"/>
-    <p:sldId id="363" r:id="rId9"/>
-    <p:sldId id="364" r:id="rId10"/>
-    <p:sldId id="365" r:id="rId11"/>
-    <p:sldId id="366" r:id="rId12"/>
-    <p:sldId id="367" r:id="rId13"/>
-    <p:sldId id="368" r:id="rId14"/>
-    <p:sldId id="369" r:id="rId15"/>
-    <p:sldId id="370" r:id="rId16"/>
-    <p:sldId id="371" r:id="rId17"/>
-    <p:sldId id="372" r:id="rId18"/>
-    <p:sldId id="375" r:id="rId19"/>
-    <p:sldId id="373" r:id="rId20"/>
-    <p:sldId id="374" r:id="rId21"/>
-    <p:sldId id="376" r:id="rId22"/>
-    <p:sldId id="377" r:id="rId23"/>
-    <p:sldId id="378" r:id="rId24"/>
-    <p:sldId id="379" r:id="rId25"/>
-    <p:sldId id="380" r:id="rId26"/>
-    <p:sldId id="381" r:id="rId27"/>
-    <p:sldId id="382" r:id="rId28"/>
-    <p:sldId id="383" r:id="rId29"/>
-    <p:sldId id="384" r:id="rId30"/>
-    <p:sldId id="385" r:id="rId31"/>
+    <p:sldId id="348" r:id="rId3"/>
+    <p:sldId id="343" r:id="rId4"/>
+    <p:sldId id="361" r:id="rId5"/>
+    <p:sldId id="386" r:id="rId6"/>
+    <p:sldId id="368" r:id="rId7"/>
+    <p:sldId id="369" r:id="rId8"/>
+    <p:sldId id="370" r:id="rId9"/>
+    <p:sldId id="371" r:id="rId10"/>
+    <p:sldId id="372" r:id="rId11"/>
+    <p:sldId id="375" r:id="rId12"/>
+    <p:sldId id="373" r:id="rId13"/>
+    <p:sldId id="374" r:id="rId14"/>
+    <p:sldId id="376" r:id="rId15"/>
+    <p:sldId id="377" r:id="rId16"/>
+    <p:sldId id="378" r:id="rId17"/>
+    <p:sldId id="379" r:id="rId18"/>
+    <p:sldId id="380" r:id="rId19"/>
+    <p:sldId id="381" r:id="rId20"/>
+    <p:sldId id="382" r:id="rId21"/>
+    <p:sldId id="383" r:id="rId22"/>
+    <p:sldId id="384" r:id="rId23"/>
+    <p:sldId id="385" r:id="rId24"/>
   </p:sldIdLst>
   <p:sldSz cx="9144000" cy="6858000" type="screen4x3"/>
   <p:notesSz cx="6954838" cy="9240838"/>
@@ -1160,7 +1153,7 @@
               <a:pPr>
                 <a:defRPr/>
               </a:pPr>
-              <a:t>14</a:t>
+              <a:t>12</a:t>
             </a:fld>
             <a:endParaRPr lang="en-US"/>
           </a:p>
@@ -1255,7 +1248,7 @@
               <a:pPr>
                 <a:defRPr/>
               </a:pPr>
-              <a:t>15</a:t>
+              <a:t>13</a:t>
             </a:fld>
             <a:endParaRPr lang="en-US"/>
           </a:p>
@@ -1749,291 +1742,6 @@
 </p:notes>
 </file>
 
-<file path=ppt/notesSlides/notesSlide17.xml><?xml version="1.0" encoding="utf-8"?>
-<p:notes xmlns:a="http://schemas.openxmlformats.org/drawingml/2006/main" xmlns:r="http://schemas.openxmlformats.org/officeDocument/2006/relationships" xmlns:p="http://schemas.openxmlformats.org/presentationml/2006/main">
-  <p:cSld>
-    <p:spTree>
-      <p:nvGrpSpPr>
-        <p:cNvPr id="1" name=""/>
-        <p:cNvGrpSpPr/>
-        <p:nvPr/>
-      </p:nvGrpSpPr>
-      <p:grpSpPr>
-        <a:xfrm>
-          <a:off x="0" y="0"/>
-          <a:ext cx="0" cy="0"/>
-          <a:chOff x="0" y="0"/>
-          <a:chExt cx="0" cy="0"/>
-        </a:xfrm>
-      </p:grpSpPr>
-      <p:sp>
-        <p:nvSpPr>
-          <p:cNvPr id="2" name="Slide Image Placeholder 1"/>
-          <p:cNvSpPr>
-            <a:spLocks noGrp="1" noRot="1" noChangeAspect="1"/>
-          </p:cNvSpPr>
-          <p:nvPr>
-            <p:ph type="sldImg"/>
-          </p:nvPr>
-        </p:nvSpPr>
-        <p:spPr>
-          <a:xfrm>
-            <a:off x="1168400" y="693738"/>
-            <a:ext cx="4619625" cy="3465512"/>
-          </a:xfrm>
-        </p:spPr>
-      </p:sp>
-      <p:sp>
-        <p:nvSpPr>
-          <p:cNvPr id="3" name="Notes Placeholder 2"/>
-          <p:cNvSpPr>
-            <a:spLocks noGrp="1"/>
-          </p:cNvSpPr>
-          <p:nvPr>
-            <p:ph type="body" idx="1"/>
-          </p:nvPr>
-        </p:nvSpPr>
-        <p:spPr/>
-        <p:txBody>
-          <a:bodyPr/>
-          <a:lstStyle/>
-          <a:p>
-            <a:endParaRPr lang="en-US" dirty="0"/>
-          </a:p>
-        </p:txBody>
-      </p:sp>
-      <p:sp>
-        <p:nvSpPr>
-          <p:cNvPr id="4" name="Slide Number Placeholder 3"/>
-          <p:cNvSpPr>
-            <a:spLocks noGrp="1"/>
-          </p:cNvSpPr>
-          <p:nvPr>
-            <p:ph type="sldNum" sz="quarter" idx="10"/>
-          </p:nvPr>
-        </p:nvSpPr>
-        <p:spPr/>
-        <p:txBody>
-          <a:bodyPr/>
-          <a:lstStyle/>
-          <a:p>
-            <a:pPr>
-              <a:defRPr/>
-            </a:pPr>
-            <a:fld id="{4A13476B-BE88-43CF-8796-9E97146DFDA0}" type="slidenum">
-              <a:rPr lang="en-US" smtClean="0"/>
-              <a:pPr>
-                <a:defRPr/>
-              </a:pPr>
-              <a:t>23</a:t>
-            </a:fld>
-            <a:endParaRPr lang="en-US"/>
-          </a:p>
-        </p:txBody>
-      </p:sp>
-    </p:spTree>
-    <p:extLst>
-      <p:ext uri="{BB962C8B-B14F-4D97-AF65-F5344CB8AC3E}">
-        <p14:creationId xmlns:p14="http://schemas.microsoft.com/office/powerpoint/2010/main" val="3389556460"/>
-      </p:ext>
-    </p:extLst>
-  </p:cSld>
-  <p:clrMapOvr>
-    <a:masterClrMapping/>
-  </p:clrMapOvr>
-</p:notes>
-</file>
-
-<file path=ppt/notesSlides/notesSlide18.xml><?xml version="1.0" encoding="utf-8"?>
-<p:notes xmlns:a="http://schemas.openxmlformats.org/drawingml/2006/main" xmlns:r="http://schemas.openxmlformats.org/officeDocument/2006/relationships" xmlns:p="http://schemas.openxmlformats.org/presentationml/2006/main">
-  <p:cSld>
-    <p:spTree>
-      <p:nvGrpSpPr>
-        <p:cNvPr id="1" name=""/>
-        <p:cNvGrpSpPr/>
-        <p:nvPr/>
-      </p:nvGrpSpPr>
-      <p:grpSpPr>
-        <a:xfrm>
-          <a:off x="0" y="0"/>
-          <a:ext cx="0" cy="0"/>
-          <a:chOff x="0" y="0"/>
-          <a:chExt cx="0" cy="0"/>
-        </a:xfrm>
-      </p:grpSpPr>
-      <p:sp>
-        <p:nvSpPr>
-          <p:cNvPr id="2" name="Slide Image Placeholder 1"/>
-          <p:cNvSpPr>
-            <a:spLocks noGrp="1" noRot="1" noChangeAspect="1"/>
-          </p:cNvSpPr>
-          <p:nvPr>
-            <p:ph type="sldImg"/>
-          </p:nvPr>
-        </p:nvSpPr>
-        <p:spPr>
-          <a:xfrm>
-            <a:off x="1168400" y="693738"/>
-            <a:ext cx="4619625" cy="3465512"/>
-          </a:xfrm>
-        </p:spPr>
-      </p:sp>
-      <p:sp>
-        <p:nvSpPr>
-          <p:cNvPr id="3" name="Notes Placeholder 2"/>
-          <p:cNvSpPr>
-            <a:spLocks noGrp="1"/>
-          </p:cNvSpPr>
-          <p:nvPr>
-            <p:ph type="body" idx="1"/>
-          </p:nvPr>
-        </p:nvSpPr>
-        <p:spPr/>
-        <p:txBody>
-          <a:bodyPr/>
-          <a:lstStyle/>
-          <a:p>
-            <a:endParaRPr lang="en-US" dirty="0"/>
-          </a:p>
-        </p:txBody>
-      </p:sp>
-      <p:sp>
-        <p:nvSpPr>
-          <p:cNvPr id="4" name="Slide Number Placeholder 3"/>
-          <p:cNvSpPr>
-            <a:spLocks noGrp="1"/>
-          </p:cNvSpPr>
-          <p:nvPr>
-            <p:ph type="sldNum" sz="quarter" idx="10"/>
-          </p:nvPr>
-        </p:nvSpPr>
-        <p:spPr/>
-        <p:txBody>
-          <a:bodyPr/>
-          <a:lstStyle/>
-          <a:p>
-            <a:pPr>
-              <a:defRPr/>
-            </a:pPr>
-            <a:fld id="{4A13476B-BE88-43CF-8796-9E97146DFDA0}" type="slidenum">
-              <a:rPr lang="en-US" smtClean="0"/>
-              <a:pPr>
-                <a:defRPr/>
-              </a:pPr>
-              <a:t>24</a:t>
-            </a:fld>
-            <a:endParaRPr lang="en-US"/>
-          </a:p>
-        </p:txBody>
-      </p:sp>
-    </p:spTree>
-    <p:extLst>
-      <p:ext uri="{BB962C8B-B14F-4D97-AF65-F5344CB8AC3E}">
-        <p14:creationId xmlns:p14="http://schemas.microsoft.com/office/powerpoint/2010/main" val="3389556460"/>
-      </p:ext>
-    </p:extLst>
-  </p:cSld>
-  <p:clrMapOvr>
-    <a:masterClrMapping/>
-  </p:clrMapOvr>
-</p:notes>
-</file>
-
-<file path=ppt/notesSlides/notesSlide19.xml><?xml version="1.0" encoding="utf-8"?>
-<p:notes xmlns:a="http://schemas.openxmlformats.org/drawingml/2006/main" xmlns:r="http://schemas.openxmlformats.org/officeDocument/2006/relationships" xmlns:p="http://schemas.openxmlformats.org/presentationml/2006/main">
-  <p:cSld>
-    <p:spTree>
-      <p:nvGrpSpPr>
-        <p:cNvPr id="1" name=""/>
-        <p:cNvGrpSpPr/>
-        <p:nvPr/>
-      </p:nvGrpSpPr>
-      <p:grpSpPr>
-        <a:xfrm>
-          <a:off x="0" y="0"/>
-          <a:ext cx="0" cy="0"/>
-          <a:chOff x="0" y="0"/>
-          <a:chExt cx="0" cy="0"/>
-        </a:xfrm>
-      </p:grpSpPr>
-      <p:sp>
-        <p:nvSpPr>
-          <p:cNvPr id="2" name="Slide Image Placeholder 1"/>
-          <p:cNvSpPr>
-            <a:spLocks noGrp="1" noRot="1" noChangeAspect="1"/>
-          </p:cNvSpPr>
-          <p:nvPr>
-            <p:ph type="sldImg"/>
-          </p:nvPr>
-        </p:nvSpPr>
-        <p:spPr>
-          <a:xfrm>
-            <a:off x="1168400" y="693738"/>
-            <a:ext cx="4619625" cy="3465512"/>
-          </a:xfrm>
-        </p:spPr>
-      </p:sp>
-      <p:sp>
-        <p:nvSpPr>
-          <p:cNvPr id="3" name="Notes Placeholder 2"/>
-          <p:cNvSpPr>
-            <a:spLocks noGrp="1"/>
-          </p:cNvSpPr>
-          <p:nvPr>
-            <p:ph type="body" idx="1"/>
-          </p:nvPr>
-        </p:nvSpPr>
-        <p:spPr/>
-        <p:txBody>
-          <a:bodyPr/>
-          <a:lstStyle/>
-          <a:p>
-            <a:endParaRPr lang="en-US" dirty="0"/>
-          </a:p>
-        </p:txBody>
-      </p:sp>
-      <p:sp>
-        <p:nvSpPr>
-          <p:cNvPr id="4" name="Slide Number Placeholder 3"/>
-          <p:cNvSpPr>
-            <a:spLocks noGrp="1"/>
-          </p:cNvSpPr>
-          <p:nvPr>
-            <p:ph type="sldNum" sz="quarter" idx="10"/>
-          </p:nvPr>
-        </p:nvSpPr>
-        <p:spPr/>
-        <p:txBody>
-          <a:bodyPr/>
-          <a:lstStyle/>
-          <a:p>
-            <a:pPr>
-              <a:defRPr/>
-            </a:pPr>
-            <a:fld id="{4A13476B-BE88-43CF-8796-9E97146DFDA0}" type="slidenum">
-              <a:rPr lang="en-US" smtClean="0"/>
-              <a:pPr>
-                <a:defRPr/>
-              </a:pPr>
-              <a:t>25</a:t>
-            </a:fld>
-            <a:endParaRPr lang="en-US"/>
-          </a:p>
-        </p:txBody>
-      </p:sp>
-    </p:spTree>
-    <p:extLst>
-      <p:ext uri="{BB962C8B-B14F-4D97-AF65-F5344CB8AC3E}">
-        <p14:creationId xmlns:p14="http://schemas.microsoft.com/office/powerpoint/2010/main" val="3389556460"/>
-      </p:ext>
-    </p:extLst>
-  </p:cSld>
-  <p:clrMapOvr>
-    <a:masterClrMapping/>
-  </p:clrMapOvr>
-</p:notes>
-</file>
-
 <file path=ppt/notesSlides/notesSlide2.xml><?xml version="1.0" encoding="utf-8"?>
 <p:notes xmlns:a="http://schemas.openxmlformats.org/drawingml/2006/main" xmlns:r="http://schemas.openxmlformats.org/officeDocument/2006/relationships" xmlns:p="http://schemas.openxmlformats.org/presentationml/2006/main">
   <p:cSld>
@@ -2110,197 +1818,7 @@
               <a:pPr>
                 <a:defRPr/>
               </a:pPr>
-              <a:t>6</a:t>
-            </a:fld>
-            <a:endParaRPr lang="en-US"/>
-          </a:p>
-        </p:txBody>
-      </p:sp>
-    </p:spTree>
-    <p:extLst>
-      <p:ext uri="{BB962C8B-B14F-4D97-AF65-F5344CB8AC3E}">
-        <p14:creationId xmlns:p14="http://schemas.microsoft.com/office/powerpoint/2010/main" val="3389556460"/>
-      </p:ext>
-    </p:extLst>
-  </p:cSld>
-  <p:clrMapOvr>
-    <a:masterClrMapping/>
-  </p:clrMapOvr>
-</p:notes>
-</file>
-
-<file path=ppt/notesSlides/notesSlide20.xml><?xml version="1.0" encoding="utf-8"?>
-<p:notes xmlns:a="http://schemas.openxmlformats.org/drawingml/2006/main" xmlns:r="http://schemas.openxmlformats.org/officeDocument/2006/relationships" xmlns:p="http://schemas.openxmlformats.org/presentationml/2006/main">
-  <p:cSld>
-    <p:spTree>
-      <p:nvGrpSpPr>
-        <p:cNvPr id="1" name=""/>
-        <p:cNvGrpSpPr/>
-        <p:nvPr/>
-      </p:nvGrpSpPr>
-      <p:grpSpPr>
-        <a:xfrm>
-          <a:off x="0" y="0"/>
-          <a:ext cx="0" cy="0"/>
-          <a:chOff x="0" y="0"/>
-          <a:chExt cx="0" cy="0"/>
-        </a:xfrm>
-      </p:grpSpPr>
-      <p:sp>
-        <p:nvSpPr>
-          <p:cNvPr id="2" name="Slide Image Placeholder 1"/>
-          <p:cNvSpPr>
-            <a:spLocks noGrp="1" noRot="1" noChangeAspect="1"/>
-          </p:cNvSpPr>
-          <p:nvPr>
-            <p:ph type="sldImg"/>
-          </p:nvPr>
-        </p:nvSpPr>
-        <p:spPr>
-          <a:xfrm>
-            <a:off x="1168400" y="693738"/>
-            <a:ext cx="4619625" cy="3465512"/>
-          </a:xfrm>
-        </p:spPr>
-      </p:sp>
-      <p:sp>
-        <p:nvSpPr>
-          <p:cNvPr id="3" name="Notes Placeholder 2"/>
-          <p:cNvSpPr>
-            <a:spLocks noGrp="1"/>
-          </p:cNvSpPr>
-          <p:nvPr>
-            <p:ph type="body" idx="1"/>
-          </p:nvPr>
-        </p:nvSpPr>
-        <p:spPr/>
-        <p:txBody>
-          <a:bodyPr/>
-          <a:lstStyle/>
-          <a:p>
-            <a:endParaRPr lang="en-US" dirty="0"/>
-          </a:p>
-        </p:txBody>
-      </p:sp>
-      <p:sp>
-        <p:nvSpPr>
-          <p:cNvPr id="4" name="Slide Number Placeholder 3"/>
-          <p:cNvSpPr>
-            <a:spLocks noGrp="1"/>
-          </p:cNvSpPr>
-          <p:nvPr>
-            <p:ph type="sldNum" sz="quarter" idx="10"/>
-          </p:nvPr>
-        </p:nvSpPr>
-        <p:spPr/>
-        <p:txBody>
-          <a:bodyPr/>
-          <a:lstStyle/>
-          <a:p>
-            <a:pPr>
-              <a:defRPr/>
-            </a:pPr>
-            <a:fld id="{4A13476B-BE88-43CF-8796-9E97146DFDA0}" type="slidenum">
-              <a:rPr lang="en-US" smtClean="0"/>
-              <a:pPr>
-                <a:defRPr/>
-              </a:pPr>
-              <a:t>26</a:t>
-            </a:fld>
-            <a:endParaRPr lang="en-US"/>
-          </a:p>
-        </p:txBody>
-      </p:sp>
-    </p:spTree>
-    <p:extLst>
-      <p:ext uri="{BB962C8B-B14F-4D97-AF65-F5344CB8AC3E}">
-        <p14:creationId xmlns:p14="http://schemas.microsoft.com/office/powerpoint/2010/main" val="3389556460"/>
-      </p:ext>
-    </p:extLst>
-  </p:cSld>
-  <p:clrMapOvr>
-    <a:masterClrMapping/>
-  </p:clrMapOvr>
-</p:notes>
-</file>
-
-<file path=ppt/notesSlides/notesSlide21.xml><?xml version="1.0" encoding="utf-8"?>
-<p:notes xmlns:a="http://schemas.openxmlformats.org/drawingml/2006/main" xmlns:r="http://schemas.openxmlformats.org/officeDocument/2006/relationships" xmlns:p="http://schemas.openxmlformats.org/presentationml/2006/main">
-  <p:cSld>
-    <p:spTree>
-      <p:nvGrpSpPr>
-        <p:cNvPr id="1" name=""/>
-        <p:cNvGrpSpPr/>
-        <p:nvPr/>
-      </p:nvGrpSpPr>
-      <p:grpSpPr>
-        <a:xfrm>
-          <a:off x="0" y="0"/>
-          <a:ext cx="0" cy="0"/>
-          <a:chOff x="0" y="0"/>
-          <a:chExt cx="0" cy="0"/>
-        </a:xfrm>
-      </p:grpSpPr>
-      <p:sp>
-        <p:nvSpPr>
-          <p:cNvPr id="2" name="Slide Image Placeholder 1"/>
-          <p:cNvSpPr>
-            <a:spLocks noGrp="1" noRot="1" noChangeAspect="1"/>
-          </p:cNvSpPr>
-          <p:nvPr>
-            <p:ph type="sldImg"/>
-          </p:nvPr>
-        </p:nvSpPr>
-        <p:spPr>
-          <a:xfrm>
-            <a:off x="1168400" y="693738"/>
-            <a:ext cx="4619625" cy="3465512"/>
-          </a:xfrm>
-        </p:spPr>
-      </p:sp>
-      <p:sp>
-        <p:nvSpPr>
-          <p:cNvPr id="3" name="Notes Placeholder 2"/>
-          <p:cNvSpPr>
-            <a:spLocks noGrp="1"/>
-          </p:cNvSpPr>
-          <p:nvPr>
-            <p:ph type="body" idx="1"/>
-          </p:nvPr>
-        </p:nvSpPr>
-        <p:spPr/>
-        <p:txBody>
-          <a:bodyPr/>
-          <a:lstStyle/>
-          <a:p>
-            <a:endParaRPr lang="en-US" dirty="0"/>
-          </a:p>
-        </p:txBody>
-      </p:sp>
-      <p:sp>
-        <p:nvSpPr>
-          <p:cNvPr id="4" name="Slide Number Placeholder 3"/>
-          <p:cNvSpPr>
-            <a:spLocks noGrp="1"/>
-          </p:cNvSpPr>
-          <p:nvPr>
-            <p:ph type="sldNum" sz="quarter" idx="10"/>
-          </p:nvPr>
-        </p:nvSpPr>
-        <p:spPr/>
-        <p:txBody>
-          <a:bodyPr/>
-          <a:lstStyle/>
-          <a:p>
-            <a:pPr>
-              <a:defRPr/>
-            </a:pPr>
-            <a:fld id="{4A13476B-BE88-43CF-8796-9E97146DFDA0}" type="slidenum">
-              <a:rPr lang="en-US" smtClean="0"/>
-              <a:pPr>
-                <a:defRPr/>
-              </a:pPr>
-              <a:t>27</a:t>
+              <a:t>4</a:t>
             </a:fld>
             <a:endParaRPr lang="en-US"/>
           </a:p>
@@ -2395,7 +1913,7 @@
               <a:pPr>
                 <a:defRPr/>
               </a:pPr>
-              <a:t>7</a:t>
+              <a:t>5</a:t>
             </a:fld>
             <a:endParaRPr lang="en-US"/>
           </a:p>
@@ -2490,7 +2008,7 @@
               <a:pPr>
                 <a:defRPr/>
               </a:pPr>
-              <a:t>8</a:t>
+              <a:t>6</a:t>
             </a:fld>
             <a:endParaRPr lang="en-US"/>
           </a:p>
@@ -2585,7 +2103,7 @@
               <a:pPr>
                 <a:defRPr/>
               </a:pPr>
-              <a:t>9</a:t>
+              <a:t>7</a:t>
             </a:fld>
             <a:endParaRPr lang="en-US"/>
           </a:p>
@@ -2680,7 +2198,7 @@
               <a:pPr>
                 <a:defRPr/>
               </a:pPr>
-              <a:t>10</a:t>
+              <a:t>8</a:t>
             </a:fld>
             <a:endParaRPr lang="en-US"/>
           </a:p>
@@ -2775,7 +2293,7 @@
               <a:pPr>
                 <a:defRPr/>
               </a:pPr>
-              <a:t>11</a:t>
+              <a:t>9</a:t>
             </a:fld>
             <a:endParaRPr lang="en-US"/>
           </a:p>
@@ -2870,7 +2388,7 @@
               <a:pPr>
                 <a:defRPr/>
               </a:pPr>
-              <a:t>12</a:t>
+              <a:t>10</a:t>
             </a:fld>
             <a:endParaRPr lang="en-US"/>
           </a:p>
@@ -2965,7 +2483,7 @@
               <a:pPr>
                 <a:defRPr/>
               </a:pPr>
-              <a:t>13</a:t>
+              <a:t>11</a:t>
             </a:fld>
             <a:endParaRPr lang="en-US"/>
           </a:p>
@@ -6593,15 +6111,7 @@
             <a:pPr algn="ctr"/>
             <a:r>
               <a:rPr lang="en-US" sz="5400" dirty="0" smtClean="0"/>
-              <a:t>Five Easy Pieces </a:t>
-            </a:r>
-            <a:r>
-              <a:rPr lang="en-US" sz="5400" dirty="0" smtClean="0"/>
-              <a:t>#2</a:t>
-            </a:r>
-            <a:r>
-              <a:rPr lang="en-US" sz="5400" dirty="0" smtClean="0"/>
-              <a:t/>
+              <a:t>Five Easy Pieces #2</a:t>
             </a:r>
             <a:br>
               <a:rPr lang="en-US" sz="5400" dirty="0" smtClean="0"/>
@@ -6610,7 +6120,6 @@
               <a:rPr lang="en-US" sz="5400" dirty="0" smtClean="0"/>
               <a:t>Even Fibonacci Numbers</a:t>
             </a:r>
-            <a:endParaRPr lang="en-US" sz="5400" dirty="0" smtClean="0"/>
           </a:p>
         </p:txBody>
       </p:sp>
@@ -6684,3533 +6193,6 @@
 </file>
 
 <file path=ppt/slides/slide10.xml><?xml version="1.0" encoding="utf-8"?>
-<p:sld xmlns:a="http://schemas.openxmlformats.org/drawingml/2006/main" xmlns:r="http://schemas.openxmlformats.org/officeDocument/2006/relationships" xmlns:p="http://schemas.openxmlformats.org/presentationml/2006/main">
-  <p:cSld>
-    <p:spTree>
-      <p:nvGrpSpPr>
-        <p:cNvPr id="1" name=""/>
-        <p:cNvGrpSpPr/>
-        <p:nvPr/>
-      </p:nvGrpSpPr>
-      <p:grpSpPr>
-        <a:xfrm>
-          <a:off x="0" y="0"/>
-          <a:ext cx="0" cy="0"/>
-          <a:chOff x="0" y="0"/>
-          <a:chExt cx="0" cy="0"/>
-        </a:xfrm>
-      </p:grpSpPr>
-      <p:sp>
-        <p:nvSpPr>
-          <p:cNvPr id="6146" name="Title 1"/>
-          <p:cNvSpPr>
-            <a:spLocks noGrp="1"/>
-          </p:cNvSpPr>
-          <p:nvPr>
-            <p:ph type="title"/>
-          </p:nvPr>
-        </p:nvSpPr>
-        <p:spPr/>
-        <p:txBody>
-          <a:bodyPr/>
-          <a:lstStyle/>
-          <a:p>
-            <a:r>
-              <a:rPr lang="en-US" dirty="0" smtClean="0"/>
-              <a:t>Extension Methods</a:t>
-            </a:r>
-          </a:p>
-        </p:txBody>
-      </p:sp>
-      <p:sp>
-        <p:nvSpPr>
-          <p:cNvPr id="6147" name="Content Placeholder 2"/>
-          <p:cNvSpPr>
-            <a:spLocks noGrp="1"/>
-          </p:cNvSpPr>
-          <p:nvPr>
-            <p:ph idx="1"/>
-          </p:nvPr>
-        </p:nvSpPr>
-        <p:spPr>
-          <a:xfrm>
-            <a:off x="0" y="1219200"/>
-            <a:ext cx="9144000" cy="4929188"/>
-          </a:xfrm>
-        </p:spPr>
-        <p:txBody>
-          <a:bodyPr/>
-          <a:lstStyle/>
-          <a:p>
-            <a:r>
-              <a:rPr lang="en-US" sz="2400" dirty="0" smtClean="0"/>
-              <a:t>Extension methods are static methods in static classes.</a:t>
-            </a:r>
-          </a:p>
-          <a:p>
-            <a:r>
-              <a:rPr lang="en-US" sz="2400" dirty="0" smtClean="0"/>
-              <a:t>Calls to extension methods look like they’re calling methods that belong to the type of the first parameter, but they’re not.</a:t>
-            </a:r>
-          </a:p>
-          <a:p>
-            <a:r>
-              <a:rPr lang="en-US" sz="2400" dirty="0" smtClean="0"/>
-              <a:t>It’s nice syntactic sugar.</a:t>
-            </a:r>
-          </a:p>
-          <a:p>
-            <a:r>
-              <a:rPr lang="en-US" sz="2400" dirty="0" smtClean="0"/>
-              <a:t>It allows you to extend the perceived interface of the class without modifying the class itself.</a:t>
-            </a:r>
-            <a:endParaRPr lang="en-US" sz="2400" dirty="0"/>
-          </a:p>
-        </p:txBody>
-      </p:sp>
-      <p:sp>
-        <p:nvSpPr>
-          <p:cNvPr id="6148" name="Footer Placeholder 3"/>
-          <p:cNvSpPr>
-            <a:spLocks noGrp="1"/>
-          </p:cNvSpPr>
-          <p:nvPr>
-            <p:ph type="ftr" sz="quarter" idx="11"/>
-          </p:nvPr>
-        </p:nvSpPr>
-        <p:spPr>
-          <a:noFill/>
-          <a:ln/>
-          <a:extLst>
-            <a:ext uri="{909E8E84-426E-40DD-AFC4-6F175D3DCCD1}">
-              <a14:hiddenFill xmlns:a14="http://schemas.microsoft.com/office/drawing/2010/main">
-                <a:solidFill>
-                  <a:srgbClr val="FFFFFF"/>
-                </a:solidFill>
-              </a14:hiddenFill>
-            </a:ext>
-            <a:ext uri="{91240B29-F687-4F45-9708-019B960494DF}">
-              <a14:hiddenLine xmlns:a14="http://schemas.microsoft.com/office/drawing/2010/main" w="9525">
-                <a:solidFill>
-                  <a:srgbClr val="000000"/>
-                </a:solidFill>
-                <a:miter lim="800000"/>
-                <a:headEnd/>
-                <a:tailEnd/>
-              </a14:hiddenLine>
-            </a:ext>
-          </a:extLst>
-        </p:spPr>
-        <p:txBody>
-          <a:bodyPr/>
-          <a:lstStyle>
-            <a:lvl1pPr eaLnBrk="0" hangingPunct="0">
-              <a:defRPr sz="2800" b="1">
-                <a:solidFill>
-                  <a:schemeClr val="tx1"/>
-                </a:solidFill>
-                <a:latin typeface="Arial" charset="0"/>
-              </a:defRPr>
-            </a:lvl1pPr>
-            <a:lvl2pPr marL="742950" indent="-285750" eaLnBrk="0" hangingPunct="0">
-              <a:defRPr sz="2800" b="1">
-                <a:solidFill>
-                  <a:schemeClr val="tx1"/>
-                </a:solidFill>
-                <a:latin typeface="Arial" charset="0"/>
-              </a:defRPr>
-            </a:lvl2pPr>
-            <a:lvl3pPr marL="1143000" indent="-228600" eaLnBrk="0" hangingPunct="0">
-              <a:defRPr sz="2800" b="1">
-                <a:solidFill>
-                  <a:schemeClr val="tx1"/>
-                </a:solidFill>
-                <a:latin typeface="Arial" charset="0"/>
-              </a:defRPr>
-            </a:lvl3pPr>
-            <a:lvl4pPr marL="1600200" indent="-228600" eaLnBrk="0" hangingPunct="0">
-              <a:defRPr sz="2800" b="1">
-                <a:solidFill>
-                  <a:schemeClr val="tx1"/>
-                </a:solidFill>
-                <a:latin typeface="Arial" charset="0"/>
-              </a:defRPr>
-            </a:lvl4pPr>
-            <a:lvl5pPr marL="2057400" indent="-228600" eaLnBrk="0" hangingPunct="0">
-              <a:defRPr sz="2800" b="1">
-                <a:solidFill>
-                  <a:schemeClr val="tx1"/>
-                </a:solidFill>
-                <a:latin typeface="Arial" charset="0"/>
-              </a:defRPr>
-            </a:lvl5pPr>
-            <a:lvl6pPr marL="2514600" indent="-228600" eaLnBrk="0" fontAlgn="base" hangingPunct="0">
-              <a:spcBef>
-                <a:spcPct val="0"/>
-              </a:spcBef>
-              <a:spcAft>
-                <a:spcPct val="0"/>
-              </a:spcAft>
-              <a:defRPr sz="2800" b="1">
-                <a:solidFill>
-                  <a:schemeClr val="tx1"/>
-                </a:solidFill>
-                <a:latin typeface="Arial" charset="0"/>
-              </a:defRPr>
-            </a:lvl6pPr>
-            <a:lvl7pPr marL="2971800" indent="-228600" eaLnBrk="0" fontAlgn="base" hangingPunct="0">
-              <a:spcBef>
-                <a:spcPct val="0"/>
-              </a:spcBef>
-              <a:spcAft>
-                <a:spcPct val="0"/>
-              </a:spcAft>
-              <a:defRPr sz="2800" b="1">
-                <a:solidFill>
-                  <a:schemeClr val="tx1"/>
-                </a:solidFill>
-                <a:latin typeface="Arial" charset="0"/>
-              </a:defRPr>
-            </a:lvl7pPr>
-            <a:lvl8pPr marL="3429000" indent="-228600" eaLnBrk="0" fontAlgn="base" hangingPunct="0">
-              <a:spcBef>
-                <a:spcPct val="0"/>
-              </a:spcBef>
-              <a:spcAft>
-                <a:spcPct val="0"/>
-              </a:spcAft>
-              <a:defRPr sz="2800" b="1">
-                <a:solidFill>
-                  <a:schemeClr val="tx1"/>
-                </a:solidFill>
-                <a:latin typeface="Arial" charset="0"/>
-              </a:defRPr>
-            </a:lvl8pPr>
-            <a:lvl9pPr marL="3886200" indent="-228600" eaLnBrk="0" fontAlgn="base" hangingPunct="0">
-              <a:spcBef>
-                <a:spcPct val="0"/>
-              </a:spcBef>
-              <a:spcAft>
-                <a:spcPct val="0"/>
-              </a:spcAft>
-              <a:defRPr sz="2800" b="1">
-                <a:solidFill>
-                  <a:schemeClr val="tx1"/>
-                </a:solidFill>
-                <a:latin typeface="Arial" charset="0"/>
-              </a:defRPr>
-            </a:lvl9pPr>
-          </a:lstStyle>
-          <a:p>
-            <a:r>
-              <a:rPr lang="en-US" sz="1400" b="0" smtClean="0">
-                <a:solidFill>
-                  <a:srgbClr val="FFFFFF"/>
-                </a:solidFill>
-              </a:rPr>
-              <a:t>Teradyne Confidential and Proprietary</a:t>
-            </a:r>
-          </a:p>
-        </p:txBody>
-      </p:sp>
-    </p:spTree>
-    <p:extLst>
-      <p:ext uri="{BB962C8B-B14F-4D97-AF65-F5344CB8AC3E}">
-        <p14:creationId xmlns:p14="http://schemas.microsoft.com/office/powerpoint/2010/main" val="253378526"/>
-      </p:ext>
-    </p:extLst>
-  </p:cSld>
-  <p:clrMapOvr>
-    <a:masterClrMapping/>
-  </p:clrMapOvr>
-  <p:timing>
-    <p:tnLst>
-      <p:par>
-        <p:cTn id="1" dur="indefinite" restart="never" nodeType="tmRoot"/>
-      </p:par>
-    </p:tnLst>
-  </p:timing>
-</p:sld>
-</file>
-
-<file path=ppt/slides/slide11.xml><?xml version="1.0" encoding="utf-8"?>
-<p:sld xmlns:a="http://schemas.openxmlformats.org/drawingml/2006/main" xmlns:r="http://schemas.openxmlformats.org/officeDocument/2006/relationships" xmlns:p="http://schemas.openxmlformats.org/presentationml/2006/main">
-  <p:cSld>
-    <p:spTree>
-      <p:nvGrpSpPr>
-        <p:cNvPr id="1" name=""/>
-        <p:cNvGrpSpPr/>
-        <p:nvPr/>
-      </p:nvGrpSpPr>
-      <p:grpSpPr>
-        <a:xfrm>
-          <a:off x="0" y="0"/>
-          <a:ext cx="0" cy="0"/>
-          <a:chOff x="0" y="0"/>
-          <a:chExt cx="0" cy="0"/>
-        </a:xfrm>
-      </p:grpSpPr>
-      <p:sp>
-        <p:nvSpPr>
-          <p:cNvPr id="6146" name="Title 1"/>
-          <p:cNvSpPr>
-            <a:spLocks noGrp="1"/>
-          </p:cNvSpPr>
-          <p:nvPr>
-            <p:ph type="title"/>
-          </p:nvPr>
-        </p:nvSpPr>
-        <p:spPr/>
-        <p:txBody>
-          <a:bodyPr/>
-          <a:lstStyle/>
-          <a:p>
-            <a:r>
-              <a:rPr lang="en-US" dirty="0" smtClean="0"/>
-              <a:t>Delegates and Lambdas</a:t>
-            </a:r>
-          </a:p>
-        </p:txBody>
-      </p:sp>
-      <p:sp>
-        <p:nvSpPr>
-          <p:cNvPr id="6147" name="Content Placeholder 2"/>
-          <p:cNvSpPr>
-            <a:spLocks noGrp="1"/>
-          </p:cNvSpPr>
-          <p:nvPr>
-            <p:ph idx="1"/>
-          </p:nvPr>
-        </p:nvSpPr>
-        <p:spPr>
-          <a:xfrm>
-            <a:off x="0" y="1219200"/>
-            <a:ext cx="9144000" cy="4929188"/>
-          </a:xfrm>
-        </p:spPr>
-        <p:txBody>
-          <a:bodyPr/>
-          <a:lstStyle/>
-          <a:p>
-            <a:pPr marL="0" indent="0">
-              <a:buNone/>
-            </a:pPr>
-            <a:r>
-              <a:rPr lang="en-US" sz="2400" dirty="0" smtClean="0"/>
-              <a:t>public static </a:t>
-            </a:r>
-            <a:r>
-              <a:rPr lang="en-US" sz="2400" dirty="0" err="1" smtClean="0"/>
-              <a:t>IEnumerable</a:t>
-            </a:r>
-            <a:r>
-              <a:rPr lang="en-US" sz="2400" dirty="0" smtClean="0"/>
-              <a:t>&lt;</a:t>
-            </a:r>
-            <a:r>
-              <a:rPr lang="en-US" sz="2400" dirty="0" err="1" smtClean="0"/>
-              <a:t>TSource</a:t>
-            </a:r>
-            <a:r>
-              <a:rPr lang="en-US" sz="2400" dirty="0" smtClean="0"/>
-              <a:t>&gt; Where&lt;</a:t>
-            </a:r>
-            <a:r>
-              <a:rPr lang="en-US" sz="2400" dirty="0" err="1" smtClean="0"/>
-              <a:t>TSource</a:t>
-            </a:r>
-            <a:r>
-              <a:rPr lang="en-US" sz="2400" dirty="0" smtClean="0"/>
-              <a:t>&gt;(</a:t>
-            </a:r>
-          </a:p>
-          <a:p>
-            <a:pPr marL="0" indent="0">
-              <a:buNone/>
-            </a:pPr>
-            <a:r>
-              <a:rPr lang="en-US" sz="2400" dirty="0"/>
-              <a:t> </a:t>
-            </a:r>
-            <a:r>
-              <a:rPr lang="en-US" sz="2400" dirty="0" smtClean="0"/>
-              <a:t> this </a:t>
-            </a:r>
-            <a:r>
-              <a:rPr lang="en-US" sz="2400" dirty="0" err="1" smtClean="0"/>
-              <a:t>IEnumerable</a:t>
-            </a:r>
-            <a:r>
-              <a:rPr lang="en-US" sz="2400" dirty="0" smtClean="0"/>
-              <a:t>&lt;</a:t>
-            </a:r>
-            <a:r>
-              <a:rPr lang="en-US" sz="2400" dirty="0" err="1" smtClean="0"/>
-              <a:t>TSource</a:t>
-            </a:r>
-            <a:r>
-              <a:rPr lang="en-US" sz="2400" dirty="0" smtClean="0"/>
-              <a:t>&gt; source,</a:t>
-            </a:r>
-          </a:p>
-          <a:p>
-            <a:pPr marL="0" indent="0">
-              <a:buNone/>
-            </a:pPr>
-            <a:r>
-              <a:rPr lang="en-US" sz="2400" dirty="0"/>
-              <a:t> </a:t>
-            </a:r>
-            <a:r>
-              <a:rPr lang="en-US" sz="2400" dirty="0" smtClean="0"/>
-              <a:t> </a:t>
-            </a:r>
-            <a:r>
-              <a:rPr lang="en-US" sz="2400" dirty="0" err="1" smtClean="0"/>
-              <a:t>Func</a:t>
-            </a:r>
-            <a:r>
-              <a:rPr lang="en-US" sz="2400" dirty="0" smtClean="0"/>
-              <a:t>&lt;</a:t>
-            </a:r>
-            <a:r>
-              <a:rPr lang="en-US" sz="2400" dirty="0" err="1" smtClean="0"/>
-              <a:t>TSource</a:t>
-            </a:r>
-            <a:r>
-              <a:rPr lang="en-US" sz="2400" dirty="0" smtClean="0"/>
-              <a:t>, </a:t>
-            </a:r>
-            <a:r>
-              <a:rPr lang="en-US" sz="2400" dirty="0" err="1" smtClean="0"/>
-              <a:t>bool</a:t>
-            </a:r>
-            <a:r>
-              <a:rPr lang="en-US" sz="2400" dirty="0" smtClean="0"/>
-              <a:t>&gt; predicate)</a:t>
-            </a:r>
-          </a:p>
-          <a:p>
-            <a:r>
-              <a:rPr lang="en-US" sz="2400" dirty="0" smtClean="0"/>
-              <a:t>The second parameter to Where is a predicate that indicates which items to return to caller.</a:t>
-            </a:r>
-          </a:p>
-          <a:p>
-            <a:r>
-              <a:rPr lang="en-US" sz="2400" dirty="0" err="1" smtClean="0"/>
-              <a:t>Func</a:t>
-            </a:r>
-            <a:r>
-              <a:rPr lang="en-US" sz="2400" dirty="0" smtClean="0"/>
-              <a:t>&lt;</a:t>
-            </a:r>
-            <a:r>
-              <a:rPr lang="en-US" sz="2400" dirty="0" err="1" smtClean="0"/>
-              <a:t>TSource</a:t>
-            </a:r>
-            <a:r>
-              <a:rPr lang="en-US" sz="2400" dirty="0" smtClean="0"/>
-              <a:t>, </a:t>
-            </a:r>
-            <a:r>
-              <a:rPr lang="en-US" sz="2400" dirty="0" err="1" smtClean="0"/>
-              <a:t>bool</a:t>
-            </a:r>
-            <a:r>
-              <a:rPr lang="en-US" sz="2400" dirty="0" smtClean="0"/>
-              <a:t>&gt; indicates a delegate that takes a </a:t>
-            </a:r>
-            <a:r>
-              <a:rPr lang="en-US" sz="2400" dirty="0" err="1" smtClean="0"/>
-              <a:t>TSource</a:t>
-            </a:r>
-            <a:r>
-              <a:rPr lang="en-US" sz="2400" dirty="0" smtClean="0"/>
-              <a:t> parameter and returns a </a:t>
-            </a:r>
-            <a:r>
-              <a:rPr lang="en-US" sz="2400" dirty="0" err="1" smtClean="0"/>
-              <a:t>bool</a:t>
-            </a:r>
-            <a:r>
-              <a:rPr lang="en-US" sz="2400" dirty="0" smtClean="0"/>
-              <a:t>.</a:t>
-            </a:r>
-          </a:p>
-          <a:p>
-            <a:r>
-              <a:rPr lang="en-US" sz="2400" dirty="0" smtClean="0"/>
-              <a:t>There are other </a:t>
-            </a:r>
-            <a:r>
-              <a:rPr lang="en-US" sz="2400" dirty="0" err="1" smtClean="0"/>
-              <a:t>Func</a:t>
-            </a:r>
-            <a:r>
-              <a:rPr lang="en-US" sz="2400" dirty="0" smtClean="0"/>
-              <a:t>&lt;&gt; delegates that accept up to 16 arguments.</a:t>
-            </a:r>
-          </a:p>
-          <a:p>
-            <a:r>
-              <a:rPr lang="en-US" sz="2400" dirty="0" smtClean="0"/>
-              <a:t>Action delegates may accept parameters but return void.</a:t>
-            </a:r>
-          </a:p>
-        </p:txBody>
-      </p:sp>
-      <p:sp>
-        <p:nvSpPr>
-          <p:cNvPr id="6148" name="Footer Placeholder 3"/>
-          <p:cNvSpPr>
-            <a:spLocks noGrp="1"/>
-          </p:cNvSpPr>
-          <p:nvPr>
-            <p:ph type="ftr" sz="quarter" idx="11"/>
-          </p:nvPr>
-        </p:nvSpPr>
-        <p:spPr>
-          <a:noFill/>
-          <a:ln/>
-          <a:extLst>
-            <a:ext uri="{909E8E84-426E-40DD-AFC4-6F175D3DCCD1}">
-              <a14:hiddenFill xmlns:a14="http://schemas.microsoft.com/office/drawing/2010/main">
-                <a:solidFill>
-                  <a:srgbClr val="FFFFFF"/>
-                </a:solidFill>
-              </a14:hiddenFill>
-            </a:ext>
-            <a:ext uri="{91240B29-F687-4F45-9708-019B960494DF}">
-              <a14:hiddenLine xmlns:a14="http://schemas.microsoft.com/office/drawing/2010/main" w="9525">
-                <a:solidFill>
-                  <a:srgbClr val="000000"/>
-                </a:solidFill>
-                <a:miter lim="800000"/>
-                <a:headEnd/>
-                <a:tailEnd/>
-              </a14:hiddenLine>
-            </a:ext>
-          </a:extLst>
-        </p:spPr>
-        <p:txBody>
-          <a:bodyPr/>
-          <a:lstStyle>
-            <a:lvl1pPr eaLnBrk="0" hangingPunct="0">
-              <a:defRPr sz="2800" b="1">
-                <a:solidFill>
-                  <a:schemeClr val="tx1"/>
-                </a:solidFill>
-                <a:latin typeface="Arial" charset="0"/>
-              </a:defRPr>
-            </a:lvl1pPr>
-            <a:lvl2pPr marL="742950" indent="-285750" eaLnBrk="0" hangingPunct="0">
-              <a:defRPr sz="2800" b="1">
-                <a:solidFill>
-                  <a:schemeClr val="tx1"/>
-                </a:solidFill>
-                <a:latin typeface="Arial" charset="0"/>
-              </a:defRPr>
-            </a:lvl2pPr>
-            <a:lvl3pPr marL="1143000" indent="-228600" eaLnBrk="0" hangingPunct="0">
-              <a:defRPr sz="2800" b="1">
-                <a:solidFill>
-                  <a:schemeClr val="tx1"/>
-                </a:solidFill>
-                <a:latin typeface="Arial" charset="0"/>
-              </a:defRPr>
-            </a:lvl3pPr>
-            <a:lvl4pPr marL="1600200" indent="-228600" eaLnBrk="0" hangingPunct="0">
-              <a:defRPr sz="2800" b="1">
-                <a:solidFill>
-                  <a:schemeClr val="tx1"/>
-                </a:solidFill>
-                <a:latin typeface="Arial" charset="0"/>
-              </a:defRPr>
-            </a:lvl4pPr>
-            <a:lvl5pPr marL="2057400" indent="-228600" eaLnBrk="0" hangingPunct="0">
-              <a:defRPr sz="2800" b="1">
-                <a:solidFill>
-                  <a:schemeClr val="tx1"/>
-                </a:solidFill>
-                <a:latin typeface="Arial" charset="0"/>
-              </a:defRPr>
-            </a:lvl5pPr>
-            <a:lvl6pPr marL="2514600" indent="-228600" eaLnBrk="0" fontAlgn="base" hangingPunct="0">
-              <a:spcBef>
-                <a:spcPct val="0"/>
-              </a:spcBef>
-              <a:spcAft>
-                <a:spcPct val="0"/>
-              </a:spcAft>
-              <a:defRPr sz="2800" b="1">
-                <a:solidFill>
-                  <a:schemeClr val="tx1"/>
-                </a:solidFill>
-                <a:latin typeface="Arial" charset="0"/>
-              </a:defRPr>
-            </a:lvl6pPr>
-            <a:lvl7pPr marL="2971800" indent="-228600" eaLnBrk="0" fontAlgn="base" hangingPunct="0">
-              <a:spcBef>
-                <a:spcPct val="0"/>
-              </a:spcBef>
-              <a:spcAft>
-                <a:spcPct val="0"/>
-              </a:spcAft>
-              <a:defRPr sz="2800" b="1">
-                <a:solidFill>
-                  <a:schemeClr val="tx1"/>
-                </a:solidFill>
-                <a:latin typeface="Arial" charset="0"/>
-              </a:defRPr>
-            </a:lvl7pPr>
-            <a:lvl8pPr marL="3429000" indent="-228600" eaLnBrk="0" fontAlgn="base" hangingPunct="0">
-              <a:spcBef>
-                <a:spcPct val="0"/>
-              </a:spcBef>
-              <a:spcAft>
-                <a:spcPct val="0"/>
-              </a:spcAft>
-              <a:defRPr sz="2800" b="1">
-                <a:solidFill>
-                  <a:schemeClr val="tx1"/>
-                </a:solidFill>
-                <a:latin typeface="Arial" charset="0"/>
-              </a:defRPr>
-            </a:lvl8pPr>
-            <a:lvl9pPr marL="3886200" indent="-228600" eaLnBrk="0" fontAlgn="base" hangingPunct="0">
-              <a:spcBef>
-                <a:spcPct val="0"/>
-              </a:spcBef>
-              <a:spcAft>
-                <a:spcPct val="0"/>
-              </a:spcAft>
-              <a:defRPr sz="2800" b="1">
-                <a:solidFill>
-                  <a:schemeClr val="tx1"/>
-                </a:solidFill>
-                <a:latin typeface="Arial" charset="0"/>
-              </a:defRPr>
-            </a:lvl9pPr>
-          </a:lstStyle>
-          <a:p>
-            <a:r>
-              <a:rPr lang="en-US" sz="1400" b="0" smtClean="0">
-                <a:solidFill>
-                  <a:srgbClr val="FFFFFF"/>
-                </a:solidFill>
-              </a:rPr>
-              <a:t>Teradyne Confidential and Proprietary</a:t>
-            </a:r>
-          </a:p>
-        </p:txBody>
-      </p:sp>
-    </p:spTree>
-    <p:extLst>
-      <p:ext uri="{BB962C8B-B14F-4D97-AF65-F5344CB8AC3E}">
-        <p14:creationId xmlns:p14="http://schemas.microsoft.com/office/powerpoint/2010/main" val="1348427570"/>
-      </p:ext>
-    </p:extLst>
-  </p:cSld>
-  <p:clrMapOvr>
-    <a:masterClrMapping/>
-  </p:clrMapOvr>
-  <p:timing>
-    <p:tnLst>
-      <p:par>
-        <p:cTn id="1" dur="indefinite" restart="never" nodeType="tmRoot"/>
-      </p:par>
-    </p:tnLst>
-  </p:timing>
-</p:sld>
-</file>
-
-<file path=ppt/slides/slide12.xml><?xml version="1.0" encoding="utf-8"?>
-<p:sld xmlns:a="http://schemas.openxmlformats.org/drawingml/2006/main" xmlns:r="http://schemas.openxmlformats.org/officeDocument/2006/relationships" xmlns:p="http://schemas.openxmlformats.org/presentationml/2006/main">
-  <p:cSld>
-    <p:spTree>
-      <p:nvGrpSpPr>
-        <p:cNvPr id="1" name=""/>
-        <p:cNvGrpSpPr/>
-        <p:nvPr/>
-      </p:nvGrpSpPr>
-      <p:grpSpPr>
-        <a:xfrm>
-          <a:off x="0" y="0"/>
-          <a:ext cx="0" cy="0"/>
-          <a:chOff x="0" y="0"/>
-          <a:chExt cx="0" cy="0"/>
-        </a:xfrm>
-      </p:grpSpPr>
-      <p:sp>
-        <p:nvSpPr>
-          <p:cNvPr id="6146" name="Title 1"/>
-          <p:cNvSpPr>
-            <a:spLocks noGrp="1"/>
-          </p:cNvSpPr>
-          <p:nvPr>
-            <p:ph type="title"/>
-          </p:nvPr>
-        </p:nvSpPr>
-        <p:spPr/>
-        <p:txBody>
-          <a:bodyPr/>
-          <a:lstStyle/>
-          <a:p>
-            <a:r>
-              <a:rPr lang="en-US" dirty="0" smtClean="0"/>
-              <a:t>Delegates and Lambdas</a:t>
-            </a:r>
-          </a:p>
-        </p:txBody>
-      </p:sp>
-      <p:sp>
-        <p:nvSpPr>
-          <p:cNvPr id="6147" name="Content Placeholder 2"/>
-          <p:cNvSpPr>
-            <a:spLocks noGrp="1"/>
-          </p:cNvSpPr>
-          <p:nvPr>
-            <p:ph idx="1"/>
-          </p:nvPr>
-        </p:nvSpPr>
-        <p:spPr>
-          <a:xfrm>
-            <a:off x="0" y="1219200"/>
-            <a:ext cx="9144000" cy="4929188"/>
-          </a:xfrm>
-        </p:spPr>
-        <p:txBody>
-          <a:bodyPr/>
-          <a:lstStyle/>
-          <a:p>
-            <a:r>
-              <a:rPr lang="en-US" sz="2400" dirty="0" smtClean="0"/>
-              <a:t>Lambdas are convenient ways to create anonymous delegates.</a:t>
-            </a:r>
-          </a:p>
-          <a:p>
-            <a:r>
-              <a:rPr lang="en-US" sz="2400" dirty="0" smtClean="0"/>
-              <a:t>Useful for passing small bits of behavior to other functions.</a:t>
-            </a:r>
-          </a:p>
-          <a:p>
-            <a:r>
-              <a:rPr lang="en-US" sz="2400" dirty="0" smtClean="0"/>
-              <a:t>If your lambda is more than a couple of expressions, consider creating a named function instead.</a:t>
-            </a:r>
-          </a:p>
-          <a:p>
-            <a:pPr marL="0" indent="0">
-              <a:buNone/>
-            </a:pPr>
-            <a:r>
-              <a:rPr lang="en-US" sz="2400" dirty="0" err="1" smtClean="0"/>
-              <a:t>Enumerable.Range</a:t>
-            </a:r>
-            <a:r>
-              <a:rPr lang="en-US" sz="2400" dirty="0" smtClean="0"/>
-              <a:t>(1, limit - 1)</a:t>
-            </a:r>
-          </a:p>
-          <a:p>
-            <a:pPr marL="0" indent="0">
-              <a:buNone/>
-            </a:pPr>
-            <a:r>
-              <a:rPr lang="en-US" sz="2400" dirty="0"/>
-              <a:t> </a:t>
-            </a:r>
-            <a:r>
-              <a:rPr lang="en-US" sz="2400" dirty="0" smtClean="0"/>
-              <a:t>                  .Where(</a:t>
-            </a:r>
-            <a:r>
-              <a:rPr lang="en-US" sz="2400" dirty="0" err="1" smtClean="0"/>
-              <a:t>i</a:t>
-            </a:r>
-            <a:r>
-              <a:rPr lang="en-US" sz="2400" dirty="0" smtClean="0"/>
-              <a:t> =&gt; </a:t>
-            </a:r>
-            <a:r>
-              <a:rPr lang="en-US" sz="2400" dirty="0" err="1" smtClean="0"/>
-              <a:t>i</a:t>
-            </a:r>
-            <a:r>
-              <a:rPr lang="en-US" sz="2400" dirty="0" smtClean="0"/>
-              <a:t> % x == 0 || </a:t>
-            </a:r>
-            <a:r>
-              <a:rPr lang="en-US" sz="2400" dirty="0" err="1" smtClean="0"/>
-              <a:t>i</a:t>
-            </a:r>
-            <a:r>
-              <a:rPr lang="en-US" sz="2400" dirty="0" smtClean="0"/>
-              <a:t> % y == 0)</a:t>
-            </a:r>
-          </a:p>
-          <a:p>
-            <a:r>
-              <a:rPr lang="en-US" sz="2400" dirty="0" smtClean="0"/>
-              <a:t>The compiler infers the type of </a:t>
-            </a:r>
-            <a:r>
-              <a:rPr lang="en-US" sz="2400" dirty="0" err="1" smtClean="0"/>
-              <a:t>i</a:t>
-            </a:r>
-            <a:r>
-              <a:rPr lang="en-US" sz="2400" dirty="0" smtClean="0"/>
-              <a:t> automatically.</a:t>
-            </a:r>
-          </a:p>
-          <a:p>
-            <a:r>
-              <a:rPr lang="en-US" sz="2400" dirty="0" smtClean="0"/>
-              <a:t>You can specify the type explicitly if necessary</a:t>
-            </a:r>
-          </a:p>
-        </p:txBody>
-      </p:sp>
-      <p:sp>
-        <p:nvSpPr>
-          <p:cNvPr id="6148" name="Footer Placeholder 3"/>
-          <p:cNvSpPr>
-            <a:spLocks noGrp="1"/>
-          </p:cNvSpPr>
-          <p:nvPr>
-            <p:ph type="ftr" sz="quarter" idx="11"/>
-          </p:nvPr>
-        </p:nvSpPr>
-        <p:spPr>
-          <a:noFill/>
-          <a:ln/>
-          <a:extLst>
-            <a:ext uri="{909E8E84-426E-40DD-AFC4-6F175D3DCCD1}">
-              <a14:hiddenFill xmlns:a14="http://schemas.microsoft.com/office/drawing/2010/main">
-                <a:solidFill>
-                  <a:srgbClr val="FFFFFF"/>
-                </a:solidFill>
-              </a14:hiddenFill>
-            </a:ext>
-            <a:ext uri="{91240B29-F687-4F45-9708-019B960494DF}">
-              <a14:hiddenLine xmlns:a14="http://schemas.microsoft.com/office/drawing/2010/main" w="9525">
-                <a:solidFill>
-                  <a:srgbClr val="000000"/>
-                </a:solidFill>
-                <a:miter lim="800000"/>
-                <a:headEnd/>
-                <a:tailEnd/>
-              </a14:hiddenLine>
-            </a:ext>
-          </a:extLst>
-        </p:spPr>
-        <p:txBody>
-          <a:bodyPr/>
-          <a:lstStyle>
-            <a:lvl1pPr eaLnBrk="0" hangingPunct="0">
-              <a:defRPr sz="2800" b="1">
-                <a:solidFill>
-                  <a:schemeClr val="tx1"/>
-                </a:solidFill>
-                <a:latin typeface="Arial" charset="0"/>
-              </a:defRPr>
-            </a:lvl1pPr>
-            <a:lvl2pPr marL="742950" indent="-285750" eaLnBrk="0" hangingPunct="0">
-              <a:defRPr sz="2800" b="1">
-                <a:solidFill>
-                  <a:schemeClr val="tx1"/>
-                </a:solidFill>
-                <a:latin typeface="Arial" charset="0"/>
-              </a:defRPr>
-            </a:lvl2pPr>
-            <a:lvl3pPr marL="1143000" indent="-228600" eaLnBrk="0" hangingPunct="0">
-              <a:defRPr sz="2800" b="1">
-                <a:solidFill>
-                  <a:schemeClr val="tx1"/>
-                </a:solidFill>
-                <a:latin typeface="Arial" charset="0"/>
-              </a:defRPr>
-            </a:lvl3pPr>
-            <a:lvl4pPr marL="1600200" indent="-228600" eaLnBrk="0" hangingPunct="0">
-              <a:defRPr sz="2800" b="1">
-                <a:solidFill>
-                  <a:schemeClr val="tx1"/>
-                </a:solidFill>
-                <a:latin typeface="Arial" charset="0"/>
-              </a:defRPr>
-            </a:lvl4pPr>
-            <a:lvl5pPr marL="2057400" indent="-228600" eaLnBrk="0" hangingPunct="0">
-              <a:defRPr sz="2800" b="1">
-                <a:solidFill>
-                  <a:schemeClr val="tx1"/>
-                </a:solidFill>
-                <a:latin typeface="Arial" charset="0"/>
-              </a:defRPr>
-            </a:lvl5pPr>
-            <a:lvl6pPr marL="2514600" indent="-228600" eaLnBrk="0" fontAlgn="base" hangingPunct="0">
-              <a:spcBef>
-                <a:spcPct val="0"/>
-              </a:spcBef>
-              <a:spcAft>
-                <a:spcPct val="0"/>
-              </a:spcAft>
-              <a:defRPr sz="2800" b="1">
-                <a:solidFill>
-                  <a:schemeClr val="tx1"/>
-                </a:solidFill>
-                <a:latin typeface="Arial" charset="0"/>
-              </a:defRPr>
-            </a:lvl6pPr>
-            <a:lvl7pPr marL="2971800" indent="-228600" eaLnBrk="0" fontAlgn="base" hangingPunct="0">
-              <a:spcBef>
-                <a:spcPct val="0"/>
-              </a:spcBef>
-              <a:spcAft>
-                <a:spcPct val="0"/>
-              </a:spcAft>
-              <a:defRPr sz="2800" b="1">
-                <a:solidFill>
-                  <a:schemeClr val="tx1"/>
-                </a:solidFill>
-                <a:latin typeface="Arial" charset="0"/>
-              </a:defRPr>
-            </a:lvl7pPr>
-            <a:lvl8pPr marL="3429000" indent="-228600" eaLnBrk="0" fontAlgn="base" hangingPunct="0">
-              <a:spcBef>
-                <a:spcPct val="0"/>
-              </a:spcBef>
-              <a:spcAft>
-                <a:spcPct val="0"/>
-              </a:spcAft>
-              <a:defRPr sz="2800" b="1">
-                <a:solidFill>
-                  <a:schemeClr val="tx1"/>
-                </a:solidFill>
-                <a:latin typeface="Arial" charset="0"/>
-              </a:defRPr>
-            </a:lvl8pPr>
-            <a:lvl9pPr marL="3886200" indent="-228600" eaLnBrk="0" fontAlgn="base" hangingPunct="0">
-              <a:spcBef>
-                <a:spcPct val="0"/>
-              </a:spcBef>
-              <a:spcAft>
-                <a:spcPct val="0"/>
-              </a:spcAft>
-              <a:defRPr sz="2800" b="1">
-                <a:solidFill>
-                  <a:schemeClr val="tx1"/>
-                </a:solidFill>
-                <a:latin typeface="Arial" charset="0"/>
-              </a:defRPr>
-            </a:lvl9pPr>
-          </a:lstStyle>
-          <a:p>
-            <a:r>
-              <a:rPr lang="en-US" sz="1400" b="0" smtClean="0">
-                <a:solidFill>
-                  <a:srgbClr val="FFFFFF"/>
-                </a:solidFill>
-              </a:rPr>
-              <a:t>Teradyne Confidential and Proprietary</a:t>
-            </a:r>
-          </a:p>
-        </p:txBody>
-      </p:sp>
-    </p:spTree>
-    <p:extLst>
-      <p:ext uri="{BB962C8B-B14F-4D97-AF65-F5344CB8AC3E}">
-        <p14:creationId xmlns:p14="http://schemas.microsoft.com/office/powerpoint/2010/main" val="1202630660"/>
-      </p:ext>
-    </p:extLst>
-  </p:cSld>
-  <p:clrMapOvr>
-    <a:masterClrMapping/>
-  </p:clrMapOvr>
-  <p:timing>
-    <p:tnLst>
-      <p:par>
-        <p:cTn id="1" dur="indefinite" restart="never" nodeType="tmRoot"/>
-      </p:par>
-    </p:tnLst>
-  </p:timing>
-</p:sld>
-</file>
-
-<file path=ppt/slides/slide13.xml><?xml version="1.0" encoding="utf-8"?>
-<p:sld xmlns:a="http://schemas.openxmlformats.org/drawingml/2006/main" xmlns:r="http://schemas.openxmlformats.org/officeDocument/2006/relationships" xmlns:p="http://schemas.openxmlformats.org/presentationml/2006/main">
-  <p:cSld>
-    <p:spTree>
-      <p:nvGrpSpPr>
-        <p:cNvPr id="1" name=""/>
-        <p:cNvGrpSpPr/>
-        <p:nvPr/>
-      </p:nvGrpSpPr>
-      <p:grpSpPr>
-        <a:xfrm>
-          <a:off x="0" y="0"/>
-          <a:ext cx="0" cy="0"/>
-          <a:chOff x="0" y="0"/>
-          <a:chExt cx="0" cy="0"/>
-        </a:xfrm>
-      </p:grpSpPr>
-      <p:sp>
-        <p:nvSpPr>
-          <p:cNvPr id="6146" name="Title 1"/>
-          <p:cNvSpPr>
-            <a:spLocks noGrp="1"/>
-          </p:cNvSpPr>
-          <p:nvPr>
-            <p:ph type="title"/>
-          </p:nvPr>
-        </p:nvSpPr>
-        <p:spPr/>
-        <p:txBody>
-          <a:bodyPr/>
-          <a:lstStyle/>
-          <a:p>
-            <a:r>
-              <a:rPr lang="en-US" dirty="0" smtClean="0"/>
-              <a:t>Performance Comparison</a:t>
-            </a:r>
-          </a:p>
-        </p:txBody>
-      </p:sp>
-      <p:graphicFrame>
-        <p:nvGraphicFramePr>
-          <p:cNvPr id="2" name="Content Placeholder 1"/>
-          <p:cNvGraphicFramePr>
-            <a:graphicFrameLocks noGrp="1"/>
-          </p:cNvGraphicFramePr>
-          <p:nvPr>
-            <p:ph idx="1"/>
-            <p:extLst>
-              <p:ext uri="{D42A27DB-BD31-4B8C-83A1-F6EECF244321}">
-                <p14:modId xmlns:p14="http://schemas.microsoft.com/office/powerpoint/2010/main" val="2766448679"/>
-              </p:ext>
-            </p:extLst>
-          </p:nvPr>
-        </p:nvGraphicFramePr>
-        <p:xfrm>
-          <a:off x="685800" y="1219200"/>
-          <a:ext cx="7773138" cy="1112520"/>
-        </p:xfrm>
-        <a:graphic>
-          <a:graphicData uri="http://schemas.openxmlformats.org/drawingml/2006/table">
-            <a:tbl>
-              <a:tblPr firstRow="1" bandRow="1">
-                <a:tableStyleId>{5C22544A-7EE6-4342-B048-85BDC9FD1C3A}</a:tableStyleId>
-              </a:tblPr>
-              <a:tblGrid>
-                <a:gridCol w="3886569"/>
-                <a:gridCol w="3886569"/>
-              </a:tblGrid>
-              <a:tr h="370840">
-                <a:tc>
-                  <a:txBody>
-                    <a:bodyPr/>
-                    <a:lstStyle/>
-                    <a:p>
-                      <a:r>
-                        <a:rPr lang="en-US" dirty="0" smtClean="0">
-                          <a:ln>
-                            <a:noFill/>
-                          </a:ln>
-                          <a:solidFill>
-                            <a:srgbClr val="FFFF00"/>
-                          </a:solidFill>
-                        </a:rPr>
-                        <a:t>Time (us)</a:t>
-                      </a:r>
-                      <a:endParaRPr lang="en-US" dirty="0">
-                        <a:ln>
-                          <a:noFill/>
-                        </a:ln>
-                        <a:solidFill>
-                          <a:srgbClr val="FFFF00"/>
-                        </a:solidFill>
-                      </a:endParaRPr>
-                    </a:p>
-                  </a:txBody>
-                  <a:tcPr marL="116313" marR="116313">
-                    <a:lnL w="12700" cap="flat" cmpd="sng" algn="ctr">
-                      <a:solidFill>
-                        <a:srgbClr val="FFFF00"/>
-                      </a:solidFill>
-                      <a:prstDash val="solid"/>
-                      <a:round/>
-                      <a:headEnd type="none" w="med" len="med"/>
-                      <a:tailEnd type="none" w="med" len="med"/>
-                    </a:lnL>
-                    <a:lnR w="12700" cap="flat" cmpd="sng" algn="ctr">
-                      <a:solidFill>
-                        <a:srgbClr val="FFFF00"/>
-                      </a:solidFill>
-                      <a:prstDash val="solid"/>
-                      <a:round/>
-                      <a:headEnd type="none" w="med" len="med"/>
-                      <a:tailEnd type="none" w="med" len="med"/>
-                    </a:lnR>
-                    <a:lnT w="12700" cap="flat" cmpd="sng" algn="ctr">
-                      <a:solidFill>
-                        <a:srgbClr val="FFFF00"/>
-                      </a:solidFill>
-                      <a:prstDash val="solid"/>
-                      <a:round/>
-                      <a:headEnd type="none" w="med" len="med"/>
-                      <a:tailEnd type="none" w="med" len="med"/>
-                    </a:lnT>
-                    <a:lnB w="12700" cap="flat" cmpd="sng" algn="ctr">
-                      <a:solidFill>
-                        <a:srgbClr val="FFFF00"/>
-                      </a:solidFill>
-                      <a:prstDash val="solid"/>
-                      <a:round/>
-                      <a:headEnd type="none" w="med" len="med"/>
-                      <a:tailEnd type="none" w="med" len="med"/>
-                    </a:lnB>
-                    <a:noFill/>
-                  </a:tcPr>
-                </a:tc>
-                <a:tc>
-                  <a:txBody>
-                    <a:bodyPr/>
-                    <a:lstStyle/>
-                    <a:p>
-                      <a:pPr algn="r"/>
-                      <a:r>
-                        <a:rPr lang="en-US" dirty="0" smtClean="0">
-                          <a:ln>
-                            <a:noFill/>
-                          </a:ln>
-                          <a:solidFill>
-                            <a:srgbClr val="FFFF00"/>
-                          </a:solidFill>
-                        </a:rPr>
-                        <a:t>C#</a:t>
-                      </a:r>
-                      <a:endParaRPr lang="en-US" dirty="0">
-                        <a:ln>
-                          <a:noFill/>
-                        </a:ln>
-                        <a:solidFill>
-                          <a:srgbClr val="FFFF00"/>
-                        </a:solidFill>
-                      </a:endParaRPr>
-                    </a:p>
-                  </a:txBody>
-                  <a:tcPr marL="116313" marR="116313">
-                    <a:lnL w="12700" cap="flat" cmpd="sng" algn="ctr">
-                      <a:solidFill>
-                        <a:srgbClr val="FFFF00"/>
-                      </a:solidFill>
-                      <a:prstDash val="solid"/>
-                      <a:round/>
-                      <a:headEnd type="none" w="med" len="med"/>
-                      <a:tailEnd type="none" w="med" len="med"/>
-                    </a:lnL>
-                    <a:lnR w="12700" cap="flat" cmpd="sng" algn="ctr">
-                      <a:solidFill>
-                        <a:srgbClr val="FFFF00"/>
-                      </a:solidFill>
-                      <a:prstDash val="solid"/>
-                      <a:round/>
-                      <a:headEnd type="none" w="med" len="med"/>
-                      <a:tailEnd type="none" w="med" len="med"/>
-                    </a:lnR>
-                    <a:lnT w="12700" cap="flat" cmpd="sng" algn="ctr">
-                      <a:solidFill>
-                        <a:srgbClr val="FFFF00"/>
-                      </a:solidFill>
-                      <a:prstDash val="solid"/>
-                      <a:round/>
-                      <a:headEnd type="none" w="med" len="med"/>
-                      <a:tailEnd type="none" w="med" len="med"/>
-                    </a:lnT>
-                    <a:lnB w="12700" cap="flat" cmpd="sng" algn="ctr">
-                      <a:solidFill>
-                        <a:srgbClr val="FFFF00"/>
-                      </a:solidFill>
-                      <a:prstDash val="solid"/>
-                      <a:round/>
-                      <a:headEnd type="none" w="med" len="med"/>
-                      <a:tailEnd type="none" w="med" len="med"/>
-                    </a:lnB>
-                    <a:noFill/>
-                  </a:tcPr>
-                </a:tc>
-              </a:tr>
-              <a:tr h="370840">
-                <a:tc>
-                  <a:txBody>
-                    <a:bodyPr/>
-                    <a:lstStyle/>
-                    <a:p>
-                      <a:r>
-                        <a:rPr lang="en-US" dirty="0" err="1" smtClean="0">
-                          <a:ln>
-                            <a:noFill/>
-                          </a:ln>
-                          <a:solidFill>
-                            <a:srgbClr val="FFFF00"/>
-                          </a:solidFill>
-                        </a:rPr>
-                        <a:t>filterImperative</a:t>
-                      </a:r>
-                      <a:endParaRPr lang="en-US" dirty="0">
-                        <a:ln>
-                          <a:noFill/>
-                        </a:ln>
-                        <a:solidFill>
-                          <a:srgbClr val="FFFF00"/>
-                        </a:solidFill>
-                      </a:endParaRPr>
-                    </a:p>
-                  </a:txBody>
-                  <a:tcPr marL="116313" marR="116313">
-                    <a:lnL w="12700" cap="flat" cmpd="sng" algn="ctr">
-                      <a:solidFill>
-                        <a:srgbClr val="FFFF00"/>
-                      </a:solidFill>
-                      <a:prstDash val="solid"/>
-                      <a:round/>
-                      <a:headEnd type="none" w="med" len="med"/>
-                      <a:tailEnd type="none" w="med" len="med"/>
-                    </a:lnL>
-                    <a:lnR w="12700" cap="flat" cmpd="sng" algn="ctr">
-                      <a:solidFill>
-                        <a:srgbClr val="FFFF00"/>
-                      </a:solidFill>
-                      <a:prstDash val="solid"/>
-                      <a:round/>
-                      <a:headEnd type="none" w="med" len="med"/>
-                      <a:tailEnd type="none" w="med" len="med"/>
-                    </a:lnR>
-                    <a:lnT w="12700" cap="flat" cmpd="sng" algn="ctr">
-                      <a:solidFill>
-                        <a:srgbClr val="FFFF00"/>
-                      </a:solidFill>
-                      <a:prstDash val="solid"/>
-                      <a:round/>
-                      <a:headEnd type="none" w="med" len="med"/>
-                      <a:tailEnd type="none" w="med" len="med"/>
-                    </a:lnT>
-                    <a:lnB w="12700" cap="flat" cmpd="sng" algn="ctr">
-                      <a:solidFill>
-                        <a:srgbClr val="FFFF00"/>
-                      </a:solidFill>
-                      <a:prstDash val="solid"/>
-                      <a:round/>
-                      <a:headEnd type="none" w="med" len="med"/>
-                      <a:tailEnd type="none" w="med" len="med"/>
-                    </a:lnB>
-                    <a:noFill/>
-                  </a:tcPr>
-                </a:tc>
-                <a:tc>
-                  <a:txBody>
-                    <a:bodyPr/>
-                    <a:lstStyle/>
-                    <a:p>
-                      <a:pPr algn="r"/>
-                      <a:r>
-                        <a:rPr lang="en-US" dirty="0" smtClean="0">
-                          <a:ln>
-                            <a:noFill/>
-                          </a:ln>
-                          <a:solidFill>
-                            <a:srgbClr val="FFFF00"/>
-                          </a:solidFill>
-                        </a:rPr>
-                        <a:t>4.038</a:t>
-                      </a:r>
-                      <a:endParaRPr lang="en-US" dirty="0">
-                        <a:ln>
-                          <a:noFill/>
-                        </a:ln>
-                        <a:solidFill>
-                          <a:srgbClr val="FFFF00"/>
-                        </a:solidFill>
-                      </a:endParaRPr>
-                    </a:p>
-                  </a:txBody>
-                  <a:tcPr marL="116313" marR="116313">
-                    <a:lnL w="12700" cap="flat" cmpd="sng" algn="ctr">
-                      <a:solidFill>
-                        <a:srgbClr val="FFFF00"/>
-                      </a:solidFill>
-                      <a:prstDash val="solid"/>
-                      <a:round/>
-                      <a:headEnd type="none" w="med" len="med"/>
-                      <a:tailEnd type="none" w="med" len="med"/>
-                    </a:lnL>
-                    <a:lnR w="12700" cap="flat" cmpd="sng" algn="ctr">
-                      <a:solidFill>
-                        <a:srgbClr val="FFFF00"/>
-                      </a:solidFill>
-                      <a:prstDash val="solid"/>
-                      <a:round/>
-                      <a:headEnd type="none" w="med" len="med"/>
-                      <a:tailEnd type="none" w="med" len="med"/>
-                    </a:lnR>
-                    <a:lnT w="12700" cap="flat" cmpd="sng" algn="ctr">
-                      <a:solidFill>
-                        <a:srgbClr val="FFFF00"/>
-                      </a:solidFill>
-                      <a:prstDash val="solid"/>
-                      <a:round/>
-                      <a:headEnd type="none" w="med" len="med"/>
-                      <a:tailEnd type="none" w="med" len="med"/>
-                    </a:lnT>
-                    <a:lnB w="12700" cap="flat" cmpd="sng" algn="ctr">
-                      <a:solidFill>
-                        <a:srgbClr val="FFFF00"/>
-                      </a:solidFill>
-                      <a:prstDash val="solid"/>
-                      <a:round/>
-                      <a:headEnd type="none" w="med" len="med"/>
-                      <a:tailEnd type="none" w="med" len="med"/>
-                    </a:lnB>
-                    <a:noFill/>
-                  </a:tcPr>
-                </a:tc>
-              </a:tr>
-              <a:tr h="370840">
-                <a:tc>
-                  <a:txBody>
-                    <a:bodyPr/>
-                    <a:lstStyle/>
-                    <a:p>
-                      <a:r>
-                        <a:rPr lang="en-US" dirty="0" err="1" smtClean="0">
-                          <a:ln>
-                            <a:noFill/>
-                          </a:ln>
-                          <a:solidFill>
-                            <a:srgbClr val="FFFF00"/>
-                          </a:solidFill>
-                        </a:rPr>
-                        <a:t>filterFunctional</a:t>
-                      </a:r>
-                      <a:endParaRPr lang="en-US" dirty="0">
-                        <a:ln>
-                          <a:noFill/>
-                        </a:ln>
-                        <a:solidFill>
-                          <a:srgbClr val="FFFF00"/>
-                        </a:solidFill>
-                      </a:endParaRPr>
-                    </a:p>
-                  </a:txBody>
-                  <a:tcPr marL="116313" marR="116313">
-                    <a:lnL w="12700" cap="flat" cmpd="sng" algn="ctr">
-                      <a:solidFill>
-                        <a:srgbClr val="FFFF00"/>
-                      </a:solidFill>
-                      <a:prstDash val="solid"/>
-                      <a:round/>
-                      <a:headEnd type="none" w="med" len="med"/>
-                      <a:tailEnd type="none" w="med" len="med"/>
-                    </a:lnL>
-                    <a:lnR w="12700" cap="flat" cmpd="sng" algn="ctr">
-                      <a:solidFill>
-                        <a:srgbClr val="FFFF00"/>
-                      </a:solidFill>
-                      <a:prstDash val="solid"/>
-                      <a:round/>
-                      <a:headEnd type="none" w="med" len="med"/>
-                      <a:tailEnd type="none" w="med" len="med"/>
-                    </a:lnR>
-                    <a:lnT w="12700" cap="flat" cmpd="sng" algn="ctr">
-                      <a:solidFill>
-                        <a:srgbClr val="FFFF00"/>
-                      </a:solidFill>
-                      <a:prstDash val="solid"/>
-                      <a:round/>
-                      <a:headEnd type="none" w="med" len="med"/>
-                      <a:tailEnd type="none" w="med" len="med"/>
-                    </a:lnT>
-                    <a:lnB w="12700" cap="flat" cmpd="sng" algn="ctr">
-                      <a:solidFill>
-                        <a:srgbClr val="FFFF00"/>
-                      </a:solidFill>
-                      <a:prstDash val="solid"/>
-                      <a:round/>
-                      <a:headEnd type="none" w="med" len="med"/>
-                      <a:tailEnd type="none" w="med" len="med"/>
-                    </a:lnB>
-                    <a:noFill/>
-                  </a:tcPr>
-                </a:tc>
-                <a:tc>
-                  <a:txBody>
-                    <a:bodyPr/>
-                    <a:lstStyle/>
-                    <a:p>
-                      <a:pPr algn="r"/>
-                      <a:r>
-                        <a:rPr lang="en-US" dirty="0" smtClean="0">
-                          <a:ln>
-                            <a:noFill/>
-                          </a:ln>
-                          <a:solidFill>
-                            <a:srgbClr val="FFFF00"/>
-                          </a:solidFill>
-                        </a:rPr>
-                        <a:t>15.106</a:t>
-                      </a:r>
-                      <a:endParaRPr lang="en-US" dirty="0">
-                        <a:ln>
-                          <a:noFill/>
-                        </a:ln>
-                        <a:solidFill>
-                          <a:srgbClr val="FFFF00"/>
-                        </a:solidFill>
-                      </a:endParaRPr>
-                    </a:p>
-                  </a:txBody>
-                  <a:tcPr marL="116313" marR="116313">
-                    <a:lnL w="12700" cap="flat" cmpd="sng" algn="ctr">
-                      <a:solidFill>
-                        <a:srgbClr val="FFFF00"/>
-                      </a:solidFill>
-                      <a:prstDash val="solid"/>
-                      <a:round/>
-                      <a:headEnd type="none" w="med" len="med"/>
-                      <a:tailEnd type="none" w="med" len="med"/>
-                    </a:lnL>
-                    <a:lnR w="12700" cap="flat" cmpd="sng" algn="ctr">
-                      <a:solidFill>
-                        <a:srgbClr val="FFFF00"/>
-                      </a:solidFill>
-                      <a:prstDash val="solid"/>
-                      <a:round/>
-                      <a:headEnd type="none" w="med" len="med"/>
-                      <a:tailEnd type="none" w="med" len="med"/>
-                    </a:lnR>
-                    <a:lnT w="12700" cap="flat" cmpd="sng" algn="ctr">
-                      <a:solidFill>
-                        <a:srgbClr val="FFFF00"/>
-                      </a:solidFill>
-                      <a:prstDash val="solid"/>
-                      <a:round/>
-                      <a:headEnd type="none" w="med" len="med"/>
-                      <a:tailEnd type="none" w="med" len="med"/>
-                    </a:lnT>
-                    <a:lnB w="12700" cap="flat" cmpd="sng" algn="ctr">
-                      <a:solidFill>
-                        <a:srgbClr val="FFFF00"/>
-                      </a:solidFill>
-                      <a:prstDash val="solid"/>
-                      <a:round/>
-                      <a:headEnd type="none" w="med" len="med"/>
-                      <a:tailEnd type="none" w="med" len="med"/>
-                    </a:lnB>
-                    <a:noFill/>
-                  </a:tcPr>
-                </a:tc>
-              </a:tr>
-            </a:tbl>
-          </a:graphicData>
-        </a:graphic>
-      </p:graphicFrame>
-      <p:sp>
-        <p:nvSpPr>
-          <p:cNvPr id="6148" name="Footer Placeholder 3"/>
-          <p:cNvSpPr>
-            <a:spLocks noGrp="1"/>
-          </p:cNvSpPr>
-          <p:nvPr>
-            <p:ph type="ftr" sz="quarter" idx="11"/>
-          </p:nvPr>
-        </p:nvSpPr>
-        <p:spPr>
-          <a:noFill/>
-          <a:ln/>
-          <a:extLst>
-            <a:ext uri="{909E8E84-426E-40DD-AFC4-6F175D3DCCD1}">
-              <a14:hiddenFill xmlns:a14="http://schemas.microsoft.com/office/drawing/2010/main">
-                <a:solidFill>
-                  <a:srgbClr val="FFFFFF"/>
-                </a:solidFill>
-              </a14:hiddenFill>
-            </a:ext>
-            <a:ext uri="{91240B29-F687-4F45-9708-019B960494DF}">
-              <a14:hiddenLine xmlns:a14="http://schemas.microsoft.com/office/drawing/2010/main" w="9525">
-                <a:solidFill>
-                  <a:srgbClr val="000000"/>
-                </a:solidFill>
-                <a:miter lim="800000"/>
-                <a:headEnd/>
-                <a:tailEnd/>
-              </a14:hiddenLine>
-            </a:ext>
-          </a:extLst>
-        </p:spPr>
-        <p:txBody>
-          <a:bodyPr/>
-          <a:lstStyle>
-            <a:lvl1pPr eaLnBrk="0" hangingPunct="0">
-              <a:defRPr sz="2800" b="1">
-                <a:solidFill>
-                  <a:schemeClr val="tx1"/>
-                </a:solidFill>
-                <a:latin typeface="Arial" charset="0"/>
-              </a:defRPr>
-            </a:lvl1pPr>
-            <a:lvl2pPr marL="742950" indent="-285750" eaLnBrk="0" hangingPunct="0">
-              <a:defRPr sz="2800" b="1">
-                <a:solidFill>
-                  <a:schemeClr val="tx1"/>
-                </a:solidFill>
-                <a:latin typeface="Arial" charset="0"/>
-              </a:defRPr>
-            </a:lvl2pPr>
-            <a:lvl3pPr marL="1143000" indent="-228600" eaLnBrk="0" hangingPunct="0">
-              <a:defRPr sz="2800" b="1">
-                <a:solidFill>
-                  <a:schemeClr val="tx1"/>
-                </a:solidFill>
-                <a:latin typeface="Arial" charset="0"/>
-              </a:defRPr>
-            </a:lvl3pPr>
-            <a:lvl4pPr marL="1600200" indent="-228600" eaLnBrk="0" hangingPunct="0">
-              <a:defRPr sz="2800" b="1">
-                <a:solidFill>
-                  <a:schemeClr val="tx1"/>
-                </a:solidFill>
-                <a:latin typeface="Arial" charset="0"/>
-              </a:defRPr>
-            </a:lvl4pPr>
-            <a:lvl5pPr marL="2057400" indent="-228600" eaLnBrk="0" hangingPunct="0">
-              <a:defRPr sz="2800" b="1">
-                <a:solidFill>
-                  <a:schemeClr val="tx1"/>
-                </a:solidFill>
-                <a:latin typeface="Arial" charset="0"/>
-              </a:defRPr>
-            </a:lvl5pPr>
-            <a:lvl6pPr marL="2514600" indent="-228600" eaLnBrk="0" fontAlgn="base" hangingPunct="0">
-              <a:spcBef>
-                <a:spcPct val="0"/>
-              </a:spcBef>
-              <a:spcAft>
-                <a:spcPct val="0"/>
-              </a:spcAft>
-              <a:defRPr sz="2800" b="1">
-                <a:solidFill>
-                  <a:schemeClr val="tx1"/>
-                </a:solidFill>
-                <a:latin typeface="Arial" charset="0"/>
-              </a:defRPr>
-            </a:lvl6pPr>
-            <a:lvl7pPr marL="2971800" indent="-228600" eaLnBrk="0" fontAlgn="base" hangingPunct="0">
-              <a:spcBef>
-                <a:spcPct val="0"/>
-              </a:spcBef>
-              <a:spcAft>
-                <a:spcPct val="0"/>
-              </a:spcAft>
-              <a:defRPr sz="2800" b="1">
-                <a:solidFill>
-                  <a:schemeClr val="tx1"/>
-                </a:solidFill>
-                <a:latin typeface="Arial" charset="0"/>
-              </a:defRPr>
-            </a:lvl7pPr>
-            <a:lvl8pPr marL="3429000" indent="-228600" eaLnBrk="0" fontAlgn="base" hangingPunct="0">
-              <a:spcBef>
-                <a:spcPct val="0"/>
-              </a:spcBef>
-              <a:spcAft>
-                <a:spcPct val="0"/>
-              </a:spcAft>
-              <a:defRPr sz="2800" b="1">
-                <a:solidFill>
-                  <a:schemeClr val="tx1"/>
-                </a:solidFill>
-                <a:latin typeface="Arial" charset="0"/>
-              </a:defRPr>
-            </a:lvl8pPr>
-            <a:lvl9pPr marL="3886200" indent="-228600" eaLnBrk="0" fontAlgn="base" hangingPunct="0">
-              <a:spcBef>
-                <a:spcPct val="0"/>
-              </a:spcBef>
-              <a:spcAft>
-                <a:spcPct val="0"/>
-              </a:spcAft>
-              <a:defRPr sz="2800" b="1">
-                <a:solidFill>
-                  <a:schemeClr val="tx1"/>
-                </a:solidFill>
-                <a:latin typeface="Arial" charset="0"/>
-              </a:defRPr>
-            </a:lvl9pPr>
-          </a:lstStyle>
-          <a:p>
-            <a:r>
-              <a:rPr lang="en-US" sz="1400" b="0" smtClean="0">
-                <a:solidFill>
-                  <a:srgbClr val="FFFFFF"/>
-                </a:solidFill>
-              </a:rPr>
-              <a:t>Teradyne Confidential and Proprietary</a:t>
-            </a:r>
-          </a:p>
-        </p:txBody>
-      </p:sp>
-      <p:sp>
-        <p:nvSpPr>
-          <p:cNvPr id="3" name="TextBox 2"/>
-          <p:cNvSpPr txBox="1"/>
-          <p:nvPr/>
-        </p:nvSpPr>
-        <p:spPr>
-          <a:xfrm>
-            <a:off x="680224" y="2732049"/>
-            <a:ext cx="7861610" cy="1815882"/>
-          </a:xfrm>
-          <a:prstGeom prst="rect">
-            <a:avLst/>
-          </a:prstGeom>
-          <a:noFill/>
-        </p:spPr>
-        <p:txBody>
-          <a:bodyPr wrap="square" rtlCol="0">
-            <a:spAutoFit/>
-          </a:bodyPr>
-          <a:lstStyle/>
-          <a:p>
-            <a:pPr marL="457200" indent="-457200">
-              <a:buFont typeface="Arial" pitchFamily="34" charset="0"/>
-              <a:buChar char="•"/>
-            </a:pPr>
-            <a:r>
-              <a:rPr lang="en-US" b="0" dirty="0" smtClean="0">
-                <a:solidFill>
-                  <a:srgbClr val="FFFF00"/>
-                </a:solidFill>
-              </a:rPr>
-              <a:t>I like the how easy it is to read and write the functional version</a:t>
-            </a:r>
-          </a:p>
-          <a:p>
-            <a:pPr marL="457200" indent="-457200">
-              <a:buFont typeface="Arial" pitchFamily="34" charset="0"/>
-              <a:buChar char="•"/>
-            </a:pPr>
-            <a:r>
-              <a:rPr lang="en-US" b="0" dirty="0" smtClean="0">
-                <a:solidFill>
-                  <a:srgbClr val="FFFF00"/>
-                </a:solidFill>
-              </a:rPr>
-              <a:t>The LINQ version </a:t>
-            </a:r>
-            <a:r>
-              <a:rPr lang="en-US" b="0" smtClean="0">
-                <a:solidFill>
-                  <a:srgbClr val="FFFF00"/>
-                </a:solidFill>
-              </a:rPr>
-              <a:t>takes &gt;3 </a:t>
-            </a:r>
-            <a:r>
-              <a:rPr lang="en-US" b="0" dirty="0" smtClean="0">
-                <a:solidFill>
-                  <a:srgbClr val="FFFF00"/>
-                </a:solidFill>
-              </a:rPr>
-              <a:t>times as long as the imperative version</a:t>
-            </a:r>
-          </a:p>
-        </p:txBody>
-      </p:sp>
-    </p:spTree>
-    <p:extLst>
-      <p:ext uri="{BB962C8B-B14F-4D97-AF65-F5344CB8AC3E}">
-        <p14:creationId xmlns:p14="http://schemas.microsoft.com/office/powerpoint/2010/main" val="129329548"/>
-      </p:ext>
-    </p:extLst>
-  </p:cSld>
-  <p:clrMapOvr>
-    <a:masterClrMapping/>
-  </p:clrMapOvr>
-  <p:timing>
-    <p:tnLst>
-      <p:par>
-        <p:cTn id="1" dur="indefinite" restart="never" nodeType="tmRoot"/>
-      </p:par>
-    </p:tnLst>
-  </p:timing>
-</p:sld>
-</file>
-
-<file path=ppt/slides/slide14.xml><?xml version="1.0" encoding="utf-8"?>
-<p:sld xmlns:a="http://schemas.openxmlformats.org/drawingml/2006/main" xmlns:r="http://schemas.openxmlformats.org/officeDocument/2006/relationships" xmlns:p="http://schemas.openxmlformats.org/presentationml/2006/main">
-  <p:cSld>
-    <p:spTree>
-      <p:nvGrpSpPr>
-        <p:cNvPr id="1" name=""/>
-        <p:cNvGrpSpPr/>
-        <p:nvPr/>
-      </p:nvGrpSpPr>
-      <p:grpSpPr>
-        <a:xfrm>
-          <a:off x="0" y="0"/>
-          <a:ext cx="0" cy="0"/>
-          <a:chOff x="0" y="0"/>
-          <a:chExt cx="0" cy="0"/>
-        </a:xfrm>
-      </p:grpSpPr>
-      <p:sp>
-        <p:nvSpPr>
-          <p:cNvPr id="6146" name="Title 1"/>
-          <p:cNvSpPr>
-            <a:spLocks noGrp="1"/>
-          </p:cNvSpPr>
-          <p:nvPr>
-            <p:ph type="title"/>
-          </p:nvPr>
-        </p:nvSpPr>
-        <p:spPr/>
-        <p:txBody>
-          <a:bodyPr/>
-          <a:lstStyle/>
-          <a:p>
-            <a:r>
-              <a:rPr lang="en-US" dirty="0" smtClean="0"/>
-              <a:t>Imperative C++</a:t>
-            </a:r>
-          </a:p>
-        </p:txBody>
-      </p:sp>
-      <p:sp>
-        <p:nvSpPr>
-          <p:cNvPr id="6147" name="Content Placeholder 2"/>
-          <p:cNvSpPr>
-            <a:spLocks noGrp="1"/>
-          </p:cNvSpPr>
-          <p:nvPr>
-            <p:ph idx="1"/>
-          </p:nvPr>
-        </p:nvSpPr>
-        <p:spPr>
-          <a:xfrm>
-            <a:off x="0" y="1341864"/>
-            <a:ext cx="9144000" cy="5215054"/>
-          </a:xfrm>
-        </p:spPr>
-        <p:txBody>
-          <a:bodyPr/>
-          <a:lstStyle/>
-          <a:p>
-            <a:pPr marL="0" indent="0">
-              <a:buNone/>
-            </a:pPr>
-            <a:r>
-              <a:rPr lang="en-US" sz="2400" dirty="0" err="1" smtClean="0"/>
-              <a:t>struct</a:t>
-            </a:r>
-            <a:r>
-              <a:rPr lang="en-US" sz="2400" dirty="0" smtClean="0"/>
-              <a:t> </a:t>
-            </a:r>
-            <a:r>
-              <a:rPr lang="en-US" sz="2400" dirty="0" err="1"/>
-              <a:t>IsMultipleOf</a:t>
-            </a:r>
-            <a:r>
-              <a:rPr lang="en-US" sz="2400" dirty="0"/>
-              <a:t> {</a:t>
-            </a:r>
-          </a:p>
-          <a:p>
-            <a:pPr marL="0" indent="0">
-              <a:buNone/>
-            </a:pPr>
-            <a:r>
-              <a:rPr lang="en-US" sz="2400" dirty="0"/>
-              <a:t>  </a:t>
-            </a:r>
-            <a:r>
-              <a:rPr lang="en-US" sz="2400" dirty="0" err="1"/>
-              <a:t>bool</a:t>
-            </a:r>
-            <a:r>
-              <a:rPr lang="en-US" sz="2400" dirty="0"/>
-              <a:t> operator()(</a:t>
-            </a:r>
-            <a:r>
-              <a:rPr lang="en-US" sz="2400" dirty="0" err="1"/>
-              <a:t>int</a:t>
-            </a:r>
-            <a:r>
-              <a:rPr lang="en-US" sz="2400" dirty="0"/>
-              <a:t> </a:t>
-            </a:r>
-            <a:r>
-              <a:rPr lang="en-US" sz="2400" dirty="0" err="1"/>
-              <a:t>const</a:t>
-            </a:r>
-            <a:r>
-              <a:rPr lang="en-US" sz="2400" dirty="0"/>
-              <a:t> x, </a:t>
-            </a:r>
-            <a:r>
-              <a:rPr lang="en-US" sz="2400" dirty="0" err="1"/>
-              <a:t>int</a:t>
-            </a:r>
-            <a:r>
-              <a:rPr lang="en-US" sz="2400" dirty="0"/>
-              <a:t> </a:t>
-            </a:r>
-            <a:r>
-              <a:rPr lang="en-US" sz="2400" dirty="0" err="1"/>
-              <a:t>const</a:t>
-            </a:r>
-            <a:r>
-              <a:rPr lang="en-US" sz="2400" dirty="0"/>
-              <a:t> y) </a:t>
-            </a:r>
-            <a:r>
-              <a:rPr lang="en-US" sz="2400" dirty="0" err="1"/>
-              <a:t>const</a:t>
-            </a:r>
-            <a:r>
-              <a:rPr lang="en-US" sz="2400" dirty="0"/>
-              <a:t> { return x % y == 0; }</a:t>
-            </a:r>
-          </a:p>
-          <a:p>
-            <a:pPr marL="0" indent="0">
-              <a:buNone/>
-            </a:pPr>
-            <a:r>
-              <a:rPr lang="en-US" sz="2400" dirty="0"/>
-              <a:t>};</a:t>
-            </a:r>
-          </a:p>
-          <a:p>
-            <a:pPr marL="0" indent="0">
-              <a:buNone/>
-            </a:pPr>
-            <a:r>
-              <a:rPr lang="en-US" sz="2400" dirty="0" smtClean="0"/>
-              <a:t>static </a:t>
-            </a:r>
-            <a:r>
-              <a:rPr lang="en-US" sz="2400" dirty="0" err="1"/>
-              <a:t>int</a:t>
-            </a:r>
-            <a:r>
-              <a:rPr lang="en-US" sz="2400" dirty="0"/>
-              <a:t> </a:t>
-            </a:r>
-            <a:r>
-              <a:rPr lang="en-US" sz="2400" dirty="0" err="1"/>
-              <a:t>FilterImperative</a:t>
-            </a:r>
-            <a:r>
-              <a:rPr lang="en-US" sz="2400" dirty="0"/>
-              <a:t>(</a:t>
-            </a:r>
-            <a:r>
-              <a:rPr lang="en-US" sz="2400" dirty="0" err="1"/>
-              <a:t>int</a:t>
-            </a:r>
-            <a:r>
-              <a:rPr lang="en-US" sz="2400" dirty="0"/>
-              <a:t> limit, </a:t>
-            </a:r>
-            <a:r>
-              <a:rPr lang="en-US" sz="2400" dirty="0" err="1"/>
-              <a:t>int</a:t>
-            </a:r>
-            <a:r>
-              <a:rPr lang="en-US" sz="2400" dirty="0"/>
-              <a:t> x, </a:t>
-            </a:r>
-            <a:r>
-              <a:rPr lang="en-US" sz="2400" dirty="0" err="1"/>
-              <a:t>int</a:t>
-            </a:r>
-            <a:r>
-              <a:rPr lang="en-US" sz="2400" dirty="0"/>
-              <a:t> y</a:t>
-            </a:r>
-            <a:r>
-              <a:rPr lang="en-US" sz="2400" dirty="0" smtClean="0"/>
-              <a:t>) {</a:t>
-            </a:r>
-            <a:endParaRPr lang="en-US" sz="2400" dirty="0"/>
-          </a:p>
-          <a:p>
-            <a:pPr marL="0" indent="0">
-              <a:buNone/>
-            </a:pPr>
-            <a:r>
-              <a:rPr lang="en-US" sz="2400" dirty="0"/>
-              <a:t>  auto sum = 0;</a:t>
-            </a:r>
-          </a:p>
-          <a:p>
-            <a:pPr marL="0" indent="0">
-              <a:buNone/>
-            </a:pPr>
-            <a:r>
-              <a:rPr lang="en-US" sz="2400" dirty="0"/>
-              <a:t>  for (auto </a:t>
-            </a:r>
-            <a:r>
-              <a:rPr lang="en-US" sz="2400" dirty="0" err="1"/>
-              <a:t>i</a:t>
-            </a:r>
-            <a:r>
-              <a:rPr lang="en-US" sz="2400" dirty="0"/>
-              <a:t> = 1; </a:t>
-            </a:r>
-            <a:r>
-              <a:rPr lang="en-US" sz="2400" dirty="0" err="1"/>
-              <a:t>i</a:t>
-            </a:r>
-            <a:r>
-              <a:rPr lang="en-US" sz="2400" dirty="0"/>
-              <a:t> &lt; limit; ++</a:t>
-            </a:r>
-            <a:r>
-              <a:rPr lang="en-US" sz="2400" dirty="0" err="1"/>
-              <a:t>i</a:t>
-            </a:r>
-            <a:r>
-              <a:rPr lang="en-US" sz="2400" dirty="0"/>
-              <a:t>)</a:t>
-            </a:r>
-          </a:p>
-          <a:p>
-            <a:pPr marL="0" indent="0">
-              <a:buNone/>
-            </a:pPr>
-            <a:r>
-              <a:rPr lang="en-US" sz="2400" dirty="0"/>
-              <a:t>    if (</a:t>
-            </a:r>
-            <a:r>
-              <a:rPr lang="en-US" sz="2400" dirty="0" err="1"/>
-              <a:t>IsMultipleOf</a:t>
-            </a:r>
-            <a:r>
-              <a:rPr lang="en-US" sz="2400" dirty="0"/>
-              <a:t>()(</a:t>
-            </a:r>
-            <a:r>
-              <a:rPr lang="en-US" sz="2400" dirty="0" err="1"/>
-              <a:t>i</a:t>
-            </a:r>
-            <a:r>
-              <a:rPr lang="en-US" sz="2400" dirty="0"/>
-              <a:t>, x) || </a:t>
-            </a:r>
-            <a:r>
-              <a:rPr lang="en-US" sz="2400" dirty="0" err="1"/>
-              <a:t>IsMultipleOf</a:t>
-            </a:r>
-            <a:r>
-              <a:rPr lang="en-US" sz="2400" dirty="0"/>
-              <a:t>()(</a:t>
-            </a:r>
-            <a:r>
-              <a:rPr lang="en-US" sz="2400" dirty="0" err="1"/>
-              <a:t>i</a:t>
-            </a:r>
-            <a:r>
-              <a:rPr lang="en-US" sz="2400" dirty="0"/>
-              <a:t>, y))</a:t>
-            </a:r>
-          </a:p>
-          <a:p>
-            <a:pPr marL="0" indent="0">
-              <a:buNone/>
-            </a:pPr>
-            <a:r>
-              <a:rPr lang="en-US" sz="2400" dirty="0"/>
-              <a:t>      sum += </a:t>
-            </a:r>
-            <a:r>
-              <a:rPr lang="en-US" sz="2400" dirty="0" err="1"/>
-              <a:t>i</a:t>
-            </a:r>
-            <a:r>
-              <a:rPr lang="en-US" sz="2400" dirty="0"/>
-              <a:t>;</a:t>
-            </a:r>
-          </a:p>
-          <a:p>
-            <a:pPr marL="0" indent="0">
-              <a:buNone/>
-            </a:pPr>
-            <a:r>
-              <a:rPr lang="en-US" sz="2400" dirty="0"/>
-              <a:t>  return sum;</a:t>
-            </a:r>
-          </a:p>
-          <a:p>
-            <a:pPr marL="0" indent="0">
-              <a:buNone/>
-            </a:pPr>
-            <a:r>
-              <a:rPr lang="en-US" sz="2400" dirty="0"/>
-              <a:t>}</a:t>
-            </a:r>
-          </a:p>
-          <a:p>
-            <a:pPr marL="0" indent="0">
-              <a:buNone/>
-            </a:pPr>
-            <a:endParaRPr lang="en-US" sz="2400" dirty="0" smtClean="0"/>
-          </a:p>
-        </p:txBody>
-      </p:sp>
-      <p:sp>
-        <p:nvSpPr>
-          <p:cNvPr id="6148" name="Footer Placeholder 3"/>
-          <p:cNvSpPr>
-            <a:spLocks noGrp="1"/>
-          </p:cNvSpPr>
-          <p:nvPr>
-            <p:ph type="ftr" sz="quarter" idx="11"/>
-          </p:nvPr>
-        </p:nvSpPr>
-        <p:spPr>
-          <a:noFill/>
-          <a:ln/>
-          <a:extLst>
-            <a:ext uri="{909E8E84-426E-40DD-AFC4-6F175D3DCCD1}">
-              <a14:hiddenFill xmlns:a14="http://schemas.microsoft.com/office/drawing/2010/main">
-                <a:solidFill>
-                  <a:srgbClr val="FFFFFF"/>
-                </a:solidFill>
-              </a14:hiddenFill>
-            </a:ext>
-            <a:ext uri="{91240B29-F687-4F45-9708-019B960494DF}">
-              <a14:hiddenLine xmlns:a14="http://schemas.microsoft.com/office/drawing/2010/main" w="9525">
-                <a:solidFill>
-                  <a:srgbClr val="000000"/>
-                </a:solidFill>
-                <a:miter lim="800000"/>
-                <a:headEnd/>
-                <a:tailEnd/>
-              </a14:hiddenLine>
-            </a:ext>
-          </a:extLst>
-        </p:spPr>
-        <p:txBody>
-          <a:bodyPr/>
-          <a:lstStyle>
-            <a:lvl1pPr eaLnBrk="0" hangingPunct="0">
-              <a:defRPr sz="2800" b="1">
-                <a:solidFill>
-                  <a:schemeClr val="tx1"/>
-                </a:solidFill>
-                <a:latin typeface="Arial" charset="0"/>
-              </a:defRPr>
-            </a:lvl1pPr>
-            <a:lvl2pPr marL="742950" indent="-285750" eaLnBrk="0" hangingPunct="0">
-              <a:defRPr sz="2800" b="1">
-                <a:solidFill>
-                  <a:schemeClr val="tx1"/>
-                </a:solidFill>
-                <a:latin typeface="Arial" charset="0"/>
-              </a:defRPr>
-            </a:lvl2pPr>
-            <a:lvl3pPr marL="1143000" indent="-228600" eaLnBrk="0" hangingPunct="0">
-              <a:defRPr sz="2800" b="1">
-                <a:solidFill>
-                  <a:schemeClr val="tx1"/>
-                </a:solidFill>
-                <a:latin typeface="Arial" charset="0"/>
-              </a:defRPr>
-            </a:lvl3pPr>
-            <a:lvl4pPr marL="1600200" indent="-228600" eaLnBrk="0" hangingPunct="0">
-              <a:defRPr sz="2800" b="1">
-                <a:solidFill>
-                  <a:schemeClr val="tx1"/>
-                </a:solidFill>
-                <a:latin typeface="Arial" charset="0"/>
-              </a:defRPr>
-            </a:lvl4pPr>
-            <a:lvl5pPr marL="2057400" indent="-228600" eaLnBrk="0" hangingPunct="0">
-              <a:defRPr sz="2800" b="1">
-                <a:solidFill>
-                  <a:schemeClr val="tx1"/>
-                </a:solidFill>
-                <a:latin typeface="Arial" charset="0"/>
-              </a:defRPr>
-            </a:lvl5pPr>
-            <a:lvl6pPr marL="2514600" indent="-228600" eaLnBrk="0" fontAlgn="base" hangingPunct="0">
-              <a:spcBef>
-                <a:spcPct val="0"/>
-              </a:spcBef>
-              <a:spcAft>
-                <a:spcPct val="0"/>
-              </a:spcAft>
-              <a:defRPr sz="2800" b="1">
-                <a:solidFill>
-                  <a:schemeClr val="tx1"/>
-                </a:solidFill>
-                <a:latin typeface="Arial" charset="0"/>
-              </a:defRPr>
-            </a:lvl6pPr>
-            <a:lvl7pPr marL="2971800" indent="-228600" eaLnBrk="0" fontAlgn="base" hangingPunct="0">
-              <a:spcBef>
-                <a:spcPct val="0"/>
-              </a:spcBef>
-              <a:spcAft>
-                <a:spcPct val="0"/>
-              </a:spcAft>
-              <a:defRPr sz="2800" b="1">
-                <a:solidFill>
-                  <a:schemeClr val="tx1"/>
-                </a:solidFill>
-                <a:latin typeface="Arial" charset="0"/>
-              </a:defRPr>
-            </a:lvl7pPr>
-            <a:lvl8pPr marL="3429000" indent="-228600" eaLnBrk="0" fontAlgn="base" hangingPunct="0">
-              <a:spcBef>
-                <a:spcPct val="0"/>
-              </a:spcBef>
-              <a:spcAft>
-                <a:spcPct val="0"/>
-              </a:spcAft>
-              <a:defRPr sz="2800" b="1">
-                <a:solidFill>
-                  <a:schemeClr val="tx1"/>
-                </a:solidFill>
-                <a:latin typeface="Arial" charset="0"/>
-              </a:defRPr>
-            </a:lvl8pPr>
-            <a:lvl9pPr marL="3886200" indent="-228600" eaLnBrk="0" fontAlgn="base" hangingPunct="0">
-              <a:spcBef>
-                <a:spcPct val="0"/>
-              </a:spcBef>
-              <a:spcAft>
-                <a:spcPct val="0"/>
-              </a:spcAft>
-              <a:defRPr sz="2800" b="1">
-                <a:solidFill>
-                  <a:schemeClr val="tx1"/>
-                </a:solidFill>
-                <a:latin typeface="Arial" charset="0"/>
-              </a:defRPr>
-            </a:lvl9pPr>
-          </a:lstStyle>
-          <a:p>
-            <a:r>
-              <a:rPr lang="en-US" sz="1400" b="0" smtClean="0">
-                <a:solidFill>
-                  <a:srgbClr val="FFFFFF"/>
-                </a:solidFill>
-              </a:rPr>
-              <a:t>Teradyne Confidential and Proprietary</a:t>
-            </a:r>
-          </a:p>
-        </p:txBody>
-      </p:sp>
-    </p:spTree>
-    <p:extLst>
-      <p:ext uri="{BB962C8B-B14F-4D97-AF65-F5344CB8AC3E}">
-        <p14:creationId xmlns:p14="http://schemas.microsoft.com/office/powerpoint/2010/main" val="500229843"/>
-      </p:ext>
-    </p:extLst>
-  </p:cSld>
-  <p:clrMapOvr>
-    <a:masterClrMapping/>
-  </p:clrMapOvr>
-  <p:timing>
-    <p:tnLst>
-      <p:par>
-        <p:cTn id="1" dur="indefinite" restart="never" nodeType="tmRoot"/>
-      </p:par>
-    </p:tnLst>
-  </p:timing>
-</p:sld>
-</file>
-
-<file path=ppt/slides/slide15.xml><?xml version="1.0" encoding="utf-8"?>
-<p:sld xmlns:a="http://schemas.openxmlformats.org/drawingml/2006/main" xmlns:r="http://schemas.openxmlformats.org/officeDocument/2006/relationships" xmlns:p="http://schemas.openxmlformats.org/presentationml/2006/main">
-  <p:cSld>
-    <p:spTree>
-      <p:nvGrpSpPr>
-        <p:cNvPr id="1" name=""/>
-        <p:cNvGrpSpPr/>
-        <p:nvPr/>
-      </p:nvGrpSpPr>
-      <p:grpSpPr>
-        <a:xfrm>
-          <a:off x="0" y="0"/>
-          <a:ext cx="0" cy="0"/>
-          <a:chOff x="0" y="0"/>
-          <a:chExt cx="0" cy="0"/>
-        </a:xfrm>
-      </p:grpSpPr>
-      <p:sp>
-        <p:nvSpPr>
-          <p:cNvPr id="6146" name="Title 1"/>
-          <p:cNvSpPr>
-            <a:spLocks noGrp="1"/>
-          </p:cNvSpPr>
-          <p:nvPr>
-            <p:ph type="title"/>
-          </p:nvPr>
-        </p:nvSpPr>
-        <p:spPr/>
-        <p:txBody>
-          <a:bodyPr/>
-          <a:lstStyle/>
-          <a:p>
-            <a:r>
-              <a:rPr lang="en-US" dirty="0" smtClean="0"/>
-              <a:t>Functional C++</a:t>
-            </a:r>
-          </a:p>
-        </p:txBody>
-      </p:sp>
-      <p:sp>
-        <p:nvSpPr>
-          <p:cNvPr id="6147" name="Content Placeholder 2"/>
-          <p:cNvSpPr>
-            <a:spLocks noGrp="1"/>
-          </p:cNvSpPr>
-          <p:nvPr>
-            <p:ph idx="1"/>
-          </p:nvPr>
-        </p:nvSpPr>
-        <p:spPr>
-          <a:xfrm>
-            <a:off x="0" y="1085385"/>
-            <a:ext cx="9144000" cy="5215054"/>
-          </a:xfrm>
-        </p:spPr>
-        <p:txBody>
-          <a:bodyPr/>
-          <a:lstStyle/>
-          <a:p>
-            <a:pPr marL="0" indent="0">
-              <a:buNone/>
-            </a:pPr>
-            <a:r>
-              <a:rPr lang="en-US" sz="2400" dirty="0"/>
-              <a:t>static </a:t>
-            </a:r>
-            <a:r>
-              <a:rPr lang="en-US" sz="2400" dirty="0" err="1"/>
-              <a:t>int</a:t>
-            </a:r>
-            <a:r>
-              <a:rPr lang="en-US" sz="2400" dirty="0"/>
-              <a:t> </a:t>
-            </a:r>
-            <a:r>
-              <a:rPr lang="en-US" sz="2400" dirty="0" err="1"/>
-              <a:t>FilterFunctional</a:t>
-            </a:r>
-            <a:r>
-              <a:rPr lang="en-US" sz="2400" dirty="0"/>
-              <a:t>(</a:t>
-            </a:r>
-            <a:r>
-              <a:rPr lang="en-US" sz="2400" dirty="0" err="1"/>
-              <a:t>int</a:t>
-            </a:r>
-            <a:r>
-              <a:rPr lang="en-US" sz="2400" dirty="0"/>
-              <a:t> limit, </a:t>
-            </a:r>
-            <a:r>
-              <a:rPr lang="en-US" sz="2400" dirty="0" err="1"/>
-              <a:t>int</a:t>
-            </a:r>
-            <a:r>
-              <a:rPr lang="en-US" sz="2400" dirty="0"/>
-              <a:t> x, </a:t>
-            </a:r>
-            <a:r>
-              <a:rPr lang="en-US" sz="2400" dirty="0" err="1"/>
-              <a:t>int</a:t>
-            </a:r>
-            <a:r>
-              <a:rPr lang="en-US" sz="2400" dirty="0"/>
-              <a:t> y</a:t>
-            </a:r>
-            <a:r>
-              <a:rPr lang="en-US" sz="2400" dirty="0" smtClean="0"/>
-              <a:t>) {</a:t>
-            </a:r>
-            <a:endParaRPr lang="en-US" sz="2400" dirty="0"/>
-          </a:p>
-          <a:p>
-            <a:pPr marL="0" indent="0">
-              <a:buNone/>
-            </a:pPr>
-            <a:r>
-              <a:rPr lang="en-US" sz="2400" dirty="0"/>
-              <a:t>  auto </a:t>
-            </a:r>
-            <a:r>
-              <a:rPr lang="en-US" sz="2400" dirty="0" err="1"/>
-              <a:t>const</a:t>
-            </a:r>
-            <a:r>
-              <a:rPr lang="en-US" sz="2400" dirty="0"/>
-              <a:t> </a:t>
-            </a:r>
-            <a:r>
-              <a:rPr lang="en-US" sz="2400" dirty="0" err="1"/>
-              <a:t>isMultipleOfXOrY</a:t>
-            </a:r>
-            <a:r>
-              <a:rPr lang="en-US" sz="2400" dirty="0"/>
-              <a:t> = [x, y](</a:t>
-            </a:r>
-            <a:r>
-              <a:rPr lang="en-US" sz="2400" dirty="0" err="1"/>
-              <a:t>int</a:t>
-            </a:r>
-            <a:r>
-              <a:rPr lang="en-US" sz="2400" dirty="0"/>
-              <a:t> </a:t>
-            </a:r>
-            <a:r>
-              <a:rPr lang="en-US" sz="2400" dirty="0" err="1"/>
-              <a:t>const</a:t>
-            </a:r>
-            <a:r>
-              <a:rPr lang="en-US" sz="2400" dirty="0"/>
-              <a:t> </a:t>
-            </a:r>
-            <a:r>
-              <a:rPr lang="en-US" sz="2400" dirty="0" err="1"/>
-              <a:t>i</a:t>
-            </a:r>
-            <a:r>
-              <a:rPr lang="en-US" sz="2400" dirty="0"/>
-              <a:t>) </a:t>
-            </a:r>
-            <a:r>
-              <a:rPr lang="en-US" sz="2400" dirty="0" smtClean="0"/>
-              <a:t>{</a:t>
-            </a:r>
-          </a:p>
-          <a:p>
-            <a:pPr marL="0" indent="0">
-              <a:buNone/>
-            </a:pPr>
-            <a:r>
-              <a:rPr lang="en-US" sz="2400" dirty="0" smtClean="0"/>
-              <a:t>    return </a:t>
-            </a:r>
-            <a:r>
-              <a:rPr lang="en-US" sz="2400" dirty="0" err="1"/>
-              <a:t>IsMultipleOf</a:t>
-            </a:r>
-            <a:r>
-              <a:rPr lang="en-US" sz="2400" dirty="0"/>
-              <a:t>()(</a:t>
-            </a:r>
-            <a:r>
-              <a:rPr lang="en-US" sz="2400" dirty="0" err="1"/>
-              <a:t>i</a:t>
-            </a:r>
-            <a:r>
-              <a:rPr lang="en-US" sz="2400" dirty="0"/>
-              <a:t>, x) || </a:t>
-            </a:r>
-            <a:r>
-              <a:rPr lang="en-US" sz="2400" dirty="0" err="1"/>
-              <a:t>IsMultipleOf</a:t>
-            </a:r>
-            <a:r>
-              <a:rPr lang="en-US" sz="2400" dirty="0"/>
-              <a:t>()(</a:t>
-            </a:r>
-            <a:r>
-              <a:rPr lang="en-US" sz="2400" dirty="0" err="1"/>
-              <a:t>i</a:t>
-            </a:r>
-            <a:r>
-              <a:rPr lang="en-US" sz="2400" dirty="0"/>
-              <a:t>, y); </a:t>
-            </a:r>
-            <a:r>
-              <a:rPr lang="en-US" sz="2400" dirty="0" smtClean="0"/>
-              <a:t>};</a:t>
-            </a:r>
-          </a:p>
-          <a:p>
-            <a:pPr marL="0" indent="0">
-              <a:buNone/>
-            </a:pPr>
-            <a:r>
-              <a:rPr lang="en-US" sz="2400" dirty="0" smtClean="0"/>
-              <a:t>  </a:t>
-            </a:r>
-            <a:r>
-              <a:rPr lang="en-US" sz="2400" dirty="0"/>
-              <a:t>return boost::accumulate(boost::</a:t>
-            </a:r>
-            <a:r>
-              <a:rPr lang="en-US" sz="2400" dirty="0" err="1"/>
-              <a:t>irange</a:t>
-            </a:r>
-            <a:r>
-              <a:rPr lang="en-US" sz="2400" dirty="0"/>
-              <a:t>(1, limit) </a:t>
-            </a:r>
-            <a:r>
-              <a:rPr lang="en-US" sz="2400" dirty="0" smtClean="0"/>
-              <a:t>|</a:t>
-            </a:r>
-          </a:p>
-          <a:p>
-            <a:pPr marL="0" indent="0">
-              <a:buNone/>
-            </a:pPr>
-            <a:r>
-              <a:rPr lang="en-US" sz="2400" dirty="0"/>
-              <a:t> </a:t>
-            </a:r>
-            <a:r>
-              <a:rPr lang="en-US" sz="2400" dirty="0" smtClean="0"/>
-              <a:t>   boost</a:t>
-            </a:r>
-            <a:r>
-              <a:rPr lang="en-US" sz="2400" dirty="0"/>
-              <a:t>::adaptors::filtered(</a:t>
-            </a:r>
-            <a:r>
-              <a:rPr lang="en-US" sz="2400" dirty="0" err="1"/>
-              <a:t>isMultipleOfXOrY</a:t>
-            </a:r>
-            <a:r>
-              <a:rPr lang="en-US" sz="2400" dirty="0"/>
-              <a:t>), 0);</a:t>
-            </a:r>
-          </a:p>
-          <a:p>
-            <a:pPr marL="0" indent="0">
-              <a:buNone/>
-            </a:pPr>
-            <a:r>
-              <a:rPr lang="en-US" sz="2400" dirty="0" smtClean="0"/>
-              <a:t>}</a:t>
-            </a:r>
-          </a:p>
-          <a:p>
-            <a:r>
-              <a:rPr lang="en-US" sz="2400" dirty="0" smtClean="0"/>
-              <a:t>C++11 has lambdas, too.</a:t>
-            </a:r>
-          </a:p>
-          <a:p>
-            <a:r>
-              <a:rPr lang="en-US" sz="2400" dirty="0" err="1" smtClean="0"/>
-              <a:t>Enumerable.Range</a:t>
-            </a:r>
-            <a:r>
-              <a:rPr lang="en-US" sz="2400" dirty="0" smtClean="0"/>
-              <a:t> = boost::</a:t>
-            </a:r>
-            <a:r>
-              <a:rPr lang="en-US" sz="2400" dirty="0" err="1" smtClean="0"/>
-              <a:t>irange</a:t>
-            </a:r>
-            <a:endParaRPr lang="en-US" sz="2400" dirty="0" smtClean="0"/>
-          </a:p>
-          <a:p>
-            <a:r>
-              <a:rPr lang="en-US" sz="2400" dirty="0" err="1" smtClean="0"/>
-              <a:t>Enumerable.Where</a:t>
-            </a:r>
-            <a:r>
-              <a:rPr lang="en-US" sz="2400" dirty="0" smtClean="0"/>
-              <a:t> = boost::adaptors::filtered</a:t>
-            </a:r>
-          </a:p>
-          <a:p>
-            <a:r>
-              <a:rPr lang="en-US" sz="2400" dirty="0" err="1" smtClean="0"/>
-              <a:t>Enumerable.Sum</a:t>
-            </a:r>
-            <a:r>
-              <a:rPr lang="en-US" sz="2400" dirty="0" smtClean="0"/>
-              <a:t> = boost::accumulate</a:t>
-            </a:r>
-            <a:endParaRPr lang="en-US" sz="2400" dirty="0"/>
-          </a:p>
-        </p:txBody>
-      </p:sp>
-      <p:sp>
-        <p:nvSpPr>
-          <p:cNvPr id="6148" name="Footer Placeholder 3"/>
-          <p:cNvSpPr>
-            <a:spLocks noGrp="1"/>
-          </p:cNvSpPr>
-          <p:nvPr>
-            <p:ph type="ftr" sz="quarter" idx="11"/>
-          </p:nvPr>
-        </p:nvSpPr>
-        <p:spPr>
-          <a:noFill/>
-          <a:ln/>
-          <a:extLst>
-            <a:ext uri="{909E8E84-426E-40DD-AFC4-6F175D3DCCD1}">
-              <a14:hiddenFill xmlns:a14="http://schemas.microsoft.com/office/drawing/2010/main">
-                <a:solidFill>
-                  <a:srgbClr val="FFFFFF"/>
-                </a:solidFill>
-              </a14:hiddenFill>
-            </a:ext>
-            <a:ext uri="{91240B29-F687-4F45-9708-019B960494DF}">
-              <a14:hiddenLine xmlns:a14="http://schemas.microsoft.com/office/drawing/2010/main" w="9525">
-                <a:solidFill>
-                  <a:srgbClr val="000000"/>
-                </a:solidFill>
-                <a:miter lim="800000"/>
-                <a:headEnd/>
-                <a:tailEnd/>
-              </a14:hiddenLine>
-            </a:ext>
-          </a:extLst>
-        </p:spPr>
-        <p:txBody>
-          <a:bodyPr/>
-          <a:lstStyle>
-            <a:lvl1pPr eaLnBrk="0" hangingPunct="0">
-              <a:defRPr sz="2800" b="1">
-                <a:solidFill>
-                  <a:schemeClr val="tx1"/>
-                </a:solidFill>
-                <a:latin typeface="Arial" charset="0"/>
-              </a:defRPr>
-            </a:lvl1pPr>
-            <a:lvl2pPr marL="742950" indent="-285750" eaLnBrk="0" hangingPunct="0">
-              <a:defRPr sz="2800" b="1">
-                <a:solidFill>
-                  <a:schemeClr val="tx1"/>
-                </a:solidFill>
-                <a:latin typeface="Arial" charset="0"/>
-              </a:defRPr>
-            </a:lvl2pPr>
-            <a:lvl3pPr marL="1143000" indent="-228600" eaLnBrk="0" hangingPunct="0">
-              <a:defRPr sz="2800" b="1">
-                <a:solidFill>
-                  <a:schemeClr val="tx1"/>
-                </a:solidFill>
-                <a:latin typeface="Arial" charset="0"/>
-              </a:defRPr>
-            </a:lvl3pPr>
-            <a:lvl4pPr marL="1600200" indent="-228600" eaLnBrk="0" hangingPunct="0">
-              <a:defRPr sz="2800" b="1">
-                <a:solidFill>
-                  <a:schemeClr val="tx1"/>
-                </a:solidFill>
-                <a:latin typeface="Arial" charset="0"/>
-              </a:defRPr>
-            </a:lvl4pPr>
-            <a:lvl5pPr marL="2057400" indent="-228600" eaLnBrk="0" hangingPunct="0">
-              <a:defRPr sz="2800" b="1">
-                <a:solidFill>
-                  <a:schemeClr val="tx1"/>
-                </a:solidFill>
-                <a:latin typeface="Arial" charset="0"/>
-              </a:defRPr>
-            </a:lvl5pPr>
-            <a:lvl6pPr marL="2514600" indent="-228600" eaLnBrk="0" fontAlgn="base" hangingPunct="0">
-              <a:spcBef>
-                <a:spcPct val="0"/>
-              </a:spcBef>
-              <a:spcAft>
-                <a:spcPct val="0"/>
-              </a:spcAft>
-              <a:defRPr sz="2800" b="1">
-                <a:solidFill>
-                  <a:schemeClr val="tx1"/>
-                </a:solidFill>
-                <a:latin typeface="Arial" charset="0"/>
-              </a:defRPr>
-            </a:lvl6pPr>
-            <a:lvl7pPr marL="2971800" indent="-228600" eaLnBrk="0" fontAlgn="base" hangingPunct="0">
-              <a:spcBef>
-                <a:spcPct val="0"/>
-              </a:spcBef>
-              <a:spcAft>
-                <a:spcPct val="0"/>
-              </a:spcAft>
-              <a:defRPr sz="2800" b="1">
-                <a:solidFill>
-                  <a:schemeClr val="tx1"/>
-                </a:solidFill>
-                <a:latin typeface="Arial" charset="0"/>
-              </a:defRPr>
-            </a:lvl7pPr>
-            <a:lvl8pPr marL="3429000" indent="-228600" eaLnBrk="0" fontAlgn="base" hangingPunct="0">
-              <a:spcBef>
-                <a:spcPct val="0"/>
-              </a:spcBef>
-              <a:spcAft>
-                <a:spcPct val="0"/>
-              </a:spcAft>
-              <a:defRPr sz="2800" b="1">
-                <a:solidFill>
-                  <a:schemeClr val="tx1"/>
-                </a:solidFill>
-                <a:latin typeface="Arial" charset="0"/>
-              </a:defRPr>
-            </a:lvl8pPr>
-            <a:lvl9pPr marL="3886200" indent="-228600" eaLnBrk="0" fontAlgn="base" hangingPunct="0">
-              <a:spcBef>
-                <a:spcPct val="0"/>
-              </a:spcBef>
-              <a:spcAft>
-                <a:spcPct val="0"/>
-              </a:spcAft>
-              <a:defRPr sz="2800" b="1">
-                <a:solidFill>
-                  <a:schemeClr val="tx1"/>
-                </a:solidFill>
-                <a:latin typeface="Arial" charset="0"/>
-              </a:defRPr>
-            </a:lvl9pPr>
-          </a:lstStyle>
-          <a:p>
-            <a:r>
-              <a:rPr lang="en-US" sz="1400" b="0" smtClean="0">
-                <a:solidFill>
-                  <a:srgbClr val="FFFFFF"/>
-                </a:solidFill>
-              </a:rPr>
-              <a:t>Teradyne Confidential and Proprietary</a:t>
-            </a:r>
-          </a:p>
-        </p:txBody>
-      </p:sp>
-    </p:spTree>
-    <p:extLst>
-      <p:ext uri="{BB962C8B-B14F-4D97-AF65-F5344CB8AC3E}">
-        <p14:creationId xmlns:p14="http://schemas.microsoft.com/office/powerpoint/2010/main" val="3085513694"/>
-      </p:ext>
-    </p:extLst>
-  </p:cSld>
-  <p:clrMapOvr>
-    <a:masterClrMapping/>
-  </p:clrMapOvr>
-  <p:timing>
-    <p:tnLst>
-      <p:par>
-        <p:cTn id="1" dur="indefinite" restart="never" nodeType="tmRoot"/>
-      </p:par>
-    </p:tnLst>
-  </p:timing>
-</p:sld>
-</file>
-
-<file path=ppt/slides/slide16.xml><?xml version="1.0" encoding="utf-8"?>
-<p:sld xmlns:a="http://schemas.openxmlformats.org/drawingml/2006/main" xmlns:r="http://schemas.openxmlformats.org/officeDocument/2006/relationships" xmlns:p="http://schemas.openxmlformats.org/presentationml/2006/main">
-  <p:cSld>
-    <p:spTree>
-      <p:nvGrpSpPr>
-        <p:cNvPr id="1" name=""/>
-        <p:cNvGrpSpPr/>
-        <p:nvPr/>
-      </p:nvGrpSpPr>
-      <p:grpSpPr>
-        <a:xfrm>
-          <a:off x="0" y="0"/>
-          <a:ext cx="0" cy="0"/>
-          <a:chOff x="0" y="0"/>
-          <a:chExt cx="0" cy="0"/>
-        </a:xfrm>
-      </p:grpSpPr>
-      <p:sp>
-        <p:nvSpPr>
-          <p:cNvPr id="6146" name="Title 1"/>
-          <p:cNvSpPr>
-            <a:spLocks noGrp="1"/>
-          </p:cNvSpPr>
-          <p:nvPr>
-            <p:ph type="title"/>
-          </p:nvPr>
-        </p:nvSpPr>
-        <p:spPr/>
-        <p:txBody>
-          <a:bodyPr/>
-          <a:lstStyle/>
-          <a:p>
-            <a:r>
-              <a:rPr lang="en-US" dirty="0" smtClean="0"/>
-              <a:t>Performance Comparison</a:t>
-            </a:r>
-          </a:p>
-        </p:txBody>
-      </p:sp>
-      <p:graphicFrame>
-        <p:nvGraphicFramePr>
-          <p:cNvPr id="2" name="Content Placeholder 1"/>
-          <p:cNvGraphicFramePr>
-            <a:graphicFrameLocks noGrp="1"/>
-          </p:cNvGraphicFramePr>
-          <p:nvPr>
-            <p:ph idx="1"/>
-            <p:extLst>
-              <p:ext uri="{D42A27DB-BD31-4B8C-83A1-F6EECF244321}">
-                <p14:modId xmlns:p14="http://schemas.microsoft.com/office/powerpoint/2010/main" val="2662321863"/>
-              </p:ext>
-            </p:extLst>
-          </p:nvPr>
-        </p:nvGraphicFramePr>
-        <p:xfrm>
-          <a:off x="685800" y="1219200"/>
-          <a:ext cx="7773138" cy="1112520"/>
-        </p:xfrm>
-        <a:graphic>
-          <a:graphicData uri="http://schemas.openxmlformats.org/drawingml/2006/table">
-            <a:tbl>
-              <a:tblPr firstRow="1" bandRow="1">
-                <a:tableStyleId>{5C22544A-7EE6-4342-B048-85BDC9FD1C3A}</a:tableStyleId>
-              </a:tblPr>
-              <a:tblGrid>
-                <a:gridCol w="2591046"/>
-                <a:gridCol w="2591046"/>
-                <a:gridCol w="2591046"/>
-              </a:tblGrid>
-              <a:tr h="370840">
-                <a:tc>
-                  <a:txBody>
-                    <a:bodyPr/>
-                    <a:lstStyle/>
-                    <a:p>
-                      <a:r>
-                        <a:rPr lang="en-US" dirty="0" smtClean="0">
-                          <a:ln>
-                            <a:noFill/>
-                          </a:ln>
-                          <a:solidFill>
-                            <a:srgbClr val="FFFF00"/>
-                          </a:solidFill>
-                        </a:rPr>
-                        <a:t>Time (us)</a:t>
-                      </a:r>
-                      <a:endParaRPr lang="en-US" dirty="0">
-                        <a:ln>
-                          <a:noFill/>
-                        </a:ln>
-                        <a:solidFill>
-                          <a:srgbClr val="FFFF00"/>
-                        </a:solidFill>
-                      </a:endParaRPr>
-                    </a:p>
-                  </a:txBody>
-                  <a:tcPr marL="116313" marR="116313">
-                    <a:lnL w="12700" cap="flat" cmpd="sng" algn="ctr">
-                      <a:solidFill>
-                        <a:srgbClr val="FFFF00"/>
-                      </a:solidFill>
-                      <a:prstDash val="solid"/>
-                      <a:round/>
-                      <a:headEnd type="none" w="med" len="med"/>
-                      <a:tailEnd type="none" w="med" len="med"/>
-                    </a:lnL>
-                    <a:lnR w="12700" cap="flat" cmpd="sng" algn="ctr">
-                      <a:solidFill>
-                        <a:srgbClr val="FFFF00"/>
-                      </a:solidFill>
-                      <a:prstDash val="solid"/>
-                      <a:round/>
-                      <a:headEnd type="none" w="med" len="med"/>
-                      <a:tailEnd type="none" w="med" len="med"/>
-                    </a:lnR>
-                    <a:lnT w="12700" cap="flat" cmpd="sng" algn="ctr">
-                      <a:solidFill>
-                        <a:srgbClr val="FFFF00"/>
-                      </a:solidFill>
-                      <a:prstDash val="solid"/>
-                      <a:round/>
-                      <a:headEnd type="none" w="med" len="med"/>
-                      <a:tailEnd type="none" w="med" len="med"/>
-                    </a:lnT>
-                    <a:lnB w="12700" cap="flat" cmpd="sng" algn="ctr">
-                      <a:solidFill>
-                        <a:srgbClr val="FFFF00"/>
-                      </a:solidFill>
-                      <a:prstDash val="solid"/>
-                      <a:round/>
-                      <a:headEnd type="none" w="med" len="med"/>
-                      <a:tailEnd type="none" w="med" len="med"/>
-                    </a:lnB>
-                    <a:noFill/>
-                  </a:tcPr>
-                </a:tc>
-                <a:tc>
-                  <a:txBody>
-                    <a:bodyPr/>
-                    <a:lstStyle/>
-                    <a:p>
-                      <a:pPr algn="r"/>
-                      <a:r>
-                        <a:rPr lang="en-US" dirty="0" smtClean="0">
-                          <a:ln>
-                            <a:noFill/>
-                          </a:ln>
-                          <a:solidFill>
-                            <a:srgbClr val="FFFF00"/>
-                          </a:solidFill>
-                        </a:rPr>
-                        <a:t>C#</a:t>
-                      </a:r>
-                      <a:endParaRPr lang="en-US" dirty="0">
-                        <a:ln>
-                          <a:noFill/>
-                        </a:ln>
-                        <a:solidFill>
-                          <a:srgbClr val="FFFF00"/>
-                        </a:solidFill>
-                      </a:endParaRPr>
-                    </a:p>
-                  </a:txBody>
-                  <a:tcPr marL="116313" marR="116313">
-                    <a:lnL w="12700" cap="flat" cmpd="sng" algn="ctr">
-                      <a:solidFill>
-                        <a:srgbClr val="FFFF00"/>
-                      </a:solidFill>
-                      <a:prstDash val="solid"/>
-                      <a:round/>
-                      <a:headEnd type="none" w="med" len="med"/>
-                      <a:tailEnd type="none" w="med" len="med"/>
-                    </a:lnL>
-                    <a:lnR w="12700" cap="flat" cmpd="sng" algn="ctr">
-                      <a:solidFill>
-                        <a:srgbClr val="FFFF00"/>
-                      </a:solidFill>
-                      <a:prstDash val="solid"/>
-                      <a:round/>
-                      <a:headEnd type="none" w="med" len="med"/>
-                      <a:tailEnd type="none" w="med" len="med"/>
-                    </a:lnR>
-                    <a:lnT w="12700" cap="flat" cmpd="sng" algn="ctr">
-                      <a:solidFill>
-                        <a:srgbClr val="FFFF00"/>
-                      </a:solidFill>
-                      <a:prstDash val="solid"/>
-                      <a:round/>
-                      <a:headEnd type="none" w="med" len="med"/>
-                      <a:tailEnd type="none" w="med" len="med"/>
-                    </a:lnT>
-                    <a:lnB w="12700" cap="flat" cmpd="sng" algn="ctr">
-                      <a:solidFill>
-                        <a:srgbClr val="FFFF00"/>
-                      </a:solidFill>
-                      <a:prstDash val="solid"/>
-                      <a:round/>
-                      <a:headEnd type="none" w="med" len="med"/>
-                      <a:tailEnd type="none" w="med" len="med"/>
-                    </a:lnB>
-                    <a:noFill/>
-                  </a:tcPr>
-                </a:tc>
-                <a:tc>
-                  <a:txBody>
-                    <a:bodyPr/>
-                    <a:lstStyle/>
-                    <a:p>
-                      <a:pPr algn="r"/>
-                      <a:r>
-                        <a:rPr lang="en-US" dirty="0" smtClean="0">
-                          <a:ln>
-                            <a:noFill/>
-                          </a:ln>
-                          <a:solidFill>
-                            <a:srgbClr val="FFFF00"/>
-                          </a:solidFill>
-                        </a:rPr>
-                        <a:t>C++</a:t>
-                      </a:r>
-                      <a:endParaRPr lang="en-US" dirty="0">
-                        <a:ln>
-                          <a:noFill/>
-                        </a:ln>
-                        <a:solidFill>
-                          <a:srgbClr val="FFFF00"/>
-                        </a:solidFill>
-                      </a:endParaRPr>
-                    </a:p>
-                  </a:txBody>
-                  <a:tcPr marL="116313" marR="116313">
-                    <a:lnL w="12700" cap="flat" cmpd="sng" algn="ctr">
-                      <a:solidFill>
-                        <a:srgbClr val="FFFF00"/>
-                      </a:solidFill>
-                      <a:prstDash val="solid"/>
-                      <a:round/>
-                      <a:headEnd type="none" w="med" len="med"/>
-                      <a:tailEnd type="none" w="med" len="med"/>
-                    </a:lnL>
-                    <a:lnR w="12700" cap="flat" cmpd="sng" algn="ctr">
-                      <a:solidFill>
-                        <a:srgbClr val="FFFF00"/>
-                      </a:solidFill>
-                      <a:prstDash val="solid"/>
-                      <a:round/>
-                      <a:headEnd type="none" w="med" len="med"/>
-                      <a:tailEnd type="none" w="med" len="med"/>
-                    </a:lnR>
-                    <a:lnT w="12700" cap="flat" cmpd="sng" algn="ctr">
-                      <a:solidFill>
-                        <a:srgbClr val="FFFF00"/>
-                      </a:solidFill>
-                      <a:prstDash val="solid"/>
-                      <a:round/>
-                      <a:headEnd type="none" w="med" len="med"/>
-                      <a:tailEnd type="none" w="med" len="med"/>
-                    </a:lnT>
-                    <a:lnB w="12700" cap="flat" cmpd="sng" algn="ctr">
-                      <a:solidFill>
-                        <a:srgbClr val="FFFF00"/>
-                      </a:solidFill>
-                      <a:prstDash val="solid"/>
-                      <a:round/>
-                      <a:headEnd type="none" w="med" len="med"/>
-                      <a:tailEnd type="none" w="med" len="med"/>
-                    </a:lnB>
-                    <a:noFill/>
-                  </a:tcPr>
-                </a:tc>
-              </a:tr>
-              <a:tr h="370840">
-                <a:tc>
-                  <a:txBody>
-                    <a:bodyPr/>
-                    <a:lstStyle/>
-                    <a:p>
-                      <a:r>
-                        <a:rPr lang="en-US" dirty="0" err="1" smtClean="0">
-                          <a:ln>
-                            <a:noFill/>
-                          </a:ln>
-                          <a:solidFill>
-                            <a:srgbClr val="FFFF00"/>
-                          </a:solidFill>
-                        </a:rPr>
-                        <a:t>filterImperative</a:t>
-                      </a:r>
-                      <a:endParaRPr lang="en-US" dirty="0">
-                        <a:ln>
-                          <a:noFill/>
-                        </a:ln>
-                        <a:solidFill>
-                          <a:srgbClr val="FFFF00"/>
-                        </a:solidFill>
-                      </a:endParaRPr>
-                    </a:p>
-                  </a:txBody>
-                  <a:tcPr marL="116313" marR="116313">
-                    <a:lnL w="12700" cap="flat" cmpd="sng" algn="ctr">
-                      <a:solidFill>
-                        <a:srgbClr val="FFFF00"/>
-                      </a:solidFill>
-                      <a:prstDash val="solid"/>
-                      <a:round/>
-                      <a:headEnd type="none" w="med" len="med"/>
-                      <a:tailEnd type="none" w="med" len="med"/>
-                    </a:lnL>
-                    <a:lnR w="12700" cap="flat" cmpd="sng" algn="ctr">
-                      <a:solidFill>
-                        <a:srgbClr val="FFFF00"/>
-                      </a:solidFill>
-                      <a:prstDash val="solid"/>
-                      <a:round/>
-                      <a:headEnd type="none" w="med" len="med"/>
-                      <a:tailEnd type="none" w="med" len="med"/>
-                    </a:lnR>
-                    <a:lnT w="12700" cap="flat" cmpd="sng" algn="ctr">
-                      <a:solidFill>
-                        <a:srgbClr val="FFFF00"/>
-                      </a:solidFill>
-                      <a:prstDash val="solid"/>
-                      <a:round/>
-                      <a:headEnd type="none" w="med" len="med"/>
-                      <a:tailEnd type="none" w="med" len="med"/>
-                    </a:lnT>
-                    <a:lnB w="12700" cap="flat" cmpd="sng" algn="ctr">
-                      <a:solidFill>
-                        <a:srgbClr val="FFFF00"/>
-                      </a:solidFill>
-                      <a:prstDash val="solid"/>
-                      <a:round/>
-                      <a:headEnd type="none" w="med" len="med"/>
-                      <a:tailEnd type="none" w="med" len="med"/>
-                    </a:lnB>
-                    <a:noFill/>
-                  </a:tcPr>
-                </a:tc>
-                <a:tc>
-                  <a:txBody>
-                    <a:bodyPr/>
-                    <a:lstStyle/>
-                    <a:p>
-                      <a:pPr algn="r"/>
-                      <a:r>
-                        <a:rPr lang="en-US" dirty="0" smtClean="0">
-                          <a:ln>
-                            <a:noFill/>
-                          </a:ln>
-                          <a:solidFill>
-                            <a:srgbClr val="FFC000"/>
-                          </a:solidFill>
-                        </a:rPr>
-                        <a:t>4.0</a:t>
-                      </a:r>
-                      <a:endParaRPr lang="en-US" dirty="0">
-                        <a:ln>
-                          <a:noFill/>
-                        </a:ln>
-                        <a:solidFill>
-                          <a:srgbClr val="FFC000"/>
-                        </a:solidFill>
-                      </a:endParaRPr>
-                    </a:p>
-                  </a:txBody>
-                  <a:tcPr marL="116313" marR="116313">
-                    <a:lnL w="12700" cap="flat" cmpd="sng" algn="ctr">
-                      <a:solidFill>
-                        <a:srgbClr val="FFFF00"/>
-                      </a:solidFill>
-                      <a:prstDash val="solid"/>
-                      <a:round/>
-                      <a:headEnd type="none" w="med" len="med"/>
-                      <a:tailEnd type="none" w="med" len="med"/>
-                    </a:lnL>
-                    <a:lnR w="12700" cap="flat" cmpd="sng" algn="ctr">
-                      <a:solidFill>
-                        <a:srgbClr val="FFFF00"/>
-                      </a:solidFill>
-                      <a:prstDash val="solid"/>
-                      <a:round/>
-                      <a:headEnd type="none" w="med" len="med"/>
-                      <a:tailEnd type="none" w="med" len="med"/>
-                    </a:lnR>
-                    <a:lnT w="12700" cap="flat" cmpd="sng" algn="ctr">
-                      <a:solidFill>
-                        <a:srgbClr val="FFFF00"/>
-                      </a:solidFill>
-                      <a:prstDash val="solid"/>
-                      <a:round/>
-                      <a:headEnd type="none" w="med" len="med"/>
-                      <a:tailEnd type="none" w="med" len="med"/>
-                    </a:lnT>
-                    <a:lnB w="12700" cap="flat" cmpd="sng" algn="ctr">
-                      <a:solidFill>
-                        <a:srgbClr val="FFFF00"/>
-                      </a:solidFill>
-                      <a:prstDash val="solid"/>
-                      <a:round/>
-                      <a:headEnd type="none" w="med" len="med"/>
-                      <a:tailEnd type="none" w="med" len="med"/>
-                    </a:lnB>
-                    <a:noFill/>
-                  </a:tcPr>
-                </a:tc>
-                <a:tc>
-                  <a:txBody>
-                    <a:bodyPr/>
-                    <a:lstStyle/>
-                    <a:p>
-                      <a:pPr algn="r"/>
-                      <a:r>
-                        <a:rPr lang="en-US" dirty="0" smtClean="0">
-                          <a:ln>
-                            <a:noFill/>
-                          </a:ln>
-                          <a:solidFill>
-                            <a:srgbClr val="FFC000"/>
-                          </a:solidFill>
-                        </a:rPr>
-                        <a:t>4.0</a:t>
-                      </a:r>
-                      <a:endParaRPr lang="en-US" dirty="0">
-                        <a:ln>
-                          <a:noFill/>
-                        </a:ln>
-                        <a:solidFill>
-                          <a:srgbClr val="FFC000"/>
-                        </a:solidFill>
-                      </a:endParaRPr>
-                    </a:p>
-                  </a:txBody>
-                  <a:tcPr marL="116313" marR="116313">
-                    <a:lnL w="12700" cap="flat" cmpd="sng" algn="ctr">
-                      <a:solidFill>
-                        <a:srgbClr val="FFFF00"/>
-                      </a:solidFill>
-                      <a:prstDash val="solid"/>
-                      <a:round/>
-                      <a:headEnd type="none" w="med" len="med"/>
-                      <a:tailEnd type="none" w="med" len="med"/>
-                    </a:lnL>
-                    <a:lnR w="12700" cap="flat" cmpd="sng" algn="ctr">
-                      <a:solidFill>
-                        <a:srgbClr val="FFFF00"/>
-                      </a:solidFill>
-                      <a:prstDash val="solid"/>
-                      <a:round/>
-                      <a:headEnd type="none" w="med" len="med"/>
-                      <a:tailEnd type="none" w="med" len="med"/>
-                    </a:lnR>
-                    <a:lnT w="12700" cap="flat" cmpd="sng" algn="ctr">
-                      <a:solidFill>
-                        <a:srgbClr val="FFFF00"/>
-                      </a:solidFill>
-                      <a:prstDash val="solid"/>
-                      <a:round/>
-                      <a:headEnd type="none" w="med" len="med"/>
-                      <a:tailEnd type="none" w="med" len="med"/>
-                    </a:lnT>
-                    <a:lnB w="12700" cap="flat" cmpd="sng" algn="ctr">
-                      <a:solidFill>
-                        <a:srgbClr val="FFFF00"/>
-                      </a:solidFill>
-                      <a:prstDash val="solid"/>
-                      <a:round/>
-                      <a:headEnd type="none" w="med" len="med"/>
-                      <a:tailEnd type="none" w="med" len="med"/>
-                    </a:lnB>
-                    <a:noFill/>
-                  </a:tcPr>
-                </a:tc>
-              </a:tr>
-              <a:tr h="370840">
-                <a:tc>
-                  <a:txBody>
-                    <a:bodyPr/>
-                    <a:lstStyle/>
-                    <a:p>
-                      <a:r>
-                        <a:rPr lang="en-US" dirty="0" err="1" smtClean="0">
-                          <a:ln>
-                            <a:noFill/>
-                          </a:ln>
-                          <a:solidFill>
-                            <a:srgbClr val="FFFF00"/>
-                          </a:solidFill>
-                        </a:rPr>
-                        <a:t>filterFunctional</a:t>
-                      </a:r>
-                      <a:endParaRPr lang="en-US" dirty="0">
-                        <a:ln>
-                          <a:noFill/>
-                        </a:ln>
-                        <a:solidFill>
-                          <a:srgbClr val="FFFF00"/>
-                        </a:solidFill>
-                      </a:endParaRPr>
-                    </a:p>
-                  </a:txBody>
-                  <a:tcPr marL="116313" marR="116313">
-                    <a:lnL w="12700" cap="flat" cmpd="sng" algn="ctr">
-                      <a:solidFill>
-                        <a:srgbClr val="FFFF00"/>
-                      </a:solidFill>
-                      <a:prstDash val="solid"/>
-                      <a:round/>
-                      <a:headEnd type="none" w="med" len="med"/>
-                      <a:tailEnd type="none" w="med" len="med"/>
-                    </a:lnL>
-                    <a:lnR w="12700" cap="flat" cmpd="sng" algn="ctr">
-                      <a:solidFill>
-                        <a:srgbClr val="FFFF00"/>
-                      </a:solidFill>
-                      <a:prstDash val="solid"/>
-                      <a:round/>
-                      <a:headEnd type="none" w="med" len="med"/>
-                      <a:tailEnd type="none" w="med" len="med"/>
-                    </a:lnR>
-                    <a:lnT w="12700" cap="flat" cmpd="sng" algn="ctr">
-                      <a:solidFill>
-                        <a:srgbClr val="FFFF00"/>
-                      </a:solidFill>
-                      <a:prstDash val="solid"/>
-                      <a:round/>
-                      <a:headEnd type="none" w="med" len="med"/>
-                      <a:tailEnd type="none" w="med" len="med"/>
-                    </a:lnT>
-                    <a:lnB w="12700" cap="flat" cmpd="sng" algn="ctr">
-                      <a:solidFill>
-                        <a:srgbClr val="FFFF00"/>
-                      </a:solidFill>
-                      <a:prstDash val="solid"/>
-                      <a:round/>
-                      <a:headEnd type="none" w="med" len="med"/>
-                      <a:tailEnd type="none" w="med" len="med"/>
-                    </a:lnB>
-                    <a:noFill/>
-                  </a:tcPr>
-                </a:tc>
-                <a:tc>
-                  <a:txBody>
-                    <a:bodyPr/>
-                    <a:lstStyle/>
-                    <a:p>
-                      <a:pPr algn="r"/>
-                      <a:r>
-                        <a:rPr lang="en-US" dirty="0" smtClean="0">
-                          <a:ln>
-                            <a:noFill/>
-                          </a:ln>
-                          <a:solidFill>
-                            <a:srgbClr val="FFFF00"/>
-                          </a:solidFill>
-                        </a:rPr>
-                        <a:t>15.1</a:t>
-                      </a:r>
-                      <a:endParaRPr lang="en-US" dirty="0">
-                        <a:ln>
-                          <a:noFill/>
-                        </a:ln>
-                        <a:solidFill>
-                          <a:srgbClr val="FFFF00"/>
-                        </a:solidFill>
-                      </a:endParaRPr>
-                    </a:p>
-                  </a:txBody>
-                  <a:tcPr marL="116313" marR="116313">
-                    <a:lnL w="12700" cap="flat" cmpd="sng" algn="ctr">
-                      <a:solidFill>
-                        <a:srgbClr val="FFFF00"/>
-                      </a:solidFill>
-                      <a:prstDash val="solid"/>
-                      <a:round/>
-                      <a:headEnd type="none" w="med" len="med"/>
-                      <a:tailEnd type="none" w="med" len="med"/>
-                    </a:lnL>
-                    <a:lnR w="12700" cap="flat" cmpd="sng" algn="ctr">
-                      <a:solidFill>
-                        <a:srgbClr val="FFFF00"/>
-                      </a:solidFill>
-                      <a:prstDash val="solid"/>
-                      <a:round/>
-                      <a:headEnd type="none" w="med" len="med"/>
-                      <a:tailEnd type="none" w="med" len="med"/>
-                    </a:lnR>
-                    <a:lnT w="12700" cap="flat" cmpd="sng" algn="ctr">
-                      <a:solidFill>
-                        <a:srgbClr val="FFFF00"/>
-                      </a:solidFill>
-                      <a:prstDash val="solid"/>
-                      <a:round/>
-                      <a:headEnd type="none" w="med" len="med"/>
-                      <a:tailEnd type="none" w="med" len="med"/>
-                    </a:lnT>
-                    <a:lnB w="12700" cap="flat" cmpd="sng" algn="ctr">
-                      <a:solidFill>
-                        <a:srgbClr val="FFFF00"/>
-                      </a:solidFill>
-                      <a:prstDash val="solid"/>
-                      <a:round/>
-                      <a:headEnd type="none" w="med" len="med"/>
-                      <a:tailEnd type="none" w="med" len="med"/>
-                    </a:lnB>
-                    <a:noFill/>
-                  </a:tcPr>
-                </a:tc>
-                <a:tc>
-                  <a:txBody>
-                    <a:bodyPr/>
-                    <a:lstStyle/>
-                    <a:p>
-                      <a:pPr algn="r"/>
-                      <a:r>
-                        <a:rPr lang="en-US" dirty="0" smtClean="0">
-                          <a:ln>
-                            <a:noFill/>
-                          </a:ln>
-                          <a:solidFill>
-                            <a:srgbClr val="FFC000"/>
-                          </a:solidFill>
-                        </a:rPr>
-                        <a:t>4.2</a:t>
-                      </a:r>
-                      <a:endParaRPr lang="en-US" dirty="0">
-                        <a:ln>
-                          <a:noFill/>
-                        </a:ln>
-                        <a:solidFill>
-                          <a:srgbClr val="FFC000"/>
-                        </a:solidFill>
-                      </a:endParaRPr>
-                    </a:p>
-                  </a:txBody>
-                  <a:tcPr marL="116313" marR="116313">
-                    <a:lnL w="12700" cap="flat" cmpd="sng" algn="ctr">
-                      <a:solidFill>
-                        <a:srgbClr val="FFFF00"/>
-                      </a:solidFill>
-                      <a:prstDash val="solid"/>
-                      <a:round/>
-                      <a:headEnd type="none" w="med" len="med"/>
-                      <a:tailEnd type="none" w="med" len="med"/>
-                    </a:lnL>
-                    <a:lnR w="12700" cap="flat" cmpd="sng" algn="ctr">
-                      <a:solidFill>
-                        <a:srgbClr val="FFFF00"/>
-                      </a:solidFill>
-                      <a:prstDash val="solid"/>
-                      <a:round/>
-                      <a:headEnd type="none" w="med" len="med"/>
-                      <a:tailEnd type="none" w="med" len="med"/>
-                    </a:lnR>
-                    <a:lnT w="12700" cap="flat" cmpd="sng" algn="ctr">
-                      <a:solidFill>
-                        <a:srgbClr val="FFFF00"/>
-                      </a:solidFill>
-                      <a:prstDash val="solid"/>
-                      <a:round/>
-                      <a:headEnd type="none" w="med" len="med"/>
-                      <a:tailEnd type="none" w="med" len="med"/>
-                    </a:lnT>
-                    <a:lnB w="12700" cap="flat" cmpd="sng" algn="ctr">
-                      <a:solidFill>
-                        <a:srgbClr val="FFFF00"/>
-                      </a:solidFill>
-                      <a:prstDash val="solid"/>
-                      <a:round/>
-                      <a:headEnd type="none" w="med" len="med"/>
-                      <a:tailEnd type="none" w="med" len="med"/>
-                    </a:lnB>
-                    <a:noFill/>
-                  </a:tcPr>
-                </a:tc>
-              </a:tr>
-            </a:tbl>
-          </a:graphicData>
-        </a:graphic>
-      </p:graphicFrame>
-      <p:sp>
-        <p:nvSpPr>
-          <p:cNvPr id="6148" name="Footer Placeholder 3"/>
-          <p:cNvSpPr>
-            <a:spLocks noGrp="1"/>
-          </p:cNvSpPr>
-          <p:nvPr>
-            <p:ph type="ftr" sz="quarter" idx="11"/>
-          </p:nvPr>
-        </p:nvSpPr>
-        <p:spPr>
-          <a:noFill/>
-          <a:ln/>
-          <a:extLst>
-            <a:ext uri="{909E8E84-426E-40DD-AFC4-6F175D3DCCD1}">
-              <a14:hiddenFill xmlns:a14="http://schemas.microsoft.com/office/drawing/2010/main">
-                <a:solidFill>
-                  <a:srgbClr val="FFFFFF"/>
-                </a:solidFill>
-              </a14:hiddenFill>
-            </a:ext>
-            <a:ext uri="{91240B29-F687-4F45-9708-019B960494DF}">
-              <a14:hiddenLine xmlns:a14="http://schemas.microsoft.com/office/drawing/2010/main" w="9525">
-                <a:solidFill>
-                  <a:srgbClr val="000000"/>
-                </a:solidFill>
-                <a:miter lim="800000"/>
-                <a:headEnd/>
-                <a:tailEnd/>
-              </a14:hiddenLine>
-            </a:ext>
-          </a:extLst>
-        </p:spPr>
-        <p:txBody>
-          <a:bodyPr/>
-          <a:lstStyle>
-            <a:lvl1pPr eaLnBrk="0" hangingPunct="0">
-              <a:defRPr sz="2800" b="1">
-                <a:solidFill>
-                  <a:schemeClr val="tx1"/>
-                </a:solidFill>
-                <a:latin typeface="Arial" charset="0"/>
-              </a:defRPr>
-            </a:lvl1pPr>
-            <a:lvl2pPr marL="742950" indent="-285750" eaLnBrk="0" hangingPunct="0">
-              <a:defRPr sz="2800" b="1">
-                <a:solidFill>
-                  <a:schemeClr val="tx1"/>
-                </a:solidFill>
-                <a:latin typeface="Arial" charset="0"/>
-              </a:defRPr>
-            </a:lvl2pPr>
-            <a:lvl3pPr marL="1143000" indent="-228600" eaLnBrk="0" hangingPunct="0">
-              <a:defRPr sz="2800" b="1">
-                <a:solidFill>
-                  <a:schemeClr val="tx1"/>
-                </a:solidFill>
-                <a:latin typeface="Arial" charset="0"/>
-              </a:defRPr>
-            </a:lvl3pPr>
-            <a:lvl4pPr marL="1600200" indent="-228600" eaLnBrk="0" hangingPunct="0">
-              <a:defRPr sz="2800" b="1">
-                <a:solidFill>
-                  <a:schemeClr val="tx1"/>
-                </a:solidFill>
-                <a:latin typeface="Arial" charset="0"/>
-              </a:defRPr>
-            </a:lvl4pPr>
-            <a:lvl5pPr marL="2057400" indent="-228600" eaLnBrk="0" hangingPunct="0">
-              <a:defRPr sz="2800" b="1">
-                <a:solidFill>
-                  <a:schemeClr val="tx1"/>
-                </a:solidFill>
-                <a:latin typeface="Arial" charset="0"/>
-              </a:defRPr>
-            </a:lvl5pPr>
-            <a:lvl6pPr marL="2514600" indent="-228600" eaLnBrk="0" fontAlgn="base" hangingPunct="0">
-              <a:spcBef>
-                <a:spcPct val="0"/>
-              </a:spcBef>
-              <a:spcAft>
-                <a:spcPct val="0"/>
-              </a:spcAft>
-              <a:defRPr sz="2800" b="1">
-                <a:solidFill>
-                  <a:schemeClr val="tx1"/>
-                </a:solidFill>
-                <a:latin typeface="Arial" charset="0"/>
-              </a:defRPr>
-            </a:lvl6pPr>
-            <a:lvl7pPr marL="2971800" indent="-228600" eaLnBrk="0" fontAlgn="base" hangingPunct="0">
-              <a:spcBef>
-                <a:spcPct val="0"/>
-              </a:spcBef>
-              <a:spcAft>
-                <a:spcPct val="0"/>
-              </a:spcAft>
-              <a:defRPr sz="2800" b="1">
-                <a:solidFill>
-                  <a:schemeClr val="tx1"/>
-                </a:solidFill>
-                <a:latin typeface="Arial" charset="0"/>
-              </a:defRPr>
-            </a:lvl7pPr>
-            <a:lvl8pPr marL="3429000" indent="-228600" eaLnBrk="0" fontAlgn="base" hangingPunct="0">
-              <a:spcBef>
-                <a:spcPct val="0"/>
-              </a:spcBef>
-              <a:spcAft>
-                <a:spcPct val="0"/>
-              </a:spcAft>
-              <a:defRPr sz="2800" b="1">
-                <a:solidFill>
-                  <a:schemeClr val="tx1"/>
-                </a:solidFill>
-                <a:latin typeface="Arial" charset="0"/>
-              </a:defRPr>
-            </a:lvl8pPr>
-            <a:lvl9pPr marL="3886200" indent="-228600" eaLnBrk="0" fontAlgn="base" hangingPunct="0">
-              <a:spcBef>
-                <a:spcPct val="0"/>
-              </a:spcBef>
-              <a:spcAft>
-                <a:spcPct val="0"/>
-              </a:spcAft>
-              <a:defRPr sz="2800" b="1">
-                <a:solidFill>
-                  <a:schemeClr val="tx1"/>
-                </a:solidFill>
-                <a:latin typeface="Arial" charset="0"/>
-              </a:defRPr>
-            </a:lvl9pPr>
-          </a:lstStyle>
-          <a:p>
-            <a:r>
-              <a:rPr lang="en-US" sz="1400" b="0" smtClean="0">
-                <a:solidFill>
-                  <a:srgbClr val="FFFFFF"/>
-                </a:solidFill>
-              </a:rPr>
-              <a:t>Teradyne Confidential and Proprietary</a:t>
-            </a:r>
-          </a:p>
-        </p:txBody>
-      </p:sp>
-      <p:sp>
-        <p:nvSpPr>
-          <p:cNvPr id="3" name="TextBox 2"/>
-          <p:cNvSpPr txBox="1"/>
-          <p:nvPr/>
-        </p:nvSpPr>
-        <p:spPr>
-          <a:xfrm>
-            <a:off x="680224" y="2732049"/>
-            <a:ext cx="7861610" cy="1815882"/>
-          </a:xfrm>
-          <a:prstGeom prst="rect">
-            <a:avLst/>
-          </a:prstGeom>
-          <a:noFill/>
-        </p:spPr>
-        <p:txBody>
-          <a:bodyPr wrap="square" rtlCol="0">
-            <a:spAutoFit/>
-          </a:bodyPr>
-          <a:lstStyle/>
-          <a:p>
-            <a:pPr marL="457200" indent="-457200">
-              <a:buFont typeface="Arial" pitchFamily="34" charset="0"/>
-              <a:buChar char="•"/>
-            </a:pPr>
-            <a:r>
-              <a:rPr lang="en-US" b="0" dirty="0" smtClean="0">
-                <a:solidFill>
-                  <a:srgbClr val="FFFF00"/>
-                </a:solidFill>
-              </a:rPr>
-              <a:t>The imperative performance is comparable between C# and C++</a:t>
-            </a:r>
-          </a:p>
-          <a:p>
-            <a:pPr marL="457200" indent="-457200">
-              <a:buFont typeface="Arial" pitchFamily="34" charset="0"/>
-              <a:buChar char="•"/>
-            </a:pPr>
-            <a:r>
-              <a:rPr lang="en-US" b="0" dirty="0" smtClean="0">
-                <a:solidFill>
-                  <a:srgbClr val="FFFF00"/>
-                </a:solidFill>
-              </a:rPr>
-              <a:t>There is no performance penalty for using a functional style vs. an imperative style in C++</a:t>
-            </a:r>
-          </a:p>
-        </p:txBody>
-      </p:sp>
-    </p:spTree>
-    <p:extLst>
-      <p:ext uri="{BB962C8B-B14F-4D97-AF65-F5344CB8AC3E}">
-        <p14:creationId xmlns:p14="http://schemas.microsoft.com/office/powerpoint/2010/main" val="2532387895"/>
-      </p:ext>
-    </p:extLst>
-  </p:cSld>
-  <p:clrMapOvr>
-    <a:masterClrMapping/>
-  </p:clrMapOvr>
-  <p:timing>
-    <p:tnLst>
-      <p:par>
-        <p:cTn id="1" dur="indefinite" restart="never" nodeType="tmRoot"/>
-      </p:par>
-    </p:tnLst>
-  </p:timing>
-</p:sld>
-</file>
-
-<file path=ppt/slides/slide17.xml><?xml version="1.0" encoding="utf-8"?>
 <p:sld xmlns:a="http://schemas.openxmlformats.org/drawingml/2006/main" xmlns:r="http://schemas.openxmlformats.org/officeDocument/2006/relationships" xmlns:p="http://schemas.openxmlformats.org/presentationml/2006/main">
   <p:cSld>
     <p:spTree>
@@ -11162,7 +7144,7 @@
 </p:sld>
 </file>
 
-<file path=ppt/slides/slide18.xml><?xml version="1.0" encoding="utf-8"?>
+<file path=ppt/slides/slide11.xml><?xml version="1.0" encoding="utf-8"?>
 <p:sld xmlns:a="http://schemas.openxmlformats.org/drawingml/2006/main" xmlns:r="http://schemas.openxmlformats.org/officeDocument/2006/relationships" xmlns:p="http://schemas.openxmlformats.org/presentationml/2006/main">
   <p:cSld>
     <p:spTree>
@@ -11496,7 +7478,7 @@
 </p:sld>
 </file>
 
-<file path=ppt/slides/slide19.xml><?xml version="1.0" encoding="utf-8"?>
+<file path=ppt/slides/slide12.xml><?xml version="1.0" encoding="utf-8"?>
 <p:sld xmlns:a="http://schemas.openxmlformats.org/drawingml/2006/main" xmlns:r="http://schemas.openxmlformats.org/officeDocument/2006/relationships" xmlns:p="http://schemas.openxmlformats.org/presentationml/2006/main">
   <p:cSld>
     <p:spTree>
@@ -11859,255 +7841,7 @@
 </p:sld>
 </file>
 
-<file path=ppt/slides/slide2.xml><?xml version="1.0" encoding="utf-8"?>
-<p:sld xmlns:a="http://schemas.openxmlformats.org/drawingml/2006/main" xmlns:r="http://schemas.openxmlformats.org/officeDocument/2006/relationships" xmlns:p="http://schemas.openxmlformats.org/presentationml/2006/main">
-  <p:cSld>
-    <p:spTree>
-      <p:nvGrpSpPr>
-        <p:cNvPr id="1" name=""/>
-        <p:cNvGrpSpPr/>
-        <p:nvPr/>
-      </p:nvGrpSpPr>
-      <p:grpSpPr>
-        <a:xfrm>
-          <a:off x="0" y="0"/>
-          <a:ext cx="0" cy="0"/>
-          <a:chOff x="0" y="0"/>
-          <a:chExt cx="0" cy="0"/>
-        </a:xfrm>
-      </p:grpSpPr>
-      <p:sp>
-        <p:nvSpPr>
-          <p:cNvPr id="3074" name="Title 1"/>
-          <p:cNvSpPr>
-            <a:spLocks noGrp="1"/>
-          </p:cNvSpPr>
-          <p:nvPr>
-            <p:ph type="title"/>
-          </p:nvPr>
-        </p:nvSpPr>
-        <p:spPr/>
-        <p:txBody>
-          <a:bodyPr/>
-          <a:lstStyle/>
-          <a:p>
-            <a:r>
-              <a:rPr lang="en-US" smtClean="0"/>
-              <a:t>Purpose</a:t>
-            </a:r>
-          </a:p>
-        </p:txBody>
-      </p:sp>
-      <p:sp>
-        <p:nvSpPr>
-          <p:cNvPr id="3075" name="Content Placeholder 2"/>
-          <p:cNvSpPr>
-            <a:spLocks noGrp="1"/>
-          </p:cNvSpPr>
-          <p:nvPr>
-            <p:ph idx="1"/>
-          </p:nvPr>
-        </p:nvSpPr>
-        <p:spPr/>
-        <p:txBody>
-          <a:bodyPr/>
-          <a:lstStyle/>
-          <a:p>
-            <a:r>
-              <a:rPr lang="en-US" dirty="0" smtClean="0"/>
-              <a:t>Learn some fundamental mathematics</a:t>
-            </a:r>
-          </a:p>
-          <a:p>
-            <a:r>
-              <a:rPr lang="en-US" dirty="0" smtClean="0"/>
-              <a:t>Compare performance of C# vs. C++ code</a:t>
-            </a:r>
-          </a:p>
-          <a:p>
-            <a:r>
-              <a:rPr lang="en-US" dirty="0" smtClean="0"/>
-              <a:t>Compare imperative vs. functional styles</a:t>
-            </a:r>
-          </a:p>
-          <a:p>
-            <a:pPr lvl="1"/>
-            <a:r>
-              <a:rPr lang="en-US" dirty="0" smtClean="0"/>
-              <a:t>Performance</a:t>
-            </a:r>
-          </a:p>
-          <a:p>
-            <a:pPr lvl="1"/>
-            <a:r>
-              <a:rPr lang="en-US" dirty="0" err="1" smtClean="0"/>
-              <a:t>Composability</a:t>
-            </a:r>
-            <a:endParaRPr lang="en-US" dirty="0" smtClean="0"/>
-          </a:p>
-        </p:txBody>
-      </p:sp>
-      <p:sp>
-        <p:nvSpPr>
-          <p:cNvPr id="3076" name="Footer Placeholder 3"/>
-          <p:cNvSpPr>
-            <a:spLocks noGrp="1"/>
-          </p:cNvSpPr>
-          <p:nvPr>
-            <p:ph type="ftr" sz="quarter" idx="11"/>
-          </p:nvPr>
-        </p:nvSpPr>
-        <p:spPr>
-          <a:noFill/>
-          <a:ln/>
-          <a:extLst>
-            <a:ext uri="{909E8E84-426E-40DD-AFC4-6F175D3DCCD1}">
-              <a14:hiddenFill xmlns:a14="http://schemas.microsoft.com/office/drawing/2010/main">
-                <a:solidFill>
-                  <a:srgbClr val="FFFFFF"/>
-                </a:solidFill>
-              </a14:hiddenFill>
-            </a:ext>
-            <a:ext uri="{91240B29-F687-4F45-9708-019B960494DF}">
-              <a14:hiddenLine xmlns:a14="http://schemas.microsoft.com/office/drawing/2010/main" w="9525">
-                <a:solidFill>
-                  <a:srgbClr val="000000"/>
-                </a:solidFill>
-                <a:miter lim="800000"/>
-                <a:headEnd/>
-                <a:tailEnd/>
-              </a14:hiddenLine>
-            </a:ext>
-          </a:extLst>
-        </p:spPr>
-        <p:txBody>
-          <a:bodyPr/>
-          <a:lstStyle>
-            <a:lvl1pPr eaLnBrk="0" hangingPunct="0">
-              <a:defRPr sz="2800" b="1">
-                <a:solidFill>
-                  <a:schemeClr val="tx1"/>
-                </a:solidFill>
-                <a:latin typeface="Arial" charset="0"/>
-              </a:defRPr>
-            </a:lvl1pPr>
-            <a:lvl2pPr marL="742950" indent="-285750" eaLnBrk="0" hangingPunct="0">
-              <a:defRPr sz="2800" b="1">
-                <a:solidFill>
-                  <a:schemeClr val="tx1"/>
-                </a:solidFill>
-                <a:latin typeface="Arial" charset="0"/>
-              </a:defRPr>
-            </a:lvl2pPr>
-            <a:lvl3pPr marL="1143000" indent="-228600" eaLnBrk="0" hangingPunct="0">
-              <a:defRPr sz="2800" b="1">
-                <a:solidFill>
-                  <a:schemeClr val="tx1"/>
-                </a:solidFill>
-                <a:latin typeface="Arial" charset="0"/>
-              </a:defRPr>
-            </a:lvl3pPr>
-            <a:lvl4pPr marL="1600200" indent="-228600" eaLnBrk="0" hangingPunct="0">
-              <a:defRPr sz="2800" b="1">
-                <a:solidFill>
-                  <a:schemeClr val="tx1"/>
-                </a:solidFill>
-                <a:latin typeface="Arial" charset="0"/>
-              </a:defRPr>
-            </a:lvl4pPr>
-            <a:lvl5pPr marL="2057400" indent="-228600" eaLnBrk="0" hangingPunct="0">
-              <a:defRPr sz="2800" b="1">
-                <a:solidFill>
-                  <a:schemeClr val="tx1"/>
-                </a:solidFill>
-                <a:latin typeface="Arial" charset="0"/>
-              </a:defRPr>
-            </a:lvl5pPr>
-            <a:lvl6pPr marL="2514600" indent="-228600" eaLnBrk="0" fontAlgn="base" hangingPunct="0">
-              <a:spcBef>
-                <a:spcPct val="0"/>
-              </a:spcBef>
-              <a:spcAft>
-                <a:spcPct val="0"/>
-              </a:spcAft>
-              <a:defRPr sz="2800" b="1">
-                <a:solidFill>
-                  <a:schemeClr val="tx1"/>
-                </a:solidFill>
-                <a:latin typeface="Arial" charset="0"/>
-              </a:defRPr>
-            </a:lvl6pPr>
-            <a:lvl7pPr marL="2971800" indent="-228600" eaLnBrk="0" fontAlgn="base" hangingPunct="0">
-              <a:spcBef>
-                <a:spcPct val="0"/>
-              </a:spcBef>
-              <a:spcAft>
-                <a:spcPct val="0"/>
-              </a:spcAft>
-              <a:defRPr sz="2800" b="1">
-                <a:solidFill>
-                  <a:schemeClr val="tx1"/>
-                </a:solidFill>
-                <a:latin typeface="Arial" charset="0"/>
-              </a:defRPr>
-            </a:lvl7pPr>
-            <a:lvl8pPr marL="3429000" indent="-228600" eaLnBrk="0" fontAlgn="base" hangingPunct="0">
-              <a:spcBef>
-                <a:spcPct val="0"/>
-              </a:spcBef>
-              <a:spcAft>
-                <a:spcPct val="0"/>
-              </a:spcAft>
-              <a:defRPr sz="2800" b="1">
-                <a:solidFill>
-                  <a:schemeClr val="tx1"/>
-                </a:solidFill>
-                <a:latin typeface="Arial" charset="0"/>
-              </a:defRPr>
-            </a:lvl8pPr>
-            <a:lvl9pPr marL="3886200" indent="-228600" eaLnBrk="0" fontAlgn="base" hangingPunct="0">
-              <a:spcBef>
-                <a:spcPct val="0"/>
-              </a:spcBef>
-              <a:spcAft>
-                <a:spcPct val="0"/>
-              </a:spcAft>
-              <a:defRPr sz="2800" b="1">
-                <a:solidFill>
-                  <a:schemeClr val="tx1"/>
-                </a:solidFill>
-                <a:latin typeface="Arial" charset="0"/>
-              </a:defRPr>
-            </a:lvl9pPr>
-          </a:lstStyle>
-          <a:p>
-            <a:r>
-              <a:rPr lang="en-US" sz="1400" b="0" smtClean="0">
-                <a:solidFill>
-                  <a:srgbClr val="FFFFFF"/>
-                </a:solidFill>
-              </a:rPr>
-              <a:t>Teradyne Confidential and Proprietary</a:t>
-            </a:r>
-          </a:p>
-        </p:txBody>
-      </p:sp>
-    </p:spTree>
-  </p:cSld>
-  <p:clrMapOvr>
-    <a:masterClrMapping/>
-  </p:clrMapOvr>
-  <p:timing>
-    <p:tnLst>
-      <p:par>
-        <p:cTn id="1" dur="indefinite" restart="never" nodeType="tmRoot"/>
-      </p:par>
-    </p:tnLst>
-  </p:timing>
-</p:sld>
-</file>
-
-<file path=ppt/slides/slide20.xml><?xml version="1.0" encoding="utf-8"?>
+<file path=ppt/slides/slide13.xml><?xml version="1.0" encoding="utf-8"?>
 <p:sld xmlns:a="http://schemas.openxmlformats.org/drawingml/2006/main" xmlns:r="http://schemas.openxmlformats.org/officeDocument/2006/relationships" xmlns:p="http://schemas.openxmlformats.org/presentationml/2006/main">
   <p:cSld>
     <p:spTree>
@@ -12498,7 +8232,7 @@
 </p:sld>
 </file>
 
-<file path=ppt/slides/slide21.xml><?xml version="1.0" encoding="utf-8"?>
+<file path=ppt/slides/slide14.xml><?xml version="1.0" encoding="utf-8"?>
 <p:sld xmlns:a="http://schemas.openxmlformats.org/drawingml/2006/main" xmlns:r="http://schemas.openxmlformats.org/officeDocument/2006/relationships" xmlns:p="http://schemas.openxmlformats.org/presentationml/2006/main">
   <p:cSld>
     <p:spTree>
@@ -12740,7 +8474,7 @@
 </p:sld>
 </file>
 
-<file path=ppt/slides/slide22.xml><?xml version="1.0" encoding="utf-8"?>
+<file path=ppt/slides/slide15.xml><?xml version="1.0" encoding="utf-8"?>
 <p:sld xmlns:a="http://schemas.openxmlformats.org/drawingml/2006/main" xmlns:r="http://schemas.openxmlformats.org/officeDocument/2006/relationships" xmlns:p="http://schemas.openxmlformats.org/presentationml/2006/main">
   <p:cSld>
     <p:spTree>
@@ -12984,7 +8718,7 @@
 </p:sld>
 </file>
 
-<file path=ppt/slides/slide23.xml><?xml version="1.0" encoding="utf-8"?>
+<file path=ppt/slides/slide16.xml><?xml version="1.0" encoding="utf-8"?>
 <p:sld xmlns:a="http://schemas.openxmlformats.org/drawingml/2006/main" xmlns:r="http://schemas.openxmlformats.org/officeDocument/2006/relationships" xmlns:p="http://schemas.openxmlformats.org/presentationml/2006/main">
   <p:cSld>
     <p:spTree>
@@ -14297,7 +10031,7 @@
 </p:sld>
 </file>
 
-<file path=ppt/slides/slide24.xml><?xml version="1.0" encoding="utf-8"?>
+<file path=ppt/slides/slide17.xml><?xml version="1.0" encoding="utf-8"?>
 <p:sld xmlns:a="http://schemas.openxmlformats.org/drawingml/2006/main" xmlns:r="http://schemas.openxmlformats.org/officeDocument/2006/relationships" xmlns:p="http://schemas.openxmlformats.org/presentationml/2006/main">
   <p:cSld>
     <p:spTree>
@@ -14645,7 +10379,7 @@
 </p:sld>
 </file>
 
-<file path=ppt/slides/slide25.xml><?xml version="1.0" encoding="utf-8"?>
+<file path=ppt/slides/slide18.xml><?xml version="1.0" encoding="utf-8"?>
 <p:sld xmlns:a="http://schemas.openxmlformats.org/drawingml/2006/main" xmlns:r="http://schemas.openxmlformats.org/officeDocument/2006/relationships" xmlns:p="http://schemas.openxmlformats.org/presentationml/2006/main">
   <p:cSld>
     <p:spTree>
@@ -14969,7 +10703,7 @@
 </p:sld>
 </file>
 
-<file path=ppt/slides/slide26.xml><?xml version="1.0" encoding="utf-8"?>
+<file path=ppt/slides/slide19.xml><?xml version="1.0" encoding="utf-8"?>
 <p:sld xmlns:a="http://schemas.openxmlformats.org/drawingml/2006/main" xmlns:r="http://schemas.openxmlformats.org/officeDocument/2006/relationships" xmlns:p="http://schemas.openxmlformats.org/presentationml/2006/main">
   <p:cSld>
     <p:spTree>
@@ -15329,7 +11063,267 @@
 </p:sld>
 </file>
 
-<file path=ppt/slides/slide27.xml><?xml version="1.0" encoding="utf-8"?>
+<file path=ppt/slides/slide2.xml><?xml version="1.0" encoding="utf-8"?>
+<p:sld xmlns:a="http://schemas.openxmlformats.org/drawingml/2006/main" xmlns:r="http://schemas.openxmlformats.org/officeDocument/2006/relationships" xmlns:p="http://schemas.openxmlformats.org/presentationml/2006/main">
+  <p:cSld>
+    <p:spTree>
+      <p:nvGrpSpPr>
+        <p:cNvPr id="1" name=""/>
+        <p:cNvGrpSpPr/>
+        <p:nvPr/>
+      </p:nvGrpSpPr>
+      <p:grpSpPr>
+        <a:xfrm>
+          <a:off x="0" y="0"/>
+          <a:ext cx="0" cy="0"/>
+          <a:chOff x="0" y="0"/>
+          <a:chExt cx="0" cy="0"/>
+        </a:xfrm>
+      </p:grpSpPr>
+      <p:sp>
+        <p:nvSpPr>
+          <p:cNvPr id="5122" name="Title 1"/>
+          <p:cNvSpPr>
+            <a:spLocks noGrp="1"/>
+          </p:cNvSpPr>
+          <p:nvPr>
+            <p:ph type="title"/>
+          </p:nvPr>
+        </p:nvSpPr>
+        <p:spPr/>
+        <p:txBody>
+          <a:bodyPr/>
+          <a:lstStyle/>
+          <a:p>
+            <a:r>
+              <a:rPr lang="en-US" dirty="0" smtClean="0"/>
+              <a:t>The Second Piece</a:t>
+            </a:r>
+          </a:p>
+        </p:txBody>
+      </p:sp>
+      <p:sp>
+        <p:nvSpPr>
+          <p:cNvPr id="5123" name="Content Placeholder 2"/>
+          <p:cNvSpPr>
+            <a:spLocks noGrp="1"/>
+          </p:cNvSpPr>
+          <p:nvPr>
+            <p:ph idx="1"/>
+          </p:nvPr>
+        </p:nvSpPr>
+        <p:spPr/>
+        <p:txBody>
+          <a:bodyPr/>
+          <a:lstStyle/>
+          <a:p>
+            <a:pPr marL="0" indent="0">
+              <a:buNone/>
+            </a:pPr>
+            <a:r>
+              <a:rPr lang="en-US" b="1" dirty="0"/>
+              <a:t>Even Fibonacci numbers</a:t>
+            </a:r>
+          </a:p>
+          <a:p>
+            <a:pPr marL="0" indent="0">
+              <a:buNone/>
+            </a:pPr>
+            <a:r>
+              <a:rPr lang="en-US" b="1" dirty="0"/>
+              <a:t>Problem 2</a:t>
+            </a:r>
+          </a:p>
+          <a:p>
+            <a:pPr marL="0" indent="0">
+              <a:buNone/>
+            </a:pPr>
+            <a:r>
+              <a:rPr lang="en-US" dirty="0"/>
+              <a:t>Each new term in the Fibonacci sequence is generated by adding the previous two terms. By starting with 1 and 2, the first 10 terms will be:</a:t>
+            </a:r>
+          </a:p>
+          <a:p>
+            <a:pPr marL="0" indent="0">
+              <a:buNone/>
+            </a:pPr>
+            <a:r>
+              <a:rPr lang="en-US" dirty="0"/>
+              <a:t>1, 2, 3, 5, 8, 13, 21, 34, 55, 89, ...</a:t>
+            </a:r>
+          </a:p>
+          <a:p>
+            <a:pPr marL="0" indent="0">
+              <a:buNone/>
+            </a:pPr>
+            <a:r>
+              <a:rPr lang="en-US" dirty="0"/>
+              <a:t>By considering the terms in the Fibonacci sequence whose values do not exceed four million, find the sum of the even-valued terms.</a:t>
+            </a:r>
+          </a:p>
+        </p:txBody>
+      </p:sp>
+      <p:sp>
+        <p:nvSpPr>
+          <p:cNvPr id="5124" name="Footer Placeholder 3"/>
+          <p:cNvSpPr>
+            <a:spLocks noGrp="1"/>
+          </p:cNvSpPr>
+          <p:nvPr>
+            <p:ph type="ftr" sz="quarter" idx="11"/>
+          </p:nvPr>
+        </p:nvSpPr>
+        <p:spPr>
+          <a:noFill/>
+          <a:ln/>
+          <a:extLst>
+            <a:ext uri="{909E8E84-426E-40DD-AFC4-6F175D3DCCD1}">
+              <a14:hiddenFill xmlns:a14="http://schemas.microsoft.com/office/drawing/2010/main">
+                <a:solidFill>
+                  <a:srgbClr val="FFFFFF"/>
+                </a:solidFill>
+              </a14:hiddenFill>
+            </a:ext>
+            <a:ext uri="{91240B29-F687-4F45-9708-019B960494DF}">
+              <a14:hiddenLine xmlns:a14="http://schemas.microsoft.com/office/drawing/2010/main" w="9525">
+                <a:solidFill>
+                  <a:srgbClr val="000000"/>
+                </a:solidFill>
+                <a:miter lim="800000"/>
+                <a:headEnd/>
+                <a:tailEnd/>
+              </a14:hiddenLine>
+            </a:ext>
+          </a:extLst>
+        </p:spPr>
+        <p:txBody>
+          <a:bodyPr/>
+          <a:lstStyle>
+            <a:lvl1pPr eaLnBrk="0" hangingPunct="0">
+              <a:defRPr sz="2800" b="1">
+                <a:solidFill>
+                  <a:schemeClr val="tx1"/>
+                </a:solidFill>
+                <a:latin typeface="Arial" charset="0"/>
+              </a:defRPr>
+            </a:lvl1pPr>
+            <a:lvl2pPr marL="742950" indent="-285750" eaLnBrk="0" hangingPunct="0">
+              <a:defRPr sz="2800" b="1">
+                <a:solidFill>
+                  <a:schemeClr val="tx1"/>
+                </a:solidFill>
+                <a:latin typeface="Arial" charset="0"/>
+              </a:defRPr>
+            </a:lvl2pPr>
+            <a:lvl3pPr marL="1143000" indent="-228600" eaLnBrk="0" hangingPunct="0">
+              <a:defRPr sz="2800" b="1">
+                <a:solidFill>
+                  <a:schemeClr val="tx1"/>
+                </a:solidFill>
+                <a:latin typeface="Arial" charset="0"/>
+              </a:defRPr>
+            </a:lvl3pPr>
+            <a:lvl4pPr marL="1600200" indent="-228600" eaLnBrk="0" hangingPunct="0">
+              <a:defRPr sz="2800" b="1">
+                <a:solidFill>
+                  <a:schemeClr val="tx1"/>
+                </a:solidFill>
+                <a:latin typeface="Arial" charset="0"/>
+              </a:defRPr>
+            </a:lvl4pPr>
+            <a:lvl5pPr marL="2057400" indent="-228600" eaLnBrk="0" hangingPunct="0">
+              <a:defRPr sz="2800" b="1">
+                <a:solidFill>
+                  <a:schemeClr val="tx1"/>
+                </a:solidFill>
+                <a:latin typeface="Arial" charset="0"/>
+              </a:defRPr>
+            </a:lvl5pPr>
+            <a:lvl6pPr marL="2514600" indent="-228600" eaLnBrk="0" fontAlgn="base" hangingPunct="0">
+              <a:spcBef>
+                <a:spcPct val="0"/>
+              </a:spcBef>
+              <a:spcAft>
+                <a:spcPct val="0"/>
+              </a:spcAft>
+              <a:defRPr sz="2800" b="1">
+                <a:solidFill>
+                  <a:schemeClr val="tx1"/>
+                </a:solidFill>
+                <a:latin typeface="Arial" charset="0"/>
+              </a:defRPr>
+            </a:lvl6pPr>
+            <a:lvl7pPr marL="2971800" indent="-228600" eaLnBrk="0" fontAlgn="base" hangingPunct="0">
+              <a:spcBef>
+                <a:spcPct val="0"/>
+              </a:spcBef>
+              <a:spcAft>
+                <a:spcPct val="0"/>
+              </a:spcAft>
+              <a:defRPr sz="2800" b="1">
+                <a:solidFill>
+                  <a:schemeClr val="tx1"/>
+                </a:solidFill>
+                <a:latin typeface="Arial" charset="0"/>
+              </a:defRPr>
+            </a:lvl7pPr>
+            <a:lvl8pPr marL="3429000" indent="-228600" eaLnBrk="0" fontAlgn="base" hangingPunct="0">
+              <a:spcBef>
+                <a:spcPct val="0"/>
+              </a:spcBef>
+              <a:spcAft>
+                <a:spcPct val="0"/>
+              </a:spcAft>
+              <a:defRPr sz="2800" b="1">
+                <a:solidFill>
+                  <a:schemeClr val="tx1"/>
+                </a:solidFill>
+                <a:latin typeface="Arial" charset="0"/>
+              </a:defRPr>
+            </a:lvl8pPr>
+            <a:lvl9pPr marL="3886200" indent="-228600" eaLnBrk="0" fontAlgn="base" hangingPunct="0">
+              <a:spcBef>
+                <a:spcPct val="0"/>
+              </a:spcBef>
+              <a:spcAft>
+                <a:spcPct val="0"/>
+              </a:spcAft>
+              <a:defRPr sz="2800" b="1">
+                <a:solidFill>
+                  <a:schemeClr val="tx1"/>
+                </a:solidFill>
+                <a:latin typeface="Arial" charset="0"/>
+              </a:defRPr>
+            </a:lvl9pPr>
+          </a:lstStyle>
+          <a:p>
+            <a:r>
+              <a:rPr lang="en-US" sz="1400" b="0" smtClean="0">
+                <a:solidFill>
+                  <a:srgbClr val="FFFFFF"/>
+                </a:solidFill>
+              </a:rPr>
+              <a:t>Teradyne Confidential and Proprietary</a:t>
+            </a:r>
+          </a:p>
+        </p:txBody>
+      </p:sp>
+    </p:spTree>
+  </p:cSld>
+  <p:clrMapOvr>
+    <a:masterClrMapping/>
+  </p:clrMapOvr>
+  <p:timing>
+    <p:tnLst>
+      <p:par>
+        <p:cTn id="1" dur="indefinite" restart="never" nodeType="tmRoot"/>
+      </p:par>
+    </p:tnLst>
+  </p:timing>
+</p:sld>
+</file>
+
+<file path=ppt/slides/slide20.xml><?xml version="1.0" encoding="utf-8"?>
 <p:sld xmlns:a="http://schemas.openxmlformats.org/drawingml/2006/main" xmlns:r="http://schemas.openxmlformats.org/officeDocument/2006/relationships" xmlns:p="http://schemas.openxmlformats.org/presentationml/2006/main">
   <p:cSld>
     <p:spTree>
@@ -16888,7 +12882,7 @@
 </p:sld>
 </file>
 
-<file path=ppt/slides/slide28.xml><?xml version="1.0" encoding="utf-8"?>
+<file path=ppt/slides/slide21.xml><?xml version="1.0" encoding="utf-8"?>
 <p:sld xmlns:a="http://schemas.openxmlformats.org/drawingml/2006/main" xmlns:r="http://schemas.openxmlformats.org/officeDocument/2006/relationships" xmlns:p="http://schemas.openxmlformats.org/presentationml/2006/main">
   <p:cSld>
     <p:spTree>
@@ -17021,7 +13015,7 @@
 </p:sld>
 </file>
 
-<file path=ppt/slides/slide29.xml><?xml version="1.0" encoding="utf-8"?>
+<file path=ppt/slides/slide22.xml><?xml version="1.0" encoding="utf-8"?>
 <p:sld xmlns:a="http://schemas.openxmlformats.org/drawingml/2006/main" xmlns:r="http://schemas.openxmlformats.org/officeDocument/2006/relationships" xmlns:p="http://schemas.openxmlformats.org/presentationml/2006/main">
   <p:cSld>
     <p:spTree>
@@ -17179,272 +13173,7 @@
 </p:sld>
 </file>
 
-<file path=ppt/slides/slide3.xml><?xml version="1.0" encoding="utf-8"?>
-<p:sld xmlns:a="http://schemas.openxmlformats.org/drawingml/2006/main" xmlns:r="http://schemas.openxmlformats.org/officeDocument/2006/relationships" xmlns:p="http://schemas.openxmlformats.org/presentationml/2006/main">
-  <p:cSld>
-    <p:spTree>
-      <p:nvGrpSpPr>
-        <p:cNvPr id="1" name=""/>
-        <p:cNvGrpSpPr/>
-        <p:nvPr/>
-      </p:nvGrpSpPr>
-      <p:grpSpPr>
-        <a:xfrm>
-          <a:off x="0" y="0"/>
-          <a:ext cx="0" cy="0"/>
-          <a:chOff x="0" y="0"/>
-          <a:chExt cx="0" cy="0"/>
-        </a:xfrm>
-      </p:grpSpPr>
-      <p:sp>
-        <p:nvSpPr>
-          <p:cNvPr id="4098" name="Title 1"/>
-          <p:cNvSpPr>
-            <a:spLocks noGrp="1"/>
-          </p:cNvSpPr>
-          <p:nvPr>
-            <p:ph type="title"/>
-          </p:nvPr>
-        </p:nvSpPr>
-        <p:spPr/>
-        <p:txBody>
-          <a:bodyPr/>
-          <a:lstStyle/>
-          <a:p>
-            <a:r>
-              <a:rPr lang="en-US" dirty="0" smtClean="0"/>
-              <a:t>Logistics</a:t>
-            </a:r>
-          </a:p>
-        </p:txBody>
-      </p:sp>
-      <p:sp>
-        <p:nvSpPr>
-          <p:cNvPr id="4099" name="Content Placeholder 2"/>
-          <p:cNvSpPr>
-            <a:spLocks noGrp="1"/>
-          </p:cNvSpPr>
-          <p:nvPr>
-            <p:ph idx="1"/>
-          </p:nvPr>
-        </p:nvSpPr>
-        <p:spPr/>
-        <p:txBody>
-          <a:bodyPr/>
-          <a:lstStyle/>
-          <a:p>
-            <a:r>
-              <a:rPr lang="en-US" dirty="0" smtClean="0"/>
-              <a:t>5 week commitment, including homework</a:t>
-            </a:r>
-          </a:p>
-          <a:p>
-            <a:r>
-              <a:rPr lang="en-US" dirty="0" smtClean="0"/>
-              <a:t>Sign up for a Project Euler account: </a:t>
-            </a:r>
-            <a:r>
-              <a:rPr lang="en-US" dirty="0" smtClean="0">
-                <a:hlinkClick r:id="rId2"/>
-              </a:rPr>
-              <a:t>https://projecteuler.net/</a:t>
-            </a:r>
-            <a:endParaRPr lang="en-US" dirty="0" smtClean="0"/>
-          </a:p>
-          <a:p>
-            <a:r>
-              <a:rPr lang="en-US" dirty="0" smtClean="0"/>
-              <a:t>Code and slides are available at </a:t>
-            </a:r>
-            <a:r>
-              <a:rPr lang="en-US" dirty="0" smtClean="0">
-                <a:hlinkClick r:id="rId3"/>
-              </a:rPr>
-              <a:t>https://github.com/insideoutclub/Euler.git</a:t>
-            </a:r>
-            <a:endParaRPr lang="en-US" dirty="0" smtClean="0"/>
-          </a:p>
-          <a:p>
-            <a:r>
-              <a:rPr lang="en-US" dirty="0" smtClean="0"/>
-              <a:t>I’ll show solutions &amp; performance in C++ &amp; C#</a:t>
-            </a:r>
-          </a:p>
-          <a:p>
-            <a:r>
-              <a:rPr lang="en-US" dirty="0" smtClean="0"/>
-              <a:t>Use language of your choice and show us how beautiful/fast your solution is.</a:t>
-            </a:r>
-          </a:p>
-          <a:p>
-            <a:pPr marL="0" indent="0">
-              <a:buNone/>
-            </a:pPr>
-            <a:endParaRPr lang="en-US" dirty="0" smtClean="0"/>
-          </a:p>
-        </p:txBody>
-      </p:sp>
-      <p:sp>
-        <p:nvSpPr>
-          <p:cNvPr id="4100" name="Footer Placeholder 3"/>
-          <p:cNvSpPr>
-            <a:spLocks noGrp="1"/>
-          </p:cNvSpPr>
-          <p:nvPr>
-            <p:ph type="ftr" sz="quarter" idx="11"/>
-          </p:nvPr>
-        </p:nvSpPr>
-        <p:spPr>
-          <a:noFill/>
-          <a:ln/>
-          <a:extLst>
-            <a:ext uri="{909E8E84-426E-40DD-AFC4-6F175D3DCCD1}">
-              <a14:hiddenFill xmlns:a14="http://schemas.microsoft.com/office/drawing/2010/main">
-                <a:solidFill>
-                  <a:srgbClr val="FFFFFF"/>
-                </a:solidFill>
-              </a14:hiddenFill>
-            </a:ext>
-            <a:ext uri="{91240B29-F687-4F45-9708-019B960494DF}">
-              <a14:hiddenLine xmlns:a14="http://schemas.microsoft.com/office/drawing/2010/main" w="9525">
-                <a:solidFill>
-                  <a:srgbClr val="000000"/>
-                </a:solidFill>
-                <a:miter lim="800000"/>
-                <a:headEnd/>
-                <a:tailEnd/>
-              </a14:hiddenLine>
-            </a:ext>
-          </a:extLst>
-        </p:spPr>
-        <p:txBody>
-          <a:bodyPr/>
-          <a:lstStyle>
-            <a:lvl1pPr eaLnBrk="0" hangingPunct="0">
-              <a:defRPr sz="2800" b="1">
-                <a:solidFill>
-                  <a:schemeClr val="tx1"/>
-                </a:solidFill>
-                <a:latin typeface="Arial" charset="0"/>
-              </a:defRPr>
-            </a:lvl1pPr>
-            <a:lvl2pPr marL="742950" indent="-285750" eaLnBrk="0" hangingPunct="0">
-              <a:defRPr sz="2800" b="1">
-                <a:solidFill>
-                  <a:schemeClr val="tx1"/>
-                </a:solidFill>
-                <a:latin typeface="Arial" charset="0"/>
-              </a:defRPr>
-            </a:lvl2pPr>
-            <a:lvl3pPr marL="1143000" indent="-228600" eaLnBrk="0" hangingPunct="0">
-              <a:defRPr sz="2800" b="1">
-                <a:solidFill>
-                  <a:schemeClr val="tx1"/>
-                </a:solidFill>
-                <a:latin typeface="Arial" charset="0"/>
-              </a:defRPr>
-            </a:lvl3pPr>
-            <a:lvl4pPr marL="1600200" indent="-228600" eaLnBrk="0" hangingPunct="0">
-              <a:defRPr sz="2800" b="1">
-                <a:solidFill>
-                  <a:schemeClr val="tx1"/>
-                </a:solidFill>
-                <a:latin typeface="Arial" charset="0"/>
-              </a:defRPr>
-            </a:lvl4pPr>
-            <a:lvl5pPr marL="2057400" indent="-228600" eaLnBrk="0" hangingPunct="0">
-              <a:defRPr sz="2800" b="1">
-                <a:solidFill>
-                  <a:schemeClr val="tx1"/>
-                </a:solidFill>
-                <a:latin typeface="Arial" charset="0"/>
-              </a:defRPr>
-            </a:lvl5pPr>
-            <a:lvl6pPr marL="2514600" indent="-228600" eaLnBrk="0" fontAlgn="base" hangingPunct="0">
-              <a:spcBef>
-                <a:spcPct val="0"/>
-              </a:spcBef>
-              <a:spcAft>
-                <a:spcPct val="0"/>
-              </a:spcAft>
-              <a:defRPr sz="2800" b="1">
-                <a:solidFill>
-                  <a:schemeClr val="tx1"/>
-                </a:solidFill>
-                <a:latin typeface="Arial" charset="0"/>
-              </a:defRPr>
-            </a:lvl6pPr>
-            <a:lvl7pPr marL="2971800" indent="-228600" eaLnBrk="0" fontAlgn="base" hangingPunct="0">
-              <a:spcBef>
-                <a:spcPct val="0"/>
-              </a:spcBef>
-              <a:spcAft>
-                <a:spcPct val="0"/>
-              </a:spcAft>
-              <a:defRPr sz="2800" b="1">
-                <a:solidFill>
-                  <a:schemeClr val="tx1"/>
-                </a:solidFill>
-                <a:latin typeface="Arial" charset="0"/>
-              </a:defRPr>
-            </a:lvl7pPr>
-            <a:lvl8pPr marL="3429000" indent="-228600" eaLnBrk="0" fontAlgn="base" hangingPunct="0">
-              <a:spcBef>
-                <a:spcPct val="0"/>
-              </a:spcBef>
-              <a:spcAft>
-                <a:spcPct val="0"/>
-              </a:spcAft>
-              <a:defRPr sz="2800" b="1">
-                <a:solidFill>
-                  <a:schemeClr val="tx1"/>
-                </a:solidFill>
-                <a:latin typeface="Arial" charset="0"/>
-              </a:defRPr>
-            </a:lvl8pPr>
-            <a:lvl9pPr marL="3886200" indent="-228600" eaLnBrk="0" fontAlgn="base" hangingPunct="0">
-              <a:spcBef>
-                <a:spcPct val="0"/>
-              </a:spcBef>
-              <a:spcAft>
-                <a:spcPct val="0"/>
-              </a:spcAft>
-              <a:defRPr sz="2800" b="1">
-                <a:solidFill>
-                  <a:schemeClr val="tx1"/>
-                </a:solidFill>
-                <a:latin typeface="Arial" charset="0"/>
-              </a:defRPr>
-            </a:lvl9pPr>
-          </a:lstStyle>
-          <a:p>
-            <a:r>
-              <a:rPr lang="en-US" sz="1400" b="0" smtClean="0">
-                <a:solidFill>
-                  <a:srgbClr val="FFFFFF"/>
-                </a:solidFill>
-              </a:rPr>
-              <a:t>Teradyne Confidential and Proprietary</a:t>
-            </a:r>
-          </a:p>
-        </p:txBody>
-      </p:sp>
-    </p:spTree>
-  </p:cSld>
-  <p:clrMapOvr>
-    <a:masterClrMapping/>
-  </p:clrMapOvr>
-  <p:timing>
-    <p:tnLst>
-      <p:par>
-        <p:cTn id="1" dur="indefinite" restart="never" nodeType="tmRoot"/>
-      </p:par>
-    </p:tnLst>
-  </p:timing>
-</p:sld>
-</file>
-
-<file path=ppt/slides/slide30.xml><?xml version="1.0" encoding="utf-8"?>
+<file path=ppt/slides/slide23.xml><?xml version="1.0" encoding="utf-8"?>
 <p:sld xmlns:a="http://schemas.openxmlformats.org/drawingml/2006/main" xmlns:r="http://schemas.openxmlformats.org/officeDocument/2006/relationships" xmlns:p="http://schemas.openxmlformats.org/presentationml/2006/main">
   <p:cSld>
     <p:spTree>
@@ -17728,280 +13457,7 @@
 </p:sld>
 </file>
 
-<file path=ppt/slides/slide4.xml><?xml version="1.0" encoding="utf-8"?>
-<p:sld xmlns:a="http://schemas.openxmlformats.org/drawingml/2006/main" xmlns:r="http://schemas.openxmlformats.org/officeDocument/2006/relationships" xmlns:p="http://schemas.openxmlformats.org/presentationml/2006/main">
-  <p:cSld>
-    <p:spTree>
-      <p:nvGrpSpPr>
-        <p:cNvPr id="1" name=""/>
-        <p:cNvGrpSpPr/>
-        <p:nvPr/>
-      </p:nvGrpSpPr>
-      <p:grpSpPr>
-        <a:xfrm>
-          <a:off x="0" y="0"/>
-          <a:ext cx="0" cy="0"/>
-          <a:chOff x="0" y="0"/>
-          <a:chExt cx="0" cy="0"/>
-        </a:xfrm>
-      </p:grpSpPr>
-      <p:sp>
-        <p:nvSpPr>
-          <p:cNvPr id="5122" name="Title 1"/>
-          <p:cNvSpPr>
-            <a:spLocks noGrp="1"/>
-          </p:cNvSpPr>
-          <p:nvPr>
-            <p:ph type="title"/>
-          </p:nvPr>
-        </p:nvSpPr>
-        <p:spPr/>
-        <p:txBody>
-          <a:bodyPr/>
-          <a:lstStyle/>
-          <a:p>
-            <a:r>
-              <a:rPr lang="en-US" dirty="0" smtClean="0"/>
-              <a:t>The </a:t>
-            </a:r>
-            <a:r>
-              <a:rPr lang="en-US" dirty="0" smtClean="0"/>
-              <a:t>Second</a:t>
-            </a:r>
-            <a:r>
-              <a:rPr lang="en-US" dirty="0" smtClean="0"/>
-              <a:t> </a:t>
-            </a:r>
-            <a:r>
-              <a:rPr lang="en-US" dirty="0" smtClean="0"/>
-              <a:t>Piece</a:t>
-            </a:r>
-          </a:p>
-        </p:txBody>
-      </p:sp>
-      <p:sp>
-        <p:nvSpPr>
-          <p:cNvPr id="5123" name="Content Placeholder 2"/>
-          <p:cNvSpPr>
-            <a:spLocks noGrp="1"/>
-          </p:cNvSpPr>
-          <p:nvPr>
-            <p:ph idx="1"/>
-          </p:nvPr>
-        </p:nvSpPr>
-        <p:spPr/>
-        <p:txBody>
-          <a:bodyPr/>
-          <a:lstStyle/>
-          <a:p>
-            <a:pPr marL="0" indent="0">
-              <a:buNone/>
-            </a:pPr>
-            <a:r>
-              <a:rPr lang="en-US" b="1" dirty="0"/>
-              <a:t>Even Fibonacci numbers</a:t>
-            </a:r>
-          </a:p>
-          <a:p>
-            <a:pPr marL="0" indent="0">
-              <a:buNone/>
-            </a:pPr>
-            <a:r>
-              <a:rPr lang="en-US" b="1" dirty="0"/>
-              <a:t>Problem 2</a:t>
-            </a:r>
-          </a:p>
-          <a:p>
-            <a:pPr marL="0" indent="0">
-              <a:buNone/>
-            </a:pPr>
-            <a:r>
-              <a:rPr lang="en-US" dirty="0"/>
-              <a:t>Each new term in the Fibonacci sequence is generated by adding the previous two terms. By starting with 1 and 2, the first 10 terms will be:</a:t>
-            </a:r>
-          </a:p>
-          <a:p>
-            <a:pPr marL="0" indent="0">
-              <a:buNone/>
-            </a:pPr>
-            <a:r>
-              <a:rPr lang="en-US" dirty="0"/>
-              <a:t>1, 2, 3, 5, 8, 13, 21, 34, 55, 89, ...</a:t>
-            </a:r>
-          </a:p>
-          <a:p>
-            <a:pPr marL="0" indent="0">
-              <a:buNone/>
-            </a:pPr>
-            <a:r>
-              <a:rPr lang="en-US" dirty="0"/>
-              <a:t>By considering the terms in the Fibonacci sequence whose values do not exceed four million, find the sum of the even-valued terms.</a:t>
-            </a:r>
-            <a:endParaRPr lang="en-US" dirty="0"/>
-          </a:p>
-        </p:txBody>
-      </p:sp>
-      <p:sp>
-        <p:nvSpPr>
-          <p:cNvPr id="5124" name="Footer Placeholder 3"/>
-          <p:cNvSpPr>
-            <a:spLocks noGrp="1"/>
-          </p:cNvSpPr>
-          <p:nvPr>
-            <p:ph type="ftr" sz="quarter" idx="11"/>
-          </p:nvPr>
-        </p:nvSpPr>
-        <p:spPr>
-          <a:noFill/>
-          <a:ln/>
-          <a:extLst>
-            <a:ext uri="{909E8E84-426E-40DD-AFC4-6F175D3DCCD1}">
-              <a14:hiddenFill xmlns:a14="http://schemas.microsoft.com/office/drawing/2010/main">
-                <a:solidFill>
-                  <a:srgbClr val="FFFFFF"/>
-                </a:solidFill>
-              </a14:hiddenFill>
-            </a:ext>
-            <a:ext uri="{91240B29-F687-4F45-9708-019B960494DF}">
-              <a14:hiddenLine xmlns:a14="http://schemas.microsoft.com/office/drawing/2010/main" w="9525">
-                <a:solidFill>
-                  <a:srgbClr val="000000"/>
-                </a:solidFill>
-                <a:miter lim="800000"/>
-                <a:headEnd/>
-                <a:tailEnd/>
-              </a14:hiddenLine>
-            </a:ext>
-          </a:extLst>
-        </p:spPr>
-        <p:txBody>
-          <a:bodyPr/>
-          <a:lstStyle>
-            <a:lvl1pPr eaLnBrk="0" hangingPunct="0">
-              <a:defRPr sz="2800" b="1">
-                <a:solidFill>
-                  <a:schemeClr val="tx1"/>
-                </a:solidFill>
-                <a:latin typeface="Arial" charset="0"/>
-              </a:defRPr>
-            </a:lvl1pPr>
-            <a:lvl2pPr marL="742950" indent="-285750" eaLnBrk="0" hangingPunct="0">
-              <a:defRPr sz="2800" b="1">
-                <a:solidFill>
-                  <a:schemeClr val="tx1"/>
-                </a:solidFill>
-                <a:latin typeface="Arial" charset="0"/>
-              </a:defRPr>
-            </a:lvl2pPr>
-            <a:lvl3pPr marL="1143000" indent="-228600" eaLnBrk="0" hangingPunct="0">
-              <a:defRPr sz="2800" b="1">
-                <a:solidFill>
-                  <a:schemeClr val="tx1"/>
-                </a:solidFill>
-                <a:latin typeface="Arial" charset="0"/>
-              </a:defRPr>
-            </a:lvl3pPr>
-            <a:lvl4pPr marL="1600200" indent="-228600" eaLnBrk="0" hangingPunct="0">
-              <a:defRPr sz="2800" b="1">
-                <a:solidFill>
-                  <a:schemeClr val="tx1"/>
-                </a:solidFill>
-                <a:latin typeface="Arial" charset="0"/>
-              </a:defRPr>
-            </a:lvl4pPr>
-            <a:lvl5pPr marL="2057400" indent="-228600" eaLnBrk="0" hangingPunct="0">
-              <a:defRPr sz="2800" b="1">
-                <a:solidFill>
-                  <a:schemeClr val="tx1"/>
-                </a:solidFill>
-                <a:latin typeface="Arial" charset="0"/>
-              </a:defRPr>
-            </a:lvl5pPr>
-            <a:lvl6pPr marL="2514600" indent="-228600" eaLnBrk="0" fontAlgn="base" hangingPunct="0">
-              <a:spcBef>
-                <a:spcPct val="0"/>
-              </a:spcBef>
-              <a:spcAft>
-                <a:spcPct val="0"/>
-              </a:spcAft>
-              <a:defRPr sz="2800" b="1">
-                <a:solidFill>
-                  <a:schemeClr val="tx1"/>
-                </a:solidFill>
-                <a:latin typeface="Arial" charset="0"/>
-              </a:defRPr>
-            </a:lvl6pPr>
-            <a:lvl7pPr marL="2971800" indent="-228600" eaLnBrk="0" fontAlgn="base" hangingPunct="0">
-              <a:spcBef>
-                <a:spcPct val="0"/>
-              </a:spcBef>
-              <a:spcAft>
-                <a:spcPct val="0"/>
-              </a:spcAft>
-              <a:defRPr sz="2800" b="1">
-                <a:solidFill>
-                  <a:schemeClr val="tx1"/>
-                </a:solidFill>
-                <a:latin typeface="Arial" charset="0"/>
-              </a:defRPr>
-            </a:lvl7pPr>
-            <a:lvl8pPr marL="3429000" indent="-228600" eaLnBrk="0" fontAlgn="base" hangingPunct="0">
-              <a:spcBef>
-                <a:spcPct val="0"/>
-              </a:spcBef>
-              <a:spcAft>
-                <a:spcPct val="0"/>
-              </a:spcAft>
-              <a:defRPr sz="2800" b="1">
-                <a:solidFill>
-                  <a:schemeClr val="tx1"/>
-                </a:solidFill>
-                <a:latin typeface="Arial" charset="0"/>
-              </a:defRPr>
-            </a:lvl8pPr>
-            <a:lvl9pPr marL="3886200" indent="-228600" eaLnBrk="0" fontAlgn="base" hangingPunct="0">
-              <a:spcBef>
-                <a:spcPct val="0"/>
-              </a:spcBef>
-              <a:spcAft>
-                <a:spcPct val="0"/>
-              </a:spcAft>
-              <a:defRPr sz="2800" b="1">
-                <a:solidFill>
-                  <a:schemeClr val="tx1"/>
-                </a:solidFill>
-                <a:latin typeface="Arial" charset="0"/>
-              </a:defRPr>
-            </a:lvl9pPr>
-          </a:lstStyle>
-          <a:p>
-            <a:r>
-              <a:rPr lang="en-US" sz="1400" b="0" smtClean="0">
-                <a:solidFill>
-                  <a:srgbClr val="FFFFFF"/>
-                </a:solidFill>
-              </a:rPr>
-              <a:t>Teradyne Confidential and Proprietary</a:t>
-            </a:r>
-          </a:p>
-        </p:txBody>
-      </p:sp>
-    </p:spTree>
-  </p:cSld>
-  <p:clrMapOvr>
-    <a:masterClrMapping/>
-  </p:clrMapOvr>
-  <p:timing>
-    <p:tnLst>
-      <p:par>
-        <p:cTn id="1" dur="indefinite" restart="never" nodeType="tmRoot"/>
-      </p:par>
-    </p:tnLst>
-  </p:timing>
-</p:sld>
-</file>
-
-<file path=ppt/slides/slide5.xml><?xml version="1.0" encoding="utf-8"?>
+<file path=ppt/slides/slide3.xml><?xml version="1.0" encoding="utf-8"?>
 <p:sld xmlns:a="http://schemas.openxmlformats.org/drawingml/2006/main" xmlns:r="http://schemas.openxmlformats.org/officeDocument/2006/relationships" xmlns:p="http://schemas.openxmlformats.org/presentationml/2006/main">
   <p:cSld>
     <p:spTree>
@@ -18174,7 +13630,15 @@
             </a:r>
             <a:r>
               <a:rPr lang="en-US" sz="3200" dirty="0"/>
-              <a:t>if (a % 2 == 0) total += a;</a:t>
+              <a:t>if </a:t>
+            </a:r>
+            <a:r>
+              <a:rPr lang="en-US" sz="3200" dirty="0" smtClean="0"/>
+              <a:t>((a &amp; 1) == </a:t>
+            </a:r>
+            <a:r>
+              <a:rPr lang="en-US" sz="3200" dirty="0"/>
+              <a:t>0) total += a;</a:t>
             </a:r>
           </a:p>
           <a:p>
@@ -18840,6 +14304,784 @@
 </p:sld>
 </file>
 
+<file path=ppt/slides/slide4.xml><?xml version="1.0" encoding="utf-8"?>
+<p:sld xmlns:a="http://schemas.openxmlformats.org/drawingml/2006/main" xmlns:r="http://schemas.openxmlformats.org/officeDocument/2006/relationships" xmlns:p="http://schemas.openxmlformats.org/presentationml/2006/main">
+  <p:cSld>
+    <p:spTree>
+      <p:nvGrpSpPr>
+        <p:cNvPr id="1" name=""/>
+        <p:cNvGrpSpPr/>
+        <p:nvPr/>
+      </p:nvGrpSpPr>
+      <p:grpSpPr>
+        <a:xfrm>
+          <a:off x="0" y="0"/>
+          <a:ext cx="0" cy="0"/>
+          <a:chOff x="0" y="0"/>
+          <a:chExt cx="0" cy="0"/>
+        </a:xfrm>
+      </p:grpSpPr>
+      <p:sp>
+        <p:nvSpPr>
+          <p:cNvPr id="6146" name="Title 1"/>
+          <p:cNvSpPr>
+            <a:spLocks noGrp="1"/>
+          </p:cNvSpPr>
+          <p:nvPr>
+            <p:ph type="title"/>
+          </p:nvPr>
+        </p:nvSpPr>
+        <p:spPr/>
+        <p:txBody>
+          <a:bodyPr/>
+          <a:lstStyle/>
+          <a:p>
+            <a:r>
+              <a:rPr lang="en-US" dirty="0" smtClean="0"/>
+              <a:t>Let’s Get Functional</a:t>
+            </a:r>
+          </a:p>
+        </p:txBody>
+      </p:sp>
+      <p:sp>
+        <p:nvSpPr>
+          <p:cNvPr id="6147" name="Content Placeholder 2"/>
+          <p:cNvSpPr>
+            <a:spLocks noGrp="1"/>
+          </p:cNvSpPr>
+          <p:nvPr>
+            <p:ph idx="1"/>
+          </p:nvPr>
+        </p:nvSpPr>
+        <p:spPr>
+          <a:xfrm>
+            <a:off x="0" y="1219200"/>
+            <a:ext cx="9144000" cy="4929188"/>
+          </a:xfrm>
+        </p:spPr>
+        <p:txBody>
+          <a:bodyPr/>
+          <a:lstStyle/>
+          <a:p>
+            <a:pPr marL="0" indent="0">
+              <a:buNone/>
+            </a:pPr>
+            <a:r>
+              <a:rPr lang="en-US" sz="3200" dirty="0"/>
+              <a:t>static </a:t>
+            </a:r>
+            <a:r>
+              <a:rPr lang="en-US" sz="3200" dirty="0" err="1"/>
+              <a:t>IEnumerable</a:t>
+            </a:r>
+            <a:r>
+              <a:rPr lang="en-US" sz="3200" dirty="0"/>
+              <a:t>&lt;</a:t>
+            </a:r>
+            <a:r>
+              <a:rPr lang="en-US" sz="3200" dirty="0" err="1"/>
+              <a:t>int</a:t>
+            </a:r>
+            <a:r>
+              <a:rPr lang="en-US" sz="3200" dirty="0"/>
+              <a:t>&gt; </a:t>
+            </a:r>
+            <a:r>
+              <a:rPr lang="en-US" sz="3200" dirty="0" err="1" smtClean="0"/>
+              <a:t>fibonacci</a:t>
+            </a:r>
+            <a:r>
+              <a:rPr lang="en-US" sz="3200" dirty="0" smtClean="0"/>
+              <a:t>() {</a:t>
+            </a:r>
+            <a:endParaRPr lang="en-US" sz="3200" dirty="0"/>
+          </a:p>
+          <a:p>
+            <a:pPr marL="0" indent="0">
+              <a:buNone/>
+            </a:pPr>
+            <a:r>
+              <a:rPr lang="en-US" sz="3200" dirty="0" smtClean="0"/>
+              <a:t>  </a:t>
+            </a:r>
+            <a:r>
+              <a:rPr lang="en-US" sz="3200" dirty="0" err="1" smtClean="0"/>
+              <a:t>int</a:t>
+            </a:r>
+            <a:r>
+              <a:rPr lang="en-US" sz="3200" dirty="0" smtClean="0"/>
+              <a:t> </a:t>
+            </a:r>
+            <a:r>
+              <a:rPr lang="en-US" sz="3200" dirty="0"/>
+              <a:t>a = </a:t>
+            </a:r>
+            <a:r>
+              <a:rPr lang="en-US" sz="3200" dirty="0" smtClean="0"/>
+              <a:t>1, b </a:t>
+            </a:r>
+            <a:r>
+              <a:rPr lang="en-US" sz="3200" dirty="0"/>
+              <a:t>= 2;</a:t>
+            </a:r>
+          </a:p>
+          <a:p>
+            <a:pPr marL="0" indent="0">
+              <a:buNone/>
+            </a:pPr>
+            <a:r>
+              <a:rPr lang="en-US" sz="3200" dirty="0"/>
+              <a:t>  </a:t>
+            </a:r>
+            <a:r>
+              <a:rPr lang="en-US" sz="3200" dirty="0" smtClean="0"/>
+              <a:t>while </a:t>
+            </a:r>
+            <a:r>
+              <a:rPr lang="en-US" sz="3200" smtClean="0"/>
+              <a:t>(true) </a:t>
+            </a:r>
+            <a:r>
+              <a:rPr lang="en-US" sz="3200" dirty="0" smtClean="0"/>
+              <a:t>{</a:t>
+            </a:r>
+            <a:endParaRPr lang="en-US" sz="3200" dirty="0"/>
+          </a:p>
+          <a:p>
+            <a:pPr marL="0" indent="0">
+              <a:buNone/>
+            </a:pPr>
+            <a:r>
+              <a:rPr lang="en-US" sz="3200" dirty="0"/>
+              <a:t>    </a:t>
+            </a:r>
+            <a:r>
+              <a:rPr lang="en-US" sz="3200" dirty="0" smtClean="0"/>
+              <a:t>yield </a:t>
+            </a:r>
+            <a:r>
+              <a:rPr lang="en-US" sz="3200" dirty="0"/>
+              <a:t>return a;</a:t>
+            </a:r>
+          </a:p>
+          <a:p>
+            <a:pPr marL="0" indent="0">
+              <a:buNone/>
+            </a:pPr>
+            <a:r>
+              <a:rPr lang="en-US" sz="3200" dirty="0"/>
+              <a:t>    </a:t>
+            </a:r>
+            <a:r>
+              <a:rPr lang="en-US" sz="3200" dirty="0" err="1" smtClean="0"/>
+              <a:t>var</a:t>
+            </a:r>
+            <a:r>
+              <a:rPr lang="en-US" sz="3200" dirty="0" smtClean="0"/>
+              <a:t> </a:t>
+            </a:r>
+            <a:r>
+              <a:rPr lang="en-US" sz="3200" dirty="0"/>
+              <a:t>sum = a + </a:t>
+            </a:r>
+            <a:r>
+              <a:rPr lang="en-US" sz="3200" dirty="0" smtClean="0"/>
+              <a:t>b; a </a:t>
+            </a:r>
+            <a:r>
+              <a:rPr lang="en-US" sz="3200" dirty="0"/>
+              <a:t>= </a:t>
+            </a:r>
+            <a:r>
+              <a:rPr lang="en-US" sz="3200" dirty="0" smtClean="0"/>
+              <a:t>b; b </a:t>
+            </a:r>
+            <a:r>
+              <a:rPr lang="en-US" sz="3200" dirty="0"/>
+              <a:t>= sum;</a:t>
+            </a:r>
+          </a:p>
+          <a:p>
+            <a:pPr marL="0" indent="0">
+              <a:buNone/>
+            </a:pPr>
+            <a:r>
+              <a:rPr lang="en-US" sz="3200" dirty="0"/>
+              <a:t>  </a:t>
+            </a:r>
+            <a:r>
+              <a:rPr lang="en-US" sz="3200" dirty="0" smtClean="0"/>
+              <a:t>}</a:t>
+            </a:r>
+            <a:endParaRPr lang="en-US" sz="3200" dirty="0"/>
+          </a:p>
+          <a:p>
+            <a:pPr marL="0" indent="0">
+              <a:buNone/>
+            </a:pPr>
+            <a:r>
+              <a:rPr lang="en-US" sz="3200" dirty="0" smtClean="0"/>
+              <a:t>}</a:t>
+            </a:r>
+            <a:endParaRPr lang="en-US" sz="3200" dirty="0"/>
+          </a:p>
+        </p:txBody>
+      </p:sp>
+      <p:sp>
+        <p:nvSpPr>
+          <p:cNvPr id="6148" name="Footer Placeholder 3"/>
+          <p:cNvSpPr>
+            <a:spLocks noGrp="1"/>
+          </p:cNvSpPr>
+          <p:nvPr>
+            <p:ph type="ftr" sz="quarter" idx="11"/>
+          </p:nvPr>
+        </p:nvSpPr>
+        <p:spPr>
+          <a:noFill/>
+          <a:ln/>
+          <a:extLst>
+            <a:ext uri="{909E8E84-426E-40DD-AFC4-6F175D3DCCD1}">
+              <a14:hiddenFill xmlns:a14="http://schemas.microsoft.com/office/drawing/2010/main">
+                <a:solidFill>
+                  <a:srgbClr val="FFFFFF"/>
+                </a:solidFill>
+              </a14:hiddenFill>
+            </a:ext>
+            <a:ext uri="{91240B29-F687-4F45-9708-019B960494DF}">
+              <a14:hiddenLine xmlns:a14="http://schemas.microsoft.com/office/drawing/2010/main" w="9525">
+                <a:solidFill>
+                  <a:srgbClr val="000000"/>
+                </a:solidFill>
+                <a:miter lim="800000"/>
+                <a:headEnd/>
+                <a:tailEnd/>
+              </a14:hiddenLine>
+            </a:ext>
+          </a:extLst>
+        </p:spPr>
+        <p:txBody>
+          <a:bodyPr/>
+          <a:lstStyle>
+            <a:lvl1pPr eaLnBrk="0" hangingPunct="0">
+              <a:defRPr sz="2800" b="1">
+                <a:solidFill>
+                  <a:schemeClr val="tx1"/>
+                </a:solidFill>
+                <a:latin typeface="Arial" charset="0"/>
+              </a:defRPr>
+            </a:lvl1pPr>
+            <a:lvl2pPr marL="742950" indent="-285750" eaLnBrk="0" hangingPunct="0">
+              <a:defRPr sz="2800" b="1">
+                <a:solidFill>
+                  <a:schemeClr val="tx1"/>
+                </a:solidFill>
+                <a:latin typeface="Arial" charset="0"/>
+              </a:defRPr>
+            </a:lvl2pPr>
+            <a:lvl3pPr marL="1143000" indent="-228600" eaLnBrk="0" hangingPunct="0">
+              <a:defRPr sz="2800" b="1">
+                <a:solidFill>
+                  <a:schemeClr val="tx1"/>
+                </a:solidFill>
+                <a:latin typeface="Arial" charset="0"/>
+              </a:defRPr>
+            </a:lvl3pPr>
+            <a:lvl4pPr marL="1600200" indent="-228600" eaLnBrk="0" hangingPunct="0">
+              <a:defRPr sz="2800" b="1">
+                <a:solidFill>
+                  <a:schemeClr val="tx1"/>
+                </a:solidFill>
+                <a:latin typeface="Arial" charset="0"/>
+              </a:defRPr>
+            </a:lvl4pPr>
+            <a:lvl5pPr marL="2057400" indent="-228600" eaLnBrk="0" hangingPunct="0">
+              <a:defRPr sz="2800" b="1">
+                <a:solidFill>
+                  <a:schemeClr val="tx1"/>
+                </a:solidFill>
+                <a:latin typeface="Arial" charset="0"/>
+              </a:defRPr>
+            </a:lvl5pPr>
+            <a:lvl6pPr marL="2514600" indent="-228600" eaLnBrk="0" fontAlgn="base" hangingPunct="0">
+              <a:spcBef>
+                <a:spcPct val="0"/>
+              </a:spcBef>
+              <a:spcAft>
+                <a:spcPct val="0"/>
+              </a:spcAft>
+              <a:defRPr sz="2800" b="1">
+                <a:solidFill>
+                  <a:schemeClr val="tx1"/>
+                </a:solidFill>
+                <a:latin typeface="Arial" charset="0"/>
+              </a:defRPr>
+            </a:lvl6pPr>
+            <a:lvl7pPr marL="2971800" indent="-228600" eaLnBrk="0" fontAlgn="base" hangingPunct="0">
+              <a:spcBef>
+                <a:spcPct val="0"/>
+              </a:spcBef>
+              <a:spcAft>
+                <a:spcPct val="0"/>
+              </a:spcAft>
+              <a:defRPr sz="2800" b="1">
+                <a:solidFill>
+                  <a:schemeClr val="tx1"/>
+                </a:solidFill>
+                <a:latin typeface="Arial" charset="0"/>
+              </a:defRPr>
+            </a:lvl7pPr>
+            <a:lvl8pPr marL="3429000" indent="-228600" eaLnBrk="0" fontAlgn="base" hangingPunct="0">
+              <a:spcBef>
+                <a:spcPct val="0"/>
+              </a:spcBef>
+              <a:spcAft>
+                <a:spcPct val="0"/>
+              </a:spcAft>
+              <a:defRPr sz="2800" b="1">
+                <a:solidFill>
+                  <a:schemeClr val="tx1"/>
+                </a:solidFill>
+                <a:latin typeface="Arial" charset="0"/>
+              </a:defRPr>
+            </a:lvl8pPr>
+            <a:lvl9pPr marL="3886200" indent="-228600" eaLnBrk="0" fontAlgn="base" hangingPunct="0">
+              <a:spcBef>
+                <a:spcPct val="0"/>
+              </a:spcBef>
+              <a:spcAft>
+                <a:spcPct val="0"/>
+              </a:spcAft>
+              <a:defRPr sz="2800" b="1">
+                <a:solidFill>
+                  <a:schemeClr val="tx1"/>
+                </a:solidFill>
+                <a:latin typeface="Arial" charset="0"/>
+              </a:defRPr>
+            </a:lvl9pPr>
+          </a:lstStyle>
+          <a:p>
+            <a:r>
+              <a:rPr lang="en-US" sz="1400" b="0" smtClean="0">
+                <a:solidFill>
+                  <a:srgbClr val="FFFFFF"/>
+                </a:solidFill>
+              </a:rPr>
+              <a:t>Teradyne Confidential and Proprietary</a:t>
+            </a:r>
+          </a:p>
+        </p:txBody>
+      </p:sp>
+    </p:spTree>
+    <p:extLst>
+      <p:ext uri="{BB962C8B-B14F-4D97-AF65-F5344CB8AC3E}">
+        <p14:creationId xmlns:p14="http://schemas.microsoft.com/office/powerpoint/2010/main" val="852521507"/>
+      </p:ext>
+    </p:extLst>
+  </p:cSld>
+  <p:clrMapOvr>
+    <a:masterClrMapping/>
+  </p:clrMapOvr>
+  <p:timing>
+    <p:tnLst>
+      <p:par>
+        <p:cTn id="1" dur="indefinite" restart="never" nodeType="tmRoot"/>
+      </p:par>
+    </p:tnLst>
+  </p:timing>
+</p:sld>
+</file>
+
+<file path=ppt/slides/slide5.xml><?xml version="1.0" encoding="utf-8"?>
+<p:sld xmlns:a="http://schemas.openxmlformats.org/drawingml/2006/main" xmlns:r="http://schemas.openxmlformats.org/officeDocument/2006/relationships" xmlns:p="http://schemas.openxmlformats.org/presentationml/2006/main">
+  <p:cSld>
+    <p:spTree>
+      <p:nvGrpSpPr>
+        <p:cNvPr id="1" name=""/>
+        <p:cNvGrpSpPr/>
+        <p:nvPr/>
+      </p:nvGrpSpPr>
+      <p:grpSpPr>
+        <a:xfrm>
+          <a:off x="0" y="0"/>
+          <a:ext cx="0" cy="0"/>
+          <a:chOff x="0" y="0"/>
+          <a:chExt cx="0" cy="0"/>
+        </a:xfrm>
+      </p:grpSpPr>
+      <p:sp>
+        <p:nvSpPr>
+          <p:cNvPr id="6146" name="Title 1"/>
+          <p:cNvSpPr>
+            <a:spLocks noGrp="1"/>
+          </p:cNvSpPr>
+          <p:nvPr>
+            <p:ph type="title"/>
+          </p:nvPr>
+        </p:nvSpPr>
+        <p:spPr/>
+        <p:txBody>
+          <a:bodyPr/>
+          <a:lstStyle/>
+          <a:p>
+            <a:r>
+              <a:rPr lang="en-US" dirty="0" smtClean="0"/>
+              <a:t>Let’s Get Functional</a:t>
+            </a:r>
+          </a:p>
+        </p:txBody>
+      </p:sp>
+      <p:sp>
+        <p:nvSpPr>
+          <p:cNvPr id="6147" name="Content Placeholder 2"/>
+          <p:cNvSpPr>
+            <a:spLocks noGrp="1"/>
+          </p:cNvSpPr>
+          <p:nvPr>
+            <p:ph idx="1"/>
+          </p:nvPr>
+        </p:nvSpPr>
+        <p:spPr>
+          <a:xfrm>
+            <a:off x="0" y="1219200"/>
+            <a:ext cx="9144000" cy="4929188"/>
+          </a:xfrm>
+        </p:spPr>
+        <p:txBody>
+          <a:bodyPr/>
+          <a:lstStyle/>
+          <a:p>
+            <a:pPr marL="0" indent="0">
+              <a:buNone/>
+            </a:pPr>
+            <a:r>
+              <a:rPr lang="en-US" sz="3200" dirty="0"/>
+              <a:t>static </a:t>
+            </a:r>
+            <a:r>
+              <a:rPr lang="en-US" sz="3200" dirty="0" err="1"/>
+              <a:t>bool</a:t>
+            </a:r>
+            <a:r>
+              <a:rPr lang="en-US" sz="3200" dirty="0"/>
+              <a:t> </a:t>
+            </a:r>
+            <a:r>
+              <a:rPr lang="en-US" sz="3200" dirty="0" err="1"/>
+              <a:t>isEven</a:t>
+            </a:r>
+            <a:r>
+              <a:rPr lang="en-US" sz="3200" dirty="0"/>
+              <a:t>(</a:t>
+            </a:r>
+            <a:r>
+              <a:rPr lang="en-US" sz="3200" dirty="0" err="1"/>
+              <a:t>int</a:t>
+            </a:r>
+            <a:r>
+              <a:rPr lang="en-US" sz="3200" dirty="0"/>
+              <a:t> x) { return </a:t>
+            </a:r>
+            <a:r>
+              <a:rPr lang="en-US" sz="3200" dirty="0" smtClean="0"/>
+              <a:t>(x &amp; 1) == </a:t>
+            </a:r>
+            <a:r>
+              <a:rPr lang="en-US" sz="3200" dirty="0"/>
+              <a:t>0; }</a:t>
+            </a:r>
+          </a:p>
+          <a:p>
+            <a:pPr marL="0" indent="0">
+              <a:buNone/>
+            </a:pPr>
+            <a:r>
+              <a:rPr lang="en-US" sz="3200" dirty="0" smtClean="0"/>
+              <a:t>static </a:t>
+            </a:r>
+            <a:r>
+              <a:rPr lang="en-US" sz="3200" dirty="0" err="1"/>
+              <a:t>int</a:t>
+            </a:r>
+            <a:r>
+              <a:rPr lang="en-US" sz="3200" dirty="0"/>
+              <a:t> </a:t>
+            </a:r>
+            <a:r>
+              <a:rPr lang="en-US" sz="3200" dirty="0" err="1"/>
+              <a:t>filterFunctional</a:t>
+            </a:r>
+            <a:r>
+              <a:rPr lang="en-US" sz="3200" dirty="0"/>
+              <a:t>(</a:t>
+            </a:r>
+            <a:r>
+              <a:rPr lang="en-US" sz="3200" dirty="0" err="1"/>
+              <a:t>int</a:t>
+            </a:r>
+            <a:r>
+              <a:rPr lang="en-US" sz="3200" dirty="0"/>
+              <a:t> limit</a:t>
+            </a:r>
+            <a:r>
+              <a:rPr lang="en-US" sz="3200" dirty="0" smtClean="0"/>
+              <a:t>) {</a:t>
+            </a:r>
+            <a:endParaRPr lang="en-US" sz="3200" dirty="0"/>
+          </a:p>
+          <a:p>
+            <a:pPr marL="0" indent="0">
+              <a:buNone/>
+            </a:pPr>
+            <a:r>
+              <a:rPr lang="en-US" sz="3200" dirty="0" smtClean="0"/>
+              <a:t>  </a:t>
+            </a:r>
+            <a:r>
+              <a:rPr lang="en-US" sz="3200" dirty="0"/>
+              <a:t>return </a:t>
+            </a:r>
+            <a:r>
+              <a:rPr lang="en-US" sz="3200" dirty="0" err="1" smtClean="0"/>
+              <a:t>fibonacci</a:t>
+            </a:r>
+            <a:r>
+              <a:rPr lang="en-US" sz="3200" dirty="0" smtClean="0"/>
+              <a:t>().</a:t>
+            </a:r>
+            <a:r>
+              <a:rPr lang="en-US" sz="3200" dirty="0"/>
+              <a:t>Where(</a:t>
+            </a:r>
+            <a:r>
+              <a:rPr lang="en-US" sz="3200" dirty="0" err="1"/>
+              <a:t>isEven</a:t>
+            </a:r>
+            <a:r>
+              <a:rPr lang="en-US" sz="3200" dirty="0" smtClean="0"/>
+              <a:t>).</a:t>
+            </a:r>
+          </a:p>
+          <a:p>
+            <a:pPr marL="0" indent="0">
+              <a:buNone/>
+            </a:pPr>
+            <a:r>
+              <a:rPr lang="en-US" sz="3200" dirty="0"/>
+              <a:t> </a:t>
+            </a:r>
+            <a:r>
+              <a:rPr lang="en-US" sz="3200" dirty="0" smtClean="0"/>
+              <a:t>   </a:t>
+            </a:r>
+            <a:r>
+              <a:rPr lang="en-US" sz="3200" dirty="0" err="1" smtClean="0"/>
+              <a:t>TakeWhile</a:t>
+            </a:r>
+            <a:r>
+              <a:rPr lang="en-US" sz="3200" dirty="0" smtClean="0"/>
+              <a:t>(x =&gt; x &lt; limit).Sum</a:t>
+            </a:r>
+            <a:r>
+              <a:rPr lang="en-US" sz="3200" dirty="0"/>
+              <a:t>();</a:t>
+            </a:r>
+          </a:p>
+          <a:p>
+            <a:pPr marL="0" indent="0">
+              <a:buNone/>
+            </a:pPr>
+            <a:r>
+              <a:rPr lang="en-US" sz="3200" dirty="0" smtClean="0"/>
+              <a:t>}</a:t>
+            </a:r>
+          </a:p>
+          <a:p>
+            <a:r>
+              <a:rPr lang="en-US" sz="3200" dirty="0" smtClean="0"/>
+              <a:t>Functional style allows us to separate concerns</a:t>
+            </a:r>
+          </a:p>
+          <a:p>
+            <a:r>
+              <a:rPr lang="en-US" sz="3200" dirty="0" smtClean="0"/>
+              <a:t>Each building block does exactly one thing</a:t>
+            </a:r>
+          </a:p>
+          <a:p>
+            <a:r>
+              <a:rPr lang="en-US" sz="3200" dirty="0" smtClean="0"/>
+              <a:t>Compose blocks into a larger structure</a:t>
+            </a:r>
+            <a:endParaRPr lang="en-US" sz="3200" dirty="0"/>
+          </a:p>
+        </p:txBody>
+      </p:sp>
+      <p:sp>
+        <p:nvSpPr>
+          <p:cNvPr id="6148" name="Footer Placeholder 3"/>
+          <p:cNvSpPr>
+            <a:spLocks noGrp="1"/>
+          </p:cNvSpPr>
+          <p:nvPr>
+            <p:ph type="ftr" sz="quarter" idx="11"/>
+          </p:nvPr>
+        </p:nvSpPr>
+        <p:spPr>
+          <a:noFill/>
+          <a:ln/>
+          <a:extLst>
+            <a:ext uri="{909E8E84-426E-40DD-AFC4-6F175D3DCCD1}">
+              <a14:hiddenFill xmlns:a14="http://schemas.microsoft.com/office/drawing/2010/main">
+                <a:solidFill>
+                  <a:srgbClr val="FFFFFF"/>
+                </a:solidFill>
+              </a14:hiddenFill>
+            </a:ext>
+            <a:ext uri="{91240B29-F687-4F45-9708-019B960494DF}">
+              <a14:hiddenLine xmlns:a14="http://schemas.microsoft.com/office/drawing/2010/main" w="9525">
+                <a:solidFill>
+                  <a:srgbClr val="000000"/>
+                </a:solidFill>
+                <a:miter lim="800000"/>
+                <a:headEnd/>
+                <a:tailEnd/>
+              </a14:hiddenLine>
+            </a:ext>
+          </a:extLst>
+        </p:spPr>
+        <p:txBody>
+          <a:bodyPr/>
+          <a:lstStyle>
+            <a:lvl1pPr eaLnBrk="0" hangingPunct="0">
+              <a:defRPr sz="2800" b="1">
+                <a:solidFill>
+                  <a:schemeClr val="tx1"/>
+                </a:solidFill>
+                <a:latin typeface="Arial" charset="0"/>
+              </a:defRPr>
+            </a:lvl1pPr>
+            <a:lvl2pPr marL="742950" indent="-285750" eaLnBrk="0" hangingPunct="0">
+              <a:defRPr sz="2800" b="1">
+                <a:solidFill>
+                  <a:schemeClr val="tx1"/>
+                </a:solidFill>
+                <a:latin typeface="Arial" charset="0"/>
+              </a:defRPr>
+            </a:lvl2pPr>
+            <a:lvl3pPr marL="1143000" indent="-228600" eaLnBrk="0" hangingPunct="0">
+              <a:defRPr sz="2800" b="1">
+                <a:solidFill>
+                  <a:schemeClr val="tx1"/>
+                </a:solidFill>
+                <a:latin typeface="Arial" charset="0"/>
+              </a:defRPr>
+            </a:lvl3pPr>
+            <a:lvl4pPr marL="1600200" indent="-228600" eaLnBrk="0" hangingPunct="0">
+              <a:defRPr sz="2800" b="1">
+                <a:solidFill>
+                  <a:schemeClr val="tx1"/>
+                </a:solidFill>
+                <a:latin typeface="Arial" charset="0"/>
+              </a:defRPr>
+            </a:lvl4pPr>
+            <a:lvl5pPr marL="2057400" indent="-228600" eaLnBrk="0" hangingPunct="0">
+              <a:defRPr sz="2800" b="1">
+                <a:solidFill>
+                  <a:schemeClr val="tx1"/>
+                </a:solidFill>
+                <a:latin typeface="Arial" charset="0"/>
+              </a:defRPr>
+            </a:lvl5pPr>
+            <a:lvl6pPr marL="2514600" indent="-228600" eaLnBrk="0" fontAlgn="base" hangingPunct="0">
+              <a:spcBef>
+                <a:spcPct val="0"/>
+              </a:spcBef>
+              <a:spcAft>
+                <a:spcPct val="0"/>
+              </a:spcAft>
+              <a:defRPr sz="2800" b="1">
+                <a:solidFill>
+                  <a:schemeClr val="tx1"/>
+                </a:solidFill>
+                <a:latin typeface="Arial" charset="0"/>
+              </a:defRPr>
+            </a:lvl6pPr>
+            <a:lvl7pPr marL="2971800" indent="-228600" eaLnBrk="0" fontAlgn="base" hangingPunct="0">
+              <a:spcBef>
+                <a:spcPct val="0"/>
+              </a:spcBef>
+              <a:spcAft>
+                <a:spcPct val="0"/>
+              </a:spcAft>
+              <a:defRPr sz="2800" b="1">
+                <a:solidFill>
+                  <a:schemeClr val="tx1"/>
+                </a:solidFill>
+                <a:latin typeface="Arial" charset="0"/>
+              </a:defRPr>
+            </a:lvl7pPr>
+            <a:lvl8pPr marL="3429000" indent="-228600" eaLnBrk="0" fontAlgn="base" hangingPunct="0">
+              <a:spcBef>
+                <a:spcPct val="0"/>
+              </a:spcBef>
+              <a:spcAft>
+                <a:spcPct val="0"/>
+              </a:spcAft>
+              <a:defRPr sz="2800" b="1">
+                <a:solidFill>
+                  <a:schemeClr val="tx1"/>
+                </a:solidFill>
+                <a:latin typeface="Arial" charset="0"/>
+              </a:defRPr>
+            </a:lvl8pPr>
+            <a:lvl9pPr marL="3886200" indent="-228600" eaLnBrk="0" fontAlgn="base" hangingPunct="0">
+              <a:spcBef>
+                <a:spcPct val="0"/>
+              </a:spcBef>
+              <a:spcAft>
+                <a:spcPct val="0"/>
+              </a:spcAft>
+              <a:defRPr sz="2800" b="1">
+                <a:solidFill>
+                  <a:schemeClr val="tx1"/>
+                </a:solidFill>
+                <a:latin typeface="Arial" charset="0"/>
+              </a:defRPr>
+            </a:lvl9pPr>
+          </a:lstStyle>
+          <a:p>
+            <a:r>
+              <a:rPr lang="en-US" sz="1400" b="0" smtClean="0">
+                <a:solidFill>
+                  <a:srgbClr val="FFFFFF"/>
+                </a:solidFill>
+              </a:rPr>
+              <a:t>Teradyne Confidential and Proprietary</a:t>
+            </a:r>
+          </a:p>
+        </p:txBody>
+      </p:sp>
+    </p:spTree>
+    <p:extLst>
+      <p:ext uri="{BB962C8B-B14F-4D97-AF65-F5344CB8AC3E}">
+        <p14:creationId xmlns:p14="http://schemas.microsoft.com/office/powerpoint/2010/main" val="558808512"/>
+      </p:ext>
+    </p:extLst>
+  </p:cSld>
+  <p:clrMapOvr>
+    <a:masterClrMapping/>
+  </p:clrMapOvr>
+  <p:timing>
+    <p:tnLst>
+      <p:par>
+        <p:cTn id="1" dur="indefinite" restart="never" nodeType="tmRoot"/>
+      </p:par>
+    </p:tnLst>
+  </p:timing>
+</p:sld>
+</file>
+
 <file path=ppt/slides/slide6.xml><?xml version="1.0" encoding="utf-8"?>
 <p:sld xmlns:a="http://schemas.openxmlformats.org/drawingml/2006/main" xmlns:r="http://schemas.openxmlformats.org/officeDocument/2006/relationships" xmlns:p="http://schemas.openxmlformats.org/presentationml/2006/main">
   <p:cSld>
@@ -18874,195 +15116,449 @@
           <a:p>
             <a:r>
               <a:rPr lang="en-US" dirty="0" smtClean="0"/>
-              <a:t>Let’s Get Functional</a:t>
+              <a:t>Performance Comparison</a:t>
             </a:r>
           </a:p>
         </p:txBody>
       </p:sp>
-      <p:sp>
-        <p:nvSpPr>
-          <p:cNvPr id="6147" name="Content Placeholder 2"/>
-          <p:cNvSpPr>
-            <a:spLocks noGrp="1"/>
-          </p:cNvSpPr>
+      <p:graphicFrame>
+        <p:nvGraphicFramePr>
+          <p:cNvPr id="2" name="Content Placeholder 1"/>
+          <p:cNvGraphicFramePr>
+            <a:graphicFrameLocks noGrp="1"/>
+          </p:cNvGraphicFramePr>
           <p:nvPr>
             <p:ph idx="1"/>
+            <p:extLst>
+              <p:ext uri="{D42A27DB-BD31-4B8C-83A1-F6EECF244321}">
+                <p14:modId xmlns:p14="http://schemas.microsoft.com/office/powerpoint/2010/main" val="2637641611"/>
+              </p:ext>
+            </p:extLst>
           </p:nvPr>
-        </p:nvSpPr>
-        <p:spPr>
-          <a:xfrm>
-            <a:off x="0" y="1219200"/>
-            <a:ext cx="9144000" cy="4929188"/>
-          </a:xfrm>
-        </p:spPr>
-        <p:txBody>
-          <a:bodyPr/>
-          <a:lstStyle/>
-          <a:p>
-            <a:pPr marL="0" indent="0">
-              <a:buNone/>
-            </a:pPr>
-            <a:r>
-              <a:rPr lang="en-US" sz="3200" dirty="0"/>
-              <a:t>static </a:t>
-            </a:r>
-            <a:r>
-              <a:rPr lang="en-US" sz="3200" dirty="0" err="1"/>
-              <a:t>IEnumerable</a:t>
-            </a:r>
-            <a:r>
-              <a:rPr lang="en-US" sz="3200" dirty="0"/>
-              <a:t>&lt;</a:t>
-            </a:r>
-            <a:r>
-              <a:rPr lang="en-US" sz="3200" dirty="0" err="1"/>
-              <a:t>int</a:t>
-            </a:r>
-            <a:r>
-              <a:rPr lang="en-US" sz="3200" dirty="0"/>
-              <a:t>&gt; </a:t>
-            </a:r>
-            <a:r>
-              <a:rPr lang="en-US" sz="3200" dirty="0" err="1" smtClean="0"/>
-              <a:t>fibonacci</a:t>
-            </a:r>
-            <a:r>
-              <a:rPr lang="en-US" sz="3200" dirty="0" smtClean="0"/>
-              <a:t>() {</a:t>
-            </a:r>
-            <a:endParaRPr lang="en-US" sz="3200" dirty="0"/>
-          </a:p>
-          <a:p>
-            <a:pPr marL="0" indent="0">
-              <a:buNone/>
-            </a:pPr>
-            <a:r>
-              <a:rPr lang="en-US" sz="3200" dirty="0" smtClean="0"/>
-              <a:t>  </a:t>
-            </a:r>
-            <a:r>
-              <a:rPr lang="en-US" sz="3200" dirty="0" err="1" smtClean="0"/>
-              <a:t>int</a:t>
-            </a:r>
-            <a:r>
-              <a:rPr lang="en-US" sz="3200" dirty="0" smtClean="0"/>
-              <a:t> </a:t>
-            </a:r>
-            <a:r>
-              <a:rPr lang="en-US" sz="3200" dirty="0"/>
-              <a:t>a = </a:t>
-            </a:r>
-            <a:r>
-              <a:rPr lang="en-US" sz="3200" dirty="0" smtClean="0"/>
-              <a:t>1, b </a:t>
-            </a:r>
-            <a:r>
-              <a:rPr lang="en-US" sz="3200" dirty="0"/>
-              <a:t>= 2;</a:t>
-            </a:r>
-          </a:p>
-          <a:p>
-            <a:pPr marL="0" indent="0">
-              <a:buNone/>
-            </a:pPr>
-            <a:r>
-              <a:rPr lang="en-US" sz="3200" dirty="0"/>
-              <a:t>  </a:t>
-            </a:r>
-            <a:r>
-              <a:rPr lang="en-US" sz="3200" dirty="0" smtClean="0"/>
-              <a:t>while </a:t>
-            </a:r>
-            <a:r>
-              <a:rPr lang="en-US" sz="3200" smtClean="0"/>
-              <a:t>(true) </a:t>
-            </a:r>
-            <a:r>
-              <a:rPr lang="en-US" sz="3200" dirty="0" smtClean="0"/>
-              <a:t>{</a:t>
-            </a:r>
-            <a:endParaRPr lang="en-US" sz="3200" dirty="0"/>
-          </a:p>
-          <a:p>
-            <a:pPr marL="0" indent="0">
-              <a:buNone/>
-            </a:pPr>
-            <a:r>
-              <a:rPr lang="en-US" sz="3200" dirty="0"/>
-              <a:t>    </a:t>
-            </a:r>
-            <a:r>
-              <a:rPr lang="en-US" sz="3200" dirty="0" smtClean="0"/>
-              <a:t>yield </a:t>
-            </a:r>
-            <a:r>
-              <a:rPr lang="en-US" sz="3200" dirty="0"/>
-              <a:t>return a;</a:t>
-            </a:r>
-          </a:p>
-          <a:p>
-            <a:pPr marL="0" indent="0">
-              <a:buNone/>
-            </a:pPr>
-            <a:r>
-              <a:rPr lang="en-US" sz="3200" dirty="0"/>
-              <a:t>    </a:t>
-            </a:r>
-            <a:r>
-              <a:rPr lang="en-US" sz="3200" dirty="0" err="1" smtClean="0"/>
-              <a:t>var</a:t>
-            </a:r>
-            <a:r>
-              <a:rPr lang="en-US" sz="3200" dirty="0" smtClean="0"/>
-              <a:t> </a:t>
-            </a:r>
-            <a:r>
-              <a:rPr lang="en-US" sz="3200" dirty="0"/>
-              <a:t>sum = a + </a:t>
-            </a:r>
-            <a:r>
-              <a:rPr lang="en-US" sz="3200" dirty="0" smtClean="0"/>
-              <a:t>b; a </a:t>
-            </a:r>
-            <a:r>
-              <a:rPr lang="en-US" sz="3200" dirty="0"/>
-              <a:t>= </a:t>
-            </a:r>
-            <a:r>
-              <a:rPr lang="en-US" sz="3200" dirty="0" smtClean="0"/>
-              <a:t>b; b </a:t>
-            </a:r>
-            <a:r>
-              <a:rPr lang="en-US" sz="3200" dirty="0"/>
-              <a:t>= sum;</a:t>
-            </a:r>
-          </a:p>
-          <a:p>
-            <a:pPr marL="0" indent="0">
-              <a:buNone/>
-            </a:pPr>
-            <a:r>
-              <a:rPr lang="en-US" sz="3200" dirty="0"/>
-              <a:t>  </a:t>
-            </a:r>
-            <a:r>
-              <a:rPr lang="en-US" sz="3200" dirty="0" smtClean="0"/>
-              <a:t>}</a:t>
-            </a:r>
-            <a:endParaRPr lang="en-US" sz="3200" dirty="0"/>
-          </a:p>
-          <a:p>
-            <a:pPr marL="0" indent="0">
-              <a:buNone/>
-            </a:pPr>
-            <a:r>
-              <a:rPr lang="en-US" sz="3200" dirty="0" smtClean="0"/>
-              <a:t>}</a:t>
-            </a:r>
-            <a:endParaRPr lang="en-US" sz="3200" dirty="0"/>
-          </a:p>
-        </p:txBody>
-      </p:sp>
+        </p:nvGraphicFramePr>
+        <p:xfrm>
+          <a:off x="685800" y="1219200"/>
+          <a:ext cx="7773138" cy="1112520"/>
+        </p:xfrm>
+        <a:graphic>
+          <a:graphicData uri="http://schemas.openxmlformats.org/drawingml/2006/table">
+            <a:tbl>
+              <a:tblPr firstRow="1" bandRow="1">
+                <a:tableStyleId>{5C22544A-7EE6-4342-B048-85BDC9FD1C3A}</a:tableStyleId>
+              </a:tblPr>
+              <a:tblGrid>
+                <a:gridCol w="3886569"/>
+                <a:gridCol w="3886569"/>
+              </a:tblGrid>
+              <a:tr h="370840">
+                <a:tc>
+                  <a:txBody>
+                    <a:bodyPr/>
+                    <a:lstStyle/>
+                    <a:p>
+                      <a:r>
+                        <a:rPr lang="en-US" dirty="0" smtClean="0">
+                          <a:ln>
+                            <a:noFill/>
+                          </a:ln>
+                          <a:solidFill>
+                            <a:srgbClr val="FFFF00"/>
+                          </a:solidFill>
+                        </a:rPr>
+                        <a:t>Time (us)</a:t>
+                      </a:r>
+                      <a:endParaRPr lang="en-US" dirty="0">
+                        <a:ln>
+                          <a:noFill/>
+                        </a:ln>
+                        <a:solidFill>
+                          <a:srgbClr val="FFFF00"/>
+                        </a:solidFill>
+                      </a:endParaRPr>
+                    </a:p>
+                  </a:txBody>
+                  <a:tcPr marL="116313" marR="116313">
+                    <a:lnL w="12700" cap="flat" cmpd="sng" algn="ctr">
+                      <a:solidFill>
+                        <a:srgbClr val="FFFF00"/>
+                      </a:solidFill>
+                      <a:prstDash val="solid"/>
+                      <a:round/>
+                      <a:headEnd type="none" w="med" len="med"/>
+                      <a:tailEnd type="none" w="med" len="med"/>
+                    </a:lnL>
+                    <a:lnR w="12700" cap="flat" cmpd="sng" algn="ctr">
+                      <a:solidFill>
+                        <a:srgbClr val="FFFF00"/>
+                      </a:solidFill>
+                      <a:prstDash val="solid"/>
+                      <a:round/>
+                      <a:headEnd type="none" w="med" len="med"/>
+                      <a:tailEnd type="none" w="med" len="med"/>
+                    </a:lnR>
+                    <a:lnT w="12700" cap="flat" cmpd="sng" algn="ctr">
+                      <a:solidFill>
+                        <a:srgbClr val="FFFF00"/>
+                      </a:solidFill>
+                      <a:prstDash val="solid"/>
+                      <a:round/>
+                      <a:headEnd type="none" w="med" len="med"/>
+                      <a:tailEnd type="none" w="med" len="med"/>
+                    </a:lnT>
+                    <a:lnB w="12700" cap="flat" cmpd="sng" algn="ctr">
+                      <a:solidFill>
+                        <a:srgbClr val="FFFF00"/>
+                      </a:solidFill>
+                      <a:prstDash val="solid"/>
+                      <a:round/>
+                      <a:headEnd type="none" w="med" len="med"/>
+                      <a:tailEnd type="none" w="med" len="med"/>
+                    </a:lnB>
+                    <a:noFill/>
+                  </a:tcPr>
+                </a:tc>
+                <a:tc>
+                  <a:txBody>
+                    <a:bodyPr/>
+                    <a:lstStyle/>
+                    <a:p>
+                      <a:pPr algn="r"/>
+                      <a:r>
+                        <a:rPr lang="en-US" dirty="0" smtClean="0">
+                          <a:ln>
+                            <a:noFill/>
+                          </a:ln>
+                          <a:solidFill>
+                            <a:srgbClr val="FFFF00"/>
+                          </a:solidFill>
+                        </a:rPr>
+                        <a:t>C#</a:t>
+                      </a:r>
+                      <a:endParaRPr lang="en-US" dirty="0">
+                        <a:ln>
+                          <a:noFill/>
+                        </a:ln>
+                        <a:solidFill>
+                          <a:srgbClr val="FFFF00"/>
+                        </a:solidFill>
+                      </a:endParaRPr>
+                    </a:p>
+                  </a:txBody>
+                  <a:tcPr marL="116313" marR="116313">
+                    <a:lnL w="12700" cap="flat" cmpd="sng" algn="ctr">
+                      <a:solidFill>
+                        <a:srgbClr val="FFFF00"/>
+                      </a:solidFill>
+                      <a:prstDash val="solid"/>
+                      <a:round/>
+                      <a:headEnd type="none" w="med" len="med"/>
+                      <a:tailEnd type="none" w="med" len="med"/>
+                    </a:lnL>
+                    <a:lnR w="12700" cap="flat" cmpd="sng" algn="ctr">
+                      <a:solidFill>
+                        <a:srgbClr val="FFFF00"/>
+                      </a:solidFill>
+                      <a:prstDash val="solid"/>
+                      <a:round/>
+                      <a:headEnd type="none" w="med" len="med"/>
+                      <a:tailEnd type="none" w="med" len="med"/>
+                    </a:lnR>
+                    <a:lnT w="12700" cap="flat" cmpd="sng" algn="ctr">
+                      <a:solidFill>
+                        <a:srgbClr val="FFFF00"/>
+                      </a:solidFill>
+                      <a:prstDash val="solid"/>
+                      <a:round/>
+                      <a:headEnd type="none" w="med" len="med"/>
+                      <a:tailEnd type="none" w="med" len="med"/>
+                    </a:lnT>
+                    <a:lnB w="12700" cap="flat" cmpd="sng" algn="ctr">
+                      <a:solidFill>
+                        <a:srgbClr val="FFFF00"/>
+                      </a:solidFill>
+                      <a:prstDash val="solid"/>
+                      <a:round/>
+                      <a:headEnd type="none" w="med" len="med"/>
+                      <a:tailEnd type="none" w="med" len="med"/>
+                    </a:lnB>
+                    <a:noFill/>
+                  </a:tcPr>
+                </a:tc>
+              </a:tr>
+              <a:tr h="370840">
+                <a:tc>
+                  <a:txBody>
+                    <a:bodyPr/>
+                    <a:lstStyle/>
+                    <a:p>
+                      <a:r>
+                        <a:rPr lang="en-US" dirty="0" err="1" smtClean="0">
+                          <a:ln>
+                            <a:noFill/>
+                          </a:ln>
+                          <a:solidFill>
+                            <a:srgbClr val="FFFF00"/>
+                          </a:solidFill>
+                        </a:rPr>
+                        <a:t>filterImperative</a:t>
+                      </a:r>
+                      <a:endParaRPr lang="en-US" dirty="0">
+                        <a:ln>
+                          <a:noFill/>
+                        </a:ln>
+                        <a:solidFill>
+                          <a:srgbClr val="FFFF00"/>
+                        </a:solidFill>
+                      </a:endParaRPr>
+                    </a:p>
+                  </a:txBody>
+                  <a:tcPr marL="116313" marR="116313">
+                    <a:lnL w="12700" cap="flat" cmpd="sng" algn="ctr">
+                      <a:solidFill>
+                        <a:srgbClr val="FFFF00"/>
+                      </a:solidFill>
+                      <a:prstDash val="solid"/>
+                      <a:round/>
+                      <a:headEnd type="none" w="med" len="med"/>
+                      <a:tailEnd type="none" w="med" len="med"/>
+                    </a:lnL>
+                    <a:lnR w="12700" cap="flat" cmpd="sng" algn="ctr">
+                      <a:solidFill>
+                        <a:srgbClr val="FFFF00"/>
+                      </a:solidFill>
+                      <a:prstDash val="solid"/>
+                      <a:round/>
+                      <a:headEnd type="none" w="med" len="med"/>
+                      <a:tailEnd type="none" w="med" len="med"/>
+                    </a:lnR>
+                    <a:lnT w="12700" cap="flat" cmpd="sng" algn="ctr">
+                      <a:solidFill>
+                        <a:srgbClr val="FFFF00"/>
+                      </a:solidFill>
+                      <a:prstDash val="solid"/>
+                      <a:round/>
+                      <a:headEnd type="none" w="med" len="med"/>
+                      <a:tailEnd type="none" w="med" len="med"/>
+                    </a:lnT>
+                    <a:lnB w="12700" cap="flat" cmpd="sng" algn="ctr">
+                      <a:solidFill>
+                        <a:srgbClr val="FFFF00"/>
+                      </a:solidFill>
+                      <a:prstDash val="solid"/>
+                      <a:round/>
+                      <a:headEnd type="none" w="med" len="med"/>
+                      <a:tailEnd type="none" w="med" len="med"/>
+                    </a:lnB>
+                    <a:noFill/>
+                  </a:tcPr>
+                </a:tc>
+                <a:tc>
+                  <a:txBody>
+                    <a:bodyPr/>
+                    <a:lstStyle/>
+                    <a:p>
+                      <a:pPr algn="r"/>
+                      <a:r>
+                        <a:rPr lang="en-US" dirty="0" smtClean="0">
+                          <a:ln>
+                            <a:noFill/>
+                          </a:ln>
+                          <a:solidFill>
+                            <a:srgbClr val="FFFF00"/>
+                          </a:solidFill>
+                        </a:rPr>
+                        <a:t>0.050</a:t>
+                      </a:r>
+                      <a:endParaRPr lang="en-US" dirty="0">
+                        <a:ln>
+                          <a:noFill/>
+                        </a:ln>
+                        <a:solidFill>
+                          <a:srgbClr val="FFFF00"/>
+                        </a:solidFill>
+                      </a:endParaRPr>
+                    </a:p>
+                  </a:txBody>
+                  <a:tcPr marL="116313" marR="116313">
+                    <a:lnL w="12700" cap="flat" cmpd="sng" algn="ctr">
+                      <a:solidFill>
+                        <a:srgbClr val="FFFF00"/>
+                      </a:solidFill>
+                      <a:prstDash val="solid"/>
+                      <a:round/>
+                      <a:headEnd type="none" w="med" len="med"/>
+                      <a:tailEnd type="none" w="med" len="med"/>
+                    </a:lnL>
+                    <a:lnR w="12700" cap="flat" cmpd="sng" algn="ctr">
+                      <a:solidFill>
+                        <a:srgbClr val="FFFF00"/>
+                      </a:solidFill>
+                      <a:prstDash val="solid"/>
+                      <a:round/>
+                      <a:headEnd type="none" w="med" len="med"/>
+                      <a:tailEnd type="none" w="med" len="med"/>
+                    </a:lnR>
+                    <a:lnT w="12700" cap="flat" cmpd="sng" algn="ctr">
+                      <a:solidFill>
+                        <a:srgbClr val="FFFF00"/>
+                      </a:solidFill>
+                      <a:prstDash val="solid"/>
+                      <a:round/>
+                      <a:headEnd type="none" w="med" len="med"/>
+                      <a:tailEnd type="none" w="med" len="med"/>
+                    </a:lnT>
+                    <a:lnB w="12700" cap="flat" cmpd="sng" algn="ctr">
+                      <a:solidFill>
+                        <a:srgbClr val="FFFF00"/>
+                      </a:solidFill>
+                      <a:prstDash val="solid"/>
+                      <a:round/>
+                      <a:headEnd type="none" w="med" len="med"/>
+                      <a:tailEnd type="none" w="med" len="med"/>
+                    </a:lnB>
+                    <a:noFill/>
+                  </a:tcPr>
+                </a:tc>
+              </a:tr>
+              <a:tr h="370840">
+                <a:tc>
+                  <a:txBody>
+                    <a:bodyPr/>
+                    <a:lstStyle/>
+                    <a:p>
+                      <a:r>
+                        <a:rPr lang="en-US" dirty="0" err="1" smtClean="0">
+                          <a:ln>
+                            <a:noFill/>
+                          </a:ln>
+                          <a:solidFill>
+                            <a:srgbClr val="FFFF00"/>
+                          </a:solidFill>
+                        </a:rPr>
+                        <a:t>filterFunctional</a:t>
+                      </a:r>
+                      <a:endParaRPr lang="en-US" dirty="0">
+                        <a:ln>
+                          <a:noFill/>
+                        </a:ln>
+                        <a:solidFill>
+                          <a:srgbClr val="FFFF00"/>
+                        </a:solidFill>
+                      </a:endParaRPr>
+                    </a:p>
+                  </a:txBody>
+                  <a:tcPr marL="116313" marR="116313">
+                    <a:lnL w="12700" cap="flat" cmpd="sng" algn="ctr">
+                      <a:solidFill>
+                        <a:srgbClr val="FFFF00"/>
+                      </a:solidFill>
+                      <a:prstDash val="solid"/>
+                      <a:round/>
+                      <a:headEnd type="none" w="med" len="med"/>
+                      <a:tailEnd type="none" w="med" len="med"/>
+                    </a:lnL>
+                    <a:lnR w="12700" cap="flat" cmpd="sng" algn="ctr">
+                      <a:solidFill>
+                        <a:srgbClr val="FFFF00"/>
+                      </a:solidFill>
+                      <a:prstDash val="solid"/>
+                      <a:round/>
+                      <a:headEnd type="none" w="med" len="med"/>
+                      <a:tailEnd type="none" w="med" len="med"/>
+                    </a:lnR>
+                    <a:lnT w="12700" cap="flat" cmpd="sng" algn="ctr">
+                      <a:solidFill>
+                        <a:srgbClr val="FFFF00"/>
+                      </a:solidFill>
+                      <a:prstDash val="solid"/>
+                      <a:round/>
+                      <a:headEnd type="none" w="med" len="med"/>
+                      <a:tailEnd type="none" w="med" len="med"/>
+                    </a:lnT>
+                    <a:lnB w="12700" cap="flat" cmpd="sng" algn="ctr">
+                      <a:solidFill>
+                        <a:srgbClr val="FFFF00"/>
+                      </a:solidFill>
+                      <a:prstDash val="solid"/>
+                      <a:round/>
+                      <a:headEnd type="none" w="med" len="med"/>
+                      <a:tailEnd type="none" w="med" len="med"/>
+                    </a:lnB>
+                    <a:noFill/>
+                  </a:tcPr>
+                </a:tc>
+                <a:tc>
+                  <a:txBody>
+                    <a:bodyPr/>
+                    <a:lstStyle/>
+                    <a:p>
+                      <a:pPr algn="r"/>
+                      <a:r>
+                        <a:rPr lang="en-US" dirty="0" smtClean="0">
+                          <a:ln>
+                            <a:noFill/>
+                          </a:ln>
+                          <a:solidFill>
+                            <a:srgbClr val="FFFF00"/>
+                          </a:solidFill>
+                        </a:rPr>
+                        <a:t>0.72</a:t>
+                      </a:r>
+                      <a:endParaRPr lang="en-US" dirty="0">
+                        <a:ln>
+                          <a:noFill/>
+                        </a:ln>
+                        <a:solidFill>
+                          <a:srgbClr val="FFFF00"/>
+                        </a:solidFill>
+                      </a:endParaRPr>
+                    </a:p>
+                  </a:txBody>
+                  <a:tcPr marL="116313" marR="116313">
+                    <a:lnL w="12700" cap="flat" cmpd="sng" algn="ctr">
+                      <a:solidFill>
+                        <a:srgbClr val="FFFF00"/>
+                      </a:solidFill>
+                      <a:prstDash val="solid"/>
+                      <a:round/>
+                      <a:headEnd type="none" w="med" len="med"/>
+                      <a:tailEnd type="none" w="med" len="med"/>
+                    </a:lnL>
+                    <a:lnR w="12700" cap="flat" cmpd="sng" algn="ctr">
+                      <a:solidFill>
+                        <a:srgbClr val="FFFF00"/>
+                      </a:solidFill>
+                      <a:prstDash val="solid"/>
+                      <a:round/>
+                      <a:headEnd type="none" w="med" len="med"/>
+                      <a:tailEnd type="none" w="med" len="med"/>
+                    </a:lnR>
+                    <a:lnT w="12700" cap="flat" cmpd="sng" algn="ctr">
+                      <a:solidFill>
+                        <a:srgbClr val="FFFF00"/>
+                      </a:solidFill>
+                      <a:prstDash val="solid"/>
+                      <a:round/>
+                      <a:headEnd type="none" w="med" len="med"/>
+                      <a:tailEnd type="none" w="med" len="med"/>
+                    </a:lnT>
+                    <a:lnB w="12700" cap="flat" cmpd="sng" algn="ctr">
+                      <a:solidFill>
+                        <a:srgbClr val="FFFF00"/>
+                      </a:solidFill>
+                      <a:prstDash val="solid"/>
+                      <a:round/>
+                      <a:headEnd type="none" w="med" len="med"/>
+                      <a:tailEnd type="none" w="med" len="med"/>
+                    </a:lnB>
+                    <a:noFill/>
+                  </a:tcPr>
+                </a:tc>
+              </a:tr>
+            </a:tbl>
+          </a:graphicData>
+        </a:graphic>
+      </p:graphicFrame>
       <p:sp>
         <p:nvSpPr>
           <p:cNvPr id="6148" name="Footer Placeholder 3"/>
@@ -19208,10 +15704,52 @@
           </a:p>
         </p:txBody>
       </p:sp>
+      <p:sp>
+        <p:nvSpPr>
+          <p:cNvPr id="3" name="TextBox 2"/>
+          <p:cNvSpPr txBox="1"/>
+          <p:nvPr/>
+        </p:nvSpPr>
+        <p:spPr>
+          <a:xfrm>
+            <a:off x="680224" y="2732049"/>
+            <a:ext cx="7861610" cy="1384995"/>
+          </a:xfrm>
+          <a:prstGeom prst="rect">
+            <a:avLst/>
+          </a:prstGeom>
+          <a:noFill/>
+        </p:spPr>
+        <p:txBody>
+          <a:bodyPr wrap="square" rtlCol="0">
+            <a:spAutoFit/>
+          </a:bodyPr>
+          <a:lstStyle/>
+          <a:p>
+            <a:pPr marL="457200" indent="-457200">
+              <a:buFont typeface="Arial" pitchFamily="34" charset="0"/>
+              <a:buChar char="•"/>
+            </a:pPr>
+            <a:r>
+              <a:rPr lang="en-US" b="0" dirty="0" smtClean="0">
+                <a:solidFill>
+                  <a:srgbClr val="FFFF00"/>
+                </a:solidFill>
+              </a:rPr>
+              <a:t>The functional version is more than an order of magnitude slower than the imperative version.</a:t>
+            </a:r>
+            <a:endParaRPr lang="en-US" b="0" dirty="0" smtClean="0">
+              <a:solidFill>
+                <a:srgbClr val="FFFF00"/>
+              </a:solidFill>
+            </a:endParaRPr>
+          </a:p>
+        </p:txBody>
+      </p:sp>
     </p:spTree>
     <p:extLst>
       <p:ext uri="{BB962C8B-B14F-4D97-AF65-F5344CB8AC3E}">
-        <p14:creationId xmlns:p14="http://schemas.microsoft.com/office/powerpoint/2010/main" val="852521507"/>
+        <p14:creationId xmlns:p14="http://schemas.microsoft.com/office/powerpoint/2010/main" val="129329548"/>
       </p:ext>
     </p:extLst>
   </p:cSld>
@@ -19262,7 +15800,7 @@
           <a:p>
             <a:r>
               <a:rPr lang="en-US" dirty="0" smtClean="0"/>
-              <a:t>Let’s Get Functional</a:t>
+              <a:t>Imperative C++</a:t>
             </a:r>
           </a:p>
         </p:txBody>
@@ -19279,8 +15817,8 @@
         </p:nvSpPr>
         <p:spPr>
           <a:xfrm>
-            <a:off x="0" y="1219200"/>
-            <a:ext cx="9144000" cy="4929188"/>
+            <a:off x="0" y="1341864"/>
+            <a:ext cx="9144000" cy="5215054"/>
           </a:xfrm>
         </p:spPr>
         <p:txBody>
@@ -19291,32 +15829,72 @@
               <a:buNone/>
             </a:pPr>
             <a:r>
-              <a:rPr lang="en-US" sz="3200" dirty="0"/>
-              <a:t>static </a:t>
-            </a:r>
-            <a:r>
-              <a:rPr lang="en-US" sz="3200" dirty="0" err="1"/>
-              <a:t>bool</a:t>
-            </a:r>
-            <a:r>
-              <a:rPr lang="en-US" sz="3200" dirty="0"/>
+              <a:rPr lang="en-US" sz="2400" dirty="0" err="1"/>
+              <a:t>std</a:t>
+            </a:r>
+            <a:r>
+              <a:rPr lang="en-US" sz="2400" dirty="0"/>
+              <a:t>::tuple&lt;</a:t>
+            </a:r>
+            <a:r>
+              <a:rPr lang="en-US" sz="2400" dirty="0" err="1"/>
+              <a:t>int</a:t>
+            </a:r>
+            <a:r>
+              <a:rPr lang="en-US" sz="2400" dirty="0"/>
+              <a:t>, </a:t>
+            </a:r>
+            <a:r>
+              <a:rPr lang="en-US" sz="2400" dirty="0" err="1"/>
+              <a:t>int</a:t>
+            </a:r>
+            <a:r>
+              <a:rPr lang="en-US" sz="2400" dirty="0"/>
+              <a:t>&gt; </a:t>
+            </a:r>
+            <a:r>
+              <a:rPr lang="en-US" sz="2400" dirty="0" err="1"/>
+              <a:t>nextFibonacci</a:t>
+            </a:r>
+            <a:r>
+              <a:rPr lang="en-US" sz="2400" dirty="0"/>
+              <a:t>(</a:t>
+            </a:r>
+            <a:r>
+              <a:rPr lang="en-US" sz="2400" dirty="0" err="1"/>
+              <a:t>int</a:t>
+            </a:r>
+            <a:r>
+              <a:rPr lang="en-US" sz="2400" dirty="0"/>
               <a:t> </a:t>
             </a:r>
             <a:r>
-              <a:rPr lang="en-US" sz="3200" dirty="0" err="1"/>
-              <a:t>isEven</a:t>
-            </a:r>
-            <a:r>
-              <a:rPr lang="en-US" sz="3200" dirty="0"/>
-              <a:t>(</a:t>
-            </a:r>
-            <a:r>
-              <a:rPr lang="en-US" sz="3200" dirty="0" err="1"/>
+              <a:rPr lang="en-US" sz="2400" dirty="0" err="1"/>
+              <a:t>const</a:t>
+            </a:r>
+            <a:r>
+              <a:rPr lang="en-US" sz="2400" dirty="0"/>
+              <a:t> a, </a:t>
+            </a:r>
+            <a:r>
+              <a:rPr lang="en-US" sz="2400" dirty="0" err="1"/>
               <a:t>int</a:t>
             </a:r>
             <a:r>
-              <a:rPr lang="en-US" sz="3200" dirty="0"/>
-              <a:t> x) { return x % 2 == 0; }</a:t>
+              <a:rPr lang="en-US" sz="2400" dirty="0"/>
+              <a:t> </a:t>
+            </a:r>
+            <a:r>
+              <a:rPr lang="en-US" sz="2400" dirty="0" err="1"/>
+              <a:t>const</a:t>
+            </a:r>
+            <a:r>
+              <a:rPr lang="en-US" sz="2400" dirty="0"/>
+              <a:t> b) </a:t>
+            </a:r>
+            <a:r>
+              <a:rPr lang="en-US" sz="2400" dirty="0" smtClean="0"/>
+              <a:t>{</a:t>
             </a:r>
           </a:p>
           <a:p>
@@ -19324,95 +15902,215 @@
               <a:buNone/>
             </a:pPr>
             <a:r>
-              <a:rPr lang="en-US" sz="3200" dirty="0" smtClean="0"/>
-              <a:t>static </a:t>
-            </a:r>
-            <a:r>
-              <a:rPr lang="en-US" sz="3200" dirty="0" err="1"/>
-              <a:t>int</a:t>
-            </a:r>
-            <a:r>
-              <a:rPr lang="en-US" sz="3200" dirty="0"/>
-              <a:t> </a:t>
-            </a:r>
-            <a:r>
-              <a:rPr lang="en-US" sz="3200" dirty="0" err="1"/>
-              <a:t>filterFunctional</a:t>
-            </a:r>
-            <a:r>
-              <a:rPr lang="en-US" sz="3200" dirty="0"/>
-              <a:t>(</a:t>
-            </a:r>
-            <a:r>
-              <a:rPr lang="en-US" sz="3200" dirty="0" err="1"/>
-              <a:t>int</a:t>
-            </a:r>
-            <a:r>
-              <a:rPr lang="en-US" sz="3200" dirty="0"/>
-              <a:t> limit</a:t>
-            </a:r>
-            <a:r>
-              <a:rPr lang="en-US" sz="3200" dirty="0" smtClean="0"/>
-              <a:t>) {</a:t>
-            </a:r>
-            <a:endParaRPr lang="en-US" sz="3200" dirty="0"/>
+              <a:rPr lang="en-US" sz="2400" dirty="0" smtClean="0"/>
+              <a:t>  return </a:t>
+            </a:r>
+            <a:r>
+              <a:rPr lang="en-US" sz="2400" dirty="0" err="1"/>
+              <a:t>std</a:t>
+            </a:r>
+            <a:r>
+              <a:rPr lang="en-US" sz="2400" dirty="0"/>
+              <a:t>::</a:t>
+            </a:r>
+            <a:r>
+              <a:rPr lang="en-US" sz="2400" dirty="0" err="1"/>
+              <a:t>make_tuple</a:t>
+            </a:r>
+            <a:r>
+              <a:rPr lang="en-US" sz="2400" dirty="0"/>
+              <a:t>(b, a + b); </a:t>
+            </a:r>
+            <a:r>
+              <a:rPr lang="en-US" sz="2400" dirty="0" smtClean="0"/>
+              <a:t>}</a:t>
+            </a:r>
           </a:p>
           <a:p>
             <a:pPr marL="0" indent="0">
               <a:buNone/>
             </a:pPr>
             <a:r>
-              <a:rPr lang="en-US" sz="3200" dirty="0" smtClean="0"/>
-              <a:t>  </a:t>
-            </a:r>
-            <a:r>
-              <a:rPr lang="en-US" sz="3200" dirty="0"/>
-              <a:t>return </a:t>
-            </a:r>
-            <a:r>
-              <a:rPr lang="en-US" sz="3200" dirty="0" err="1"/>
-              <a:t>fibonacci</a:t>
-            </a:r>
-            <a:r>
-              <a:rPr lang="en-US" sz="3200" dirty="0"/>
-              <a:t>(limit).Where(</a:t>
-            </a:r>
-            <a:r>
-              <a:rPr lang="en-US" sz="3200" dirty="0" err="1"/>
-              <a:t>isEven</a:t>
-            </a:r>
-            <a:r>
-              <a:rPr lang="en-US" sz="3200" dirty="0"/>
-              <a:t>).Sum();</a:t>
-            </a:r>
+              <a:rPr lang="en-US" sz="2400" dirty="0" err="1"/>
+              <a:t>struct</a:t>
+            </a:r>
+            <a:r>
+              <a:rPr lang="en-US" sz="2400" dirty="0"/>
+              <a:t> </a:t>
+            </a:r>
+            <a:r>
+              <a:rPr lang="en-US" sz="2400" dirty="0" err="1"/>
+              <a:t>IsEven</a:t>
+            </a:r>
+            <a:r>
+              <a:rPr lang="en-US" sz="2400" dirty="0"/>
+              <a:t> </a:t>
+            </a:r>
+            <a:r>
+              <a:rPr lang="en-US" sz="2400" dirty="0" smtClean="0"/>
+              <a:t>{ </a:t>
+            </a:r>
+            <a:r>
+              <a:rPr lang="en-US" sz="2400" dirty="0" err="1"/>
+              <a:t>bool</a:t>
+            </a:r>
+            <a:r>
+              <a:rPr lang="en-US" sz="2400" dirty="0"/>
+              <a:t> operator()(</a:t>
+            </a:r>
+            <a:r>
+              <a:rPr lang="en-US" sz="2400" dirty="0" err="1"/>
+              <a:t>int</a:t>
+            </a:r>
+            <a:r>
+              <a:rPr lang="en-US" sz="2400" dirty="0"/>
+              <a:t> </a:t>
+            </a:r>
+            <a:r>
+              <a:rPr lang="en-US" sz="2400" dirty="0" err="1"/>
+              <a:t>const</a:t>
+            </a:r>
+            <a:r>
+              <a:rPr lang="en-US" sz="2400" dirty="0"/>
+              <a:t> x) { return !(x &amp; 1); </a:t>
+            </a:r>
+            <a:r>
+              <a:rPr lang="en-US" sz="2400" dirty="0" smtClean="0"/>
+              <a:t>} };</a:t>
+            </a:r>
+            <a:endParaRPr lang="en-US" sz="2400" dirty="0"/>
           </a:p>
           <a:p>
             <a:pPr marL="0" indent="0">
               <a:buNone/>
             </a:pPr>
             <a:r>
-              <a:rPr lang="en-US" sz="3200" dirty="0" smtClean="0"/>
-              <a:t>}</a:t>
-            </a:r>
-          </a:p>
-          <a:p>
-            <a:r>
-              <a:rPr lang="en-US" sz="3200" dirty="0" smtClean="0"/>
-              <a:t>Functional style allows us to separate concerns</a:t>
-            </a:r>
-          </a:p>
-          <a:p>
-            <a:r>
-              <a:rPr lang="en-US" sz="3200" dirty="0" smtClean="0"/>
-              <a:t>Each building block does exactly one thing</a:t>
-            </a:r>
-          </a:p>
-          <a:p>
-            <a:r>
-              <a:rPr lang="en-US" sz="3200" dirty="0" smtClean="0"/>
-              <a:t>Compose blocks into a larger structure</a:t>
-            </a:r>
-            <a:endParaRPr lang="en-US" sz="3200" dirty="0"/>
+              <a:rPr lang="en-US" sz="2400" dirty="0" smtClean="0"/>
+              <a:t>static </a:t>
+            </a:r>
+            <a:r>
+              <a:rPr lang="en-US" sz="2400" dirty="0" err="1"/>
+              <a:t>int</a:t>
+            </a:r>
+            <a:r>
+              <a:rPr lang="en-US" sz="2400" dirty="0"/>
+              <a:t> </a:t>
+            </a:r>
+            <a:r>
+              <a:rPr lang="en-US" sz="2400" dirty="0" err="1"/>
+              <a:t>filterImperative</a:t>
+            </a:r>
+            <a:r>
+              <a:rPr lang="en-US" sz="2400" dirty="0"/>
+              <a:t>(</a:t>
+            </a:r>
+            <a:r>
+              <a:rPr lang="en-US" sz="2400" dirty="0" err="1"/>
+              <a:t>int</a:t>
+            </a:r>
+            <a:r>
+              <a:rPr lang="en-US" sz="2400" dirty="0"/>
+              <a:t> limit) {</a:t>
+            </a:r>
+          </a:p>
+          <a:p>
+            <a:pPr marL="0" indent="0">
+              <a:buNone/>
+            </a:pPr>
+            <a:r>
+              <a:rPr lang="en-US" sz="2400" dirty="0"/>
+              <a:t>    auto sum = 0;</a:t>
+            </a:r>
+          </a:p>
+          <a:p>
+            <a:pPr marL="0" indent="0">
+              <a:buNone/>
+            </a:pPr>
+            <a:r>
+              <a:rPr lang="en-US" sz="2400" dirty="0"/>
+              <a:t>    for(auto a = 1, b = 2; a &lt; limit</a:t>
+            </a:r>
+            <a:r>
+              <a:rPr lang="en-US" sz="2400" dirty="0" smtClean="0"/>
+              <a:t>;</a:t>
+            </a:r>
+          </a:p>
+          <a:p>
+            <a:pPr marL="0" indent="0">
+              <a:buNone/>
+            </a:pPr>
+            <a:r>
+              <a:rPr lang="en-US" sz="2400" dirty="0"/>
+              <a:t> </a:t>
+            </a:r>
+            <a:r>
+              <a:rPr lang="en-US" sz="2400" dirty="0" smtClean="0"/>
+              <a:t>        </a:t>
+            </a:r>
+            <a:r>
+              <a:rPr lang="en-US" sz="2400" dirty="0" err="1" smtClean="0"/>
+              <a:t>std</a:t>
+            </a:r>
+            <a:r>
+              <a:rPr lang="en-US" sz="2400" dirty="0"/>
+              <a:t>::tie(a, b) = </a:t>
+            </a:r>
+            <a:r>
+              <a:rPr lang="en-US" sz="2400" dirty="0" err="1"/>
+              <a:t>nextFibonacci</a:t>
+            </a:r>
+            <a:r>
+              <a:rPr lang="en-US" sz="2400" dirty="0"/>
+              <a:t>(a, b))</a:t>
+            </a:r>
+          </a:p>
+          <a:p>
+            <a:pPr marL="0" indent="0">
+              <a:buNone/>
+            </a:pPr>
+            <a:r>
+              <a:rPr lang="en-US" sz="2400" dirty="0"/>
+              <a:t>        if </a:t>
+            </a:r>
+            <a:r>
+              <a:rPr lang="en-US" sz="2400" dirty="0" smtClean="0"/>
+              <a:t>(</a:t>
+            </a:r>
+            <a:r>
+              <a:rPr lang="en-US" sz="2400" dirty="0" err="1" smtClean="0"/>
+              <a:t>IsEven</a:t>
+            </a:r>
+            <a:r>
+              <a:rPr lang="en-US" sz="2400" dirty="0" smtClean="0"/>
+              <a:t>()(a</a:t>
+            </a:r>
+            <a:r>
+              <a:rPr lang="en-US" sz="2400" dirty="0"/>
+              <a:t>))</a:t>
+            </a:r>
+          </a:p>
+          <a:p>
+            <a:pPr marL="0" indent="0">
+              <a:buNone/>
+            </a:pPr>
+            <a:r>
+              <a:rPr lang="en-US" sz="2400" dirty="0"/>
+              <a:t>            sum += a;</a:t>
+            </a:r>
+          </a:p>
+          <a:p>
+            <a:pPr marL="0" indent="0">
+              <a:buNone/>
+            </a:pPr>
+            <a:r>
+              <a:rPr lang="en-US" sz="2400" dirty="0"/>
+              <a:t>    return sum</a:t>
+            </a:r>
+            <a:r>
+              <a:rPr lang="en-US" sz="2400" dirty="0" smtClean="0"/>
+              <a:t>; }</a:t>
+            </a:r>
+            <a:endParaRPr lang="en-US" sz="2400" dirty="0"/>
           </a:p>
         </p:txBody>
       </p:sp>
@@ -19564,7 +16262,7 @@
     </p:spTree>
     <p:extLst>
       <p:ext uri="{BB962C8B-B14F-4D97-AF65-F5344CB8AC3E}">
-        <p14:creationId xmlns:p14="http://schemas.microsoft.com/office/powerpoint/2010/main" val="558808512"/>
+        <p14:creationId xmlns:p14="http://schemas.microsoft.com/office/powerpoint/2010/main" val="500229843"/>
       </p:ext>
     </p:extLst>
   </p:cSld>
@@ -19615,7 +16313,7 @@
           <a:p>
             <a:r>
               <a:rPr lang="en-US" dirty="0" smtClean="0"/>
-              <a:t>Functional C# with LINQ</a:t>
+              <a:t>Functional C++</a:t>
             </a:r>
           </a:p>
         </p:txBody>
@@ -19632,117 +16330,338 @@
         </p:nvSpPr>
         <p:spPr>
           <a:xfrm>
-            <a:off x="0" y="1219200"/>
-            <a:ext cx="9144000" cy="4929188"/>
+            <a:off x="0" y="1085385"/>
+            <a:ext cx="9144000" cy="5215054"/>
           </a:xfrm>
         </p:spPr>
         <p:txBody>
           <a:bodyPr/>
           <a:lstStyle/>
           <a:p>
-            <a:r>
-              <a:rPr lang="en-US" sz="2400" dirty="0" smtClean="0"/>
-              <a:t>LINQ functions produce and consume sequences of values.</a:t>
-            </a:r>
-          </a:p>
-          <a:p>
-            <a:r>
-              <a:rPr lang="en-US" sz="2400" dirty="0" smtClean="0"/>
-              <a:t>A sequence of T is represented as </a:t>
-            </a:r>
-            <a:r>
-              <a:rPr lang="en-US" sz="2400" dirty="0" err="1" smtClean="0"/>
-              <a:t>IEnumerable</a:t>
-            </a:r>
-            <a:r>
-              <a:rPr lang="en-US" sz="2400" dirty="0" smtClean="0"/>
-              <a:t>&lt;T&gt;.</a:t>
-            </a:r>
-          </a:p>
-          <a:p>
-            <a:r>
-              <a:rPr lang="en-US" sz="2400" dirty="0" smtClean="0"/>
-              <a:t>The C++ equivalent is a pair of iterators.</a:t>
-            </a:r>
-          </a:p>
-          <a:p>
-            <a:r>
-              <a:rPr lang="en-US" sz="2400" dirty="0" err="1" smtClean="0"/>
-              <a:t>Enumerable.Range</a:t>
-            </a:r>
-            <a:r>
-              <a:rPr lang="en-US" sz="2400" dirty="0" smtClean="0"/>
-              <a:t> returns an </a:t>
-            </a:r>
-            <a:r>
-              <a:rPr lang="en-US" sz="2400" dirty="0" err="1" smtClean="0"/>
-              <a:t>IEnumerable</a:t>
-            </a:r>
-            <a:r>
-              <a:rPr lang="en-US" sz="2400" dirty="0" smtClean="0"/>
+            <a:pPr marL="0" indent="0">
+              <a:buNone/>
+            </a:pPr>
+            <a:r>
+              <a:rPr lang="en-US" sz="2000" dirty="0" err="1"/>
+              <a:t>struct</a:t>
+            </a:r>
+            <a:r>
+              <a:rPr lang="en-US" sz="2000" dirty="0"/>
+              <a:t> </a:t>
+            </a:r>
+            <a:r>
+              <a:rPr lang="en-US" sz="2000" dirty="0" err="1"/>
+              <a:t>fibonacci_iterator</a:t>
+            </a:r>
+            <a:endParaRPr lang="en-US" sz="2000" dirty="0"/>
+          </a:p>
+          <a:p>
+            <a:pPr marL="0" indent="0">
+              <a:buNone/>
+            </a:pPr>
+            <a:r>
+              <a:rPr lang="en-US" sz="2000" dirty="0"/>
+              <a:t>    : public boost::</a:t>
+            </a:r>
+            <a:r>
+              <a:rPr lang="en-US" sz="2000" dirty="0" err="1"/>
+              <a:t>iterator_facade</a:t>
+            </a:r>
+            <a:r>
+              <a:rPr lang="en-US" sz="2000" dirty="0"/>
               <a:t>&lt;</a:t>
             </a:r>
             <a:r>
-              <a:rPr lang="en-US" sz="2400" dirty="0" err="1" smtClean="0"/>
+              <a:rPr lang="en-US" sz="2000" dirty="0" err="1"/>
+              <a:t>fibonacci_iterator</a:t>
+            </a:r>
+            <a:r>
+              <a:rPr lang="en-US" sz="2000" dirty="0"/>
+              <a:t>, </a:t>
+            </a:r>
+            <a:r>
+              <a:rPr lang="en-US" sz="2000" dirty="0" err="1"/>
               <a:t>int</a:t>
             </a:r>
             <a:r>
-              <a:rPr lang="en-US" sz="2400" dirty="0" smtClean="0"/>
-              <a:t>&gt;</a:t>
-            </a:r>
-          </a:p>
-          <a:p>
-            <a:r>
-              <a:rPr lang="en-US" sz="2400" dirty="0" err="1" smtClean="0"/>
-              <a:t>Enumerable.Where</a:t>
-            </a:r>
-            <a:r>
-              <a:rPr lang="en-US" sz="2400" dirty="0" smtClean="0"/>
-              <a:t> takes an </a:t>
-            </a:r>
-            <a:r>
-              <a:rPr lang="en-US" sz="2400" dirty="0" err="1" smtClean="0"/>
-              <a:t>IEnumerable</a:t>
-            </a:r>
-            <a:r>
-              <a:rPr lang="en-US" sz="2400" dirty="0" smtClean="0"/>
-              <a:t>&lt;T&gt; and returns another </a:t>
-            </a:r>
-            <a:r>
-              <a:rPr lang="en-US" sz="2400" dirty="0" err="1" smtClean="0"/>
-              <a:t>IEnumerable</a:t>
-            </a:r>
-            <a:r>
-              <a:rPr lang="en-US" sz="2400" dirty="0" smtClean="0"/>
-              <a:t>&lt;T&gt; with elements filtered out</a:t>
-            </a:r>
-          </a:p>
-          <a:p>
-            <a:r>
-              <a:rPr lang="en-US" sz="2400" dirty="0" err="1" smtClean="0"/>
-              <a:t>Enumerable.Sum</a:t>
-            </a:r>
-            <a:r>
-              <a:rPr lang="en-US" sz="2400" dirty="0" smtClean="0"/>
-              <a:t> takes an </a:t>
-            </a:r>
-            <a:r>
-              <a:rPr lang="en-US" sz="2400" dirty="0" err="1" smtClean="0"/>
-              <a:t>IEnumerable</a:t>
-            </a:r>
-            <a:r>
-              <a:rPr lang="en-US" sz="2400" dirty="0" smtClean="0"/>
-              <a:t>&lt;</a:t>
-            </a:r>
-            <a:r>
-              <a:rPr lang="en-US" sz="2400" dirty="0" err="1" smtClean="0"/>
+              <a:rPr lang="en-US" sz="2000" dirty="0"/>
+              <a:t>, boost::</a:t>
+            </a:r>
+            <a:r>
+              <a:rPr lang="en-US" sz="2000" dirty="0" err="1"/>
+              <a:t>bidirectional_traversal_tag</a:t>
+            </a:r>
+            <a:r>
+              <a:rPr lang="en-US" sz="2000" dirty="0"/>
+              <a:t>, </a:t>
+            </a:r>
+            <a:r>
+              <a:rPr lang="en-US" sz="2000" dirty="0" err="1"/>
               <a:t>int</a:t>
             </a:r>
             <a:r>
-              <a:rPr lang="en-US" sz="2400" dirty="0" smtClean="0"/>
-              <a:t>&gt; and returns an integer containing their sum.</a:t>
-            </a:r>
-            <a:endParaRPr lang="en-US" sz="2400" dirty="0"/>
+              <a:rPr lang="en-US" sz="2000" dirty="0"/>
+              <a:t>&gt; {</a:t>
+            </a:r>
+          </a:p>
+          <a:p>
+            <a:pPr marL="0" indent="0">
+              <a:buNone/>
+            </a:pPr>
+            <a:r>
+              <a:rPr lang="en-US" sz="2000" dirty="0" smtClean="0"/>
+              <a:t>    </a:t>
+            </a:r>
+            <a:r>
+              <a:rPr lang="en-US" sz="2000" dirty="0"/>
+              <a:t>explicit </a:t>
+            </a:r>
+            <a:r>
+              <a:rPr lang="en-US" sz="2000" dirty="0" err="1"/>
+              <a:t>fibonacci_iterator</a:t>
+            </a:r>
+            <a:r>
+              <a:rPr lang="en-US" sz="2000" dirty="0"/>
+              <a:t>(</a:t>
+            </a:r>
+            <a:r>
+              <a:rPr lang="en-US" sz="2000" dirty="0" err="1"/>
+              <a:t>int</a:t>
+            </a:r>
+            <a:r>
+              <a:rPr lang="en-US" sz="2000" dirty="0"/>
+              <a:t> </a:t>
+            </a:r>
+            <a:r>
+              <a:rPr lang="en-US" sz="2000" dirty="0" err="1"/>
+              <a:t>const</a:t>
+            </a:r>
+            <a:r>
+              <a:rPr lang="en-US" sz="2000" dirty="0"/>
+              <a:t> a = </a:t>
+            </a:r>
+            <a:r>
+              <a:rPr lang="en-US" sz="2000" dirty="0" err="1"/>
+              <a:t>int</a:t>
+            </a:r>
+            <a:r>
+              <a:rPr lang="en-US" sz="2000" dirty="0"/>
+              <a:t>(), </a:t>
+            </a:r>
+            <a:r>
+              <a:rPr lang="en-US" sz="2000" dirty="0" err="1"/>
+              <a:t>int</a:t>
+            </a:r>
+            <a:r>
+              <a:rPr lang="en-US" sz="2000" dirty="0"/>
+              <a:t> </a:t>
+            </a:r>
+            <a:r>
+              <a:rPr lang="en-US" sz="2000" dirty="0" err="1"/>
+              <a:t>const</a:t>
+            </a:r>
+            <a:r>
+              <a:rPr lang="en-US" sz="2000" dirty="0"/>
+              <a:t> b = </a:t>
+            </a:r>
+            <a:r>
+              <a:rPr lang="en-US" sz="2000" dirty="0" err="1"/>
+              <a:t>int</a:t>
+            </a:r>
+            <a:r>
+              <a:rPr lang="en-US" sz="2000" dirty="0"/>
+              <a:t>()) : a(a), b(b) {}</a:t>
+            </a:r>
+          </a:p>
+          <a:p>
+            <a:pPr marL="0" indent="0">
+              <a:buNone/>
+            </a:pPr>
+            <a:r>
+              <a:rPr lang="en-US" sz="2000" dirty="0" smtClean="0"/>
+              <a:t>private</a:t>
+            </a:r>
+            <a:r>
+              <a:rPr lang="en-US" sz="2000" dirty="0"/>
+              <a:t>:</a:t>
+            </a:r>
+          </a:p>
+          <a:p>
+            <a:pPr marL="0" indent="0">
+              <a:buNone/>
+            </a:pPr>
+            <a:r>
+              <a:rPr lang="en-US" sz="2000" dirty="0"/>
+              <a:t>    friend boost::</a:t>
+            </a:r>
+            <a:r>
+              <a:rPr lang="en-US" sz="2000" dirty="0" err="1"/>
+              <a:t>iterator_core_access</a:t>
+            </a:r>
+            <a:r>
+              <a:rPr lang="en-US" sz="2000" dirty="0"/>
+              <a:t>;</a:t>
+            </a:r>
+          </a:p>
+          <a:p>
+            <a:pPr marL="0" indent="0">
+              <a:buNone/>
+            </a:pPr>
+            <a:r>
+              <a:rPr lang="en-US" sz="2000" dirty="0" smtClean="0"/>
+              <a:t>    </a:t>
+            </a:r>
+            <a:r>
+              <a:rPr lang="en-US" sz="2000" dirty="0" err="1"/>
+              <a:t>int</a:t>
+            </a:r>
+            <a:r>
+              <a:rPr lang="en-US" sz="2000" dirty="0"/>
+              <a:t> dereference() </a:t>
+            </a:r>
+            <a:r>
+              <a:rPr lang="en-US" sz="2000" dirty="0" err="1"/>
+              <a:t>const</a:t>
+            </a:r>
+            <a:r>
+              <a:rPr lang="en-US" sz="2000" dirty="0"/>
+              <a:t> { return a; }</a:t>
+            </a:r>
+          </a:p>
+          <a:p>
+            <a:pPr marL="0" indent="0">
+              <a:buNone/>
+            </a:pPr>
+            <a:r>
+              <a:rPr lang="en-US" sz="2000" dirty="0"/>
+              <a:t>    </a:t>
+            </a:r>
+            <a:r>
+              <a:rPr lang="en-US" sz="2000" dirty="0" err="1"/>
+              <a:t>bool</a:t>
+            </a:r>
+            <a:r>
+              <a:rPr lang="en-US" sz="2000" dirty="0"/>
+              <a:t> equal(</a:t>
+            </a:r>
+            <a:r>
+              <a:rPr lang="en-US" sz="2000" dirty="0" err="1"/>
+              <a:t>fibonacci_iterator</a:t>
+            </a:r>
+            <a:r>
+              <a:rPr lang="en-US" sz="2000" dirty="0"/>
+              <a:t> </a:t>
+            </a:r>
+            <a:r>
+              <a:rPr lang="en-US" sz="2000" dirty="0" err="1"/>
+              <a:t>const</a:t>
+            </a:r>
+            <a:r>
+              <a:rPr lang="en-US" sz="2000" dirty="0"/>
+              <a:t>&amp; that) </a:t>
+            </a:r>
+            <a:r>
+              <a:rPr lang="en-US" sz="2000" dirty="0" err="1"/>
+              <a:t>const</a:t>
+            </a:r>
+            <a:r>
+              <a:rPr lang="en-US" sz="2000" dirty="0"/>
+              <a:t> { return false; }</a:t>
+            </a:r>
+          </a:p>
+          <a:p>
+            <a:pPr marL="0" indent="0">
+              <a:buNone/>
+            </a:pPr>
+            <a:r>
+              <a:rPr lang="en-US" sz="2000" dirty="0"/>
+              <a:t>    void increment() { </a:t>
+            </a:r>
+            <a:r>
+              <a:rPr lang="en-US" sz="2000" dirty="0" err="1"/>
+              <a:t>std</a:t>
+            </a:r>
+            <a:r>
+              <a:rPr lang="en-US" sz="2000" dirty="0"/>
+              <a:t>::tie(a, b) = </a:t>
+            </a:r>
+            <a:r>
+              <a:rPr lang="en-US" sz="2000" dirty="0" err="1"/>
+              <a:t>nextFibonacci</a:t>
+            </a:r>
+            <a:r>
+              <a:rPr lang="en-US" sz="2000" dirty="0"/>
+              <a:t>(a, b); }</a:t>
+            </a:r>
+          </a:p>
+          <a:p>
+            <a:pPr marL="0" indent="0">
+              <a:buNone/>
+            </a:pPr>
+            <a:r>
+              <a:rPr lang="en-US" sz="2000" dirty="0"/>
+              <a:t>    void decrement() { </a:t>
+            </a:r>
+            <a:r>
+              <a:rPr lang="en-US" sz="2000" dirty="0" err="1"/>
+              <a:t>std</a:t>
+            </a:r>
+            <a:r>
+              <a:rPr lang="en-US" sz="2000" dirty="0"/>
+              <a:t>::tie(a, b) = </a:t>
+            </a:r>
+            <a:r>
+              <a:rPr lang="en-US" sz="2000" dirty="0" err="1"/>
+              <a:t>previousFibonacci</a:t>
+            </a:r>
+            <a:r>
+              <a:rPr lang="en-US" sz="2000" dirty="0"/>
+              <a:t>(a, b); }</a:t>
+            </a:r>
+          </a:p>
+          <a:p>
+            <a:pPr marL="0" indent="0">
+              <a:buNone/>
+            </a:pPr>
+            <a:r>
+              <a:rPr lang="en-US" sz="2000" dirty="0"/>
+              <a:t>    </a:t>
+            </a:r>
+            <a:r>
+              <a:rPr lang="en-US" sz="2000" dirty="0" err="1"/>
+              <a:t>int</a:t>
+            </a:r>
+            <a:r>
+              <a:rPr lang="en-US" sz="2000" dirty="0"/>
+              <a:t> a;</a:t>
+            </a:r>
+          </a:p>
+          <a:p>
+            <a:pPr marL="0" indent="0">
+              <a:buNone/>
+            </a:pPr>
+            <a:r>
+              <a:rPr lang="en-US" sz="2000" dirty="0"/>
+              <a:t>    </a:t>
+            </a:r>
+            <a:r>
+              <a:rPr lang="en-US" sz="2000" dirty="0" err="1"/>
+              <a:t>int</a:t>
+            </a:r>
+            <a:r>
+              <a:rPr lang="en-US" sz="2000" dirty="0"/>
+              <a:t> b;</a:t>
+            </a:r>
+          </a:p>
+          <a:p>
+            <a:pPr marL="0" indent="0">
+              <a:buNone/>
+            </a:pPr>
+            <a:r>
+              <a:rPr lang="en-US" sz="2000" dirty="0" smtClean="0"/>
+              <a:t>};</a:t>
+            </a:r>
+            <a:endParaRPr lang="en-US" sz="2000" dirty="0"/>
           </a:p>
         </p:txBody>
       </p:sp>
@@ -19894,7 +16813,7 @@
     </p:spTree>
     <p:extLst>
       <p:ext uri="{BB962C8B-B14F-4D97-AF65-F5344CB8AC3E}">
-        <p14:creationId xmlns:p14="http://schemas.microsoft.com/office/powerpoint/2010/main" val="3930027505"/>
+        <p14:creationId xmlns:p14="http://schemas.microsoft.com/office/powerpoint/2010/main" val="3085513694"/>
       </p:ext>
     </p:extLst>
   </p:cSld>
@@ -19945,227 +16864,651 @@
           <a:p>
             <a:r>
               <a:rPr lang="en-US" dirty="0" smtClean="0"/>
-              <a:t>Extension Methods</a:t>
+              <a:t>Performance Comparison</a:t>
             </a:r>
           </a:p>
         </p:txBody>
       </p:sp>
-      <p:sp>
-        <p:nvSpPr>
-          <p:cNvPr id="6147" name="Content Placeholder 2"/>
-          <p:cNvSpPr>
-            <a:spLocks noGrp="1"/>
-          </p:cNvSpPr>
+      <p:graphicFrame>
+        <p:nvGraphicFramePr>
+          <p:cNvPr id="2" name="Content Placeholder 1"/>
+          <p:cNvGraphicFramePr>
+            <a:graphicFrameLocks noGrp="1"/>
+          </p:cNvGraphicFramePr>
           <p:nvPr>
             <p:ph idx="1"/>
+            <p:extLst>
+              <p:ext uri="{D42A27DB-BD31-4B8C-83A1-F6EECF244321}">
+                <p14:modId xmlns:p14="http://schemas.microsoft.com/office/powerpoint/2010/main" val="2662321863"/>
+              </p:ext>
+            </p:extLst>
           </p:nvPr>
-        </p:nvSpPr>
-        <p:spPr>
-          <a:xfrm>
-            <a:off x="0" y="1219200"/>
-            <a:ext cx="9144000" cy="4929188"/>
-          </a:xfrm>
-        </p:spPr>
-        <p:txBody>
-          <a:bodyPr/>
-          <a:lstStyle/>
-          <a:p>
-            <a:pPr marL="0" indent="0">
-              <a:buNone/>
-            </a:pPr>
-            <a:r>
-              <a:rPr lang="en-US" sz="2400" dirty="0" smtClean="0"/>
-              <a:t>public static </a:t>
-            </a:r>
-            <a:r>
-              <a:rPr lang="en-US" sz="2400" dirty="0" err="1" smtClean="0"/>
-              <a:t>IEnumerable</a:t>
-            </a:r>
-            <a:r>
-              <a:rPr lang="en-US" sz="2400" dirty="0" smtClean="0"/>
-              <a:t>&lt;</a:t>
-            </a:r>
-            <a:r>
-              <a:rPr lang="en-US" sz="2400" dirty="0" err="1" smtClean="0"/>
-              <a:t>TSource</a:t>
-            </a:r>
-            <a:r>
-              <a:rPr lang="en-US" sz="2400" dirty="0" smtClean="0"/>
-              <a:t>&gt; Where&lt;</a:t>
-            </a:r>
-            <a:r>
-              <a:rPr lang="en-US" sz="2400" dirty="0" err="1" smtClean="0"/>
-              <a:t>TSource</a:t>
-            </a:r>
-            <a:r>
-              <a:rPr lang="en-US" sz="2400" dirty="0" smtClean="0"/>
-              <a:t>&gt;(</a:t>
-            </a:r>
-          </a:p>
-          <a:p>
-            <a:pPr marL="0" indent="0">
-              <a:buNone/>
-            </a:pPr>
-            <a:r>
-              <a:rPr lang="en-US" sz="2400" dirty="0"/>
-              <a:t> </a:t>
-            </a:r>
-            <a:r>
-              <a:rPr lang="en-US" sz="2400" dirty="0" smtClean="0"/>
-              <a:t> this </a:t>
-            </a:r>
-            <a:r>
-              <a:rPr lang="en-US" sz="2400" dirty="0" err="1" smtClean="0"/>
-              <a:t>IEnumerable</a:t>
-            </a:r>
-            <a:r>
-              <a:rPr lang="en-US" sz="2400" dirty="0" smtClean="0"/>
-              <a:t>&lt;</a:t>
-            </a:r>
-            <a:r>
-              <a:rPr lang="en-US" sz="2400" dirty="0" err="1" smtClean="0"/>
-              <a:t>TSource</a:t>
-            </a:r>
-            <a:r>
-              <a:rPr lang="en-US" sz="2400" dirty="0" smtClean="0"/>
-              <a:t>&gt; source,</a:t>
-            </a:r>
-          </a:p>
-          <a:p>
-            <a:pPr marL="0" indent="0">
-              <a:buNone/>
-            </a:pPr>
-            <a:r>
-              <a:rPr lang="en-US" sz="2400" dirty="0"/>
-              <a:t> </a:t>
-            </a:r>
-            <a:r>
-              <a:rPr lang="en-US" sz="2400" dirty="0" smtClean="0"/>
-              <a:t> </a:t>
-            </a:r>
-            <a:r>
-              <a:rPr lang="en-US" sz="2400" dirty="0" err="1" smtClean="0"/>
-              <a:t>Func</a:t>
-            </a:r>
-            <a:r>
-              <a:rPr lang="en-US" sz="2400" dirty="0" smtClean="0"/>
-              <a:t>&lt;</a:t>
-            </a:r>
-            <a:r>
-              <a:rPr lang="en-US" sz="2400" dirty="0" err="1" smtClean="0"/>
-              <a:t>TSource</a:t>
-            </a:r>
-            <a:r>
-              <a:rPr lang="en-US" sz="2400" dirty="0" smtClean="0"/>
-              <a:t>, </a:t>
-            </a:r>
-            <a:r>
-              <a:rPr lang="en-US" sz="2400" dirty="0" err="1" smtClean="0"/>
-              <a:t>bool</a:t>
-            </a:r>
-            <a:r>
-              <a:rPr lang="en-US" sz="2400" dirty="0" smtClean="0"/>
-              <a:t>&gt; predicate)</a:t>
-            </a:r>
-          </a:p>
-          <a:p>
-            <a:r>
-              <a:rPr lang="en-US" sz="2400" dirty="0" smtClean="0"/>
-              <a:t>The “this” keyword preceding source indicates that Where is an extension method.</a:t>
-            </a:r>
-          </a:p>
-          <a:p>
-            <a:r>
-              <a:rPr lang="en-US" sz="2400" dirty="0" smtClean="0"/>
-              <a:t>Call it </a:t>
-            </a:r>
-            <a:r>
-              <a:rPr lang="en-US" sz="2400" dirty="0" smtClean="0"/>
-              <a:t>using either of 2 syntaxes:</a:t>
-            </a:r>
-          </a:p>
-          <a:p>
-            <a:pPr marL="0" indent="0">
-              <a:buNone/>
-            </a:pPr>
-            <a:r>
-              <a:rPr lang="en-US" sz="2400" dirty="0" err="1" smtClean="0"/>
-              <a:t>IEnumerable</a:t>
-            </a:r>
-            <a:r>
-              <a:rPr lang="en-US" sz="2400" dirty="0" smtClean="0"/>
-              <a:t>&lt;Color&gt; source = </a:t>
-            </a:r>
-            <a:r>
-              <a:rPr lang="en-US" sz="2400" dirty="0" err="1" smtClean="0"/>
-              <a:t>getColors</a:t>
-            </a:r>
-            <a:r>
-              <a:rPr lang="en-US" sz="2400" dirty="0" smtClean="0"/>
-              <a:t>();</a:t>
-            </a:r>
-          </a:p>
-          <a:p>
-            <a:pPr marL="0" indent="0">
-              <a:buNone/>
-            </a:pPr>
-            <a:r>
-              <a:rPr lang="en-US" sz="2400" dirty="0" err="1" smtClean="0"/>
-              <a:t>var</a:t>
-            </a:r>
-            <a:r>
-              <a:rPr lang="en-US" sz="2400" dirty="0" smtClean="0"/>
-              <a:t> primary = </a:t>
-            </a:r>
-            <a:r>
-              <a:rPr lang="en-US" sz="2400" dirty="0" err="1" smtClean="0"/>
-              <a:t>Enumerable.Where</a:t>
-            </a:r>
-            <a:r>
-              <a:rPr lang="en-US" sz="2400" dirty="0" smtClean="0"/>
-              <a:t>(source, </a:t>
-            </a:r>
-            <a:r>
-              <a:rPr lang="en-US" sz="2400" dirty="0" err="1" smtClean="0"/>
-              <a:t>isPrimary</a:t>
-            </a:r>
-            <a:r>
-              <a:rPr lang="en-US" sz="2400" dirty="0" smtClean="0"/>
-              <a:t>);</a:t>
-            </a:r>
-          </a:p>
-          <a:p>
-            <a:pPr marL="0" indent="0">
-              <a:buNone/>
-            </a:pPr>
-            <a:r>
-              <a:rPr lang="en-US" sz="2400" dirty="0" err="1" smtClean="0"/>
-              <a:t>var</a:t>
-            </a:r>
-            <a:r>
-              <a:rPr lang="en-US" sz="2400" dirty="0" smtClean="0"/>
-              <a:t> primary2 = </a:t>
-            </a:r>
-            <a:r>
-              <a:rPr lang="en-US" sz="2400" dirty="0" err="1" smtClean="0"/>
-              <a:t>source.Where</a:t>
-            </a:r>
-            <a:r>
-              <a:rPr lang="en-US" sz="2400" dirty="0" smtClean="0"/>
-              <a:t>(</a:t>
-            </a:r>
-            <a:r>
-              <a:rPr lang="en-US" sz="2400" dirty="0" err="1" smtClean="0"/>
-              <a:t>isPrimary</a:t>
-            </a:r>
-            <a:r>
-              <a:rPr lang="en-US" sz="2400" dirty="0" smtClean="0"/>
-              <a:t>);</a:t>
-            </a:r>
-            <a:endParaRPr lang="en-US" sz="2400" dirty="0"/>
-          </a:p>
-        </p:txBody>
-      </p:sp>
+        </p:nvGraphicFramePr>
+        <p:xfrm>
+          <a:off x="685800" y="1219200"/>
+          <a:ext cx="7773138" cy="1112520"/>
+        </p:xfrm>
+        <a:graphic>
+          <a:graphicData uri="http://schemas.openxmlformats.org/drawingml/2006/table">
+            <a:tbl>
+              <a:tblPr firstRow="1" bandRow="1">
+                <a:tableStyleId>{5C22544A-7EE6-4342-B048-85BDC9FD1C3A}</a:tableStyleId>
+              </a:tblPr>
+              <a:tblGrid>
+                <a:gridCol w="2591046"/>
+                <a:gridCol w="2591046"/>
+                <a:gridCol w="2591046"/>
+              </a:tblGrid>
+              <a:tr h="370840">
+                <a:tc>
+                  <a:txBody>
+                    <a:bodyPr/>
+                    <a:lstStyle/>
+                    <a:p>
+                      <a:r>
+                        <a:rPr lang="en-US" dirty="0" smtClean="0">
+                          <a:ln>
+                            <a:noFill/>
+                          </a:ln>
+                          <a:solidFill>
+                            <a:srgbClr val="FFFF00"/>
+                          </a:solidFill>
+                        </a:rPr>
+                        <a:t>Time (us)</a:t>
+                      </a:r>
+                      <a:endParaRPr lang="en-US" dirty="0">
+                        <a:ln>
+                          <a:noFill/>
+                        </a:ln>
+                        <a:solidFill>
+                          <a:srgbClr val="FFFF00"/>
+                        </a:solidFill>
+                      </a:endParaRPr>
+                    </a:p>
+                  </a:txBody>
+                  <a:tcPr marL="116313" marR="116313">
+                    <a:lnL w="12700" cap="flat" cmpd="sng" algn="ctr">
+                      <a:solidFill>
+                        <a:srgbClr val="FFFF00"/>
+                      </a:solidFill>
+                      <a:prstDash val="solid"/>
+                      <a:round/>
+                      <a:headEnd type="none" w="med" len="med"/>
+                      <a:tailEnd type="none" w="med" len="med"/>
+                    </a:lnL>
+                    <a:lnR w="12700" cap="flat" cmpd="sng" algn="ctr">
+                      <a:solidFill>
+                        <a:srgbClr val="FFFF00"/>
+                      </a:solidFill>
+                      <a:prstDash val="solid"/>
+                      <a:round/>
+                      <a:headEnd type="none" w="med" len="med"/>
+                      <a:tailEnd type="none" w="med" len="med"/>
+                    </a:lnR>
+                    <a:lnT w="12700" cap="flat" cmpd="sng" algn="ctr">
+                      <a:solidFill>
+                        <a:srgbClr val="FFFF00"/>
+                      </a:solidFill>
+                      <a:prstDash val="solid"/>
+                      <a:round/>
+                      <a:headEnd type="none" w="med" len="med"/>
+                      <a:tailEnd type="none" w="med" len="med"/>
+                    </a:lnT>
+                    <a:lnB w="12700" cap="flat" cmpd="sng" algn="ctr">
+                      <a:solidFill>
+                        <a:srgbClr val="FFFF00"/>
+                      </a:solidFill>
+                      <a:prstDash val="solid"/>
+                      <a:round/>
+                      <a:headEnd type="none" w="med" len="med"/>
+                      <a:tailEnd type="none" w="med" len="med"/>
+                    </a:lnB>
+                    <a:noFill/>
+                  </a:tcPr>
+                </a:tc>
+                <a:tc>
+                  <a:txBody>
+                    <a:bodyPr/>
+                    <a:lstStyle/>
+                    <a:p>
+                      <a:pPr algn="r"/>
+                      <a:r>
+                        <a:rPr lang="en-US" dirty="0" smtClean="0">
+                          <a:ln>
+                            <a:noFill/>
+                          </a:ln>
+                          <a:solidFill>
+                            <a:srgbClr val="FFFF00"/>
+                          </a:solidFill>
+                        </a:rPr>
+                        <a:t>C#</a:t>
+                      </a:r>
+                      <a:endParaRPr lang="en-US" dirty="0">
+                        <a:ln>
+                          <a:noFill/>
+                        </a:ln>
+                        <a:solidFill>
+                          <a:srgbClr val="FFFF00"/>
+                        </a:solidFill>
+                      </a:endParaRPr>
+                    </a:p>
+                  </a:txBody>
+                  <a:tcPr marL="116313" marR="116313">
+                    <a:lnL w="12700" cap="flat" cmpd="sng" algn="ctr">
+                      <a:solidFill>
+                        <a:srgbClr val="FFFF00"/>
+                      </a:solidFill>
+                      <a:prstDash val="solid"/>
+                      <a:round/>
+                      <a:headEnd type="none" w="med" len="med"/>
+                      <a:tailEnd type="none" w="med" len="med"/>
+                    </a:lnL>
+                    <a:lnR w="12700" cap="flat" cmpd="sng" algn="ctr">
+                      <a:solidFill>
+                        <a:srgbClr val="FFFF00"/>
+                      </a:solidFill>
+                      <a:prstDash val="solid"/>
+                      <a:round/>
+                      <a:headEnd type="none" w="med" len="med"/>
+                      <a:tailEnd type="none" w="med" len="med"/>
+                    </a:lnR>
+                    <a:lnT w="12700" cap="flat" cmpd="sng" algn="ctr">
+                      <a:solidFill>
+                        <a:srgbClr val="FFFF00"/>
+                      </a:solidFill>
+                      <a:prstDash val="solid"/>
+                      <a:round/>
+                      <a:headEnd type="none" w="med" len="med"/>
+                      <a:tailEnd type="none" w="med" len="med"/>
+                    </a:lnT>
+                    <a:lnB w="12700" cap="flat" cmpd="sng" algn="ctr">
+                      <a:solidFill>
+                        <a:srgbClr val="FFFF00"/>
+                      </a:solidFill>
+                      <a:prstDash val="solid"/>
+                      <a:round/>
+                      <a:headEnd type="none" w="med" len="med"/>
+                      <a:tailEnd type="none" w="med" len="med"/>
+                    </a:lnB>
+                    <a:noFill/>
+                  </a:tcPr>
+                </a:tc>
+                <a:tc>
+                  <a:txBody>
+                    <a:bodyPr/>
+                    <a:lstStyle/>
+                    <a:p>
+                      <a:pPr algn="r"/>
+                      <a:r>
+                        <a:rPr lang="en-US" dirty="0" smtClean="0">
+                          <a:ln>
+                            <a:noFill/>
+                          </a:ln>
+                          <a:solidFill>
+                            <a:srgbClr val="FFFF00"/>
+                          </a:solidFill>
+                        </a:rPr>
+                        <a:t>C++</a:t>
+                      </a:r>
+                      <a:endParaRPr lang="en-US" dirty="0">
+                        <a:ln>
+                          <a:noFill/>
+                        </a:ln>
+                        <a:solidFill>
+                          <a:srgbClr val="FFFF00"/>
+                        </a:solidFill>
+                      </a:endParaRPr>
+                    </a:p>
+                  </a:txBody>
+                  <a:tcPr marL="116313" marR="116313">
+                    <a:lnL w="12700" cap="flat" cmpd="sng" algn="ctr">
+                      <a:solidFill>
+                        <a:srgbClr val="FFFF00"/>
+                      </a:solidFill>
+                      <a:prstDash val="solid"/>
+                      <a:round/>
+                      <a:headEnd type="none" w="med" len="med"/>
+                      <a:tailEnd type="none" w="med" len="med"/>
+                    </a:lnL>
+                    <a:lnR w="12700" cap="flat" cmpd="sng" algn="ctr">
+                      <a:solidFill>
+                        <a:srgbClr val="FFFF00"/>
+                      </a:solidFill>
+                      <a:prstDash val="solid"/>
+                      <a:round/>
+                      <a:headEnd type="none" w="med" len="med"/>
+                      <a:tailEnd type="none" w="med" len="med"/>
+                    </a:lnR>
+                    <a:lnT w="12700" cap="flat" cmpd="sng" algn="ctr">
+                      <a:solidFill>
+                        <a:srgbClr val="FFFF00"/>
+                      </a:solidFill>
+                      <a:prstDash val="solid"/>
+                      <a:round/>
+                      <a:headEnd type="none" w="med" len="med"/>
+                      <a:tailEnd type="none" w="med" len="med"/>
+                    </a:lnT>
+                    <a:lnB w="12700" cap="flat" cmpd="sng" algn="ctr">
+                      <a:solidFill>
+                        <a:srgbClr val="FFFF00"/>
+                      </a:solidFill>
+                      <a:prstDash val="solid"/>
+                      <a:round/>
+                      <a:headEnd type="none" w="med" len="med"/>
+                      <a:tailEnd type="none" w="med" len="med"/>
+                    </a:lnB>
+                    <a:noFill/>
+                  </a:tcPr>
+                </a:tc>
+              </a:tr>
+              <a:tr h="370840">
+                <a:tc>
+                  <a:txBody>
+                    <a:bodyPr/>
+                    <a:lstStyle/>
+                    <a:p>
+                      <a:r>
+                        <a:rPr lang="en-US" dirty="0" err="1" smtClean="0">
+                          <a:ln>
+                            <a:noFill/>
+                          </a:ln>
+                          <a:solidFill>
+                            <a:srgbClr val="FFFF00"/>
+                          </a:solidFill>
+                        </a:rPr>
+                        <a:t>filterImperative</a:t>
+                      </a:r>
+                      <a:endParaRPr lang="en-US" dirty="0">
+                        <a:ln>
+                          <a:noFill/>
+                        </a:ln>
+                        <a:solidFill>
+                          <a:srgbClr val="FFFF00"/>
+                        </a:solidFill>
+                      </a:endParaRPr>
+                    </a:p>
+                  </a:txBody>
+                  <a:tcPr marL="116313" marR="116313">
+                    <a:lnL w="12700" cap="flat" cmpd="sng" algn="ctr">
+                      <a:solidFill>
+                        <a:srgbClr val="FFFF00"/>
+                      </a:solidFill>
+                      <a:prstDash val="solid"/>
+                      <a:round/>
+                      <a:headEnd type="none" w="med" len="med"/>
+                      <a:tailEnd type="none" w="med" len="med"/>
+                    </a:lnL>
+                    <a:lnR w="12700" cap="flat" cmpd="sng" algn="ctr">
+                      <a:solidFill>
+                        <a:srgbClr val="FFFF00"/>
+                      </a:solidFill>
+                      <a:prstDash val="solid"/>
+                      <a:round/>
+                      <a:headEnd type="none" w="med" len="med"/>
+                      <a:tailEnd type="none" w="med" len="med"/>
+                    </a:lnR>
+                    <a:lnT w="12700" cap="flat" cmpd="sng" algn="ctr">
+                      <a:solidFill>
+                        <a:srgbClr val="FFFF00"/>
+                      </a:solidFill>
+                      <a:prstDash val="solid"/>
+                      <a:round/>
+                      <a:headEnd type="none" w="med" len="med"/>
+                      <a:tailEnd type="none" w="med" len="med"/>
+                    </a:lnT>
+                    <a:lnB w="12700" cap="flat" cmpd="sng" algn="ctr">
+                      <a:solidFill>
+                        <a:srgbClr val="FFFF00"/>
+                      </a:solidFill>
+                      <a:prstDash val="solid"/>
+                      <a:round/>
+                      <a:headEnd type="none" w="med" len="med"/>
+                      <a:tailEnd type="none" w="med" len="med"/>
+                    </a:lnB>
+                    <a:noFill/>
+                  </a:tcPr>
+                </a:tc>
+                <a:tc>
+                  <a:txBody>
+                    <a:bodyPr/>
+                    <a:lstStyle/>
+                    <a:p>
+                      <a:pPr algn="r"/>
+                      <a:r>
+                        <a:rPr lang="en-US" dirty="0" smtClean="0">
+                          <a:ln>
+                            <a:noFill/>
+                          </a:ln>
+                          <a:solidFill>
+                            <a:srgbClr val="FFC000"/>
+                          </a:solidFill>
+                        </a:rPr>
+                        <a:t>4.0</a:t>
+                      </a:r>
+                      <a:endParaRPr lang="en-US" dirty="0">
+                        <a:ln>
+                          <a:noFill/>
+                        </a:ln>
+                        <a:solidFill>
+                          <a:srgbClr val="FFC000"/>
+                        </a:solidFill>
+                      </a:endParaRPr>
+                    </a:p>
+                  </a:txBody>
+                  <a:tcPr marL="116313" marR="116313">
+                    <a:lnL w="12700" cap="flat" cmpd="sng" algn="ctr">
+                      <a:solidFill>
+                        <a:srgbClr val="FFFF00"/>
+                      </a:solidFill>
+                      <a:prstDash val="solid"/>
+                      <a:round/>
+                      <a:headEnd type="none" w="med" len="med"/>
+                      <a:tailEnd type="none" w="med" len="med"/>
+                    </a:lnL>
+                    <a:lnR w="12700" cap="flat" cmpd="sng" algn="ctr">
+                      <a:solidFill>
+                        <a:srgbClr val="FFFF00"/>
+                      </a:solidFill>
+                      <a:prstDash val="solid"/>
+                      <a:round/>
+                      <a:headEnd type="none" w="med" len="med"/>
+                      <a:tailEnd type="none" w="med" len="med"/>
+                    </a:lnR>
+                    <a:lnT w="12700" cap="flat" cmpd="sng" algn="ctr">
+                      <a:solidFill>
+                        <a:srgbClr val="FFFF00"/>
+                      </a:solidFill>
+                      <a:prstDash val="solid"/>
+                      <a:round/>
+                      <a:headEnd type="none" w="med" len="med"/>
+                      <a:tailEnd type="none" w="med" len="med"/>
+                    </a:lnT>
+                    <a:lnB w="12700" cap="flat" cmpd="sng" algn="ctr">
+                      <a:solidFill>
+                        <a:srgbClr val="FFFF00"/>
+                      </a:solidFill>
+                      <a:prstDash val="solid"/>
+                      <a:round/>
+                      <a:headEnd type="none" w="med" len="med"/>
+                      <a:tailEnd type="none" w="med" len="med"/>
+                    </a:lnB>
+                    <a:noFill/>
+                  </a:tcPr>
+                </a:tc>
+                <a:tc>
+                  <a:txBody>
+                    <a:bodyPr/>
+                    <a:lstStyle/>
+                    <a:p>
+                      <a:pPr algn="r"/>
+                      <a:r>
+                        <a:rPr lang="en-US" dirty="0" smtClean="0">
+                          <a:ln>
+                            <a:noFill/>
+                          </a:ln>
+                          <a:solidFill>
+                            <a:srgbClr val="FFC000"/>
+                          </a:solidFill>
+                        </a:rPr>
+                        <a:t>4.0</a:t>
+                      </a:r>
+                      <a:endParaRPr lang="en-US" dirty="0">
+                        <a:ln>
+                          <a:noFill/>
+                        </a:ln>
+                        <a:solidFill>
+                          <a:srgbClr val="FFC000"/>
+                        </a:solidFill>
+                      </a:endParaRPr>
+                    </a:p>
+                  </a:txBody>
+                  <a:tcPr marL="116313" marR="116313">
+                    <a:lnL w="12700" cap="flat" cmpd="sng" algn="ctr">
+                      <a:solidFill>
+                        <a:srgbClr val="FFFF00"/>
+                      </a:solidFill>
+                      <a:prstDash val="solid"/>
+                      <a:round/>
+                      <a:headEnd type="none" w="med" len="med"/>
+                      <a:tailEnd type="none" w="med" len="med"/>
+                    </a:lnL>
+                    <a:lnR w="12700" cap="flat" cmpd="sng" algn="ctr">
+                      <a:solidFill>
+                        <a:srgbClr val="FFFF00"/>
+                      </a:solidFill>
+                      <a:prstDash val="solid"/>
+                      <a:round/>
+                      <a:headEnd type="none" w="med" len="med"/>
+                      <a:tailEnd type="none" w="med" len="med"/>
+                    </a:lnR>
+                    <a:lnT w="12700" cap="flat" cmpd="sng" algn="ctr">
+                      <a:solidFill>
+                        <a:srgbClr val="FFFF00"/>
+                      </a:solidFill>
+                      <a:prstDash val="solid"/>
+                      <a:round/>
+                      <a:headEnd type="none" w="med" len="med"/>
+                      <a:tailEnd type="none" w="med" len="med"/>
+                    </a:lnT>
+                    <a:lnB w="12700" cap="flat" cmpd="sng" algn="ctr">
+                      <a:solidFill>
+                        <a:srgbClr val="FFFF00"/>
+                      </a:solidFill>
+                      <a:prstDash val="solid"/>
+                      <a:round/>
+                      <a:headEnd type="none" w="med" len="med"/>
+                      <a:tailEnd type="none" w="med" len="med"/>
+                    </a:lnB>
+                    <a:noFill/>
+                  </a:tcPr>
+                </a:tc>
+              </a:tr>
+              <a:tr h="370840">
+                <a:tc>
+                  <a:txBody>
+                    <a:bodyPr/>
+                    <a:lstStyle/>
+                    <a:p>
+                      <a:r>
+                        <a:rPr lang="en-US" dirty="0" err="1" smtClean="0">
+                          <a:ln>
+                            <a:noFill/>
+                          </a:ln>
+                          <a:solidFill>
+                            <a:srgbClr val="FFFF00"/>
+                          </a:solidFill>
+                        </a:rPr>
+                        <a:t>filterFunctional</a:t>
+                      </a:r>
+                      <a:endParaRPr lang="en-US" dirty="0">
+                        <a:ln>
+                          <a:noFill/>
+                        </a:ln>
+                        <a:solidFill>
+                          <a:srgbClr val="FFFF00"/>
+                        </a:solidFill>
+                      </a:endParaRPr>
+                    </a:p>
+                  </a:txBody>
+                  <a:tcPr marL="116313" marR="116313">
+                    <a:lnL w="12700" cap="flat" cmpd="sng" algn="ctr">
+                      <a:solidFill>
+                        <a:srgbClr val="FFFF00"/>
+                      </a:solidFill>
+                      <a:prstDash val="solid"/>
+                      <a:round/>
+                      <a:headEnd type="none" w="med" len="med"/>
+                      <a:tailEnd type="none" w="med" len="med"/>
+                    </a:lnL>
+                    <a:lnR w="12700" cap="flat" cmpd="sng" algn="ctr">
+                      <a:solidFill>
+                        <a:srgbClr val="FFFF00"/>
+                      </a:solidFill>
+                      <a:prstDash val="solid"/>
+                      <a:round/>
+                      <a:headEnd type="none" w="med" len="med"/>
+                      <a:tailEnd type="none" w="med" len="med"/>
+                    </a:lnR>
+                    <a:lnT w="12700" cap="flat" cmpd="sng" algn="ctr">
+                      <a:solidFill>
+                        <a:srgbClr val="FFFF00"/>
+                      </a:solidFill>
+                      <a:prstDash val="solid"/>
+                      <a:round/>
+                      <a:headEnd type="none" w="med" len="med"/>
+                      <a:tailEnd type="none" w="med" len="med"/>
+                    </a:lnT>
+                    <a:lnB w="12700" cap="flat" cmpd="sng" algn="ctr">
+                      <a:solidFill>
+                        <a:srgbClr val="FFFF00"/>
+                      </a:solidFill>
+                      <a:prstDash val="solid"/>
+                      <a:round/>
+                      <a:headEnd type="none" w="med" len="med"/>
+                      <a:tailEnd type="none" w="med" len="med"/>
+                    </a:lnB>
+                    <a:noFill/>
+                  </a:tcPr>
+                </a:tc>
+                <a:tc>
+                  <a:txBody>
+                    <a:bodyPr/>
+                    <a:lstStyle/>
+                    <a:p>
+                      <a:pPr algn="r"/>
+                      <a:r>
+                        <a:rPr lang="en-US" dirty="0" smtClean="0">
+                          <a:ln>
+                            <a:noFill/>
+                          </a:ln>
+                          <a:solidFill>
+                            <a:srgbClr val="FFFF00"/>
+                          </a:solidFill>
+                        </a:rPr>
+                        <a:t>15.1</a:t>
+                      </a:r>
+                      <a:endParaRPr lang="en-US" dirty="0">
+                        <a:ln>
+                          <a:noFill/>
+                        </a:ln>
+                        <a:solidFill>
+                          <a:srgbClr val="FFFF00"/>
+                        </a:solidFill>
+                      </a:endParaRPr>
+                    </a:p>
+                  </a:txBody>
+                  <a:tcPr marL="116313" marR="116313">
+                    <a:lnL w="12700" cap="flat" cmpd="sng" algn="ctr">
+                      <a:solidFill>
+                        <a:srgbClr val="FFFF00"/>
+                      </a:solidFill>
+                      <a:prstDash val="solid"/>
+                      <a:round/>
+                      <a:headEnd type="none" w="med" len="med"/>
+                      <a:tailEnd type="none" w="med" len="med"/>
+                    </a:lnL>
+                    <a:lnR w="12700" cap="flat" cmpd="sng" algn="ctr">
+                      <a:solidFill>
+                        <a:srgbClr val="FFFF00"/>
+                      </a:solidFill>
+                      <a:prstDash val="solid"/>
+                      <a:round/>
+                      <a:headEnd type="none" w="med" len="med"/>
+                      <a:tailEnd type="none" w="med" len="med"/>
+                    </a:lnR>
+                    <a:lnT w="12700" cap="flat" cmpd="sng" algn="ctr">
+                      <a:solidFill>
+                        <a:srgbClr val="FFFF00"/>
+                      </a:solidFill>
+                      <a:prstDash val="solid"/>
+                      <a:round/>
+                      <a:headEnd type="none" w="med" len="med"/>
+                      <a:tailEnd type="none" w="med" len="med"/>
+                    </a:lnT>
+                    <a:lnB w="12700" cap="flat" cmpd="sng" algn="ctr">
+                      <a:solidFill>
+                        <a:srgbClr val="FFFF00"/>
+                      </a:solidFill>
+                      <a:prstDash val="solid"/>
+                      <a:round/>
+                      <a:headEnd type="none" w="med" len="med"/>
+                      <a:tailEnd type="none" w="med" len="med"/>
+                    </a:lnB>
+                    <a:noFill/>
+                  </a:tcPr>
+                </a:tc>
+                <a:tc>
+                  <a:txBody>
+                    <a:bodyPr/>
+                    <a:lstStyle/>
+                    <a:p>
+                      <a:pPr algn="r"/>
+                      <a:r>
+                        <a:rPr lang="en-US" dirty="0" smtClean="0">
+                          <a:ln>
+                            <a:noFill/>
+                          </a:ln>
+                          <a:solidFill>
+                            <a:srgbClr val="FFC000"/>
+                          </a:solidFill>
+                        </a:rPr>
+                        <a:t>4.2</a:t>
+                      </a:r>
+                      <a:endParaRPr lang="en-US" dirty="0">
+                        <a:ln>
+                          <a:noFill/>
+                        </a:ln>
+                        <a:solidFill>
+                          <a:srgbClr val="FFC000"/>
+                        </a:solidFill>
+                      </a:endParaRPr>
+                    </a:p>
+                  </a:txBody>
+                  <a:tcPr marL="116313" marR="116313">
+                    <a:lnL w="12700" cap="flat" cmpd="sng" algn="ctr">
+                      <a:solidFill>
+                        <a:srgbClr val="FFFF00"/>
+                      </a:solidFill>
+                      <a:prstDash val="solid"/>
+                      <a:round/>
+                      <a:headEnd type="none" w="med" len="med"/>
+                      <a:tailEnd type="none" w="med" len="med"/>
+                    </a:lnL>
+                    <a:lnR w="12700" cap="flat" cmpd="sng" algn="ctr">
+                      <a:solidFill>
+                        <a:srgbClr val="FFFF00"/>
+                      </a:solidFill>
+                      <a:prstDash val="solid"/>
+                      <a:round/>
+                      <a:headEnd type="none" w="med" len="med"/>
+                      <a:tailEnd type="none" w="med" len="med"/>
+                    </a:lnR>
+                    <a:lnT w="12700" cap="flat" cmpd="sng" algn="ctr">
+                      <a:solidFill>
+                        <a:srgbClr val="FFFF00"/>
+                      </a:solidFill>
+                      <a:prstDash val="solid"/>
+                      <a:round/>
+                      <a:headEnd type="none" w="med" len="med"/>
+                      <a:tailEnd type="none" w="med" len="med"/>
+                    </a:lnT>
+                    <a:lnB w="12700" cap="flat" cmpd="sng" algn="ctr">
+                      <a:solidFill>
+                        <a:srgbClr val="FFFF00"/>
+                      </a:solidFill>
+                      <a:prstDash val="solid"/>
+                      <a:round/>
+                      <a:headEnd type="none" w="med" len="med"/>
+                      <a:tailEnd type="none" w="med" len="med"/>
+                    </a:lnB>
+                    <a:noFill/>
+                  </a:tcPr>
+                </a:tc>
+              </a:tr>
+            </a:tbl>
+          </a:graphicData>
+        </a:graphic>
+      </p:graphicFrame>
       <p:sp>
         <p:nvSpPr>
           <p:cNvPr id="6148" name="Footer Placeholder 3"/>
@@ -20311,10 +17654,61 @@
           </a:p>
         </p:txBody>
       </p:sp>
+      <p:sp>
+        <p:nvSpPr>
+          <p:cNvPr id="3" name="TextBox 2"/>
+          <p:cNvSpPr txBox="1"/>
+          <p:nvPr/>
+        </p:nvSpPr>
+        <p:spPr>
+          <a:xfrm>
+            <a:off x="680224" y="2732049"/>
+            <a:ext cx="7861610" cy="1815882"/>
+          </a:xfrm>
+          <a:prstGeom prst="rect">
+            <a:avLst/>
+          </a:prstGeom>
+          <a:noFill/>
+        </p:spPr>
+        <p:txBody>
+          <a:bodyPr wrap="square" rtlCol="0">
+            <a:spAutoFit/>
+          </a:bodyPr>
+          <a:lstStyle/>
+          <a:p>
+            <a:pPr marL="457200" indent="-457200">
+              <a:buFont typeface="Arial" pitchFamily="34" charset="0"/>
+              <a:buChar char="•"/>
+            </a:pPr>
+            <a:r>
+              <a:rPr lang="en-US" b="0" dirty="0" smtClean="0">
+                <a:solidFill>
+                  <a:srgbClr val="FFFF00"/>
+                </a:solidFill>
+              </a:rPr>
+              <a:t>The imperative performance is comparable between C# and C++</a:t>
+            </a:r>
+          </a:p>
+          <a:p>
+            <a:pPr marL="457200" indent="-457200">
+              <a:buFont typeface="Arial" pitchFamily="34" charset="0"/>
+              <a:buChar char="•"/>
+            </a:pPr>
+            <a:r>
+              <a:rPr lang="en-US" b="0" dirty="0" smtClean="0">
+                <a:solidFill>
+                  <a:srgbClr val="FFFF00"/>
+                </a:solidFill>
+              </a:rPr>
+              <a:t>There is no performance penalty for using a functional style vs. an imperative style in C++</a:t>
+            </a:r>
+          </a:p>
+        </p:txBody>
+      </p:sp>
     </p:spTree>
     <p:extLst>
       <p:ext uri="{BB962C8B-B14F-4D97-AF65-F5344CB8AC3E}">
-        <p14:creationId xmlns:p14="http://schemas.microsoft.com/office/powerpoint/2010/main" val="800446008"/>
+        <p14:creationId xmlns:p14="http://schemas.microsoft.com/office/powerpoint/2010/main" val="2532387895"/>
       </p:ext>
     </p:extLst>
   </p:cSld>

--- a/FiveEasyPieces2.pptx
+++ b/FiveEasyPieces2.pptx
@@ -6737,58 +6737,102 @@
               <a:buNone/>
             </a:pPr>
             <a:r>
-              <a:rPr lang="en-US" sz="3200" dirty="0"/>
+              <a:rPr lang="en-US" sz="4000" dirty="0">
+                <a:solidFill>
+                  <a:srgbClr val="FF9900"/>
+                </a:solidFill>
+              </a:rPr>
               <a:t>static </a:t>
             </a:r>
             <a:r>
-              <a:rPr lang="en-US" sz="3200" dirty="0" err="1"/>
+              <a:rPr lang="en-US" sz="4000" dirty="0" err="1">
+                <a:solidFill>
+                  <a:srgbClr val="FF9900"/>
+                </a:solidFill>
+              </a:rPr>
               <a:t>IEnumerable</a:t>
             </a:r>
             <a:r>
-              <a:rPr lang="en-US" sz="3200" dirty="0"/>
+              <a:rPr lang="en-US" sz="4000" dirty="0">
+                <a:solidFill>
+                  <a:srgbClr val="FF9900"/>
+                </a:solidFill>
+              </a:rPr>
               <a:t>&lt;</a:t>
             </a:r>
             <a:r>
-              <a:rPr lang="en-US" sz="3200" dirty="0" err="1"/>
+              <a:rPr lang="en-US" sz="4000" dirty="0" err="1">
+                <a:solidFill>
+                  <a:srgbClr val="FF9900"/>
+                </a:solidFill>
+              </a:rPr>
               <a:t>int</a:t>
             </a:r>
             <a:r>
-              <a:rPr lang="en-US" sz="3200" dirty="0"/>
+              <a:rPr lang="en-US" sz="4000" dirty="0">
+                <a:solidFill>
+                  <a:srgbClr val="FF9900"/>
+                </a:solidFill>
+              </a:rPr>
               <a:t>&gt; </a:t>
             </a:r>
             <a:r>
-              <a:rPr lang="en-US" sz="3200" dirty="0" err="1"/>
+              <a:rPr lang="en-US" sz="4000" dirty="0" err="1">
+                <a:solidFill>
+                  <a:srgbClr val="FF9900"/>
+                </a:solidFill>
+              </a:rPr>
               <a:t>fibonacci</a:t>
             </a:r>
             <a:r>
-              <a:rPr lang="en-US" sz="3200" dirty="0" smtClean="0"/>
+              <a:rPr lang="en-US" sz="4000" dirty="0" smtClean="0">
+                <a:solidFill>
+                  <a:srgbClr val="FF9900"/>
+                </a:solidFill>
+              </a:rPr>
               <a:t>() {</a:t>
             </a:r>
-            <a:endParaRPr lang="en-US" sz="3200" dirty="0"/>
+            <a:endParaRPr lang="en-US" sz="4000" dirty="0">
+              <a:solidFill>
+                <a:srgbClr val="FF9900"/>
+              </a:solidFill>
+            </a:endParaRPr>
           </a:p>
           <a:p>
             <a:pPr marL="0" indent="0">
               <a:buNone/>
             </a:pPr>
             <a:r>
-              <a:rPr lang="en-US" sz="3200" dirty="0" smtClean="0"/>
+              <a:rPr lang="en-US" sz="4000" dirty="0" smtClean="0">
+                <a:solidFill>
+                  <a:srgbClr val="FF9900"/>
+                </a:solidFill>
+              </a:rPr>
               <a:t>  return </a:t>
             </a:r>
             <a:r>
-              <a:rPr lang="en-US" sz="3200" dirty="0" err="1"/>
+              <a:rPr lang="en-US" sz="4000" dirty="0" err="1">
+                <a:solidFill>
+                  <a:srgbClr val="FF9900"/>
+                </a:solidFill>
+              </a:rPr>
               <a:t>Tuple.Create</a:t>
             </a:r>
             <a:r>
-              <a:rPr lang="en-US" sz="3200" dirty="0"/>
-              <a:t>(1, 2).Unfold(</a:t>
-            </a:r>
-            <a:r>
-              <a:rPr lang="en-US" sz="3200" dirty="0" err="1"/>
-              <a:t>nextFibonacci</a:t>
-            </a:r>
-            <a:r>
-              <a:rPr lang="en-US" sz="3200" dirty="0"/>
-              <a:t>);</a:t>
+              <a:rPr lang="en-US" sz="4000" dirty="0">
+                <a:solidFill>
+                  <a:srgbClr val="FF9900"/>
+                </a:solidFill>
+              </a:rPr>
+              <a:t>(1, 2</a:t>
+            </a:r>
+            <a:r>
+              <a:rPr lang="en-US" sz="4000" dirty="0" smtClean="0">
+                <a:solidFill>
+                  <a:srgbClr val="FF9900"/>
+                </a:solidFill>
+              </a:rPr>
+              <a:t>).</a:t>
             </a:r>
           </a:p>
           <a:p>
@@ -6796,10 +6840,55 @@
               <a:buNone/>
             </a:pPr>
             <a:r>
-              <a:rPr lang="en-US" sz="3200" dirty="0" smtClean="0"/>
+              <a:rPr lang="en-US" sz="4000" dirty="0">
+                <a:solidFill>
+                  <a:srgbClr val="FF9900"/>
+                </a:solidFill>
+              </a:rPr>
+              <a:t> </a:t>
+            </a:r>
+            <a:r>
+              <a:rPr lang="en-US" sz="4000" dirty="0" smtClean="0">
+                <a:solidFill>
+                  <a:srgbClr val="FF9900"/>
+                </a:solidFill>
+              </a:rPr>
+              <a:t>                     Unfold(</a:t>
+            </a:r>
+            <a:r>
+              <a:rPr lang="en-US" sz="4000" dirty="0" err="1" smtClean="0">
+                <a:solidFill>
+                  <a:srgbClr val="FF9900"/>
+                </a:solidFill>
+              </a:rPr>
+              <a:t>nextFibonacci</a:t>
+            </a:r>
+            <a:r>
+              <a:rPr lang="en-US" sz="4000" dirty="0">
+                <a:solidFill>
+                  <a:srgbClr val="FF9900"/>
+                </a:solidFill>
+              </a:rPr>
+              <a:t>);</a:t>
+            </a:r>
+          </a:p>
+          <a:p>
+            <a:pPr marL="0" indent="0">
+              <a:buNone/>
+            </a:pPr>
+            <a:r>
+              <a:rPr lang="en-US" sz="4000" dirty="0" smtClean="0">
+                <a:solidFill>
+                  <a:srgbClr val="FF9900"/>
+                </a:solidFill>
+              </a:rPr>
               <a:t>}</a:t>
             </a:r>
-            <a:endParaRPr lang="en-US" sz="3200" dirty="0"/>
+            <a:endParaRPr lang="en-US" sz="4000" dirty="0">
+              <a:solidFill>
+                <a:srgbClr val="FF9900"/>
+              </a:solidFill>
+            </a:endParaRPr>
           </a:p>
         </p:txBody>
       </p:sp>
@@ -7029,104 +7118,288 @@
           <a:lstStyle/>
           <a:p>
             <a:pPr marL="0" indent="0">
+              <a:spcBef>
+                <a:spcPts val="0"/>
+              </a:spcBef>
               <a:buNone/>
             </a:pPr>
             <a:r>
-              <a:rPr lang="en-US" sz="3200" dirty="0"/>
+              <a:rPr lang="en-US" sz="3200" dirty="0">
+                <a:solidFill>
+                  <a:srgbClr val="FF9900"/>
+                </a:solidFill>
+              </a:rPr>
               <a:t>static </a:t>
             </a:r>
             <a:r>
-              <a:rPr lang="en-US" sz="3200" dirty="0" err="1"/>
+              <a:rPr lang="en-US" sz="3200" dirty="0" err="1">
+                <a:solidFill>
+                  <a:srgbClr val="FF9900"/>
+                </a:solidFill>
+              </a:rPr>
               <a:t>bool</a:t>
             </a:r>
             <a:r>
-              <a:rPr lang="en-US" sz="3200" dirty="0"/>
+              <a:rPr lang="en-US" sz="3200" dirty="0">
+                <a:solidFill>
+                  <a:srgbClr val="FF9900"/>
+                </a:solidFill>
+              </a:rPr>
               <a:t> </a:t>
             </a:r>
             <a:r>
-              <a:rPr lang="en-US" sz="3200" dirty="0" err="1"/>
+              <a:rPr lang="en-US" sz="3200" dirty="0" err="1">
+                <a:solidFill>
+                  <a:srgbClr val="FF9900"/>
+                </a:solidFill>
+              </a:rPr>
               <a:t>isEven</a:t>
             </a:r>
             <a:r>
-              <a:rPr lang="en-US" sz="3200" dirty="0"/>
+              <a:rPr lang="en-US" sz="3200" dirty="0">
+                <a:solidFill>
+                  <a:srgbClr val="FF9900"/>
+                </a:solidFill>
+              </a:rPr>
               <a:t>(</a:t>
             </a:r>
             <a:r>
-              <a:rPr lang="en-US" sz="3200" dirty="0" err="1"/>
+              <a:rPr lang="en-US" sz="3200" dirty="0" err="1">
+                <a:solidFill>
+                  <a:srgbClr val="FF9900"/>
+                </a:solidFill>
+              </a:rPr>
               <a:t>int</a:t>
             </a:r>
             <a:r>
-              <a:rPr lang="en-US" sz="3200" dirty="0"/>
-              <a:t> x) { return </a:t>
-            </a:r>
-            <a:r>
-              <a:rPr lang="en-US" sz="3200" dirty="0" smtClean="0"/>
-              <a:t>(x &amp; 1) == </a:t>
-            </a:r>
-            <a:r>
-              <a:rPr lang="en-US" sz="3200" dirty="0"/>
-              <a:t>0; </a:t>
-            </a:r>
-            <a:r>
-              <a:rPr lang="en-US" sz="3200" dirty="0" smtClean="0"/>
-              <a:t>}</a:t>
+              <a:rPr lang="en-US" sz="3200" dirty="0">
+                <a:solidFill>
+                  <a:srgbClr val="FF9900"/>
+                </a:solidFill>
+              </a:rPr>
+              <a:t> x</a:t>
+            </a:r>
+            <a:r>
+              <a:rPr lang="en-US" sz="3200" dirty="0" smtClean="0">
+                <a:solidFill>
+                  <a:srgbClr val="FF9900"/>
+                </a:solidFill>
+              </a:rPr>
+              <a:t>)</a:t>
             </a:r>
           </a:p>
           <a:p>
             <a:pPr marL="0" indent="0">
+              <a:spcBef>
+                <a:spcPts val="0"/>
+              </a:spcBef>
               <a:buNone/>
             </a:pPr>
             <a:r>
-              <a:rPr lang="en-US" sz="3200" dirty="0" smtClean="0"/>
-              <a:t>static </a:t>
-            </a:r>
-            <a:r>
-              <a:rPr lang="en-US" sz="3200" dirty="0" err="1" smtClean="0"/>
-              <a:t>bool</a:t>
-            </a:r>
-            <a:r>
-              <a:rPr lang="en-US" sz="3200" dirty="0" smtClean="0"/>
-              <a:t> </a:t>
-            </a:r>
-            <a:r>
-              <a:rPr lang="en-US" sz="3200" dirty="0" err="1" smtClean="0"/>
-              <a:t>doesNotExceedFourMillion</a:t>
-            </a:r>
-            <a:r>
-              <a:rPr lang="en-US" sz="3200" dirty="0" smtClean="0"/>
-              <a:t>(</a:t>
-            </a:r>
-            <a:r>
-              <a:rPr lang="en-US" sz="3200" dirty="0" err="1" smtClean="0"/>
-              <a:t>int</a:t>
-            </a:r>
-            <a:r>
-              <a:rPr lang="en-US" sz="3200" dirty="0" smtClean="0"/>
-              <a:t> x) {</a:t>
+              <a:rPr lang="en-US" sz="3200" dirty="0" smtClean="0">
+                <a:solidFill>
+                  <a:srgbClr val="FF9900"/>
+                </a:solidFill>
+              </a:rPr>
+              <a:t>{</a:t>
             </a:r>
           </a:p>
           <a:p>
             <a:pPr marL="0" indent="0">
+              <a:spcBef>
+                <a:spcPts val="0"/>
+              </a:spcBef>
               <a:buNone/>
             </a:pPr>
             <a:r>
-              <a:rPr lang="en-US" sz="3200" dirty="0"/>
+              <a:rPr lang="en-US" sz="3200" dirty="0">
+                <a:solidFill>
+                  <a:srgbClr val="FF9900"/>
+                </a:solidFill>
+              </a:rPr>
               <a:t> </a:t>
             </a:r>
             <a:r>
-              <a:rPr lang="en-US" sz="3200" dirty="0" smtClean="0"/>
-              <a:t> return x &lt;= 4000000;</a:t>
+              <a:rPr lang="en-US" sz="3200" dirty="0" smtClean="0">
+                <a:solidFill>
+                  <a:srgbClr val="FF9900"/>
+                </a:solidFill>
+              </a:rPr>
+              <a:t> </a:t>
+            </a:r>
+            <a:r>
+              <a:rPr lang="en-US" sz="3200" dirty="0" smtClean="0">
+                <a:solidFill>
+                  <a:srgbClr val="FF9900"/>
+                </a:solidFill>
+              </a:rPr>
+              <a:t>return </a:t>
+            </a:r>
+            <a:r>
+              <a:rPr lang="en-US" sz="3200" dirty="0" smtClean="0">
+                <a:solidFill>
+                  <a:srgbClr val="FF9900"/>
+                </a:solidFill>
+              </a:rPr>
+              <a:t>(x &amp; 1) == </a:t>
+            </a:r>
+            <a:r>
+              <a:rPr lang="en-US" sz="3200" dirty="0">
+                <a:solidFill>
+                  <a:srgbClr val="FF9900"/>
+                </a:solidFill>
+              </a:rPr>
+              <a:t>0</a:t>
+            </a:r>
+            <a:r>
+              <a:rPr lang="en-US" sz="3200" dirty="0" smtClean="0">
+                <a:solidFill>
+                  <a:srgbClr val="FF9900"/>
+                </a:solidFill>
+              </a:rPr>
+              <a:t>;</a:t>
             </a:r>
           </a:p>
           <a:p>
             <a:pPr marL="0" indent="0">
+              <a:spcBef>
+                <a:spcPts val="0"/>
+              </a:spcBef>
               <a:buNone/>
             </a:pPr>
             <a:r>
-              <a:rPr lang="en-US" sz="3200" dirty="0" smtClean="0"/>
+              <a:rPr lang="en-US" sz="3200" dirty="0" smtClean="0">
+                <a:solidFill>
+                  <a:srgbClr val="FF9900"/>
+                </a:solidFill>
+              </a:rPr>
               <a:t>}</a:t>
             </a:r>
-            <a:endParaRPr lang="en-US" sz="3200" dirty="0"/>
+          </a:p>
+          <a:p>
+            <a:pPr marL="0" indent="0">
+              <a:spcBef>
+                <a:spcPts val="0"/>
+              </a:spcBef>
+              <a:buNone/>
+            </a:pPr>
+            <a:r>
+              <a:rPr lang="en-US" sz="3200" dirty="0" smtClean="0">
+                <a:solidFill>
+                  <a:srgbClr val="FF9900"/>
+                </a:solidFill>
+              </a:rPr>
+              <a:t>static </a:t>
+            </a:r>
+            <a:r>
+              <a:rPr lang="en-US" sz="3200" dirty="0" err="1" smtClean="0">
+                <a:solidFill>
+                  <a:srgbClr val="FF9900"/>
+                </a:solidFill>
+              </a:rPr>
+              <a:t>bool</a:t>
+            </a:r>
+            <a:r>
+              <a:rPr lang="en-US" sz="3200" dirty="0" smtClean="0">
+                <a:solidFill>
+                  <a:srgbClr val="FF9900"/>
+                </a:solidFill>
+              </a:rPr>
+              <a:t> </a:t>
+            </a:r>
+            <a:r>
+              <a:rPr lang="en-US" sz="3200" dirty="0" err="1" smtClean="0">
+                <a:solidFill>
+                  <a:srgbClr val="FF9900"/>
+                </a:solidFill>
+              </a:rPr>
+              <a:t>doesNotExceedFourMillion</a:t>
+            </a:r>
+            <a:r>
+              <a:rPr lang="en-US" sz="3200" dirty="0" smtClean="0">
+                <a:solidFill>
+                  <a:srgbClr val="FF9900"/>
+                </a:solidFill>
+              </a:rPr>
+              <a:t>(</a:t>
+            </a:r>
+            <a:r>
+              <a:rPr lang="en-US" sz="3200" dirty="0" err="1" smtClean="0">
+                <a:solidFill>
+                  <a:srgbClr val="FF9900"/>
+                </a:solidFill>
+              </a:rPr>
+              <a:t>int</a:t>
+            </a:r>
+            <a:r>
+              <a:rPr lang="en-US" sz="3200" dirty="0" smtClean="0">
+                <a:solidFill>
+                  <a:srgbClr val="FF9900"/>
+                </a:solidFill>
+              </a:rPr>
+              <a:t> x)</a:t>
+            </a:r>
+          </a:p>
+          <a:p>
+            <a:pPr marL="0" indent="0">
+              <a:spcBef>
+                <a:spcPts val="0"/>
+              </a:spcBef>
+              <a:buNone/>
+            </a:pPr>
+            <a:r>
+              <a:rPr lang="en-US" sz="3200" dirty="0" smtClean="0">
+                <a:solidFill>
+                  <a:srgbClr val="FF9900"/>
+                </a:solidFill>
+              </a:rPr>
+              <a:t>{</a:t>
+            </a:r>
+          </a:p>
+          <a:p>
+            <a:pPr marL="0" indent="0">
+              <a:spcBef>
+                <a:spcPts val="0"/>
+              </a:spcBef>
+              <a:buNone/>
+            </a:pPr>
+            <a:r>
+              <a:rPr lang="en-US" sz="3200" dirty="0">
+                <a:solidFill>
+                  <a:srgbClr val="FF9900"/>
+                </a:solidFill>
+              </a:rPr>
+              <a:t> </a:t>
+            </a:r>
+            <a:r>
+              <a:rPr lang="en-US" sz="3200" dirty="0" smtClean="0">
+                <a:solidFill>
+                  <a:srgbClr val="FF9900"/>
+                </a:solidFill>
+              </a:rPr>
+              <a:t> return x &lt;= 4000000;</a:t>
+            </a:r>
+          </a:p>
+          <a:p>
+            <a:pPr marL="0" indent="0">
+              <a:spcBef>
+                <a:spcPts val="0"/>
+              </a:spcBef>
+              <a:buNone/>
+            </a:pPr>
+            <a:r>
+              <a:rPr lang="en-US" sz="3200" dirty="0" smtClean="0">
+                <a:solidFill>
+                  <a:srgbClr val="FF9900"/>
+                </a:solidFill>
+              </a:rPr>
+              <a:t>}</a:t>
+            </a:r>
+            <a:endParaRPr lang="en-US" sz="3200" dirty="0">
+              <a:solidFill>
+                <a:srgbClr val="FF9900"/>
+              </a:solidFill>
+            </a:endParaRPr>
           </a:p>
         </p:txBody>
       </p:sp>
@@ -7359,49 +7632,93 @@
               <a:buNone/>
             </a:pPr>
             <a:r>
-              <a:rPr lang="en-US" sz="3200" dirty="0" smtClean="0"/>
+              <a:rPr lang="en-US" sz="3200" dirty="0" smtClean="0">
+                <a:solidFill>
+                  <a:srgbClr val="FF9900"/>
+                </a:solidFill>
+              </a:rPr>
               <a:t>static </a:t>
             </a:r>
             <a:r>
-              <a:rPr lang="en-US" sz="3200" dirty="0" err="1"/>
+              <a:rPr lang="en-US" sz="3200" dirty="0" err="1">
+                <a:solidFill>
+                  <a:srgbClr val="FF9900"/>
+                </a:solidFill>
+              </a:rPr>
               <a:t>int</a:t>
             </a:r>
             <a:r>
-              <a:rPr lang="en-US" sz="3200" dirty="0"/>
+              <a:rPr lang="en-US" sz="3200" dirty="0">
+                <a:solidFill>
+                  <a:srgbClr val="FF9900"/>
+                </a:solidFill>
+              </a:rPr>
               <a:t> </a:t>
             </a:r>
             <a:r>
-              <a:rPr lang="en-US" sz="3200" dirty="0" err="1" smtClean="0"/>
+              <a:rPr lang="en-US" sz="3200" dirty="0" err="1" smtClean="0">
+                <a:solidFill>
+                  <a:srgbClr val="FF9900"/>
+                </a:solidFill>
+              </a:rPr>
               <a:t>filterFunctional</a:t>
             </a:r>
             <a:r>
-              <a:rPr lang="en-US" sz="3200" dirty="0" smtClean="0"/>
+              <a:rPr lang="en-US" sz="3200" dirty="0" smtClean="0">
+                <a:solidFill>
+                  <a:srgbClr val="FF9900"/>
+                </a:solidFill>
+              </a:rPr>
               <a:t>() </a:t>
             </a:r>
             <a:r>
-              <a:rPr lang="en-US" sz="3200" dirty="0" smtClean="0"/>
+              <a:rPr lang="en-US" sz="3200" dirty="0" smtClean="0">
+                <a:solidFill>
+                  <a:srgbClr val="FF9900"/>
+                </a:solidFill>
+              </a:rPr>
               <a:t>{</a:t>
             </a:r>
-            <a:endParaRPr lang="en-US" sz="3200" dirty="0"/>
+            <a:endParaRPr lang="en-US" sz="3200" dirty="0">
+              <a:solidFill>
+                <a:srgbClr val="FF9900"/>
+              </a:solidFill>
+            </a:endParaRPr>
           </a:p>
           <a:p>
             <a:pPr marL="0" indent="0">
               <a:buNone/>
             </a:pPr>
             <a:r>
-              <a:rPr lang="en-US" sz="3200" dirty="0" smtClean="0"/>
+              <a:rPr lang="en-US" sz="3200" dirty="0" smtClean="0">
+                <a:solidFill>
+                  <a:srgbClr val="FF9900"/>
+                </a:solidFill>
+              </a:rPr>
               <a:t>  </a:t>
             </a:r>
             <a:r>
-              <a:rPr lang="en-US" sz="3200" dirty="0"/>
+              <a:rPr lang="en-US" sz="3200" dirty="0">
+                <a:solidFill>
+                  <a:srgbClr val="FF9900"/>
+                </a:solidFill>
+              </a:rPr>
               <a:t>return </a:t>
             </a:r>
             <a:r>
-              <a:rPr lang="en-US" sz="3200" dirty="0" err="1" smtClean="0"/>
+              <a:rPr lang="en-US" sz="3200" dirty="0" err="1" smtClean="0">
+                <a:solidFill>
+                  <a:srgbClr val="FF9900"/>
+                </a:solidFill>
+              </a:rPr>
               <a:t>fibonacci</a:t>
             </a:r>
             <a:r>
-              <a:rPr lang="en-US" sz="3200" dirty="0" smtClean="0"/>
+              <a:rPr lang="en-US" sz="3200" dirty="0" smtClean="0">
+                <a:solidFill>
+                  <a:srgbClr val="FF9900"/>
+                </a:solidFill>
+              </a:rPr>
               <a:t>().</a:t>
             </a:r>
           </a:p>
@@ -7410,23 +7727,43 @@
               <a:buNone/>
             </a:pPr>
             <a:r>
-              <a:rPr lang="en-US" sz="3200" dirty="0" smtClean="0"/>
+              <a:rPr lang="en-US" sz="3200" dirty="0" smtClean="0">
+                <a:solidFill>
+                  <a:srgbClr val="FF9900"/>
+                </a:solidFill>
+              </a:rPr>
               <a:t>            </a:t>
             </a:r>
             <a:r>
-              <a:rPr lang="en-US" sz="3200" dirty="0" err="1" smtClean="0"/>
+              <a:rPr lang="en-US" sz="3200" dirty="0" err="1" smtClean="0">
+                <a:solidFill>
+                  <a:srgbClr val="FF9900"/>
+                </a:solidFill>
+              </a:rPr>
               <a:t>TakeWhile</a:t>
             </a:r>
             <a:r>
-              <a:rPr lang="en-US" sz="3200" dirty="0" smtClean="0"/>
+              <a:rPr lang="en-US" sz="3200" dirty="0" smtClean="0">
+                <a:solidFill>
+                  <a:srgbClr val="FF9900"/>
+                </a:solidFill>
+              </a:rPr>
               <a:t>(</a:t>
             </a:r>
             <a:r>
-              <a:rPr lang="en-US" sz="3200" dirty="0" err="1" smtClean="0"/>
+              <a:rPr lang="en-US" sz="3200" dirty="0" err="1" smtClean="0">
+                <a:solidFill>
+                  <a:srgbClr val="FF9900"/>
+                </a:solidFill>
+              </a:rPr>
               <a:t>doesNotExceedFourMillion</a:t>
             </a:r>
             <a:r>
-              <a:rPr lang="en-US" sz="3200" dirty="0" smtClean="0"/>
+              <a:rPr lang="en-US" sz="3200" dirty="0" smtClean="0">
+                <a:solidFill>
+                  <a:srgbClr val="FF9900"/>
+                </a:solidFill>
+              </a:rPr>
               <a:t>).</a:t>
             </a:r>
           </a:p>
@@ -7435,15 +7772,27 @@
               <a:buNone/>
             </a:pPr>
             <a:r>
-              <a:rPr lang="en-US" sz="3200" dirty="0" smtClean="0"/>
+              <a:rPr lang="en-US" sz="3200" dirty="0" smtClean="0">
+                <a:solidFill>
+                  <a:srgbClr val="FF9900"/>
+                </a:solidFill>
+              </a:rPr>
               <a:t>            Where(</a:t>
             </a:r>
             <a:r>
-              <a:rPr lang="en-US" sz="3200" dirty="0" err="1" smtClean="0"/>
+              <a:rPr lang="en-US" sz="3200" dirty="0" err="1" smtClean="0">
+                <a:solidFill>
+                  <a:srgbClr val="FF9900"/>
+                </a:solidFill>
+              </a:rPr>
               <a:t>isEven</a:t>
             </a:r>
             <a:r>
-              <a:rPr lang="en-US" sz="3200" dirty="0" smtClean="0"/>
+              <a:rPr lang="en-US" sz="3200" dirty="0" smtClean="0">
+                <a:solidFill>
+                  <a:srgbClr val="FF9900"/>
+                </a:solidFill>
+              </a:rPr>
               <a:t>).</a:t>
             </a:r>
           </a:p>
@@ -7452,19 +7801,35 @@
               <a:buNone/>
             </a:pPr>
             <a:r>
-              <a:rPr lang="en-US" sz="3200" dirty="0"/>
+              <a:rPr lang="en-US" sz="3200" dirty="0">
+                <a:solidFill>
+                  <a:srgbClr val="FF9900"/>
+                </a:solidFill>
+              </a:rPr>
               <a:t> </a:t>
             </a:r>
             <a:r>
-              <a:rPr lang="en-US" sz="3200" dirty="0" smtClean="0"/>
+              <a:rPr lang="en-US" sz="3200" dirty="0" smtClean="0">
+                <a:solidFill>
+                  <a:srgbClr val="FF9900"/>
+                </a:solidFill>
+              </a:rPr>
               <a:t>           </a:t>
             </a:r>
             <a:r>
-              <a:rPr lang="en-US" sz="3200" dirty="0" smtClean="0"/>
+              <a:rPr lang="en-US" sz="3200" dirty="0" smtClean="0">
+                <a:solidFill>
+                  <a:srgbClr val="FF9900"/>
+                </a:solidFill>
+              </a:rPr>
               <a:t>Sum</a:t>
             </a:r>
             <a:r>
-              <a:rPr lang="en-US" sz="3200" dirty="0"/>
+              <a:rPr lang="en-US" sz="3200" dirty="0">
+                <a:solidFill>
+                  <a:srgbClr val="FF9900"/>
+                </a:solidFill>
+              </a:rPr>
               <a:t>();</a:t>
             </a:r>
           </a:p>
@@ -7473,10 +7838,18 @@
               <a:buNone/>
             </a:pPr>
             <a:r>
-              <a:rPr lang="en-US" sz="3200" dirty="0" smtClean="0"/>
+              <a:rPr lang="en-US" sz="3200" dirty="0" smtClean="0">
+                <a:solidFill>
+                  <a:srgbClr val="FF9900"/>
+                </a:solidFill>
+              </a:rPr>
               <a:t>}</a:t>
             </a:r>
-            <a:endParaRPr lang="en-US" sz="3200" dirty="0" smtClean="0"/>
+            <a:endParaRPr lang="en-US" sz="3200" dirty="0" smtClean="0">
+              <a:solidFill>
+                <a:srgbClr val="FF9900"/>
+              </a:solidFill>
+            </a:endParaRPr>
           </a:p>
         </p:txBody>
       </p:sp>
@@ -7709,15 +8082,27 @@
               <a:buNone/>
             </a:pPr>
             <a:r>
-              <a:rPr lang="en-US" sz="3200" dirty="0" smtClean="0"/>
+              <a:rPr lang="en-US" sz="3200" dirty="0" smtClean="0">
+                <a:solidFill>
+                  <a:srgbClr val="FF9900"/>
+                </a:solidFill>
+              </a:rPr>
               <a:t>return </a:t>
             </a:r>
             <a:r>
-              <a:rPr lang="en-US" sz="3200" dirty="0" err="1" smtClean="0"/>
+              <a:rPr lang="en-US" sz="3200" dirty="0" err="1" smtClean="0">
+                <a:solidFill>
+                  <a:srgbClr val="FF9900"/>
+                </a:solidFill>
+              </a:rPr>
               <a:t>fibonacci</a:t>
             </a:r>
             <a:r>
-              <a:rPr lang="en-US" sz="3200" dirty="0" smtClean="0"/>
+              <a:rPr lang="en-US" sz="3200" dirty="0" smtClean="0">
+                <a:solidFill>
+                  <a:srgbClr val="FF9900"/>
+                </a:solidFill>
+              </a:rPr>
               <a:t>().</a:t>
             </a:r>
           </a:p>
@@ -7726,23 +8111,43 @@
               <a:buNone/>
             </a:pPr>
             <a:r>
-              <a:rPr lang="en-US" sz="3200" dirty="0" smtClean="0"/>
+              <a:rPr lang="en-US" sz="3200" dirty="0" smtClean="0">
+                <a:solidFill>
+                  <a:srgbClr val="FF9900"/>
+                </a:solidFill>
+              </a:rPr>
               <a:t>          </a:t>
             </a:r>
             <a:r>
-              <a:rPr lang="en-US" sz="3200" dirty="0" err="1" smtClean="0"/>
+              <a:rPr lang="en-US" sz="3200" dirty="0" err="1" smtClean="0">
+                <a:solidFill>
+                  <a:srgbClr val="FF9900"/>
+                </a:solidFill>
+              </a:rPr>
               <a:t>TakeWhile</a:t>
             </a:r>
             <a:r>
-              <a:rPr lang="en-US" sz="3200" dirty="0" smtClean="0"/>
+              <a:rPr lang="en-US" sz="3200" dirty="0" smtClean="0">
+                <a:solidFill>
+                  <a:srgbClr val="FF9900"/>
+                </a:solidFill>
+              </a:rPr>
               <a:t>(</a:t>
             </a:r>
             <a:r>
-              <a:rPr lang="en-US" sz="3200" dirty="0" err="1" smtClean="0"/>
+              <a:rPr lang="en-US" sz="3200" dirty="0" err="1" smtClean="0">
+                <a:solidFill>
+                  <a:srgbClr val="FF9900"/>
+                </a:solidFill>
+              </a:rPr>
               <a:t>doesNotExceedFourMillion</a:t>
             </a:r>
             <a:r>
-              <a:rPr lang="en-US" sz="3200" dirty="0" smtClean="0"/>
+              <a:rPr lang="en-US" sz="3200" dirty="0" smtClean="0">
+                <a:solidFill>
+                  <a:srgbClr val="FF9900"/>
+                </a:solidFill>
+              </a:rPr>
               <a:t>).</a:t>
             </a:r>
           </a:p>
@@ -7751,15 +8156,27 @@
               <a:buNone/>
             </a:pPr>
             <a:r>
-              <a:rPr lang="en-US" sz="3200" dirty="0" smtClean="0"/>
+              <a:rPr lang="en-US" sz="3200" dirty="0" smtClean="0">
+                <a:solidFill>
+                  <a:srgbClr val="FF9900"/>
+                </a:solidFill>
+              </a:rPr>
               <a:t>          Where(</a:t>
             </a:r>
             <a:r>
-              <a:rPr lang="en-US" sz="3200" dirty="0" err="1" smtClean="0"/>
+              <a:rPr lang="en-US" sz="3200" dirty="0" err="1" smtClean="0">
+                <a:solidFill>
+                  <a:srgbClr val="FF9900"/>
+                </a:solidFill>
+              </a:rPr>
               <a:t>isEven</a:t>
             </a:r>
             <a:r>
-              <a:rPr lang="en-US" sz="3200" dirty="0" smtClean="0"/>
+              <a:rPr lang="en-US" sz="3200" dirty="0" smtClean="0">
+                <a:solidFill>
+                  <a:srgbClr val="FF9900"/>
+                </a:solidFill>
+              </a:rPr>
               <a:t>).</a:t>
             </a:r>
           </a:p>
@@ -7768,19 +8185,35 @@
               <a:buNone/>
             </a:pPr>
             <a:r>
-              <a:rPr lang="en-US" sz="3200" dirty="0"/>
+              <a:rPr lang="en-US" sz="3200" dirty="0">
+                <a:solidFill>
+                  <a:srgbClr val="FF9900"/>
+                </a:solidFill>
+              </a:rPr>
               <a:t> </a:t>
             </a:r>
             <a:r>
-              <a:rPr lang="en-US" sz="3200" dirty="0" smtClean="0"/>
+              <a:rPr lang="en-US" sz="3200" dirty="0" smtClean="0">
+                <a:solidFill>
+                  <a:srgbClr val="FF9900"/>
+                </a:solidFill>
+              </a:rPr>
               <a:t>         </a:t>
             </a:r>
             <a:r>
-              <a:rPr lang="en-US" sz="3200" dirty="0" smtClean="0"/>
+              <a:rPr lang="en-US" sz="3200" dirty="0" smtClean="0">
+                <a:solidFill>
+                  <a:srgbClr val="FF9900"/>
+                </a:solidFill>
+              </a:rPr>
               <a:t>Sum</a:t>
             </a:r>
             <a:r>
-              <a:rPr lang="en-US" sz="3200" dirty="0"/>
+              <a:rPr lang="en-US" sz="3200" dirty="0">
+                <a:solidFill>
+                  <a:srgbClr val="FF9900"/>
+                </a:solidFill>
+              </a:rPr>
               <a:t>();</a:t>
             </a:r>
           </a:p>
@@ -8717,72 +9150,140 @@
               <a:buNone/>
             </a:pPr>
             <a:r>
-              <a:rPr lang="en-US" sz="2400" dirty="0" err="1"/>
+              <a:rPr lang="en-US" sz="2400" dirty="0" err="1">
+                <a:solidFill>
+                  <a:srgbClr val="FF9900"/>
+                </a:solidFill>
+              </a:rPr>
               <a:t>std</a:t>
             </a:r>
             <a:r>
-              <a:rPr lang="en-US" sz="2400" dirty="0"/>
+              <a:rPr lang="en-US" sz="2400" dirty="0">
+                <a:solidFill>
+                  <a:srgbClr val="FF9900"/>
+                </a:solidFill>
+              </a:rPr>
               <a:t>::tuple&lt;</a:t>
             </a:r>
             <a:r>
-              <a:rPr lang="en-US" sz="2400" dirty="0" err="1"/>
+              <a:rPr lang="en-US" sz="2400" dirty="0" err="1">
+                <a:solidFill>
+                  <a:srgbClr val="FF9900"/>
+                </a:solidFill>
+              </a:rPr>
               <a:t>int</a:t>
             </a:r>
             <a:r>
-              <a:rPr lang="en-US" sz="2400" dirty="0"/>
+              <a:rPr lang="en-US" sz="2400" dirty="0">
+                <a:solidFill>
+                  <a:srgbClr val="FF9900"/>
+                </a:solidFill>
+              </a:rPr>
               <a:t>, </a:t>
             </a:r>
             <a:r>
-              <a:rPr lang="en-US" sz="2400" dirty="0" err="1"/>
+              <a:rPr lang="en-US" sz="2400" dirty="0" err="1">
+                <a:solidFill>
+                  <a:srgbClr val="FF9900"/>
+                </a:solidFill>
+              </a:rPr>
               <a:t>int</a:t>
             </a:r>
             <a:r>
-              <a:rPr lang="en-US" sz="2400" dirty="0"/>
+              <a:rPr lang="en-US" sz="2400" dirty="0">
+                <a:solidFill>
+                  <a:srgbClr val="FF9900"/>
+                </a:solidFill>
+              </a:rPr>
               <a:t>&gt; </a:t>
             </a:r>
             <a:r>
-              <a:rPr lang="en-US" sz="2400" dirty="0" err="1"/>
+              <a:rPr lang="en-US" sz="2400" dirty="0" err="1">
+                <a:solidFill>
+                  <a:srgbClr val="FF9900"/>
+                </a:solidFill>
+              </a:rPr>
               <a:t>nextFibonacci</a:t>
             </a:r>
             <a:r>
-              <a:rPr lang="en-US" sz="2400" dirty="0"/>
+              <a:rPr lang="en-US" sz="2400" dirty="0">
+                <a:solidFill>
+                  <a:srgbClr val="FF9900"/>
+                </a:solidFill>
+              </a:rPr>
               <a:t>(</a:t>
             </a:r>
             <a:r>
-              <a:rPr lang="en-US" sz="2400" dirty="0" err="1"/>
+              <a:rPr lang="en-US" sz="2400" dirty="0" err="1">
+                <a:solidFill>
+                  <a:srgbClr val="FF9900"/>
+                </a:solidFill>
+              </a:rPr>
               <a:t>int</a:t>
             </a:r>
             <a:r>
-              <a:rPr lang="en-US" sz="2400" dirty="0"/>
+              <a:rPr lang="en-US" sz="2400" dirty="0">
+                <a:solidFill>
+                  <a:srgbClr val="FF9900"/>
+                </a:solidFill>
+              </a:rPr>
               <a:t> </a:t>
             </a:r>
             <a:r>
-              <a:rPr lang="en-US" sz="2400" dirty="0" err="1"/>
+              <a:rPr lang="en-US" sz="2400" dirty="0" err="1">
+                <a:solidFill>
+                  <a:srgbClr val="FF9900"/>
+                </a:solidFill>
+              </a:rPr>
               <a:t>const</a:t>
             </a:r>
             <a:r>
-              <a:rPr lang="en-US" sz="2400" dirty="0"/>
+              <a:rPr lang="en-US" sz="2400" dirty="0">
+                <a:solidFill>
+                  <a:srgbClr val="FF9900"/>
+                </a:solidFill>
+              </a:rPr>
               <a:t> a, </a:t>
             </a:r>
             <a:r>
-              <a:rPr lang="en-US" sz="2400" dirty="0" err="1"/>
+              <a:rPr lang="en-US" sz="2400" dirty="0" err="1">
+                <a:solidFill>
+                  <a:srgbClr val="FF9900"/>
+                </a:solidFill>
+              </a:rPr>
               <a:t>int</a:t>
             </a:r>
             <a:r>
-              <a:rPr lang="en-US" sz="2400" dirty="0"/>
+              <a:rPr lang="en-US" sz="2400" dirty="0">
+                <a:solidFill>
+                  <a:srgbClr val="FF9900"/>
+                </a:solidFill>
+              </a:rPr>
               <a:t> </a:t>
             </a:r>
             <a:r>
-              <a:rPr lang="en-US" sz="2400" dirty="0" err="1"/>
+              <a:rPr lang="en-US" sz="2400" dirty="0" err="1">
+                <a:solidFill>
+                  <a:srgbClr val="FF9900"/>
+                </a:solidFill>
+              </a:rPr>
               <a:t>const</a:t>
             </a:r>
             <a:r>
-              <a:rPr lang="en-US" sz="2400" dirty="0"/>
-              <a:t> b) </a:t>
-            </a:r>
-            <a:r>
-              <a:rPr lang="en-US" sz="2400" dirty="0" smtClean="0"/>
-              <a:t>{</a:t>
+              <a:rPr lang="en-US" sz="2400" dirty="0">
+                <a:solidFill>
+                  <a:srgbClr val="FF9900"/>
+                </a:solidFill>
+              </a:rPr>
+              <a:t> b</a:t>
+            </a:r>
+            <a:r>
+              <a:rPr lang="en-US" sz="2400" dirty="0" smtClean="0">
+                <a:solidFill>
+                  <a:srgbClr val="FF9900"/>
+                </a:solidFill>
+              </a:rPr>
+              <a:t>)</a:t>
             </a:r>
           </a:p>
           <a:p>
@@ -8790,93 +9291,313 @@
               <a:buNone/>
             </a:pPr>
             <a:r>
-              <a:rPr lang="en-US" sz="2400" dirty="0" smtClean="0"/>
-              <a:t>  return </a:t>
-            </a:r>
-            <a:r>
-              <a:rPr lang="en-US" sz="2400" dirty="0" err="1"/>
-              <a:t>std</a:t>
-            </a:r>
-            <a:r>
-              <a:rPr lang="en-US" sz="2400" dirty="0"/>
-              <a:t>::</a:t>
-            </a:r>
-            <a:r>
-              <a:rPr lang="en-US" sz="2400" dirty="0" err="1"/>
-              <a:t>make_tuple</a:t>
-            </a:r>
-            <a:r>
-              <a:rPr lang="en-US" sz="2400" dirty="0"/>
-              <a:t>(b, a + b); </a:t>
-            </a:r>
-            <a:r>
-              <a:rPr lang="en-US" sz="2400" dirty="0" smtClean="0"/>
-              <a:t>}</a:t>
-            </a:r>
+              <a:rPr lang="en-US" sz="2400" dirty="0" smtClean="0">
+                <a:solidFill>
+                  <a:srgbClr val="FF9900"/>
+                </a:solidFill>
+              </a:rPr>
+              <a:t>{</a:t>
+            </a:r>
+            <a:endParaRPr lang="en-US" sz="2400" dirty="0" smtClean="0">
+              <a:solidFill>
+                <a:srgbClr val="FF9900"/>
+              </a:solidFill>
+            </a:endParaRPr>
           </a:p>
           <a:p>
             <a:pPr marL="0" indent="0">
               <a:buNone/>
             </a:pPr>
-            <a:endParaRPr lang="en-US" sz="2400" dirty="0" smtClean="0"/>
+            <a:r>
+              <a:rPr lang="en-US" sz="2400" dirty="0" smtClean="0">
+                <a:solidFill>
+                  <a:srgbClr val="FF9900"/>
+                </a:solidFill>
+              </a:rPr>
+              <a:t>  </a:t>
+            </a:r>
+            <a:r>
+              <a:rPr lang="en-US" sz="2400" dirty="0" smtClean="0">
+                <a:solidFill>
+                  <a:srgbClr val="FF9900"/>
+                </a:solidFill>
+              </a:rPr>
+              <a:t>  return </a:t>
+            </a:r>
+            <a:r>
+              <a:rPr lang="en-US" sz="2400" dirty="0" err="1">
+                <a:solidFill>
+                  <a:srgbClr val="FF9900"/>
+                </a:solidFill>
+              </a:rPr>
+              <a:t>std</a:t>
+            </a:r>
+            <a:r>
+              <a:rPr lang="en-US" sz="2400" dirty="0">
+                <a:solidFill>
+                  <a:srgbClr val="FF9900"/>
+                </a:solidFill>
+              </a:rPr>
+              <a:t>::</a:t>
+            </a:r>
+            <a:r>
+              <a:rPr lang="en-US" sz="2400" dirty="0" err="1">
+                <a:solidFill>
+                  <a:srgbClr val="FF9900"/>
+                </a:solidFill>
+              </a:rPr>
+              <a:t>make_tuple</a:t>
+            </a:r>
+            <a:r>
+              <a:rPr lang="en-US" sz="2400" dirty="0">
+                <a:solidFill>
+                  <a:srgbClr val="FF9900"/>
+                </a:solidFill>
+              </a:rPr>
+              <a:t>(b, a + b</a:t>
+            </a:r>
+            <a:r>
+              <a:rPr lang="en-US" sz="2400" dirty="0" smtClean="0">
+                <a:solidFill>
+                  <a:srgbClr val="FF9900"/>
+                </a:solidFill>
+              </a:rPr>
+              <a:t>);</a:t>
+            </a:r>
           </a:p>
           <a:p>
             <a:pPr marL="0" indent="0">
               <a:buNone/>
             </a:pPr>
             <a:r>
-              <a:rPr lang="en-US" sz="2400" dirty="0" err="1"/>
+              <a:rPr lang="en-US" sz="2400" dirty="0" smtClean="0">
+                <a:solidFill>
+                  <a:srgbClr val="FF9900"/>
+                </a:solidFill>
+              </a:rPr>
+              <a:t>}</a:t>
+            </a:r>
+          </a:p>
+          <a:p>
+            <a:pPr marL="0" indent="0">
+              <a:buNone/>
+            </a:pPr>
+            <a:r>
+              <a:rPr lang="en-US" sz="2400" dirty="0" err="1" smtClean="0">
+                <a:solidFill>
+                  <a:srgbClr val="FF9900"/>
+                </a:solidFill>
+              </a:rPr>
               <a:t>struct</a:t>
             </a:r>
             <a:r>
-              <a:rPr lang="en-US" sz="2400" dirty="0"/>
+              <a:rPr lang="en-US" sz="2400" dirty="0" smtClean="0">
+                <a:solidFill>
+                  <a:srgbClr val="FF9900"/>
+                </a:solidFill>
+              </a:rPr>
               <a:t> </a:t>
             </a:r>
             <a:r>
-              <a:rPr lang="en-US" sz="2400" dirty="0" err="1"/>
+              <a:rPr lang="en-US" sz="2400" dirty="0" err="1" smtClean="0">
+                <a:solidFill>
+                  <a:srgbClr val="FF9900"/>
+                </a:solidFill>
+              </a:rPr>
               <a:t>IsEven</a:t>
             </a:r>
-            <a:r>
-              <a:rPr lang="en-US" sz="2400" dirty="0"/>
+            <a:endParaRPr lang="en-US" sz="2400" dirty="0" smtClean="0">
+              <a:solidFill>
+                <a:srgbClr val="FF9900"/>
+              </a:solidFill>
+            </a:endParaRPr>
+          </a:p>
+          <a:p>
+            <a:pPr marL="0" indent="0">
+              <a:buNone/>
+            </a:pPr>
+            <a:r>
+              <a:rPr lang="en-US" sz="2400" dirty="0" smtClean="0">
+                <a:solidFill>
+                  <a:srgbClr val="FF9900"/>
+                </a:solidFill>
+              </a:rPr>
+              <a:t>{</a:t>
+            </a:r>
+          </a:p>
+          <a:p>
+            <a:pPr marL="0" indent="0">
+              <a:buNone/>
+            </a:pPr>
+            <a:r>
+              <a:rPr lang="en-US" sz="2400" dirty="0" smtClean="0">
+                <a:solidFill>
+                  <a:srgbClr val="FF9900"/>
+                </a:solidFill>
+              </a:rPr>
+              <a:t>    </a:t>
+            </a:r>
+            <a:r>
+              <a:rPr lang="en-US" sz="2400" dirty="0" err="1" smtClean="0">
+                <a:solidFill>
+                  <a:srgbClr val="FF9900"/>
+                </a:solidFill>
+              </a:rPr>
+              <a:t>bool</a:t>
+            </a:r>
+            <a:r>
+              <a:rPr lang="en-US" sz="2400" dirty="0" smtClean="0">
+                <a:solidFill>
+                  <a:srgbClr val="FF9900"/>
+                </a:solidFill>
+              </a:rPr>
               <a:t> </a:t>
             </a:r>
             <a:r>
-              <a:rPr lang="en-US" sz="2400" dirty="0" smtClean="0"/>
-              <a:t>{ </a:t>
-            </a:r>
-            <a:r>
-              <a:rPr lang="en-US" sz="2400" dirty="0" err="1"/>
-              <a:t>bool</a:t>
-            </a:r>
-            <a:r>
-              <a:rPr lang="en-US" sz="2400" dirty="0"/>
-              <a:t> operator()(</a:t>
-            </a:r>
-            <a:r>
-              <a:rPr lang="en-US" sz="2400" dirty="0" err="1"/>
+              <a:rPr lang="en-US" sz="2400" dirty="0">
+                <a:solidFill>
+                  <a:srgbClr val="FF9900"/>
+                </a:solidFill>
+              </a:rPr>
+              <a:t>operator()(</a:t>
+            </a:r>
+            <a:r>
+              <a:rPr lang="en-US" sz="2400" dirty="0" err="1">
+                <a:solidFill>
+                  <a:srgbClr val="FF9900"/>
+                </a:solidFill>
+              </a:rPr>
               <a:t>int</a:t>
             </a:r>
             <a:r>
-              <a:rPr lang="en-US" sz="2400" dirty="0"/>
+              <a:rPr lang="en-US" sz="2400" dirty="0">
+                <a:solidFill>
+                  <a:srgbClr val="FF9900"/>
+                </a:solidFill>
+              </a:rPr>
               <a:t> </a:t>
             </a:r>
             <a:r>
-              <a:rPr lang="en-US" sz="2400" dirty="0" err="1"/>
+              <a:rPr lang="en-US" sz="2400" dirty="0" err="1">
+                <a:solidFill>
+                  <a:srgbClr val="FF9900"/>
+                </a:solidFill>
+              </a:rPr>
               <a:t>const</a:t>
             </a:r>
             <a:r>
-              <a:rPr lang="en-US" sz="2400" dirty="0"/>
-              <a:t> x) { return !(x &amp; 1); </a:t>
-            </a:r>
-            <a:r>
-              <a:rPr lang="en-US" sz="2400" dirty="0" smtClean="0"/>
-              <a:t>} </a:t>
-            </a:r>
-            <a:r>
-              <a:rPr lang="en-US" sz="2400" dirty="0" smtClean="0"/>
+              <a:rPr lang="en-US" sz="2400" dirty="0">
+                <a:solidFill>
+                  <a:srgbClr val="FF9900"/>
+                </a:solidFill>
+              </a:rPr>
+              <a:t> x</a:t>
+            </a:r>
+            <a:r>
+              <a:rPr lang="en-US" sz="2400" dirty="0" smtClean="0">
+                <a:solidFill>
+                  <a:srgbClr val="FF9900"/>
+                </a:solidFill>
+              </a:rPr>
+              <a:t>)</a:t>
+            </a:r>
+          </a:p>
+          <a:p>
+            <a:pPr marL="0" indent="0">
+              <a:buNone/>
+            </a:pPr>
+            <a:r>
+              <a:rPr lang="en-US" sz="2400" dirty="0" smtClean="0">
+                <a:solidFill>
+                  <a:srgbClr val="FF9900"/>
+                </a:solidFill>
+              </a:rPr>
+              <a:t>    {</a:t>
+            </a:r>
+          </a:p>
+          <a:p>
+            <a:pPr marL="0" indent="0">
+              <a:buNone/>
+            </a:pPr>
+            <a:r>
+              <a:rPr lang="en-US" sz="2400" dirty="0">
+                <a:solidFill>
+                  <a:srgbClr val="FF9900"/>
+                </a:solidFill>
+              </a:rPr>
+              <a:t> </a:t>
+            </a:r>
+            <a:r>
+              <a:rPr lang="en-US" sz="2400" dirty="0" smtClean="0">
+                <a:solidFill>
+                  <a:srgbClr val="FF9900"/>
+                </a:solidFill>
+              </a:rPr>
+              <a:t>      </a:t>
+            </a:r>
+            <a:r>
+              <a:rPr lang="en-US" sz="2400" dirty="0" smtClean="0">
+                <a:solidFill>
+                  <a:srgbClr val="FF9900"/>
+                </a:solidFill>
+              </a:rPr>
+              <a:t> </a:t>
+            </a:r>
+            <a:r>
+              <a:rPr lang="en-US" sz="2400" dirty="0">
+                <a:solidFill>
+                  <a:srgbClr val="FF9900"/>
+                </a:solidFill>
+              </a:rPr>
+              <a:t>return !(x &amp; 1</a:t>
+            </a:r>
+            <a:r>
+              <a:rPr lang="en-US" sz="2400" dirty="0" smtClean="0">
+                <a:solidFill>
+                  <a:srgbClr val="FF9900"/>
+                </a:solidFill>
+              </a:rPr>
+              <a:t>);</a:t>
+            </a:r>
+          </a:p>
+          <a:p>
+            <a:pPr marL="0" indent="0">
+              <a:buNone/>
+            </a:pPr>
+            <a:r>
+              <a:rPr lang="en-US" sz="2400" dirty="0" smtClean="0">
+                <a:solidFill>
+                  <a:srgbClr val="FF9900"/>
+                </a:solidFill>
+              </a:rPr>
+              <a:t>   </a:t>
+            </a:r>
+            <a:r>
+              <a:rPr lang="en-US" sz="2400" dirty="0" smtClean="0">
+                <a:solidFill>
+                  <a:srgbClr val="FF9900"/>
+                </a:solidFill>
+              </a:rPr>
+              <a:t> }</a:t>
+            </a:r>
+          </a:p>
+          <a:p>
+            <a:pPr marL="0" indent="0">
+              <a:buNone/>
+            </a:pPr>
+            <a:r>
+              <a:rPr lang="en-US" sz="2400" dirty="0" smtClean="0">
+                <a:solidFill>
+                  <a:srgbClr val="FF9900"/>
+                </a:solidFill>
+              </a:rPr>
               <a:t>};</a:t>
             </a:r>
-            <a:endParaRPr lang="en-US" sz="2400" dirty="0"/>
+            <a:endParaRPr lang="en-US" sz="2400" dirty="0">
+              <a:solidFill>
+                <a:srgbClr val="FF9900"/>
+              </a:solidFill>
+            </a:endParaRPr>
           </a:p>
         </p:txBody>
       </p:sp>
@@ -9096,7 +9817,7 @@
         </p:nvSpPr>
         <p:spPr>
           <a:xfrm>
-            <a:off x="0" y="1341864"/>
+            <a:off x="0" y="962723"/>
             <a:ext cx="9144000" cy="5215054"/>
           </a:xfrm>
         </p:spPr>
@@ -9108,27 +9829,51 @@
               <a:buNone/>
             </a:pPr>
             <a:r>
-              <a:rPr lang="en-US" sz="3200" dirty="0" smtClean="0"/>
+              <a:rPr lang="en-US" dirty="0" smtClean="0">
+                <a:solidFill>
+                  <a:srgbClr val="FF9900"/>
+                </a:solidFill>
+              </a:rPr>
               <a:t>static </a:t>
             </a:r>
             <a:r>
-              <a:rPr lang="en-US" sz="3200" dirty="0" err="1"/>
+              <a:rPr lang="en-US" dirty="0" err="1">
+                <a:solidFill>
+                  <a:srgbClr val="FF9900"/>
+                </a:solidFill>
+              </a:rPr>
               <a:t>int</a:t>
             </a:r>
             <a:r>
-              <a:rPr lang="en-US" sz="3200" dirty="0"/>
+              <a:rPr lang="en-US" dirty="0">
+                <a:solidFill>
+                  <a:srgbClr val="FF9900"/>
+                </a:solidFill>
+              </a:rPr>
               <a:t> </a:t>
             </a:r>
             <a:r>
-              <a:rPr lang="en-US" sz="3200" dirty="0" err="1"/>
+              <a:rPr lang="en-US" dirty="0" err="1">
+                <a:solidFill>
+                  <a:srgbClr val="FF9900"/>
+                </a:solidFill>
+              </a:rPr>
               <a:t>filterImperative</a:t>
             </a:r>
             <a:r>
-              <a:rPr lang="en-US" sz="3200" dirty="0" smtClean="0"/>
+              <a:rPr lang="en-US" dirty="0" smtClean="0">
+                <a:solidFill>
+                  <a:srgbClr val="FF9900"/>
+                </a:solidFill>
+              </a:rPr>
               <a:t>() </a:t>
             </a:r>
             <a:r>
-              <a:rPr lang="en-US" sz="3200" dirty="0"/>
+              <a:rPr lang="en-US" dirty="0">
+                <a:solidFill>
+                  <a:srgbClr val="FF9900"/>
+                </a:solidFill>
+              </a:rPr>
               <a:t>{</a:t>
             </a:r>
           </a:p>
@@ -9137,7 +9882,11 @@
               <a:buNone/>
             </a:pPr>
             <a:r>
-              <a:rPr lang="en-US" sz="3200" dirty="0"/>
+              <a:rPr lang="en-US" dirty="0">
+                <a:solidFill>
+                  <a:srgbClr val="FF9900"/>
+                </a:solidFill>
+              </a:rPr>
               <a:t>    auto sum = 0;</a:t>
             </a:r>
           </a:p>
@@ -9146,42 +9895,86 @@
               <a:buNone/>
             </a:pPr>
             <a:r>
-              <a:rPr lang="en-US" sz="3200" dirty="0"/>
-              <a:t>    for(auto a = 1, b = 2; a </a:t>
-            </a:r>
-            <a:r>
-              <a:rPr lang="en-US" sz="3200" dirty="0" smtClean="0"/>
-              <a:t>&lt;= 4000000;</a:t>
-            </a:r>
-            <a:endParaRPr lang="en-US" sz="3200" dirty="0" smtClean="0"/>
+              <a:rPr lang="en-US" dirty="0">
+                <a:solidFill>
+                  <a:srgbClr val="FF9900"/>
+                </a:solidFill>
+              </a:rPr>
+              <a:t>    for(auto a = 1, b = 2</a:t>
+            </a:r>
+            <a:r>
+              <a:rPr lang="en-US" dirty="0" smtClean="0">
+                <a:solidFill>
+                  <a:srgbClr val="FF9900"/>
+                </a:solidFill>
+              </a:rPr>
+              <a:t>; a &lt;= 4000000;</a:t>
+            </a:r>
+            <a:endParaRPr lang="en-US" dirty="0" smtClean="0">
+              <a:solidFill>
+                <a:srgbClr val="FF9900"/>
+              </a:solidFill>
+            </a:endParaRPr>
           </a:p>
           <a:p>
             <a:pPr marL="0" indent="0">
               <a:buNone/>
             </a:pPr>
             <a:r>
-              <a:rPr lang="en-US" sz="3200" dirty="0"/>
+              <a:rPr lang="en-US" dirty="0">
+                <a:solidFill>
+                  <a:srgbClr val="FF9900"/>
+                </a:solidFill>
+              </a:rPr>
               <a:t> </a:t>
             </a:r>
             <a:r>
-              <a:rPr lang="en-US" sz="3200" dirty="0" smtClean="0"/>
+              <a:rPr lang="en-US" dirty="0" smtClean="0">
+                <a:solidFill>
+                  <a:srgbClr val="FF9900"/>
+                </a:solidFill>
+              </a:rPr>
               <a:t>        </a:t>
             </a:r>
             <a:r>
-              <a:rPr lang="en-US" sz="3200" dirty="0" err="1" smtClean="0"/>
+              <a:rPr lang="en-US" dirty="0" err="1" smtClean="0">
+                <a:solidFill>
+                  <a:srgbClr val="FF9900"/>
+                </a:solidFill>
+              </a:rPr>
               <a:t>std</a:t>
             </a:r>
             <a:r>
-              <a:rPr lang="en-US" sz="3200" dirty="0"/>
+              <a:rPr lang="en-US" dirty="0">
+                <a:solidFill>
+                  <a:srgbClr val="FF9900"/>
+                </a:solidFill>
+              </a:rPr>
               <a:t>::tie(a, b) = </a:t>
             </a:r>
             <a:r>
-              <a:rPr lang="en-US" sz="3200" dirty="0" err="1"/>
+              <a:rPr lang="en-US" dirty="0" err="1">
+                <a:solidFill>
+                  <a:srgbClr val="FF9900"/>
+                </a:solidFill>
+              </a:rPr>
               <a:t>nextFibonacci</a:t>
             </a:r>
             <a:r>
-              <a:rPr lang="en-US" sz="3200" dirty="0"/>
-              <a:t>(a, b))</a:t>
+              <a:rPr lang="en-US" dirty="0">
+                <a:solidFill>
+                  <a:srgbClr val="FF9900"/>
+                </a:solidFill>
+              </a:rPr>
+              <a:t>(a, b</a:t>
+            </a:r>
+            <a:r>
+              <a:rPr lang="en-US" dirty="0" smtClean="0">
+                <a:solidFill>
+                  <a:srgbClr val="FF9900"/>
+                </a:solidFill>
+              </a:rPr>
+              <a:t>))</a:t>
             </a:r>
           </a:p>
           <a:p>
@@ -9189,33 +9982,70 @@
               <a:buNone/>
             </a:pPr>
             <a:r>
-              <a:rPr lang="en-US" sz="3200" dirty="0"/>
-              <a:t>        if </a:t>
-            </a:r>
-            <a:r>
-              <a:rPr lang="en-US" sz="3200" dirty="0" smtClean="0"/>
-              <a:t>(</a:t>
-            </a:r>
-            <a:r>
-              <a:rPr lang="en-US" sz="3200" dirty="0" err="1" smtClean="0"/>
-              <a:t>IsEven</a:t>
-            </a:r>
-            <a:r>
-              <a:rPr lang="en-US" sz="3200" dirty="0" smtClean="0"/>
-              <a:t>()(a</a:t>
-            </a:r>
-            <a:r>
-              <a:rPr lang="en-US" sz="3200" dirty="0"/>
-              <a:t>))</a:t>
-            </a:r>
+              <a:rPr lang="en-US" dirty="0">
+                <a:solidFill>
+                  <a:srgbClr val="FF9900"/>
+                </a:solidFill>
+              </a:rPr>
+              <a:t> </a:t>
+            </a:r>
+            <a:r>
+              <a:rPr lang="en-US" dirty="0" smtClean="0">
+                <a:solidFill>
+                  <a:srgbClr val="FF9900"/>
+                </a:solidFill>
+              </a:rPr>
+              <a:t>   {</a:t>
+            </a:r>
+            <a:endParaRPr lang="en-US" dirty="0">
+              <a:solidFill>
+                <a:srgbClr val="FF9900"/>
+              </a:solidFill>
+            </a:endParaRPr>
           </a:p>
           <a:p>
             <a:pPr marL="0" indent="0">
               <a:buNone/>
             </a:pPr>
             <a:r>
-              <a:rPr lang="en-US" sz="3200" dirty="0"/>
-              <a:t>            sum += a;</a:t>
+              <a:rPr lang="en-US" dirty="0">
+                <a:solidFill>
+                  <a:srgbClr val="FF9900"/>
+                </a:solidFill>
+              </a:rPr>
+              <a:t>        if </a:t>
+            </a:r>
+            <a:r>
+              <a:rPr lang="en-US" dirty="0" smtClean="0">
+                <a:solidFill>
+                  <a:srgbClr val="FF9900"/>
+                </a:solidFill>
+              </a:rPr>
+              <a:t>(</a:t>
+            </a:r>
+            <a:r>
+              <a:rPr lang="en-US" dirty="0" err="1" smtClean="0">
+                <a:solidFill>
+                  <a:srgbClr val="FF9900"/>
+                </a:solidFill>
+              </a:rPr>
+              <a:t>IsEven</a:t>
+            </a:r>
+            <a:r>
+              <a:rPr lang="en-US" dirty="0" smtClean="0">
+                <a:solidFill>
+                  <a:srgbClr val="FF9900"/>
+                </a:solidFill>
+              </a:rPr>
+              <a:t>()(a</a:t>
+            </a:r>
+            <a:r>
+              <a:rPr lang="en-US" dirty="0">
+                <a:solidFill>
+                  <a:srgbClr val="FF9900"/>
+                </a:solidFill>
+              </a:rPr>
+              <a:t>))</a:t>
             </a:r>
           </a:p>
           <a:p>
@@ -9223,11 +10053,19 @@
               <a:buNone/>
             </a:pPr>
             <a:r>
-              <a:rPr lang="en-US" sz="3200" dirty="0"/>
-              <a:t>    return sum</a:t>
-            </a:r>
-            <a:r>
-              <a:rPr lang="en-US" sz="3200" dirty="0" smtClean="0"/>
+              <a:rPr lang="en-US" dirty="0">
+                <a:solidFill>
+                  <a:srgbClr val="FF9900"/>
+                </a:solidFill>
+              </a:rPr>
+              <a:t>            sum += a</a:t>
+            </a:r>
+            <a:r>
+              <a:rPr lang="en-US" dirty="0" smtClean="0">
+                <a:solidFill>
+                  <a:srgbClr val="FF9900"/>
+                </a:solidFill>
+              </a:rPr>
               <a:t>;</a:t>
             </a:r>
           </a:p>
@@ -9236,14 +10074,44 @@
               <a:buNone/>
             </a:pPr>
             <a:r>
-              <a:rPr lang="en-US" sz="3200" dirty="0" smtClean="0"/>
-              <a:t> </a:t>
-            </a:r>
-            <a:r>
-              <a:rPr lang="en-US" sz="3200" dirty="0" smtClean="0"/>
-              <a:t>}</a:t>
-            </a:r>
-            <a:endParaRPr lang="en-US" sz="3200" dirty="0"/>
+              <a:rPr lang="en-US" dirty="0" smtClean="0">
+                <a:solidFill>
+                  <a:srgbClr val="FF9900"/>
+                </a:solidFill>
+              </a:rPr>
+              <a:t>    }</a:t>
+            </a:r>
+            <a:endParaRPr lang="en-US" dirty="0">
+              <a:solidFill>
+                <a:srgbClr val="FF9900"/>
+              </a:solidFill>
+            </a:endParaRPr>
+          </a:p>
+          <a:p>
+            <a:pPr marL="0" indent="0">
+              <a:buNone/>
+            </a:pPr>
+            <a:r>
+              <a:rPr lang="en-US" dirty="0">
+                <a:solidFill>
+                  <a:srgbClr val="FF9900"/>
+                </a:solidFill>
+              </a:rPr>
+              <a:t>    return sum</a:t>
+            </a:r>
+            <a:r>
+              <a:rPr lang="en-US" dirty="0" smtClean="0">
+                <a:solidFill>
+                  <a:srgbClr val="FF9900"/>
+                </a:solidFill>
+              </a:rPr>
+              <a:t>; }</a:t>
+            </a:r>
+            <a:endParaRPr lang="en-US" dirty="0">
+              <a:solidFill>
+                <a:srgbClr val="FF9900"/>
+              </a:solidFill>
+            </a:endParaRPr>
           </a:p>
         </p:txBody>
       </p:sp>
@@ -9475,63 +10343,123 @@
               <a:buNone/>
             </a:pPr>
             <a:r>
-              <a:rPr lang="en-US" sz="2000" dirty="0" err="1"/>
+              <a:rPr lang="en-US" sz="2000" dirty="0" err="1">
+                <a:solidFill>
+                  <a:srgbClr val="FF9900"/>
+                </a:solidFill>
+              </a:rPr>
               <a:t>struct</a:t>
             </a:r>
             <a:r>
-              <a:rPr lang="en-US" sz="2000" dirty="0"/>
+              <a:rPr lang="en-US" sz="2000" dirty="0">
+                <a:solidFill>
+                  <a:srgbClr val="FF9900"/>
+                </a:solidFill>
+              </a:rPr>
               <a:t> </a:t>
             </a:r>
             <a:r>
-              <a:rPr lang="en-US" sz="2000" dirty="0" err="1" smtClean="0"/>
+              <a:rPr lang="en-US" sz="2000" dirty="0" err="1" smtClean="0">
+                <a:solidFill>
+                  <a:srgbClr val="FF9900"/>
+                </a:solidFill>
+              </a:rPr>
               <a:t>fibonacci_iterator</a:t>
             </a:r>
             <a:r>
-              <a:rPr lang="en-US" sz="2000" dirty="0" smtClean="0"/>
+              <a:rPr lang="en-US" sz="2000" dirty="0" smtClean="0">
+                <a:solidFill>
+                  <a:srgbClr val="FF9900"/>
+                </a:solidFill>
+              </a:rPr>
               <a:t> : </a:t>
             </a:r>
             <a:r>
-              <a:rPr lang="en-US" sz="2000" dirty="0"/>
+              <a:rPr lang="en-US" sz="2000" dirty="0">
+                <a:solidFill>
+                  <a:srgbClr val="FF9900"/>
+                </a:solidFill>
+              </a:rPr>
               <a:t>public boost::</a:t>
             </a:r>
             <a:r>
-              <a:rPr lang="en-US" sz="2000" dirty="0" err="1"/>
+              <a:rPr lang="en-US" sz="2000" dirty="0" err="1">
+                <a:solidFill>
+                  <a:srgbClr val="FF9900"/>
+                </a:solidFill>
+              </a:rPr>
               <a:t>iterator_facade</a:t>
             </a:r>
             <a:r>
-              <a:rPr lang="en-US" sz="2000" dirty="0"/>
+              <a:rPr lang="en-US" sz="2000" dirty="0">
+                <a:solidFill>
+                  <a:srgbClr val="FF9900"/>
+                </a:solidFill>
+              </a:rPr>
               <a:t>&lt;</a:t>
             </a:r>
             <a:r>
-              <a:rPr lang="en-US" sz="2000" dirty="0" err="1"/>
+              <a:rPr lang="en-US" sz="2000" dirty="0" err="1">
+                <a:solidFill>
+                  <a:srgbClr val="FF9900"/>
+                </a:solidFill>
+              </a:rPr>
               <a:t>fibonacci_iterator</a:t>
             </a:r>
             <a:r>
-              <a:rPr lang="en-US" sz="2000" dirty="0"/>
+              <a:rPr lang="en-US" sz="2000" dirty="0">
+                <a:solidFill>
+                  <a:srgbClr val="FF9900"/>
+                </a:solidFill>
+              </a:rPr>
               <a:t>, </a:t>
             </a:r>
             <a:r>
-              <a:rPr lang="en-US" sz="2000" dirty="0" err="1"/>
+              <a:rPr lang="en-US" sz="2000" dirty="0" err="1">
+                <a:solidFill>
+                  <a:srgbClr val="FF9900"/>
+                </a:solidFill>
+              </a:rPr>
               <a:t>int</a:t>
             </a:r>
             <a:r>
-              <a:rPr lang="en-US" sz="2000" dirty="0"/>
+              <a:rPr lang="en-US" sz="2000" dirty="0">
+                <a:solidFill>
+                  <a:srgbClr val="FF9900"/>
+                </a:solidFill>
+              </a:rPr>
               <a:t>, boost::</a:t>
             </a:r>
             <a:r>
-              <a:rPr lang="en-US" sz="2000" dirty="0" err="1"/>
+              <a:rPr lang="en-US" sz="2000" dirty="0" err="1">
+                <a:solidFill>
+                  <a:srgbClr val="FF9900"/>
+                </a:solidFill>
+              </a:rPr>
               <a:t>forward_traversal_tag</a:t>
             </a:r>
             <a:r>
-              <a:rPr lang="en-US" sz="2000" dirty="0"/>
+              <a:rPr lang="en-US" sz="2000" dirty="0">
+                <a:solidFill>
+                  <a:srgbClr val="FF9900"/>
+                </a:solidFill>
+              </a:rPr>
               <a:t>, </a:t>
             </a:r>
             <a:r>
-              <a:rPr lang="en-US" sz="2000" dirty="0" err="1"/>
+              <a:rPr lang="en-US" sz="2000" dirty="0" err="1">
+                <a:solidFill>
+                  <a:srgbClr val="FF9900"/>
+                </a:solidFill>
+              </a:rPr>
               <a:t>int</a:t>
             </a:r>
             <a:r>
-              <a:rPr lang="en-US" sz="2000" dirty="0"/>
+              <a:rPr lang="en-US" sz="2000" dirty="0">
+                <a:solidFill>
+                  <a:srgbClr val="FF9900"/>
+                </a:solidFill>
+              </a:rPr>
               <a:t>&gt; {</a:t>
             </a:r>
           </a:p>
@@ -9540,87 +10468,171 @@
               <a:buNone/>
             </a:pPr>
             <a:r>
-              <a:rPr lang="en-US" sz="2000" dirty="0" smtClean="0"/>
+              <a:rPr lang="en-US" sz="2000" dirty="0" smtClean="0">
+                <a:solidFill>
+                  <a:srgbClr val="FF9900"/>
+                </a:solidFill>
+              </a:rPr>
               <a:t>  </a:t>
             </a:r>
             <a:r>
-              <a:rPr lang="en-US" sz="2000" dirty="0"/>
+              <a:rPr lang="en-US" sz="2000" dirty="0">
+                <a:solidFill>
+                  <a:srgbClr val="FF9900"/>
+                </a:solidFill>
+              </a:rPr>
               <a:t>explicit </a:t>
             </a:r>
             <a:r>
-              <a:rPr lang="en-US" sz="2000" dirty="0" err="1"/>
+              <a:rPr lang="en-US" sz="2000" dirty="0" err="1">
+                <a:solidFill>
+                  <a:srgbClr val="FF9900"/>
+                </a:solidFill>
+              </a:rPr>
               <a:t>fibonacci_iterator</a:t>
             </a:r>
             <a:r>
-              <a:rPr lang="en-US" sz="2000" dirty="0"/>
+              <a:rPr lang="en-US" sz="2000" dirty="0">
+                <a:solidFill>
+                  <a:srgbClr val="FF9900"/>
+                </a:solidFill>
+              </a:rPr>
               <a:t>(</a:t>
             </a:r>
             <a:r>
-              <a:rPr lang="en-US" sz="2000" dirty="0" err="1"/>
+              <a:rPr lang="en-US" sz="2000" dirty="0" err="1">
+                <a:solidFill>
+                  <a:srgbClr val="FF9900"/>
+                </a:solidFill>
+              </a:rPr>
               <a:t>int</a:t>
             </a:r>
             <a:r>
-              <a:rPr lang="en-US" sz="2000" dirty="0"/>
+              <a:rPr lang="en-US" sz="2000" dirty="0">
+                <a:solidFill>
+                  <a:srgbClr val="FF9900"/>
+                </a:solidFill>
+              </a:rPr>
               <a:t> </a:t>
             </a:r>
             <a:r>
-              <a:rPr lang="en-US" sz="2000" dirty="0" err="1"/>
+              <a:rPr lang="en-US" sz="2000" dirty="0" err="1">
+                <a:solidFill>
+                  <a:srgbClr val="FF9900"/>
+                </a:solidFill>
+              </a:rPr>
               <a:t>const</a:t>
             </a:r>
             <a:r>
-              <a:rPr lang="en-US" sz="2000" dirty="0"/>
+              <a:rPr lang="en-US" sz="2000" dirty="0">
+                <a:solidFill>
+                  <a:srgbClr val="FF9900"/>
+                </a:solidFill>
+              </a:rPr>
               <a:t> a = </a:t>
             </a:r>
             <a:r>
-              <a:rPr lang="en-US" sz="2000" dirty="0" err="1"/>
+              <a:rPr lang="en-US" sz="2000" dirty="0" err="1">
+                <a:solidFill>
+                  <a:srgbClr val="FF9900"/>
+                </a:solidFill>
+              </a:rPr>
               <a:t>int</a:t>
             </a:r>
             <a:r>
-              <a:rPr lang="en-US" sz="2000" dirty="0"/>
+              <a:rPr lang="en-US" sz="2000" dirty="0">
+                <a:solidFill>
+                  <a:srgbClr val="FF9900"/>
+                </a:solidFill>
+              </a:rPr>
               <a:t>(), </a:t>
             </a:r>
             <a:r>
-              <a:rPr lang="en-US" sz="2000" dirty="0" err="1"/>
+              <a:rPr lang="en-US" sz="2000" dirty="0" err="1">
+                <a:solidFill>
+                  <a:srgbClr val="FF9900"/>
+                </a:solidFill>
+              </a:rPr>
               <a:t>int</a:t>
             </a:r>
             <a:r>
-              <a:rPr lang="en-US" sz="2000" dirty="0"/>
+              <a:rPr lang="en-US" sz="2000" dirty="0">
+                <a:solidFill>
+                  <a:srgbClr val="FF9900"/>
+                </a:solidFill>
+              </a:rPr>
               <a:t> </a:t>
             </a:r>
             <a:r>
-              <a:rPr lang="en-US" sz="2000" dirty="0" err="1"/>
+              <a:rPr lang="en-US" sz="2000" dirty="0" err="1">
+                <a:solidFill>
+                  <a:srgbClr val="FF9900"/>
+                </a:solidFill>
+              </a:rPr>
               <a:t>const</a:t>
             </a:r>
             <a:r>
-              <a:rPr lang="en-US" sz="2000" dirty="0"/>
+              <a:rPr lang="en-US" sz="2000" dirty="0">
+                <a:solidFill>
+                  <a:srgbClr val="FF9900"/>
+                </a:solidFill>
+              </a:rPr>
               <a:t> b = </a:t>
             </a:r>
             <a:r>
-              <a:rPr lang="en-US" sz="2000" dirty="0" err="1"/>
+              <a:rPr lang="en-US" sz="2000" dirty="0" err="1">
+                <a:solidFill>
+                  <a:srgbClr val="FF9900"/>
+                </a:solidFill>
+              </a:rPr>
               <a:t>int</a:t>
             </a:r>
             <a:r>
-              <a:rPr lang="en-US" sz="2000" dirty="0"/>
+              <a:rPr lang="en-US" sz="2000" dirty="0">
+                <a:solidFill>
+                  <a:srgbClr val="FF9900"/>
+                </a:solidFill>
+              </a:rPr>
               <a:t>(), </a:t>
             </a:r>
             <a:r>
-              <a:rPr lang="en-US" sz="2000" dirty="0" err="1"/>
+              <a:rPr lang="en-US" sz="2000" dirty="0" err="1">
+                <a:solidFill>
+                  <a:srgbClr val="FF9900"/>
+                </a:solidFill>
+              </a:rPr>
               <a:t>int</a:t>
             </a:r>
             <a:r>
-              <a:rPr lang="en-US" sz="2000" dirty="0"/>
+              <a:rPr lang="en-US" sz="2000" dirty="0">
+                <a:solidFill>
+                  <a:srgbClr val="FF9900"/>
+                </a:solidFill>
+              </a:rPr>
               <a:t> limit = </a:t>
             </a:r>
             <a:r>
-              <a:rPr lang="en-US" sz="2000" dirty="0" err="1"/>
+              <a:rPr lang="en-US" sz="2000" dirty="0" err="1">
+                <a:solidFill>
+                  <a:srgbClr val="FF9900"/>
+                </a:solidFill>
+              </a:rPr>
               <a:t>int</a:t>
             </a:r>
             <a:r>
-              <a:rPr lang="en-US" sz="2000" dirty="0"/>
+              <a:rPr lang="en-US" sz="2000" dirty="0">
+                <a:solidFill>
+                  <a:srgbClr val="FF9900"/>
+                </a:solidFill>
+              </a:rPr>
               <a:t>()) </a:t>
             </a:r>
             <a:r>
-              <a:rPr lang="en-US" sz="2000" dirty="0" smtClean="0"/>
+              <a:rPr lang="en-US" sz="2000" dirty="0" smtClean="0">
+                <a:solidFill>
+                  <a:srgbClr val="FF9900"/>
+                </a:solidFill>
+              </a:rPr>
               <a:t>:</a:t>
             </a:r>
           </a:p>
@@ -9629,11 +10641,19 @@
               <a:buNone/>
             </a:pPr>
             <a:r>
-              <a:rPr lang="en-US" sz="2000" dirty="0" smtClean="0"/>
+              <a:rPr lang="en-US" sz="2000" dirty="0" smtClean="0">
+                <a:solidFill>
+                  <a:srgbClr val="FF9900"/>
+                </a:solidFill>
+              </a:rPr>
               <a:t>    a(a</a:t>
             </a:r>
             <a:r>
-              <a:rPr lang="en-US" sz="2000" dirty="0"/>
+              <a:rPr lang="en-US" sz="2000" dirty="0">
+                <a:solidFill>
+                  <a:srgbClr val="FF9900"/>
+                </a:solidFill>
+              </a:rPr>
               <a:t>), b(b), limit(limit) {}</a:t>
             </a:r>
           </a:p>
@@ -9642,11 +10662,19 @@
               <a:buNone/>
             </a:pPr>
             <a:r>
-              <a:rPr lang="en-US" sz="2000" dirty="0" smtClean="0"/>
+              <a:rPr lang="en-US" sz="2000" dirty="0" smtClean="0">
+                <a:solidFill>
+                  <a:srgbClr val="FF9900"/>
+                </a:solidFill>
+              </a:rPr>
               <a:t>private</a:t>
             </a:r>
             <a:r>
-              <a:rPr lang="en-US" sz="2000" dirty="0"/>
+              <a:rPr lang="en-US" sz="2000" dirty="0">
+                <a:solidFill>
+                  <a:srgbClr val="FF9900"/>
+                </a:solidFill>
+              </a:rPr>
               <a:t>:</a:t>
             </a:r>
           </a:p>
@@ -9655,15 +10683,27 @@
               <a:buNone/>
             </a:pPr>
             <a:r>
-              <a:rPr lang="en-US" sz="2000" dirty="0"/>
+              <a:rPr lang="en-US" sz="2000" dirty="0">
+                <a:solidFill>
+                  <a:srgbClr val="FF9900"/>
+                </a:solidFill>
+              </a:rPr>
               <a:t>    friend boost::</a:t>
             </a:r>
             <a:r>
-              <a:rPr lang="en-US" sz="2000" dirty="0" err="1"/>
+              <a:rPr lang="en-US" sz="2000" dirty="0" err="1">
+                <a:solidFill>
+                  <a:srgbClr val="FF9900"/>
+                </a:solidFill>
+              </a:rPr>
               <a:t>iterator_core_access</a:t>
             </a:r>
             <a:r>
-              <a:rPr lang="en-US" sz="2000" dirty="0"/>
+              <a:rPr lang="en-US" sz="2000" dirty="0">
+                <a:solidFill>
+                  <a:srgbClr val="FF9900"/>
+                </a:solidFill>
+              </a:rPr>
               <a:t>;</a:t>
             </a:r>
           </a:p>
@@ -9672,23 +10712,43 @@
               <a:buNone/>
             </a:pPr>
             <a:r>
-              <a:rPr lang="en-US" sz="2000" dirty="0" smtClean="0"/>
+              <a:rPr lang="en-US" sz="2000" dirty="0" smtClean="0">
+                <a:solidFill>
+                  <a:srgbClr val="FF9900"/>
+                </a:solidFill>
+              </a:rPr>
               <a:t>    </a:t>
             </a:r>
             <a:r>
-              <a:rPr lang="en-US" sz="2000" dirty="0" err="1"/>
+              <a:rPr lang="en-US" sz="2000" dirty="0" err="1">
+                <a:solidFill>
+                  <a:srgbClr val="FF9900"/>
+                </a:solidFill>
+              </a:rPr>
               <a:t>int</a:t>
             </a:r>
             <a:r>
-              <a:rPr lang="en-US" sz="2000" dirty="0"/>
+              <a:rPr lang="en-US" sz="2000" dirty="0">
+                <a:solidFill>
+                  <a:srgbClr val="FF9900"/>
+                </a:solidFill>
+              </a:rPr>
               <a:t> dereference() </a:t>
             </a:r>
             <a:r>
-              <a:rPr lang="en-US" sz="2000" dirty="0" err="1"/>
+              <a:rPr lang="en-US" sz="2000" dirty="0" err="1">
+                <a:solidFill>
+                  <a:srgbClr val="FF9900"/>
+                </a:solidFill>
+              </a:rPr>
               <a:t>const</a:t>
             </a:r>
             <a:r>
-              <a:rPr lang="en-US" sz="2000" dirty="0"/>
+              <a:rPr lang="en-US" sz="2000" dirty="0">
+                <a:solidFill>
+                  <a:srgbClr val="FF9900"/>
+                </a:solidFill>
+              </a:rPr>
               <a:t> { return a; }</a:t>
             </a:r>
           </a:p>
@@ -9697,39 +10757,75 @@
               <a:buNone/>
             </a:pPr>
             <a:r>
-              <a:rPr lang="en-US" sz="2000" dirty="0"/>
+              <a:rPr lang="en-US" sz="2000" dirty="0">
+                <a:solidFill>
+                  <a:srgbClr val="FF9900"/>
+                </a:solidFill>
+              </a:rPr>
               <a:t>    </a:t>
             </a:r>
             <a:r>
-              <a:rPr lang="en-US" sz="2000" dirty="0" err="1"/>
+              <a:rPr lang="en-US" sz="2000" dirty="0" err="1">
+                <a:solidFill>
+                  <a:srgbClr val="FF9900"/>
+                </a:solidFill>
+              </a:rPr>
               <a:t>bool</a:t>
             </a:r>
             <a:r>
-              <a:rPr lang="en-US" sz="2000" dirty="0"/>
+              <a:rPr lang="en-US" sz="2000" dirty="0">
+                <a:solidFill>
+                  <a:srgbClr val="FF9900"/>
+                </a:solidFill>
+              </a:rPr>
               <a:t> equal(</a:t>
             </a:r>
             <a:r>
-              <a:rPr lang="en-US" sz="2000" dirty="0" err="1"/>
+              <a:rPr lang="en-US" sz="2000" dirty="0" err="1">
+                <a:solidFill>
+                  <a:srgbClr val="FF9900"/>
+                </a:solidFill>
+              </a:rPr>
               <a:t>fibonacci_iterator</a:t>
             </a:r>
             <a:r>
-              <a:rPr lang="en-US" sz="2000" dirty="0"/>
+              <a:rPr lang="en-US" sz="2000" dirty="0">
+                <a:solidFill>
+                  <a:srgbClr val="FF9900"/>
+                </a:solidFill>
+              </a:rPr>
               <a:t> </a:t>
             </a:r>
             <a:r>
-              <a:rPr lang="en-US" sz="2000" dirty="0" err="1"/>
+              <a:rPr lang="en-US" sz="2000" dirty="0" err="1">
+                <a:solidFill>
+                  <a:srgbClr val="FF9900"/>
+                </a:solidFill>
+              </a:rPr>
               <a:t>const</a:t>
             </a:r>
             <a:r>
-              <a:rPr lang="en-US" sz="2000" dirty="0"/>
+              <a:rPr lang="en-US" sz="2000" dirty="0">
+                <a:solidFill>
+                  <a:srgbClr val="FF9900"/>
+                </a:solidFill>
+              </a:rPr>
               <a:t>&amp;) </a:t>
             </a:r>
             <a:r>
-              <a:rPr lang="en-US" sz="2000" dirty="0" err="1"/>
+              <a:rPr lang="en-US" sz="2000" dirty="0" err="1">
+                <a:solidFill>
+                  <a:srgbClr val="FF9900"/>
+                </a:solidFill>
+              </a:rPr>
               <a:t>const</a:t>
             </a:r>
             <a:r>
-              <a:rPr lang="en-US" sz="2000" dirty="0"/>
+              <a:rPr lang="en-US" sz="2000" dirty="0">
+                <a:solidFill>
+                  <a:srgbClr val="FF9900"/>
+                </a:solidFill>
+              </a:rPr>
               <a:t> { return a &gt; limit; }</a:t>
             </a:r>
           </a:p>
@@ -9738,23 +10834,43 @@
               <a:buNone/>
             </a:pPr>
             <a:r>
-              <a:rPr lang="en-US" sz="2000" dirty="0"/>
+              <a:rPr lang="en-US" sz="2000" dirty="0">
+                <a:solidFill>
+                  <a:srgbClr val="FF9900"/>
+                </a:solidFill>
+              </a:rPr>
               <a:t>    void increment() { </a:t>
             </a:r>
             <a:r>
-              <a:rPr lang="en-US" sz="2000" dirty="0" err="1"/>
+              <a:rPr lang="en-US" sz="2000" dirty="0" err="1">
+                <a:solidFill>
+                  <a:srgbClr val="FF9900"/>
+                </a:solidFill>
+              </a:rPr>
               <a:t>std</a:t>
             </a:r>
             <a:r>
-              <a:rPr lang="en-US" sz="2000" dirty="0"/>
+              <a:rPr lang="en-US" sz="2000" dirty="0">
+                <a:solidFill>
+                  <a:srgbClr val="FF9900"/>
+                </a:solidFill>
+              </a:rPr>
               <a:t>::tie(a, b) = </a:t>
             </a:r>
             <a:r>
-              <a:rPr lang="en-US" sz="2000" dirty="0" err="1"/>
+              <a:rPr lang="en-US" sz="2000" dirty="0" err="1">
+                <a:solidFill>
+                  <a:srgbClr val="FF9900"/>
+                </a:solidFill>
+              </a:rPr>
               <a:t>nextFibonacci</a:t>
             </a:r>
             <a:r>
-              <a:rPr lang="en-US" sz="2000" dirty="0"/>
+              <a:rPr lang="en-US" sz="2000" dirty="0">
+                <a:solidFill>
+                  <a:srgbClr val="FF9900"/>
+                </a:solidFill>
+              </a:rPr>
               <a:t>(a, b); }</a:t>
             </a:r>
           </a:p>
@@ -9763,23 +10879,43 @@
               <a:buNone/>
             </a:pPr>
             <a:r>
-              <a:rPr lang="en-US" sz="2000" dirty="0"/>
+              <a:rPr lang="en-US" sz="2000" dirty="0">
+                <a:solidFill>
+                  <a:srgbClr val="FF9900"/>
+                </a:solidFill>
+              </a:rPr>
               <a:t>    </a:t>
             </a:r>
             <a:r>
-              <a:rPr lang="en-US" sz="2000" dirty="0" err="1"/>
+              <a:rPr lang="en-US" sz="2000" dirty="0" err="1">
+                <a:solidFill>
+                  <a:srgbClr val="FF9900"/>
+                </a:solidFill>
+              </a:rPr>
               <a:t>int</a:t>
             </a:r>
             <a:r>
-              <a:rPr lang="en-US" sz="2000" dirty="0"/>
+              <a:rPr lang="en-US" sz="2000" dirty="0">
+                <a:solidFill>
+                  <a:srgbClr val="FF9900"/>
+                </a:solidFill>
+              </a:rPr>
               <a:t> </a:t>
             </a:r>
             <a:r>
-              <a:rPr lang="en-US" sz="2000" dirty="0" smtClean="0"/>
+              <a:rPr lang="en-US" sz="2000" dirty="0" smtClean="0">
+                <a:solidFill>
+                  <a:srgbClr val="FF9900"/>
+                </a:solidFill>
+              </a:rPr>
               <a:t>a, b, limit</a:t>
             </a:r>
             <a:r>
-              <a:rPr lang="en-US" sz="2000" dirty="0"/>
+              <a:rPr lang="en-US" sz="2000" dirty="0">
+                <a:solidFill>
+                  <a:srgbClr val="FF9900"/>
+                </a:solidFill>
+              </a:rPr>
               <a:t>;</a:t>
             </a:r>
           </a:p>
@@ -9788,7 +10924,11 @@
               <a:buNone/>
             </a:pPr>
             <a:r>
-              <a:rPr lang="en-US" sz="2000" dirty="0"/>
+              <a:rPr lang="en-US" sz="2000" dirty="0">
+                <a:solidFill>
+                  <a:srgbClr val="FF9900"/>
+                </a:solidFill>
+              </a:rPr>
               <a:t>};</a:t>
             </a:r>
           </a:p>
@@ -10028,23 +11168,43 @@
               <a:buNone/>
             </a:pPr>
             <a:r>
-              <a:rPr lang="en-US" sz="2400" dirty="0"/>
+              <a:rPr lang="en-US" sz="2400" dirty="0">
+                <a:solidFill>
+                  <a:srgbClr val="FF9900"/>
+                </a:solidFill>
+              </a:rPr>
               <a:t>boost::</a:t>
             </a:r>
             <a:r>
-              <a:rPr lang="en-US" sz="2400" dirty="0" err="1"/>
+              <a:rPr lang="en-US" sz="2400" dirty="0" err="1">
+                <a:solidFill>
+                  <a:srgbClr val="FF9900"/>
+                </a:solidFill>
+              </a:rPr>
               <a:t>iterator_range</a:t>
             </a:r>
             <a:r>
-              <a:rPr lang="en-US" sz="2400" dirty="0"/>
+              <a:rPr lang="en-US" sz="2400" dirty="0">
+                <a:solidFill>
+                  <a:srgbClr val="FF9900"/>
+                </a:solidFill>
+              </a:rPr>
               <a:t>&lt;</a:t>
             </a:r>
             <a:r>
-              <a:rPr lang="en-US" sz="2400" dirty="0" err="1"/>
+              <a:rPr lang="en-US" sz="2400" dirty="0" err="1">
+                <a:solidFill>
+                  <a:srgbClr val="FF9900"/>
+                </a:solidFill>
+              </a:rPr>
               <a:t>fibonacci_iterator</a:t>
             </a:r>
             <a:r>
-              <a:rPr lang="en-US" sz="2400" dirty="0" smtClean="0"/>
+              <a:rPr lang="en-US" sz="2400" dirty="0" smtClean="0">
+                <a:solidFill>
+                  <a:srgbClr val="FF9900"/>
+                </a:solidFill>
+              </a:rPr>
               <a:t>&gt;</a:t>
             </a:r>
           </a:p>
@@ -10053,59 +11213,115 @@
               <a:buNone/>
             </a:pPr>
             <a:r>
-              <a:rPr lang="en-US" sz="2400" dirty="0" err="1" smtClean="0"/>
+              <a:rPr lang="en-US" sz="2400" dirty="0" err="1" smtClean="0">
+                <a:solidFill>
+                  <a:srgbClr val="FF9900"/>
+                </a:solidFill>
+              </a:rPr>
               <a:t>fibonacci_range</a:t>
             </a:r>
             <a:r>
-              <a:rPr lang="en-US" sz="2400" dirty="0" smtClean="0"/>
+              <a:rPr lang="en-US" sz="2400" dirty="0" smtClean="0">
+                <a:solidFill>
+                  <a:srgbClr val="FF9900"/>
+                </a:solidFill>
+              </a:rPr>
               <a:t>(</a:t>
             </a:r>
             <a:r>
-              <a:rPr lang="en-US" sz="2400" dirty="0" err="1" smtClean="0"/>
+              <a:rPr lang="en-US" sz="2400" dirty="0" err="1" smtClean="0">
+                <a:solidFill>
+                  <a:srgbClr val="FF9900"/>
+                </a:solidFill>
+              </a:rPr>
               <a:t>int</a:t>
             </a:r>
             <a:r>
-              <a:rPr lang="en-US" sz="2400" dirty="0" smtClean="0"/>
+              <a:rPr lang="en-US" sz="2400" dirty="0" smtClean="0">
+                <a:solidFill>
+                  <a:srgbClr val="FF9900"/>
+                </a:solidFill>
+              </a:rPr>
               <a:t> </a:t>
             </a:r>
             <a:r>
-              <a:rPr lang="en-US" sz="2400" dirty="0" err="1"/>
+              <a:rPr lang="en-US" sz="2400" dirty="0" err="1">
+                <a:solidFill>
+                  <a:srgbClr val="FF9900"/>
+                </a:solidFill>
+              </a:rPr>
               <a:t>const</a:t>
             </a:r>
             <a:r>
-              <a:rPr lang="en-US" sz="2400" dirty="0"/>
+              <a:rPr lang="en-US" sz="2400" dirty="0">
+                <a:solidFill>
+                  <a:srgbClr val="FF9900"/>
+                </a:solidFill>
+              </a:rPr>
               <a:t> a, </a:t>
             </a:r>
             <a:r>
-              <a:rPr lang="en-US" sz="2400" dirty="0" err="1"/>
+              <a:rPr lang="en-US" sz="2400" dirty="0" err="1">
+                <a:solidFill>
+                  <a:srgbClr val="FF9900"/>
+                </a:solidFill>
+              </a:rPr>
               <a:t>int</a:t>
             </a:r>
             <a:r>
-              <a:rPr lang="en-US" sz="2400" dirty="0"/>
+              <a:rPr lang="en-US" sz="2400" dirty="0">
+                <a:solidFill>
+                  <a:srgbClr val="FF9900"/>
+                </a:solidFill>
+              </a:rPr>
               <a:t> </a:t>
             </a:r>
             <a:r>
-              <a:rPr lang="en-US" sz="2400" dirty="0" err="1"/>
+              <a:rPr lang="en-US" sz="2400" dirty="0" err="1">
+                <a:solidFill>
+                  <a:srgbClr val="FF9900"/>
+                </a:solidFill>
+              </a:rPr>
               <a:t>const</a:t>
             </a:r>
             <a:r>
-              <a:rPr lang="en-US" sz="2400" dirty="0"/>
+              <a:rPr lang="en-US" sz="2400" dirty="0">
+                <a:solidFill>
+                  <a:srgbClr val="FF9900"/>
+                </a:solidFill>
+              </a:rPr>
               <a:t> b, </a:t>
             </a:r>
             <a:r>
-              <a:rPr lang="en-US" sz="2400" dirty="0" err="1"/>
+              <a:rPr lang="en-US" sz="2400" dirty="0" err="1">
+                <a:solidFill>
+                  <a:srgbClr val="FF9900"/>
+                </a:solidFill>
+              </a:rPr>
               <a:t>int</a:t>
             </a:r>
             <a:r>
-              <a:rPr lang="en-US" sz="2400" dirty="0"/>
+              <a:rPr lang="en-US" sz="2400" dirty="0">
+                <a:solidFill>
+                  <a:srgbClr val="FF9900"/>
+                </a:solidFill>
+              </a:rPr>
               <a:t> </a:t>
             </a:r>
             <a:r>
-              <a:rPr lang="en-US" sz="2400" dirty="0" err="1"/>
+              <a:rPr lang="en-US" sz="2400" dirty="0" err="1">
+                <a:solidFill>
+                  <a:srgbClr val="FF9900"/>
+                </a:solidFill>
+              </a:rPr>
               <a:t>const</a:t>
             </a:r>
             <a:r>
-              <a:rPr lang="en-US" sz="2400" dirty="0"/>
+              <a:rPr lang="en-US" sz="2400" dirty="0">
+                <a:solidFill>
+                  <a:srgbClr val="FF9900"/>
+                </a:solidFill>
+              </a:rPr>
               <a:t> limit) {</a:t>
             </a:r>
           </a:p>
@@ -10114,31 +11330,59 @@
               <a:buNone/>
             </a:pPr>
             <a:r>
-              <a:rPr lang="en-US" sz="2400" dirty="0" smtClean="0"/>
+              <a:rPr lang="en-US" sz="2400" dirty="0" smtClean="0">
+                <a:solidFill>
+                  <a:srgbClr val="FF9900"/>
+                </a:solidFill>
+              </a:rPr>
               <a:t>  </a:t>
             </a:r>
             <a:r>
-              <a:rPr lang="en-US" sz="2400" dirty="0"/>
+              <a:rPr lang="en-US" sz="2400" dirty="0">
+                <a:solidFill>
+                  <a:srgbClr val="FF9900"/>
+                </a:solidFill>
+              </a:rPr>
               <a:t>return boost::</a:t>
             </a:r>
             <a:r>
-              <a:rPr lang="en-US" sz="2400" dirty="0" err="1"/>
+              <a:rPr lang="en-US" sz="2400" dirty="0" err="1">
+                <a:solidFill>
+                  <a:srgbClr val="FF9900"/>
+                </a:solidFill>
+              </a:rPr>
               <a:t>make_iterator_range</a:t>
             </a:r>
             <a:r>
-              <a:rPr lang="en-US" sz="2400" dirty="0"/>
+              <a:rPr lang="en-US" sz="2400" dirty="0">
+                <a:solidFill>
+                  <a:srgbClr val="FF9900"/>
+                </a:solidFill>
+              </a:rPr>
               <a:t>(</a:t>
             </a:r>
             <a:r>
-              <a:rPr lang="en-US" sz="2400" dirty="0" err="1"/>
+              <a:rPr lang="en-US" sz="2400" dirty="0" err="1">
+                <a:solidFill>
+                  <a:srgbClr val="FF9900"/>
+                </a:solidFill>
+              </a:rPr>
               <a:t>fibonacci_iterator</a:t>
             </a:r>
             <a:r>
-              <a:rPr lang="en-US" sz="2400" dirty="0"/>
+              <a:rPr lang="en-US" sz="2400" dirty="0">
+                <a:solidFill>
+                  <a:srgbClr val="FF9900"/>
+                </a:solidFill>
+              </a:rPr>
               <a:t>(a, b, limit</a:t>
             </a:r>
             <a:r>
-              <a:rPr lang="en-US" sz="2400" dirty="0" smtClean="0"/>
+              <a:rPr lang="en-US" sz="2400" dirty="0" smtClean="0">
+                <a:solidFill>
+                  <a:srgbClr val="FF9900"/>
+                </a:solidFill>
+              </a:rPr>
               <a:t>),</a:t>
             </a:r>
           </a:p>
@@ -10147,19 +11391,35 @@
               <a:buNone/>
             </a:pPr>
             <a:r>
-              <a:rPr lang="en-US" sz="2400" dirty="0"/>
+              <a:rPr lang="en-US" sz="2400" dirty="0">
+                <a:solidFill>
+                  <a:srgbClr val="FF9900"/>
+                </a:solidFill>
+              </a:rPr>
               <a:t> </a:t>
             </a:r>
             <a:r>
-              <a:rPr lang="en-US" sz="2400" dirty="0" smtClean="0"/>
+              <a:rPr lang="en-US" sz="2400" dirty="0" smtClean="0">
+                <a:solidFill>
+                  <a:srgbClr val="FF9900"/>
+                </a:solidFill>
+              </a:rPr>
               <a:t>                                                         </a:t>
             </a:r>
             <a:r>
-              <a:rPr lang="en-US" sz="2400" dirty="0" err="1"/>
+              <a:rPr lang="en-US" sz="2400" dirty="0" err="1">
+                <a:solidFill>
+                  <a:srgbClr val="FF9900"/>
+                </a:solidFill>
+              </a:rPr>
               <a:t>fibonacci_iterator</a:t>
             </a:r>
             <a:r>
-              <a:rPr lang="en-US" sz="2400" dirty="0"/>
+              <a:rPr lang="en-US" sz="2400" dirty="0">
+                <a:solidFill>
+                  <a:srgbClr val="FF9900"/>
+                </a:solidFill>
+              </a:rPr>
               <a:t>());</a:t>
             </a:r>
           </a:p>
@@ -10168,7 +11428,11 @@
               <a:buNone/>
             </a:pPr>
             <a:r>
-              <a:rPr lang="en-US" sz="2400" dirty="0"/>
+              <a:rPr lang="en-US" sz="2400" dirty="0">
+                <a:solidFill>
+                  <a:srgbClr val="FF9900"/>
+                </a:solidFill>
+              </a:rPr>
               <a:t>}</a:t>
             </a:r>
           </a:p>
@@ -10177,23 +11441,43 @@
               <a:buNone/>
             </a:pPr>
             <a:r>
-              <a:rPr lang="en-US" sz="2400" dirty="0" smtClean="0"/>
+              <a:rPr lang="en-US" sz="2400" dirty="0" smtClean="0">
+                <a:solidFill>
+                  <a:srgbClr val="FF9900"/>
+                </a:solidFill>
+              </a:rPr>
               <a:t>static </a:t>
             </a:r>
             <a:r>
-              <a:rPr lang="en-US" sz="2400" dirty="0" err="1"/>
+              <a:rPr lang="en-US" sz="2400" dirty="0" err="1">
+                <a:solidFill>
+                  <a:srgbClr val="FF9900"/>
+                </a:solidFill>
+              </a:rPr>
               <a:t>int</a:t>
             </a:r>
             <a:r>
-              <a:rPr lang="en-US" sz="2400" dirty="0"/>
+              <a:rPr lang="en-US" sz="2400" dirty="0">
+                <a:solidFill>
+                  <a:srgbClr val="FF9900"/>
+                </a:solidFill>
+              </a:rPr>
               <a:t> </a:t>
             </a:r>
             <a:r>
-              <a:rPr lang="en-US" sz="2400" dirty="0" err="1"/>
+              <a:rPr lang="en-US" sz="2400" dirty="0" err="1">
+                <a:solidFill>
+                  <a:srgbClr val="FF9900"/>
+                </a:solidFill>
+              </a:rPr>
               <a:t>filterFunctional</a:t>
             </a:r>
             <a:r>
-              <a:rPr lang="en-US" sz="2400" dirty="0"/>
+              <a:rPr lang="en-US" sz="2400" dirty="0">
+                <a:solidFill>
+                  <a:srgbClr val="FF9900"/>
+                </a:solidFill>
+              </a:rPr>
               <a:t>() {</a:t>
             </a:r>
           </a:p>
@@ -10202,27 +11486,51 @@
               <a:buNone/>
             </a:pPr>
             <a:r>
-              <a:rPr lang="en-US" sz="2400" dirty="0"/>
+              <a:rPr lang="en-US" sz="2400" dirty="0">
+                <a:solidFill>
+                  <a:srgbClr val="FF9900"/>
+                </a:solidFill>
+              </a:rPr>
               <a:t> </a:t>
             </a:r>
             <a:r>
-              <a:rPr lang="en-US" sz="2400" dirty="0" smtClean="0"/>
+              <a:rPr lang="en-US" sz="2400" dirty="0" smtClean="0">
+                <a:solidFill>
+                  <a:srgbClr val="FF9900"/>
+                </a:solidFill>
+              </a:rPr>
               <a:t> return </a:t>
             </a:r>
             <a:r>
-              <a:rPr lang="en-US" sz="2400" dirty="0"/>
+              <a:rPr lang="en-US" sz="2400" dirty="0">
+                <a:solidFill>
+                  <a:srgbClr val="FF9900"/>
+                </a:solidFill>
+              </a:rPr>
               <a:t>boost::accumulate(</a:t>
             </a:r>
             <a:r>
-              <a:rPr lang="en-US" sz="2400" dirty="0" err="1"/>
+              <a:rPr lang="en-US" sz="2400" dirty="0" err="1">
+                <a:solidFill>
+                  <a:srgbClr val="FF9900"/>
+                </a:solidFill>
+              </a:rPr>
               <a:t>fibonacci_range</a:t>
             </a:r>
             <a:r>
-              <a:rPr lang="en-US" sz="2400" dirty="0"/>
+              <a:rPr lang="en-US" sz="2400" dirty="0">
+                <a:solidFill>
+                  <a:srgbClr val="FF9900"/>
+                </a:solidFill>
+              </a:rPr>
               <a:t>(1, 2, 4000000) | </a:t>
             </a:r>
             <a:r>
-              <a:rPr lang="en-US" sz="2400" dirty="0" smtClean="0"/>
+              <a:rPr lang="en-US" sz="2400" dirty="0" smtClean="0">
+                <a:solidFill>
+                  <a:srgbClr val="FF9900"/>
+                </a:solidFill>
+              </a:rPr>
               <a:t>  </a:t>
             </a:r>
           </a:p>
@@ -10231,23 +11539,43 @@
               <a:buNone/>
             </a:pPr>
             <a:r>
-              <a:rPr lang="en-US" sz="2400" dirty="0"/>
+              <a:rPr lang="en-US" sz="2400" dirty="0">
+                <a:solidFill>
+                  <a:srgbClr val="FF9900"/>
+                </a:solidFill>
+              </a:rPr>
               <a:t> </a:t>
             </a:r>
             <a:r>
-              <a:rPr lang="en-US" sz="2400" dirty="0" smtClean="0"/>
+              <a:rPr lang="en-US" sz="2400" dirty="0" smtClean="0">
+                <a:solidFill>
+                  <a:srgbClr val="FF9900"/>
+                </a:solidFill>
+              </a:rPr>
               <a:t> boost</a:t>
             </a:r>
             <a:r>
-              <a:rPr lang="en-US" sz="2400" dirty="0"/>
+              <a:rPr lang="en-US" sz="2400" dirty="0">
+                <a:solidFill>
+                  <a:srgbClr val="FF9900"/>
+                </a:solidFill>
+              </a:rPr>
               <a:t>::adaptors::filtered(</a:t>
             </a:r>
             <a:r>
-              <a:rPr lang="en-US" sz="2400" dirty="0" err="1"/>
+              <a:rPr lang="en-US" sz="2400" dirty="0" err="1">
+                <a:solidFill>
+                  <a:srgbClr val="FF9900"/>
+                </a:solidFill>
+              </a:rPr>
               <a:t>isEven</a:t>
             </a:r>
             <a:r>
-              <a:rPr lang="en-US" sz="2400" dirty="0"/>
+              <a:rPr lang="en-US" sz="2400" dirty="0">
+                <a:solidFill>
+                  <a:srgbClr val="FF9900"/>
+                </a:solidFill>
+              </a:rPr>
               <a:t>), 0);</a:t>
             </a:r>
           </a:p>
@@ -10256,7 +11584,11 @@
               <a:buNone/>
             </a:pPr>
             <a:r>
-              <a:rPr lang="en-US" sz="2400" dirty="0"/>
+              <a:rPr lang="en-US" sz="2400" dirty="0">
+                <a:solidFill>
+                  <a:srgbClr val="FF9900"/>
+                </a:solidFill>
+              </a:rPr>
               <a:t>}</a:t>
             </a:r>
           </a:p>
@@ -13113,41 +14445,77 @@
               <a:buNone/>
             </a:pPr>
             <a:r>
-              <a:rPr lang="en-US" sz="2400" dirty="0"/>
+              <a:rPr lang="en-US" sz="2400" dirty="0">
+                <a:solidFill>
+                  <a:srgbClr val="FF9900"/>
+                </a:solidFill>
+              </a:rPr>
               <a:t>static </a:t>
             </a:r>
             <a:r>
-              <a:rPr lang="en-US" sz="2400" dirty="0" err="1"/>
+              <a:rPr lang="en-US" sz="2400" dirty="0" err="1">
+                <a:solidFill>
+                  <a:srgbClr val="FF9900"/>
+                </a:solidFill>
+              </a:rPr>
               <a:t>int</a:t>
             </a:r>
             <a:r>
-              <a:rPr lang="en-US" sz="2400" dirty="0"/>
+              <a:rPr lang="en-US" sz="2400" dirty="0">
+                <a:solidFill>
+                  <a:srgbClr val="FF9900"/>
+                </a:solidFill>
+              </a:rPr>
               <a:t> </a:t>
             </a:r>
             <a:r>
-              <a:rPr lang="en-US" sz="2400" dirty="0" err="1"/>
+              <a:rPr lang="en-US" sz="2400" dirty="0" err="1">
+                <a:solidFill>
+                  <a:srgbClr val="FF9900"/>
+                </a:solidFill>
+              </a:rPr>
               <a:t>noFilterImperative</a:t>
             </a:r>
             <a:r>
-              <a:rPr lang="en-US" sz="2400" dirty="0" smtClean="0"/>
+              <a:rPr lang="en-US" sz="2400" dirty="0" smtClean="0">
+                <a:solidFill>
+                  <a:srgbClr val="FF9900"/>
+                </a:solidFill>
+              </a:rPr>
               <a:t>() {</a:t>
             </a:r>
-            <a:endParaRPr lang="en-US" sz="2400" dirty="0"/>
+            <a:endParaRPr lang="en-US" sz="2400" dirty="0">
+              <a:solidFill>
+                <a:srgbClr val="FF9900"/>
+              </a:solidFill>
+            </a:endParaRPr>
           </a:p>
           <a:p>
             <a:pPr marL="0" indent="0">
               <a:buNone/>
             </a:pPr>
             <a:r>
-              <a:rPr lang="en-US" sz="2400" dirty="0" smtClean="0"/>
+              <a:rPr lang="en-US" sz="2400" dirty="0" smtClean="0">
+                <a:solidFill>
+                  <a:srgbClr val="FF9900"/>
+                </a:solidFill>
+              </a:rPr>
               <a:t>  </a:t>
             </a:r>
             <a:r>
-              <a:rPr lang="en-US" sz="2400" dirty="0" err="1"/>
+              <a:rPr lang="en-US" sz="2400" dirty="0" err="1">
+                <a:solidFill>
+                  <a:srgbClr val="FF9900"/>
+                </a:solidFill>
+              </a:rPr>
               <a:t>int</a:t>
             </a:r>
             <a:r>
-              <a:rPr lang="en-US" sz="2400" dirty="0"/>
+              <a:rPr lang="en-US" sz="2400" dirty="0">
+                <a:solidFill>
+                  <a:srgbClr val="FF9900"/>
+                </a:solidFill>
+              </a:rPr>
               <a:t> a = 2, b = 8, sum = 0;</a:t>
             </a:r>
           </a:p>
@@ -13156,37 +14524,69 @@
               <a:buNone/>
             </a:pPr>
             <a:r>
-              <a:rPr lang="en-US" sz="2400" dirty="0"/>
+              <a:rPr lang="en-US" sz="2400" dirty="0">
+                <a:solidFill>
+                  <a:srgbClr val="FF9900"/>
+                </a:solidFill>
+              </a:rPr>
               <a:t>  </a:t>
             </a:r>
             <a:r>
-              <a:rPr lang="en-US" sz="2400" dirty="0" smtClean="0"/>
+              <a:rPr lang="en-US" sz="2400" dirty="0" smtClean="0">
+                <a:solidFill>
+                  <a:srgbClr val="FF9900"/>
+                </a:solidFill>
+              </a:rPr>
               <a:t>while </a:t>
             </a:r>
             <a:r>
-              <a:rPr lang="en-US" sz="2400" dirty="0"/>
+              <a:rPr lang="en-US" sz="2400" dirty="0">
+                <a:solidFill>
+                  <a:srgbClr val="FF9900"/>
+                </a:solidFill>
+              </a:rPr>
               <a:t>(a &lt;= 4000000</a:t>
             </a:r>
             <a:r>
-              <a:rPr lang="en-US" sz="2400" dirty="0" smtClean="0"/>
+              <a:rPr lang="en-US" sz="2400" dirty="0" smtClean="0">
+                <a:solidFill>
+                  <a:srgbClr val="FF9900"/>
+                </a:solidFill>
+              </a:rPr>
               <a:t>) {</a:t>
             </a:r>
-            <a:endParaRPr lang="en-US" sz="2400" dirty="0"/>
+            <a:endParaRPr lang="en-US" sz="2400" dirty="0">
+              <a:solidFill>
+                <a:srgbClr val="FF9900"/>
+              </a:solidFill>
+            </a:endParaRPr>
           </a:p>
           <a:p>
             <a:pPr marL="0" indent="0">
               <a:buNone/>
             </a:pPr>
             <a:r>
-              <a:rPr lang="en-US" sz="2400" dirty="0"/>
+              <a:rPr lang="en-US" sz="2400" dirty="0">
+                <a:solidFill>
+                  <a:srgbClr val="FF9900"/>
+                </a:solidFill>
+              </a:rPr>
               <a:t>    </a:t>
             </a:r>
             <a:r>
-              <a:rPr lang="en-US" sz="2400" dirty="0" smtClean="0"/>
+              <a:rPr lang="en-US" sz="2400" dirty="0" smtClean="0">
+                <a:solidFill>
+                  <a:srgbClr val="FF9900"/>
+                </a:solidFill>
+              </a:rPr>
               <a:t>sum </a:t>
             </a:r>
             <a:r>
-              <a:rPr lang="en-US" sz="2400" dirty="0"/>
+              <a:rPr lang="en-US" sz="2400" dirty="0">
+                <a:solidFill>
+                  <a:srgbClr val="FF9900"/>
+                </a:solidFill>
+              </a:rPr>
               <a:t>+= a;</a:t>
             </a:r>
           </a:p>
@@ -13195,15 +14595,27 @@
               <a:buNone/>
             </a:pPr>
             <a:r>
-              <a:rPr lang="pt-BR" sz="2400" dirty="0"/>
+              <a:rPr lang="pt-BR" sz="2400" dirty="0">
+                <a:solidFill>
+                  <a:srgbClr val="FF9900"/>
+                </a:solidFill>
+              </a:rPr>
               <a:t>    </a:t>
             </a:r>
             <a:r>
-              <a:rPr lang="pt-BR" sz="2400" dirty="0" smtClean="0"/>
+              <a:rPr lang="pt-BR" sz="2400" dirty="0" smtClean="0">
+                <a:solidFill>
+                  <a:srgbClr val="FF9900"/>
+                </a:solidFill>
+              </a:rPr>
               <a:t>var </a:t>
             </a:r>
             <a:r>
-              <a:rPr lang="pt-BR" sz="2400" dirty="0"/>
+              <a:rPr lang="pt-BR" sz="2400" dirty="0">
+                <a:solidFill>
+                  <a:srgbClr val="FF9900"/>
+                </a:solidFill>
+              </a:rPr>
               <a:t>aPlus4b = a + 4 * b;</a:t>
             </a:r>
           </a:p>
@@ -13212,15 +14624,27 @@
               <a:buNone/>
             </a:pPr>
             <a:r>
-              <a:rPr lang="en-US" sz="2400" dirty="0"/>
+              <a:rPr lang="en-US" sz="2400" dirty="0">
+                <a:solidFill>
+                  <a:srgbClr val="FF9900"/>
+                </a:solidFill>
+              </a:rPr>
               <a:t>    </a:t>
             </a:r>
             <a:r>
-              <a:rPr lang="en-US" sz="2400" dirty="0" smtClean="0"/>
+              <a:rPr lang="en-US" sz="2400" dirty="0" smtClean="0">
+                <a:solidFill>
+                  <a:srgbClr val="FF9900"/>
+                </a:solidFill>
+              </a:rPr>
               <a:t>a </a:t>
             </a:r>
             <a:r>
-              <a:rPr lang="en-US" sz="2400" dirty="0"/>
+              <a:rPr lang="en-US" sz="2400" dirty="0">
+                <a:solidFill>
+                  <a:srgbClr val="FF9900"/>
+                </a:solidFill>
+              </a:rPr>
               <a:t>= b;</a:t>
             </a:r>
           </a:p>
@@ -13229,15 +14653,27 @@
               <a:buNone/>
             </a:pPr>
             <a:r>
-              <a:rPr lang="en-US" sz="2400" dirty="0"/>
+              <a:rPr lang="en-US" sz="2400" dirty="0">
+                <a:solidFill>
+                  <a:srgbClr val="FF9900"/>
+                </a:solidFill>
+              </a:rPr>
               <a:t>    </a:t>
             </a:r>
             <a:r>
-              <a:rPr lang="en-US" sz="2400" dirty="0" smtClean="0"/>
+              <a:rPr lang="en-US" sz="2400" dirty="0" smtClean="0">
+                <a:solidFill>
+                  <a:srgbClr val="FF9900"/>
+                </a:solidFill>
+              </a:rPr>
               <a:t>b </a:t>
             </a:r>
             <a:r>
-              <a:rPr lang="en-US" sz="2400" dirty="0"/>
+              <a:rPr lang="en-US" sz="2400" dirty="0">
+                <a:solidFill>
+                  <a:srgbClr val="FF9900"/>
+                </a:solidFill>
+              </a:rPr>
               <a:t>= aPlus4b;</a:t>
             </a:r>
           </a:p>
@@ -13246,33 +14682,61 @@
               <a:buNone/>
             </a:pPr>
             <a:r>
-              <a:rPr lang="en-US" sz="2400" dirty="0"/>
+              <a:rPr lang="en-US" sz="2400" dirty="0">
+                <a:solidFill>
+                  <a:srgbClr val="FF9900"/>
+                </a:solidFill>
+              </a:rPr>
               <a:t>  </a:t>
             </a:r>
             <a:r>
-              <a:rPr lang="en-US" sz="2400" dirty="0" smtClean="0"/>
+              <a:rPr lang="en-US" sz="2400" dirty="0" smtClean="0">
+                <a:solidFill>
+                  <a:srgbClr val="FF9900"/>
+                </a:solidFill>
+              </a:rPr>
               <a:t>}</a:t>
             </a:r>
-            <a:endParaRPr lang="en-US" sz="2400" dirty="0"/>
+            <a:endParaRPr lang="en-US" sz="2400" dirty="0">
+              <a:solidFill>
+                <a:srgbClr val="FF9900"/>
+              </a:solidFill>
+            </a:endParaRPr>
           </a:p>
           <a:p>
             <a:pPr marL="0" indent="0">
               <a:buNone/>
             </a:pPr>
             <a:r>
-              <a:rPr lang="en-US" sz="2400" dirty="0"/>
+              <a:rPr lang="en-US" sz="2400" dirty="0">
+                <a:solidFill>
+                  <a:srgbClr val="FF9900"/>
+                </a:solidFill>
+              </a:rPr>
               <a:t>  </a:t>
             </a:r>
             <a:r>
-              <a:rPr lang="en-US" sz="2400" dirty="0" smtClean="0"/>
+              <a:rPr lang="en-US" sz="2400" dirty="0" smtClean="0">
+                <a:solidFill>
+                  <a:srgbClr val="FF9900"/>
+                </a:solidFill>
+              </a:rPr>
               <a:t>return </a:t>
             </a:r>
             <a:r>
-              <a:rPr lang="en-US" sz="2400" dirty="0"/>
+              <a:rPr lang="en-US" sz="2400" dirty="0">
+                <a:solidFill>
+                  <a:srgbClr val="FF9900"/>
+                </a:solidFill>
+              </a:rPr>
               <a:t>sum</a:t>
             </a:r>
             <a:r>
-              <a:rPr lang="en-US" sz="2400" dirty="0" smtClean="0"/>
+              <a:rPr lang="en-US" sz="2400" dirty="0" smtClean="0">
+                <a:solidFill>
+                  <a:srgbClr val="FF9900"/>
+                </a:solidFill>
+              </a:rPr>
               <a:t>;</a:t>
             </a:r>
           </a:p>
@@ -13281,10 +14745,18 @@
               <a:buNone/>
             </a:pPr>
             <a:r>
-              <a:rPr lang="en-US" sz="2400" dirty="0" smtClean="0"/>
+              <a:rPr lang="en-US" sz="2400" dirty="0" smtClean="0">
+                <a:solidFill>
+                  <a:srgbClr val="FF9900"/>
+                </a:solidFill>
+              </a:rPr>
               <a:t>}</a:t>
             </a:r>
-            <a:endParaRPr lang="en-US" sz="2400" dirty="0"/>
+            <a:endParaRPr lang="en-US" sz="2400" dirty="0">
+              <a:solidFill>
+                <a:srgbClr val="FF9900"/>
+              </a:solidFill>
+            </a:endParaRPr>
           </a:p>
         </p:txBody>
       </p:sp>
@@ -13517,105 +14989,176 @@
               <a:buNone/>
             </a:pPr>
             <a:r>
-              <a:rPr lang="en-US" dirty="0"/>
+              <a:rPr lang="en-US" sz="2400" dirty="0">
+                <a:solidFill>
+                  <a:srgbClr val="FF9900"/>
+                </a:solidFill>
+              </a:rPr>
               <a:t>static Tuple&lt;</a:t>
             </a:r>
             <a:r>
-              <a:rPr lang="en-US" dirty="0" err="1"/>
+              <a:rPr lang="en-US" sz="2400" dirty="0" err="1">
+                <a:solidFill>
+                  <a:srgbClr val="FF9900"/>
+                </a:solidFill>
+              </a:rPr>
               <a:t>int</a:t>
             </a:r>
             <a:r>
-              <a:rPr lang="en-US" dirty="0"/>
+              <a:rPr lang="en-US" sz="2400" dirty="0">
+                <a:solidFill>
+                  <a:srgbClr val="FF9900"/>
+                </a:solidFill>
+              </a:rPr>
               <a:t>, Tuple&lt;</a:t>
             </a:r>
             <a:r>
-              <a:rPr lang="en-US" dirty="0" err="1"/>
+              <a:rPr lang="en-US" sz="2400" dirty="0" err="1">
+                <a:solidFill>
+                  <a:srgbClr val="FF9900"/>
+                </a:solidFill>
+              </a:rPr>
               <a:t>int</a:t>
             </a:r>
             <a:r>
-              <a:rPr lang="en-US" dirty="0"/>
+              <a:rPr lang="en-US" sz="2400" dirty="0">
+                <a:solidFill>
+                  <a:srgbClr val="FF9900"/>
+                </a:solidFill>
+              </a:rPr>
               <a:t>, </a:t>
             </a:r>
             <a:r>
-              <a:rPr lang="en-US" dirty="0" err="1"/>
+              <a:rPr lang="en-US" sz="2400" dirty="0" err="1">
+                <a:solidFill>
+                  <a:srgbClr val="FF9900"/>
+                </a:solidFill>
+              </a:rPr>
               <a:t>int</a:t>
             </a:r>
             <a:r>
-              <a:rPr lang="en-US" dirty="0"/>
-              <a:t>&gt;&gt; </a:t>
-            </a:r>
-            <a:endParaRPr lang="en-US" dirty="0" smtClean="0"/>
+              <a:rPr lang="en-US" sz="2400" dirty="0" smtClean="0">
+                <a:solidFill>
+                  <a:srgbClr val="FF9900"/>
+                </a:solidFill>
+              </a:rPr>
+              <a:t>&gt;&gt;</a:t>
+            </a:r>
           </a:p>
           <a:p>
             <a:pPr marL="0" indent="0">
               <a:buNone/>
             </a:pPr>
             <a:r>
-              <a:rPr lang="en-US" dirty="0" err="1" smtClean="0"/>
+              <a:rPr lang="en-US" sz="2400" dirty="0" err="1" smtClean="0">
+                <a:solidFill>
+                  <a:srgbClr val="FF9900"/>
+                </a:solidFill>
+              </a:rPr>
               <a:t>nextEvenFibonacci</a:t>
             </a:r>
             <a:r>
-              <a:rPr lang="en-US" dirty="0" smtClean="0"/>
+              <a:rPr lang="en-US" sz="2400" dirty="0" smtClean="0">
+                <a:solidFill>
+                  <a:srgbClr val="FF9900"/>
+                </a:solidFill>
+              </a:rPr>
               <a:t>(Tuple&lt;</a:t>
             </a:r>
             <a:r>
-              <a:rPr lang="en-US" dirty="0" err="1" smtClean="0"/>
+              <a:rPr lang="en-US" sz="2400" dirty="0" err="1" smtClean="0">
+                <a:solidFill>
+                  <a:srgbClr val="FF9900"/>
+                </a:solidFill>
+              </a:rPr>
               <a:t>int</a:t>
             </a:r>
             <a:r>
-              <a:rPr lang="en-US" dirty="0"/>
+              <a:rPr lang="en-US" sz="2400" dirty="0">
+                <a:solidFill>
+                  <a:srgbClr val="FF9900"/>
+                </a:solidFill>
+              </a:rPr>
               <a:t>, </a:t>
             </a:r>
             <a:r>
-              <a:rPr lang="en-US" dirty="0" err="1"/>
+              <a:rPr lang="en-US" sz="2400" dirty="0" err="1">
+                <a:solidFill>
+                  <a:srgbClr val="FF9900"/>
+                </a:solidFill>
+              </a:rPr>
               <a:t>int</a:t>
             </a:r>
             <a:r>
-              <a:rPr lang="en-US" dirty="0"/>
-              <a:t>&gt; state</a:t>
-            </a:r>
-            <a:r>
-              <a:rPr lang="en-US" dirty="0" smtClean="0"/>
-              <a:t>) {</a:t>
-            </a:r>
-            <a:endParaRPr lang="en-US" dirty="0"/>
+              <a:rPr lang="en-US" sz="2400" dirty="0">
+                <a:solidFill>
+                  <a:srgbClr val="FF9900"/>
+                </a:solidFill>
+              </a:rPr>
+              <a:t>&gt; state)</a:t>
+            </a:r>
           </a:p>
           <a:p>
             <a:pPr marL="0" indent="0">
               <a:buNone/>
             </a:pPr>
             <a:r>
-              <a:rPr lang="en-US" dirty="0" smtClean="0"/>
-              <a:t>  return </a:t>
-            </a:r>
-            <a:r>
-              <a:rPr lang="en-US" dirty="0" err="1"/>
-              <a:t>Tuple.Create</a:t>
-            </a:r>
-            <a:r>
-              <a:rPr lang="en-US" dirty="0"/>
-              <a:t>(state.Item1</a:t>
-            </a:r>
-            <a:r>
-              <a:rPr lang="en-US" dirty="0" smtClean="0"/>
-              <a:t>, // next value</a:t>
-            </a:r>
+              <a:rPr lang="en-US" sz="2400" dirty="0" smtClean="0">
+                <a:solidFill>
+                  <a:srgbClr val="FF9900"/>
+                </a:solidFill>
+              </a:rPr>
+              <a:t>{</a:t>
+            </a:r>
+            <a:endParaRPr lang="en-US" sz="2400" dirty="0">
+              <a:solidFill>
+                <a:srgbClr val="FF9900"/>
+              </a:solidFill>
+            </a:endParaRPr>
           </a:p>
           <a:p>
             <a:pPr marL="0" indent="0">
               <a:buNone/>
             </a:pPr>
             <a:r>
-              <a:rPr lang="en-US" dirty="0" smtClean="0"/>
+              <a:rPr lang="en-US" sz="2400" dirty="0" smtClean="0">
+                <a:solidFill>
+                  <a:srgbClr val="FF9900"/>
+                </a:solidFill>
+              </a:rPr>
               <a:t>    </a:t>
             </a:r>
             <a:r>
-              <a:rPr lang="en-US" dirty="0" err="1" smtClean="0"/>
-              <a:t>Tuple.Create</a:t>
-            </a:r>
-            <a:r>
-              <a:rPr lang="en-US" dirty="0" smtClean="0"/>
-              <a:t>(state.Item2, // next state</a:t>
+              <a:rPr lang="en-US" sz="2400" dirty="0" err="1" smtClean="0">
+                <a:solidFill>
+                  <a:srgbClr val="FF9900"/>
+                </a:solidFill>
+              </a:rPr>
+              <a:t>var</a:t>
+            </a:r>
+            <a:r>
+              <a:rPr lang="en-US" sz="2400" dirty="0" smtClean="0">
+                <a:solidFill>
+                  <a:srgbClr val="FF9900"/>
+                </a:solidFill>
+              </a:rPr>
+              <a:t> </a:t>
+            </a:r>
+            <a:r>
+              <a:rPr lang="en-US" sz="2400" dirty="0" err="1">
+                <a:solidFill>
+                  <a:srgbClr val="FF9900"/>
+                </a:solidFill>
+              </a:rPr>
+              <a:t>nextValueInSequence</a:t>
+            </a:r>
+            <a:r>
+              <a:rPr lang="en-US" sz="2400" dirty="0">
+                <a:solidFill>
+                  <a:srgbClr val="FF9900"/>
+                </a:solidFill>
+              </a:rPr>
+              <a:t> = state.Item1;</a:t>
             </a:r>
           </a:p>
           <a:p>
@@ -13623,20 +15166,68 @@
               <a:buNone/>
             </a:pPr>
             <a:r>
-              <a:rPr lang="en-US" dirty="0"/>
+              <a:rPr lang="en-US" sz="2400" dirty="0">
+                <a:solidFill>
+                  <a:srgbClr val="FF9900"/>
+                </a:solidFill>
+              </a:rPr>
+              <a:t>    </a:t>
+            </a:r>
+            <a:r>
+              <a:rPr lang="en-US" sz="2400" dirty="0" err="1" smtClean="0">
+                <a:solidFill>
+                  <a:srgbClr val="FF9900"/>
+                </a:solidFill>
+              </a:rPr>
+              <a:t>var</a:t>
+            </a:r>
+            <a:r>
+              <a:rPr lang="en-US" sz="2400" dirty="0" smtClean="0">
+                <a:solidFill>
+                  <a:srgbClr val="FF9900"/>
+                </a:solidFill>
+              </a:rPr>
               <a:t> </a:t>
             </a:r>
             <a:r>
-              <a:rPr lang="en-US" dirty="0" smtClean="0"/>
-              <a:t>                         </a:t>
-            </a:r>
-            <a:r>
-              <a:rPr lang="en-US" dirty="0"/>
-              <a:t>state.Item1 + 4 * state.Item2</a:t>
-            </a:r>
-            <a:r>
-              <a:rPr lang="en-US" dirty="0" smtClean="0"/>
-              <a:t>));</a:t>
+              <a:rPr lang="en-US" sz="2400" dirty="0" err="1">
+                <a:solidFill>
+                  <a:srgbClr val="FF9900"/>
+                </a:solidFill>
+              </a:rPr>
+              <a:t>nextState</a:t>
+            </a:r>
+            <a:r>
+              <a:rPr lang="en-US" sz="2400" dirty="0">
+                <a:solidFill>
+                  <a:srgbClr val="FF9900"/>
+                </a:solidFill>
+              </a:rPr>
+              <a:t> = </a:t>
+            </a:r>
+            <a:r>
+              <a:rPr lang="en-US" sz="2400" dirty="0" err="1">
+                <a:solidFill>
+                  <a:srgbClr val="FF9900"/>
+                </a:solidFill>
+              </a:rPr>
+              <a:t>Tuple.Create</a:t>
+            </a:r>
+            <a:r>
+              <a:rPr lang="en-US" sz="2400" dirty="0">
+                <a:solidFill>
+                  <a:srgbClr val="FF9900"/>
+                </a:solidFill>
+              </a:rPr>
+              <a:t>(state.Item2</a:t>
+            </a:r>
+            <a:r>
+              <a:rPr lang="en-US" sz="2400" dirty="0" smtClean="0">
+                <a:solidFill>
+                  <a:srgbClr val="FF9900"/>
+                </a:solidFill>
+              </a:rPr>
+              <a:t>,</a:t>
             </a:r>
           </a:p>
           <a:p>
@@ -13644,10 +15235,116 @@
               <a:buNone/>
             </a:pPr>
             <a:r>
-              <a:rPr lang="en-US" dirty="0" smtClean="0"/>
+              <a:rPr lang="en-US" sz="2400" dirty="0">
+                <a:solidFill>
+                  <a:srgbClr val="FF9900"/>
+                </a:solidFill>
+              </a:rPr>
+              <a:t> </a:t>
+            </a:r>
+            <a:r>
+              <a:rPr lang="en-US" sz="2400" dirty="0" smtClean="0">
+                <a:solidFill>
+                  <a:srgbClr val="FF9900"/>
+                </a:solidFill>
+              </a:rPr>
+              <a:t>                                                  state.Item1 </a:t>
+            </a:r>
+            <a:r>
+              <a:rPr lang="en-US" sz="2400" dirty="0">
+                <a:solidFill>
+                  <a:srgbClr val="FF9900"/>
+                </a:solidFill>
+              </a:rPr>
+              <a:t>+ 4 * state.Item2);</a:t>
+            </a:r>
+          </a:p>
+          <a:p>
+            <a:pPr marL="0" indent="0">
+              <a:buNone/>
+            </a:pPr>
+            <a:r>
+              <a:rPr lang="en-US" sz="2400" dirty="0">
+                <a:solidFill>
+                  <a:srgbClr val="FF9900"/>
+                </a:solidFill>
+              </a:rPr>
+              <a:t>    </a:t>
+            </a:r>
+            <a:r>
+              <a:rPr lang="en-US" sz="2400" dirty="0" smtClean="0">
+                <a:solidFill>
+                  <a:srgbClr val="FF9900"/>
+                </a:solidFill>
+              </a:rPr>
+              <a:t>return </a:t>
+            </a:r>
+            <a:r>
+              <a:rPr lang="en-US" sz="2400" dirty="0" err="1">
+                <a:solidFill>
+                  <a:srgbClr val="FF9900"/>
+                </a:solidFill>
+              </a:rPr>
+              <a:t>Tuple.Create</a:t>
+            </a:r>
+            <a:r>
+              <a:rPr lang="en-US" sz="2400" dirty="0">
+                <a:solidFill>
+                  <a:srgbClr val="FF9900"/>
+                </a:solidFill>
+              </a:rPr>
+              <a:t>(</a:t>
+            </a:r>
+            <a:r>
+              <a:rPr lang="en-US" sz="2400" dirty="0" err="1">
+                <a:solidFill>
+                  <a:srgbClr val="FF9900"/>
+                </a:solidFill>
+              </a:rPr>
+              <a:t>nextValueInSequence</a:t>
+            </a:r>
+            <a:r>
+              <a:rPr lang="en-US" sz="2400" dirty="0">
+                <a:solidFill>
+                  <a:srgbClr val="FF9900"/>
+                </a:solidFill>
+              </a:rPr>
+              <a:t>, </a:t>
+            </a:r>
+            <a:r>
+              <a:rPr lang="en-US" sz="2400" dirty="0" err="1">
+                <a:solidFill>
+                  <a:srgbClr val="FF9900"/>
+                </a:solidFill>
+              </a:rPr>
+              <a:t>nextState</a:t>
+            </a:r>
+            <a:r>
+              <a:rPr lang="en-US" sz="2400" dirty="0" smtClean="0">
+                <a:solidFill>
+                  <a:srgbClr val="FF9900"/>
+                </a:solidFill>
+              </a:rPr>
+              <a:t>);</a:t>
+            </a:r>
+          </a:p>
+          <a:p>
+            <a:pPr marL="0" indent="0">
+              <a:buNone/>
+            </a:pPr>
+            <a:r>
+              <a:rPr lang="en-US" sz="2400" dirty="0" smtClean="0">
+                <a:solidFill>
+                  <a:srgbClr val="FF9900"/>
+                </a:solidFill>
+              </a:rPr>
               <a:t>}</a:t>
             </a:r>
-            <a:endParaRPr lang="en-US" dirty="0"/>
+            <a:endParaRPr lang="en-US" sz="2400" dirty="0">
+              <a:solidFill>
+                <a:srgbClr val="FF9900"/>
+              </a:solidFill>
+            </a:endParaRPr>
           </a:p>
         </p:txBody>
       </p:sp>
@@ -13760,69 +15457,116 @@
             <a:pPr marL="0" indent="0">
               <a:buNone/>
             </a:pPr>
-            <a:endParaRPr lang="en-US" dirty="0"/>
+            <a:r>
+              <a:rPr lang="en-US" sz="3600" dirty="0" smtClean="0">
+                <a:solidFill>
+                  <a:srgbClr val="FF9900"/>
+                </a:solidFill>
+              </a:rPr>
+              <a:t>static </a:t>
+            </a:r>
+            <a:r>
+              <a:rPr lang="en-US" sz="3600" dirty="0" err="1">
+                <a:solidFill>
+                  <a:srgbClr val="FF9900"/>
+                </a:solidFill>
+              </a:rPr>
+              <a:t>IEnumerable</a:t>
+            </a:r>
+            <a:r>
+              <a:rPr lang="en-US" sz="3600" dirty="0">
+                <a:solidFill>
+                  <a:srgbClr val="FF9900"/>
+                </a:solidFill>
+              </a:rPr>
+              <a:t>&lt;</a:t>
+            </a:r>
+            <a:r>
+              <a:rPr lang="en-US" sz="3600" dirty="0" err="1">
+                <a:solidFill>
+                  <a:srgbClr val="FF9900"/>
+                </a:solidFill>
+              </a:rPr>
+              <a:t>int</a:t>
+            </a:r>
+            <a:r>
+              <a:rPr lang="en-US" sz="3600" dirty="0">
+                <a:solidFill>
+                  <a:srgbClr val="FF9900"/>
+                </a:solidFill>
+              </a:rPr>
+              <a:t>&gt; </a:t>
+            </a:r>
+            <a:r>
+              <a:rPr lang="en-US" sz="3600" dirty="0" err="1">
+                <a:solidFill>
+                  <a:srgbClr val="FF9900"/>
+                </a:solidFill>
+              </a:rPr>
+              <a:t>evenFibonacci</a:t>
+            </a:r>
+            <a:r>
+              <a:rPr lang="en-US" sz="3600" dirty="0" smtClean="0">
+                <a:solidFill>
+                  <a:srgbClr val="FF9900"/>
+                </a:solidFill>
+              </a:rPr>
+              <a:t>()</a:t>
+            </a:r>
           </a:p>
           <a:p>
             <a:pPr marL="0" indent="0">
               <a:buNone/>
             </a:pPr>
             <a:r>
-              <a:rPr lang="en-US" dirty="0" smtClean="0"/>
-              <a:t>static </a:t>
-            </a:r>
-            <a:r>
-              <a:rPr lang="en-US" dirty="0" err="1"/>
-              <a:t>IEnumerable</a:t>
-            </a:r>
-            <a:r>
-              <a:rPr lang="en-US" dirty="0"/>
-              <a:t>&lt;</a:t>
-            </a:r>
-            <a:r>
-              <a:rPr lang="en-US" dirty="0" err="1"/>
-              <a:t>int</a:t>
-            </a:r>
-            <a:r>
-              <a:rPr lang="en-US" dirty="0"/>
-              <a:t>&gt; </a:t>
-            </a:r>
-            <a:r>
-              <a:rPr lang="en-US" dirty="0" err="1"/>
-              <a:t>evenFibonacci</a:t>
-            </a:r>
-            <a:r>
-              <a:rPr lang="en-US" dirty="0" smtClean="0"/>
-              <a:t>() {</a:t>
-            </a:r>
-            <a:endParaRPr lang="en-US" dirty="0"/>
+              <a:rPr lang="en-US" sz="3600" dirty="0" smtClean="0">
+                <a:solidFill>
+                  <a:srgbClr val="FF9900"/>
+                </a:solidFill>
+              </a:rPr>
+              <a:t>{</a:t>
+            </a:r>
+            <a:endParaRPr lang="en-US" sz="3600" dirty="0">
+              <a:solidFill>
+                <a:srgbClr val="FF9900"/>
+              </a:solidFill>
+            </a:endParaRPr>
           </a:p>
           <a:p>
             <a:pPr marL="0" indent="0">
               <a:buNone/>
             </a:pPr>
             <a:r>
-              <a:rPr lang="en-US" dirty="0" smtClean="0"/>
-              <a:t>  </a:t>
-            </a:r>
-            <a:r>
-              <a:rPr lang="en-US" dirty="0"/>
-              <a:t>return </a:t>
-            </a:r>
-            <a:r>
-              <a:rPr lang="en-US" dirty="0" err="1"/>
+              <a:rPr lang="en-US" sz="3600" dirty="0" smtClean="0">
+                <a:solidFill>
+                  <a:srgbClr val="FF9900"/>
+                </a:solidFill>
+              </a:rPr>
+              <a:t>    return </a:t>
+            </a:r>
+            <a:r>
+              <a:rPr lang="en-US" sz="3600" dirty="0" err="1">
+                <a:solidFill>
+                  <a:srgbClr val="FF9900"/>
+                </a:solidFill>
+              </a:rPr>
               <a:t>Tuple.Create</a:t>
             </a:r>
             <a:r>
-              <a:rPr lang="en-US" dirty="0"/>
-              <a:t>(2, 8).Unfold(</a:t>
-            </a:r>
-            <a:r>
-              <a:rPr lang="en-US" dirty="0" err="1"/>
-              <a:t>nextEvenFibonacci</a:t>
-            </a:r>
-            <a:r>
-              <a:rPr lang="en-US" dirty="0"/>
-              <a:t>);</a:t>
+              <a:rPr lang="en-US" sz="3600" dirty="0">
+                <a:solidFill>
+                  <a:srgbClr val="FF9900"/>
+                </a:solidFill>
+              </a:rPr>
+              <a:t>(2, 8</a:t>
+            </a:r>
+            <a:r>
+              <a:rPr lang="en-US" sz="3600" dirty="0" smtClean="0">
+                <a:solidFill>
+                  <a:srgbClr val="FF9900"/>
+                </a:solidFill>
+              </a:rPr>
+              <a:t>).</a:t>
             </a:r>
           </a:p>
           <a:p>
@@ -13830,10 +15574,55 @@
               <a:buNone/>
             </a:pPr>
             <a:r>
-              <a:rPr lang="en-US" dirty="0" smtClean="0"/>
+              <a:rPr lang="en-US" sz="3600" dirty="0">
+                <a:solidFill>
+                  <a:srgbClr val="FF9900"/>
+                </a:solidFill>
+              </a:rPr>
+              <a:t> </a:t>
+            </a:r>
+            <a:r>
+              <a:rPr lang="en-US" sz="3600" dirty="0" smtClean="0">
+                <a:solidFill>
+                  <a:srgbClr val="FF9900"/>
+                </a:solidFill>
+              </a:rPr>
+              <a:t>                        Unfold(</a:t>
+            </a:r>
+            <a:r>
+              <a:rPr lang="en-US" sz="3600" dirty="0" err="1" smtClean="0">
+                <a:solidFill>
+                  <a:srgbClr val="FF9900"/>
+                </a:solidFill>
+              </a:rPr>
+              <a:t>nextEvenFibonacci</a:t>
+            </a:r>
+            <a:r>
+              <a:rPr lang="en-US" sz="3600" dirty="0">
+                <a:solidFill>
+                  <a:srgbClr val="FF9900"/>
+                </a:solidFill>
+              </a:rPr>
+              <a:t>);</a:t>
+            </a:r>
+          </a:p>
+          <a:p>
+            <a:pPr marL="0" indent="0">
+              <a:buNone/>
+            </a:pPr>
+            <a:r>
+              <a:rPr lang="en-US" sz="3600" dirty="0" smtClean="0">
+                <a:solidFill>
+                  <a:srgbClr val="FF9900"/>
+                </a:solidFill>
+              </a:rPr>
               <a:t>}</a:t>
             </a:r>
-            <a:endParaRPr lang="en-US" dirty="0"/>
+            <a:endParaRPr lang="en-US" sz="3600" dirty="0">
+              <a:solidFill>
+                <a:srgbClr val="FF9900"/>
+              </a:solidFill>
+            </a:endParaRPr>
           </a:p>
         </p:txBody>
       </p:sp>
@@ -13947,71 +15736,99 @@
               <a:buNone/>
             </a:pPr>
             <a:r>
-              <a:rPr lang="en-US" dirty="0" smtClean="0"/>
+              <a:rPr lang="en-US" sz="3200" dirty="0" smtClean="0">
+                <a:solidFill>
+                  <a:srgbClr val="FF9900"/>
+                </a:solidFill>
+              </a:rPr>
               <a:t>static </a:t>
             </a:r>
             <a:r>
-              <a:rPr lang="en-US" dirty="0" err="1"/>
+              <a:rPr lang="en-US" sz="3200" dirty="0" err="1">
+                <a:solidFill>
+                  <a:srgbClr val="FF9900"/>
+                </a:solidFill>
+              </a:rPr>
               <a:t>int</a:t>
             </a:r>
             <a:r>
-              <a:rPr lang="en-US" dirty="0"/>
+              <a:rPr lang="en-US" sz="3200" dirty="0">
+                <a:solidFill>
+                  <a:srgbClr val="FF9900"/>
+                </a:solidFill>
+              </a:rPr>
               <a:t> </a:t>
             </a:r>
             <a:r>
-              <a:rPr lang="en-US" dirty="0" err="1"/>
+              <a:rPr lang="en-US" sz="3200" dirty="0" err="1">
+                <a:solidFill>
+                  <a:srgbClr val="FF9900"/>
+                </a:solidFill>
+              </a:rPr>
               <a:t>noFilterFunctional</a:t>
             </a:r>
             <a:r>
-              <a:rPr lang="en-US" dirty="0" smtClean="0"/>
-              <a:t>() {</a:t>
-            </a:r>
-            <a:endParaRPr lang="en-US" dirty="0"/>
+              <a:rPr lang="en-US" sz="3200" dirty="0" smtClean="0">
+                <a:solidFill>
+                  <a:srgbClr val="FF9900"/>
+                </a:solidFill>
+              </a:rPr>
+              <a:t>()</a:t>
+            </a:r>
           </a:p>
           <a:p>
             <a:pPr marL="0" indent="0">
               <a:buNone/>
             </a:pPr>
             <a:r>
-              <a:rPr lang="en-US" dirty="0" smtClean="0"/>
-              <a:t>  </a:t>
-            </a:r>
-            <a:r>
-              <a:rPr lang="en-US" dirty="0"/>
-              <a:t>return </a:t>
-            </a:r>
-            <a:r>
-              <a:rPr lang="en-US" dirty="0" err="1" smtClean="0"/>
-              <a:t>evenFibonacci</a:t>
-            </a:r>
-            <a:r>
-              <a:rPr lang="en-US" dirty="0" smtClean="0"/>
-              <a:t>().</a:t>
-            </a:r>
+              <a:rPr lang="en-US" sz="3200" dirty="0" smtClean="0">
+                <a:solidFill>
+                  <a:srgbClr val="FF9900"/>
+                </a:solidFill>
+              </a:rPr>
+              <a:t>{</a:t>
+            </a:r>
+            <a:endParaRPr lang="en-US" sz="3200" dirty="0">
+              <a:solidFill>
+                <a:srgbClr val="FF9900"/>
+              </a:solidFill>
+            </a:endParaRPr>
           </a:p>
           <a:p>
             <a:pPr marL="0" indent="0">
               <a:buNone/>
             </a:pPr>
             <a:r>
-              <a:rPr lang="en-US" dirty="0" smtClean="0"/>
-              <a:t>            </a:t>
-            </a:r>
-            <a:r>
-              <a:rPr lang="en-US" dirty="0" err="1" smtClean="0"/>
-              <a:t>TakeWhile</a:t>
-            </a:r>
-            <a:r>
-              <a:rPr lang="en-US" dirty="0" smtClean="0"/>
-              <a:t>(</a:t>
-            </a:r>
-            <a:r>
-              <a:rPr lang="en-US" dirty="0" err="1" smtClean="0"/>
-              <a:t>doesNotExceedFourMillion</a:t>
-            </a:r>
-            <a:r>
-              <a:rPr lang="en-US" dirty="0" smtClean="0"/>
-              <a:t>).</a:t>
+              <a:rPr lang="en-US" sz="3200" dirty="0" smtClean="0">
+                <a:solidFill>
+                  <a:srgbClr val="FF9900"/>
+                </a:solidFill>
+              </a:rPr>
+              <a:t>    </a:t>
+            </a:r>
+            <a:r>
+              <a:rPr lang="en-US" sz="3200" dirty="0">
+                <a:solidFill>
+                  <a:srgbClr val="FF9900"/>
+                </a:solidFill>
+              </a:rPr>
+              <a:t>return </a:t>
+            </a:r>
+            <a:r>
+              <a:rPr lang="en-US" sz="3200" dirty="0" err="1" smtClean="0">
+                <a:solidFill>
+                  <a:srgbClr val="FF9900"/>
+                </a:solidFill>
+              </a:rPr>
+              <a:t>evenFibonacci</a:t>
+            </a:r>
+            <a:r>
+              <a:rPr lang="en-US" sz="3200" dirty="0" smtClean="0">
+                <a:solidFill>
+                  <a:srgbClr val="FF9900"/>
+                </a:solidFill>
+              </a:rPr>
+              <a:t>().</a:t>
             </a:r>
           </a:p>
           <a:p>
@@ -14019,12 +15836,44 @@
               <a:buNone/>
             </a:pPr>
             <a:r>
-              <a:rPr lang="en-US" dirty="0"/>
-              <a:t> </a:t>
-            </a:r>
-            <a:r>
-              <a:rPr lang="en-US" dirty="0" smtClean="0"/>
-              <a:t>           Sum();</a:t>
+              <a:rPr lang="en-US" sz="3200" dirty="0" smtClean="0">
+                <a:solidFill>
+                  <a:srgbClr val="FF9900"/>
+                </a:solidFill>
+              </a:rPr>
+              <a:t>              </a:t>
+            </a:r>
+            <a:r>
+              <a:rPr lang="en-US" sz="3200" dirty="0" err="1" smtClean="0">
+                <a:solidFill>
+                  <a:srgbClr val="FF9900"/>
+                </a:solidFill>
+              </a:rPr>
+              <a:t>TakeWhile</a:t>
+            </a:r>
+            <a:r>
+              <a:rPr lang="en-US" sz="3200" dirty="0" smtClean="0">
+                <a:solidFill>
+                  <a:srgbClr val="FF9900"/>
+                </a:solidFill>
+              </a:rPr>
+              <a:t>(</a:t>
+            </a:r>
+            <a:r>
+              <a:rPr lang="en-US" sz="3200" dirty="0" err="1" smtClean="0">
+                <a:solidFill>
+                  <a:srgbClr val="FF9900"/>
+                </a:solidFill>
+              </a:rPr>
+              <a:t>doesNotExceedFourMillion</a:t>
+            </a:r>
+            <a:r>
+              <a:rPr lang="en-US" sz="3200" dirty="0" smtClean="0">
+                <a:solidFill>
+                  <a:srgbClr val="FF9900"/>
+                </a:solidFill>
+              </a:rPr>
+              <a:t>).</a:t>
             </a:r>
           </a:p>
           <a:p>
@@ -14032,10 +15881,39 @@
               <a:buNone/>
             </a:pPr>
             <a:r>
-              <a:rPr lang="en-US" dirty="0" smtClean="0"/>
+              <a:rPr lang="en-US" sz="3200" dirty="0">
+                <a:solidFill>
+                  <a:srgbClr val="FF9900"/>
+                </a:solidFill>
+              </a:rPr>
+              <a:t> </a:t>
+            </a:r>
+            <a:r>
+              <a:rPr lang="en-US" sz="3200" dirty="0" smtClean="0">
+                <a:solidFill>
+                  <a:srgbClr val="FF9900"/>
+                </a:solidFill>
+              </a:rPr>
+              <a:t>             Sum();</a:t>
+            </a:r>
+          </a:p>
+          <a:p>
+            <a:pPr marL="0" indent="0">
+              <a:buNone/>
+            </a:pPr>
+            <a:r>
+              <a:rPr lang="en-US" sz="3200" dirty="0" smtClean="0">
+                <a:solidFill>
+                  <a:srgbClr val="FF9900"/>
+                </a:solidFill>
+              </a:rPr>
               <a:t>}</a:t>
             </a:r>
-            <a:endParaRPr lang="en-US" dirty="0"/>
+            <a:endParaRPr lang="en-US" sz="3200" dirty="0">
+              <a:solidFill>
+                <a:srgbClr val="FF9900"/>
+              </a:solidFill>
+            </a:endParaRPr>
           </a:p>
         </p:txBody>
       </p:sp>
@@ -15904,73 +17782,141 @@
               <a:buNone/>
             </a:pPr>
             <a:r>
-              <a:rPr lang="en-US" sz="3200" dirty="0"/>
+              <a:rPr lang="en-US" sz="3200" dirty="0">
+                <a:solidFill>
+                  <a:srgbClr val="FF9900"/>
+                </a:solidFill>
+              </a:rPr>
               <a:t>static </a:t>
             </a:r>
             <a:r>
-              <a:rPr lang="en-US" sz="3200" dirty="0" err="1"/>
+              <a:rPr lang="en-US" sz="3200" dirty="0" err="1">
+                <a:solidFill>
+                  <a:srgbClr val="FF9900"/>
+                </a:solidFill>
+              </a:rPr>
               <a:t>int</a:t>
             </a:r>
             <a:r>
-              <a:rPr lang="en-US" sz="3200" dirty="0"/>
+              <a:rPr lang="en-US" sz="3200" dirty="0">
+                <a:solidFill>
+                  <a:srgbClr val="FF9900"/>
+                </a:solidFill>
+              </a:rPr>
               <a:t> </a:t>
             </a:r>
             <a:r>
-              <a:rPr lang="en-US" sz="3200" dirty="0" err="1"/>
+              <a:rPr lang="en-US" sz="3200" dirty="0" err="1">
+                <a:solidFill>
+                  <a:srgbClr val="FF9900"/>
+                </a:solidFill>
+              </a:rPr>
               <a:t>filterImperative</a:t>
             </a:r>
             <a:r>
-              <a:rPr lang="en-US" sz="3200" dirty="0" smtClean="0"/>
+              <a:rPr lang="en-US" sz="3200" dirty="0" smtClean="0">
+                <a:solidFill>
+                  <a:srgbClr val="FF9900"/>
+                </a:solidFill>
+              </a:rPr>
               <a:t>() </a:t>
             </a:r>
             <a:r>
-              <a:rPr lang="en-US" sz="3200" dirty="0" smtClean="0"/>
+              <a:rPr lang="en-US" sz="3200" dirty="0" smtClean="0">
+                <a:solidFill>
+                  <a:srgbClr val="FF9900"/>
+                </a:solidFill>
+              </a:rPr>
               <a:t>{</a:t>
             </a:r>
-            <a:endParaRPr lang="en-US" sz="3200" dirty="0"/>
+            <a:endParaRPr lang="en-US" sz="3200" dirty="0">
+              <a:solidFill>
+                <a:srgbClr val="FF9900"/>
+              </a:solidFill>
+            </a:endParaRPr>
           </a:p>
           <a:p>
             <a:pPr marL="0" indent="0">
               <a:buNone/>
             </a:pPr>
             <a:r>
-              <a:rPr lang="en-US" sz="3200" dirty="0"/>
+              <a:rPr lang="en-US" sz="3200" dirty="0">
+                <a:solidFill>
+                  <a:srgbClr val="FF9900"/>
+                </a:solidFill>
+              </a:rPr>
               <a:t> </a:t>
             </a:r>
             <a:r>
-              <a:rPr lang="en-US" sz="3200" dirty="0" smtClean="0"/>
+              <a:rPr lang="en-US" sz="3200" dirty="0" smtClean="0">
+                <a:solidFill>
+                  <a:srgbClr val="FF9900"/>
+                </a:solidFill>
+              </a:rPr>
               <a:t> </a:t>
             </a:r>
             <a:r>
-              <a:rPr lang="en-US" sz="3200" dirty="0" err="1" smtClean="0"/>
+              <a:rPr lang="en-US" sz="3200" dirty="0" err="1" smtClean="0">
+                <a:solidFill>
+                  <a:srgbClr val="FF9900"/>
+                </a:solidFill>
+              </a:rPr>
               <a:t>int</a:t>
             </a:r>
             <a:r>
-              <a:rPr lang="en-US" sz="3200" dirty="0" smtClean="0"/>
+              <a:rPr lang="en-US" sz="3200" dirty="0" smtClean="0">
+                <a:solidFill>
+                  <a:srgbClr val="FF9900"/>
+                </a:solidFill>
+              </a:rPr>
               <a:t> </a:t>
             </a:r>
             <a:r>
-              <a:rPr lang="en-US" sz="3200" dirty="0"/>
+              <a:rPr lang="en-US" sz="3200" dirty="0">
+                <a:solidFill>
+                  <a:srgbClr val="FF9900"/>
+                </a:solidFill>
+              </a:rPr>
               <a:t>a = </a:t>
             </a:r>
             <a:r>
-              <a:rPr lang="en-US" sz="3200" dirty="0" smtClean="0"/>
+              <a:rPr lang="en-US" sz="3200" dirty="0" smtClean="0">
+                <a:solidFill>
+                  <a:srgbClr val="FF9900"/>
+                </a:solidFill>
+              </a:rPr>
               <a:t>1, b </a:t>
             </a:r>
             <a:r>
-              <a:rPr lang="en-US" sz="3200" dirty="0"/>
+              <a:rPr lang="en-US" sz="3200" dirty="0">
+                <a:solidFill>
+                  <a:srgbClr val="FF9900"/>
+                </a:solidFill>
+              </a:rPr>
               <a:t>= </a:t>
             </a:r>
             <a:r>
-              <a:rPr lang="en-US" sz="3200" dirty="0" smtClean="0"/>
+              <a:rPr lang="en-US" sz="3200" dirty="0" smtClean="0">
+                <a:solidFill>
+                  <a:srgbClr val="FF9900"/>
+                </a:solidFill>
+              </a:rPr>
               <a:t>2, </a:t>
             </a:r>
             <a:r>
-              <a:rPr lang="en-US" sz="3200" dirty="0" smtClean="0"/>
+              <a:rPr lang="en-US" sz="3200" dirty="0" smtClean="0">
+                <a:solidFill>
+                  <a:srgbClr val="FF9900"/>
+                </a:solidFill>
+              </a:rPr>
               <a:t>sum </a:t>
             </a:r>
             <a:r>
-              <a:rPr lang="en-US" sz="3200" dirty="0"/>
+              <a:rPr lang="en-US" sz="3200" dirty="0">
+                <a:solidFill>
+                  <a:srgbClr val="FF9900"/>
+                </a:solidFill>
+              </a:rPr>
               <a:t>= 0;</a:t>
             </a:r>
           </a:p>
@@ -15979,57 +17925,109 @@
               <a:buNone/>
             </a:pPr>
             <a:r>
-              <a:rPr lang="en-US" sz="3200" dirty="0"/>
+              <a:rPr lang="en-US" sz="3200" dirty="0">
+                <a:solidFill>
+                  <a:srgbClr val="FF9900"/>
+                </a:solidFill>
+              </a:rPr>
               <a:t>  </a:t>
             </a:r>
             <a:r>
-              <a:rPr lang="en-US" sz="3200" dirty="0" smtClean="0"/>
+              <a:rPr lang="en-US" sz="3200" dirty="0" smtClean="0">
+                <a:solidFill>
+                  <a:srgbClr val="FF9900"/>
+                </a:solidFill>
+              </a:rPr>
               <a:t>while </a:t>
             </a:r>
             <a:r>
-              <a:rPr lang="en-US" sz="3200" dirty="0"/>
+              <a:rPr lang="en-US" sz="3200" dirty="0">
+                <a:solidFill>
+                  <a:srgbClr val="FF9900"/>
+                </a:solidFill>
+              </a:rPr>
               <a:t>(a </a:t>
             </a:r>
             <a:r>
-              <a:rPr lang="en-US" sz="3200" dirty="0" smtClean="0"/>
+              <a:rPr lang="en-US" sz="3200" dirty="0" smtClean="0">
+                <a:solidFill>
+                  <a:srgbClr val="FF9900"/>
+                </a:solidFill>
+              </a:rPr>
               <a:t>&lt;= 4000000) </a:t>
             </a:r>
             <a:r>
-              <a:rPr lang="en-US" sz="3200" dirty="0" smtClean="0"/>
+              <a:rPr lang="en-US" sz="3200" dirty="0" smtClean="0">
+                <a:solidFill>
+                  <a:srgbClr val="FF9900"/>
+                </a:solidFill>
+              </a:rPr>
               <a:t>{</a:t>
             </a:r>
-            <a:endParaRPr lang="en-US" sz="3200" dirty="0"/>
+            <a:endParaRPr lang="en-US" sz="3200" dirty="0">
+              <a:solidFill>
+                <a:srgbClr val="FF9900"/>
+              </a:solidFill>
+            </a:endParaRPr>
           </a:p>
           <a:p>
             <a:pPr marL="0" indent="0">
               <a:buNone/>
             </a:pPr>
             <a:r>
-              <a:rPr lang="en-US" sz="3200" dirty="0"/>
+              <a:rPr lang="en-US" sz="3200" dirty="0">
+                <a:solidFill>
+                  <a:srgbClr val="FF9900"/>
+                </a:solidFill>
+              </a:rPr>
               <a:t>  </a:t>
             </a:r>
             <a:r>
-              <a:rPr lang="en-US" sz="3200" dirty="0" smtClean="0"/>
+              <a:rPr lang="en-US" sz="3200" dirty="0" smtClean="0">
+                <a:solidFill>
+                  <a:srgbClr val="FF9900"/>
+                </a:solidFill>
+              </a:rPr>
               <a:t>  </a:t>
             </a:r>
             <a:r>
-              <a:rPr lang="en-US" sz="3200" dirty="0"/>
+              <a:rPr lang="en-US" sz="3200" dirty="0">
+                <a:solidFill>
+                  <a:srgbClr val="FF9900"/>
+                </a:solidFill>
+              </a:rPr>
               <a:t>if </a:t>
             </a:r>
             <a:r>
-              <a:rPr lang="en-US" sz="3200" dirty="0" smtClean="0"/>
+              <a:rPr lang="en-US" sz="3200" dirty="0" smtClean="0">
+                <a:solidFill>
+                  <a:srgbClr val="FF9900"/>
+                </a:solidFill>
+              </a:rPr>
               <a:t>((a &amp; 1) == </a:t>
             </a:r>
             <a:r>
-              <a:rPr lang="en-US" sz="3200" dirty="0"/>
+              <a:rPr lang="en-US" sz="3200" dirty="0">
+                <a:solidFill>
+                  <a:srgbClr val="FF9900"/>
+                </a:solidFill>
+              </a:rPr>
               <a:t>0) </a:t>
             </a:r>
             <a:r>
-              <a:rPr lang="en-US" sz="3200" dirty="0" smtClean="0"/>
+              <a:rPr lang="en-US" sz="3200" dirty="0" smtClean="0">
+                <a:solidFill>
+                  <a:srgbClr val="FF9900"/>
+                </a:solidFill>
+              </a:rPr>
               <a:t>sum </a:t>
             </a:r>
             <a:r>
-              <a:rPr lang="en-US" sz="3200" dirty="0"/>
+              <a:rPr lang="en-US" sz="3200" dirty="0">
+                <a:solidFill>
+                  <a:srgbClr val="FF9900"/>
+                </a:solidFill>
+              </a:rPr>
               <a:t>+= a;</a:t>
             </a:r>
           </a:p>
@@ -16038,100 +18036,192 @@
               <a:buNone/>
             </a:pPr>
             <a:r>
-              <a:rPr lang="en-US" sz="3200" dirty="0"/>
+              <a:rPr lang="en-US" sz="3200" dirty="0">
+                <a:solidFill>
+                  <a:srgbClr val="FF9900"/>
+                </a:solidFill>
+              </a:rPr>
               <a:t>  </a:t>
             </a:r>
             <a:r>
-              <a:rPr lang="en-US" sz="3200" dirty="0" smtClean="0"/>
+              <a:rPr lang="en-US" sz="3200" dirty="0" smtClean="0">
+                <a:solidFill>
+                  <a:srgbClr val="FF9900"/>
+                </a:solidFill>
+              </a:rPr>
               <a:t>  </a:t>
             </a:r>
             <a:r>
-              <a:rPr lang="en-US" sz="3200" dirty="0" err="1" smtClean="0"/>
+              <a:rPr lang="en-US" sz="3200" dirty="0" err="1" smtClean="0">
+                <a:solidFill>
+                  <a:srgbClr val="FF9900"/>
+                </a:solidFill>
+              </a:rPr>
               <a:t>var</a:t>
             </a:r>
             <a:r>
-              <a:rPr lang="en-US" sz="3200" dirty="0" smtClean="0"/>
+              <a:rPr lang="en-US" sz="3200" dirty="0" smtClean="0">
+                <a:solidFill>
+                  <a:srgbClr val="FF9900"/>
+                </a:solidFill>
+              </a:rPr>
               <a:t> </a:t>
             </a:r>
             <a:r>
-              <a:rPr lang="en-US" sz="3200" dirty="0" err="1" smtClean="0"/>
+              <a:rPr lang="en-US" sz="3200" dirty="0" err="1" smtClean="0">
+                <a:solidFill>
+                  <a:srgbClr val="FF9900"/>
+                </a:solidFill>
+              </a:rPr>
               <a:t>aPlusB</a:t>
             </a:r>
             <a:r>
-              <a:rPr lang="en-US" sz="3200" dirty="0" smtClean="0"/>
+              <a:rPr lang="en-US" sz="3200" dirty="0" smtClean="0">
+                <a:solidFill>
+                  <a:srgbClr val="FF9900"/>
+                </a:solidFill>
+              </a:rPr>
               <a:t> </a:t>
             </a:r>
             <a:r>
-              <a:rPr lang="en-US" sz="3200" dirty="0"/>
+              <a:rPr lang="en-US" sz="3200" dirty="0">
+                <a:solidFill>
+                  <a:srgbClr val="FF9900"/>
+                </a:solidFill>
+              </a:rPr>
               <a:t>= a + </a:t>
             </a:r>
             <a:r>
-              <a:rPr lang="en-US" sz="3200" dirty="0" smtClean="0"/>
+              <a:rPr lang="en-US" sz="3200" dirty="0" smtClean="0">
+                <a:solidFill>
+                  <a:srgbClr val="FF9900"/>
+                </a:solidFill>
+              </a:rPr>
               <a:t>b; a </a:t>
             </a:r>
             <a:r>
-              <a:rPr lang="en-US" sz="3200" dirty="0"/>
+              <a:rPr lang="en-US" sz="3200" dirty="0">
+                <a:solidFill>
+                  <a:srgbClr val="FF9900"/>
+                </a:solidFill>
+              </a:rPr>
               <a:t>= </a:t>
             </a:r>
             <a:r>
-              <a:rPr lang="en-US" sz="3200" dirty="0" smtClean="0"/>
+              <a:rPr lang="en-US" sz="3200" dirty="0" smtClean="0">
+                <a:solidFill>
+                  <a:srgbClr val="FF9900"/>
+                </a:solidFill>
+              </a:rPr>
               <a:t>b; b </a:t>
             </a:r>
             <a:r>
-              <a:rPr lang="en-US" sz="3200" dirty="0"/>
+              <a:rPr lang="en-US" sz="3200" dirty="0">
+                <a:solidFill>
+                  <a:srgbClr val="FF9900"/>
+                </a:solidFill>
+              </a:rPr>
               <a:t>= </a:t>
             </a:r>
             <a:r>
-              <a:rPr lang="en-US" sz="3200" dirty="0" err="1" smtClean="0"/>
+              <a:rPr lang="en-US" sz="3200" dirty="0" err="1" smtClean="0">
+                <a:solidFill>
+                  <a:srgbClr val="FF9900"/>
+                </a:solidFill>
+              </a:rPr>
               <a:t>aPlusB</a:t>
             </a:r>
             <a:r>
-              <a:rPr lang="en-US" sz="3200" dirty="0" smtClean="0"/>
+              <a:rPr lang="en-US" sz="3200" dirty="0" smtClean="0">
+                <a:solidFill>
+                  <a:srgbClr val="FF9900"/>
+                </a:solidFill>
+              </a:rPr>
               <a:t>;</a:t>
             </a:r>
-            <a:endParaRPr lang="en-US" sz="3200" dirty="0"/>
+            <a:endParaRPr lang="en-US" sz="3200" dirty="0">
+              <a:solidFill>
+                <a:srgbClr val="FF9900"/>
+              </a:solidFill>
+            </a:endParaRPr>
           </a:p>
           <a:p>
             <a:pPr marL="0" indent="0">
               <a:buNone/>
             </a:pPr>
             <a:r>
-              <a:rPr lang="en-US" sz="3200" dirty="0"/>
+              <a:rPr lang="en-US" sz="3200" dirty="0">
+                <a:solidFill>
+                  <a:srgbClr val="FF9900"/>
+                </a:solidFill>
+              </a:rPr>
               <a:t>  </a:t>
             </a:r>
             <a:r>
-              <a:rPr lang="en-US" sz="3200" dirty="0" smtClean="0"/>
+              <a:rPr lang="en-US" sz="3200" dirty="0" smtClean="0">
+                <a:solidFill>
+                  <a:srgbClr val="FF9900"/>
+                </a:solidFill>
+              </a:rPr>
               <a:t>}</a:t>
             </a:r>
-            <a:endParaRPr lang="en-US" sz="3200" dirty="0"/>
+            <a:endParaRPr lang="en-US" sz="3200" dirty="0">
+              <a:solidFill>
+                <a:srgbClr val="FF9900"/>
+              </a:solidFill>
+            </a:endParaRPr>
           </a:p>
           <a:p>
             <a:pPr marL="0" indent="0">
               <a:buNone/>
             </a:pPr>
             <a:r>
-              <a:rPr lang="en-US" sz="3200" dirty="0"/>
+              <a:rPr lang="en-US" sz="3200" dirty="0">
+                <a:solidFill>
+                  <a:srgbClr val="FF9900"/>
+                </a:solidFill>
+              </a:rPr>
               <a:t>  </a:t>
             </a:r>
             <a:r>
-              <a:rPr lang="en-US" sz="3200" dirty="0" smtClean="0"/>
+              <a:rPr lang="en-US" sz="3200" dirty="0" smtClean="0">
+                <a:solidFill>
+                  <a:srgbClr val="FF9900"/>
+                </a:solidFill>
+              </a:rPr>
               <a:t>return </a:t>
             </a:r>
             <a:r>
-              <a:rPr lang="en-US" sz="3200" dirty="0" smtClean="0"/>
+              <a:rPr lang="en-US" sz="3200" dirty="0" smtClean="0">
+                <a:solidFill>
+                  <a:srgbClr val="FF9900"/>
+                </a:solidFill>
+              </a:rPr>
               <a:t>sum;</a:t>
             </a:r>
-            <a:endParaRPr lang="en-US" sz="3200" dirty="0" smtClean="0"/>
+            <a:endParaRPr lang="en-US" sz="3200" dirty="0" smtClean="0">
+              <a:solidFill>
+                <a:srgbClr val="FF9900"/>
+              </a:solidFill>
+            </a:endParaRPr>
           </a:p>
           <a:p>
             <a:pPr marL="0" indent="0">
               <a:buNone/>
             </a:pPr>
             <a:r>
-              <a:rPr lang="en-US" sz="3200" dirty="0" smtClean="0"/>
+              <a:rPr lang="en-US" sz="3200" dirty="0" smtClean="0">
+                <a:solidFill>
+                  <a:srgbClr val="FF9900"/>
+                </a:solidFill>
+              </a:rPr>
               <a:t>}</a:t>
             </a:r>
-            <a:endParaRPr lang="en-US" sz="3200" dirty="0"/>
+            <a:endParaRPr lang="en-US" sz="3200" dirty="0">
+              <a:solidFill>
+                <a:srgbClr val="FF9900"/>
+              </a:solidFill>
+            </a:endParaRPr>
           </a:p>
         </p:txBody>
       </p:sp>
@@ -17283,32 +19373,8 @@
               <a:buNone/>
             </a:pPr>
             <a:r>
-              <a:rPr lang="en-US" dirty="0"/>
-              <a:t>static </a:t>
-            </a:r>
-            <a:r>
-              <a:rPr lang="en-US" dirty="0" err="1"/>
-              <a:t>IEnumerable</a:t>
-            </a:r>
-            <a:r>
-              <a:rPr lang="en-US" dirty="0"/>
-              <a:t>&lt;</a:t>
-            </a:r>
-            <a:r>
-              <a:rPr lang="en-US" dirty="0" err="1"/>
-              <a:t>TResult</a:t>
-            </a:r>
-            <a:r>
-              <a:rPr lang="en-US" dirty="0"/>
-              <a:t>&gt; Unfold&lt;T, </a:t>
-            </a:r>
-            <a:r>
-              <a:rPr lang="en-US" dirty="0" err="1"/>
-              <a:t>TResult</a:t>
-            </a:r>
-            <a:r>
               <a:rPr lang="en-US" dirty="0" smtClean="0"/>
-              <a:t>&gt;(</a:t>
+              <a:t>// state is the initial state value</a:t>
             </a:r>
           </a:p>
           <a:p>
@@ -17316,16 +19382,16 @@
               <a:buNone/>
             </a:pPr>
             <a:r>
+              <a:rPr lang="en-US" dirty="0" smtClean="0"/>
+              <a:t>// generator is a </a:t>
+            </a:r>
+            <a:r>
               <a:rPr lang="en-US" dirty="0"/>
-              <a:t> </a:t>
+              <a:t>function that takes a state value </a:t>
             </a:r>
             <a:r>
               <a:rPr lang="en-US" dirty="0" smtClean="0"/>
-              <a:t> // </a:t>
-            </a:r>
-            <a:r>
-              <a:rPr lang="en-US" dirty="0"/>
-              <a:t>The initial state value</a:t>
+              <a:t>and</a:t>
             </a:r>
           </a:p>
           <a:p>
@@ -17334,15 +19400,23 @@
             </a:pPr>
             <a:r>
               <a:rPr lang="en-US" dirty="0" smtClean="0"/>
-              <a:t>  this </a:t>
+              <a:t>// </a:t>
             </a:r>
             <a:r>
               <a:rPr lang="en-US" dirty="0"/>
-              <a:t>T </a:t>
+              <a:t>returns a </a:t>
             </a:r>
             <a:r>
               <a:rPr lang="en-US" dirty="0" smtClean="0"/>
-              <a:t>state,</a:t>
+              <a:t>tuple of </a:t>
+            </a:r>
+            <a:r>
+              <a:rPr lang="en-US" dirty="0"/>
+              <a:t>the next result and the next </a:t>
+            </a:r>
+            <a:r>
+              <a:rPr lang="en-US" dirty="0" smtClean="0"/>
+              <a:t>state</a:t>
             </a:r>
           </a:p>
           <a:p>
@@ -17350,12 +19424,20 @@
               <a:buNone/>
             </a:pPr>
             <a:r>
+              <a:rPr lang="en-US" dirty="0" smtClean="0"/>
+              <a:t>// </a:t>
+            </a:r>
+            <a:r>
               <a:rPr lang="en-US" dirty="0"/>
-              <a:t> </a:t>
+              <a:t>value</a:t>
             </a:r>
             <a:r>
               <a:rPr lang="en-US" dirty="0" smtClean="0"/>
-              <a:t> // A function that takes a state value and returns a tuple</a:t>
+              <a:t>. </a:t>
+            </a:r>
+            <a:r>
+              <a:rPr lang="en-US" dirty="0"/>
+              <a:t>Returns null if there is no next result.</a:t>
             </a:r>
           </a:p>
           <a:p>
@@ -17363,12 +19445,60 @@
               <a:buNone/>
             </a:pPr>
             <a:r>
-              <a:rPr lang="en-US" dirty="0"/>
-              <a:t> </a:t>
-            </a:r>
-            <a:r>
-              <a:rPr lang="en-US" dirty="0" smtClean="0"/>
-              <a:t> // of the next result and the next state value.</a:t>
+              <a:rPr lang="en-US" dirty="0" smtClean="0">
+                <a:solidFill>
+                  <a:srgbClr val="FF9900"/>
+                </a:solidFill>
+              </a:rPr>
+              <a:t>static </a:t>
+            </a:r>
+            <a:r>
+              <a:rPr lang="en-US" dirty="0" err="1">
+                <a:solidFill>
+                  <a:srgbClr val="FF9900"/>
+                </a:solidFill>
+              </a:rPr>
+              <a:t>IEnumerable</a:t>
+            </a:r>
+            <a:r>
+              <a:rPr lang="en-US" dirty="0">
+                <a:solidFill>
+                  <a:srgbClr val="FF9900"/>
+                </a:solidFill>
+              </a:rPr>
+              <a:t>&lt;</a:t>
+            </a:r>
+            <a:r>
+              <a:rPr lang="en-US" dirty="0" err="1">
+                <a:solidFill>
+                  <a:srgbClr val="FF9900"/>
+                </a:solidFill>
+              </a:rPr>
+              <a:t>TResult</a:t>
+            </a:r>
+            <a:r>
+              <a:rPr lang="en-US" dirty="0">
+                <a:solidFill>
+                  <a:srgbClr val="FF9900"/>
+                </a:solidFill>
+              </a:rPr>
+              <a:t>&gt; Unfold&lt;T, </a:t>
+            </a:r>
+            <a:r>
+              <a:rPr lang="en-US" dirty="0" err="1">
+                <a:solidFill>
+                  <a:srgbClr val="FF9900"/>
+                </a:solidFill>
+              </a:rPr>
+              <a:t>TResult</a:t>
+            </a:r>
+            <a:r>
+              <a:rPr lang="en-US" dirty="0" smtClean="0">
+                <a:solidFill>
+                  <a:srgbClr val="FF9900"/>
+                </a:solidFill>
+              </a:rPr>
+              <a:t>&gt;(</a:t>
             </a:r>
           </a:p>
           <a:p>
@@ -17376,43 +19506,82 @@
               <a:buNone/>
             </a:pPr>
             <a:r>
-              <a:rPr lang="en-US" dirty="0" smtClean="0"/>
-              <a:t>  // Returns null if there is no next result.</a:t>
-            </a:r>
-          </a:p>
-          <a:p>
-            <a:pPr marL="0" indent="0">
-              <a:buNone/>
-            </a:pPr>
-            <a:r>
-              <a:rPr lang="en-US" dirty="0"/>
-              <a:t> </a:t>
-            </a:r>
-            <a:r>
-              <a:rPr lang="en-US" dirty="0" smtClean="0"/>
-              <a:t> </a:t>
-            </a:r>
-            <a:r>
-              <a:rPr lang="en-US" dirty="0" err="1"/>
+              <a:rPr lang="en-US" dirty="0" smtClean="0">
+                <a:solidFill>
+                  <a:srgbClr val="FF9900"/>
+                </a:solidFill>
+              </a:rPr>
+              <a:t>  this </a:t>
+            </a:r>
+            <a:r>
+              <a:rPr lang="en-US" dirty="0">
+                <a:solidFill>
+                  <a:srgbClr val="FF9900"/>
+                </a:solidFill>
+              </a:rPr>
+              <a:t>T </a:t>
+            </a:r>
+            <a:r>
+              <a:rPr lang="en-US" dirty="0" smtClean="0">
+                <a:solidFill>
+                  <a:srgbClr val="FF9900"/>
+                </a:solidFill>
+              </a:rPr>
+              <a:t>state, </a:t>
+            </a:r>
+            <a:r>
+              <a:rPr lang="en-US" dirty="0" err="1" smtClean="0">
+                <a:solidFill>
+                  <a:srgbClr val="FF9900"/>
+                </a:solidFill>
+              </a:rPr>
               <a:t>Func</a:t>
             </a:r>
             <a:r>
-              <a:rPr lang="en-US" dirty="0"/>
-              <a:t>&lt;T, Tuple&lt;</a:t>
-            </a:r>
-            <a:r>
-              <a:rPr lang="en-US" dirty="0" err="1"/>
+              <a:rPr lang="en-US" dirty="0" smtClean="0">
+                <a:solidFill>
+                  <a:srgbClr val="FF9900"/>
+                </a:solidFill>
+              </a:rPr>
+              <a:t>&lt;T</a:t>
+            </a:r>
+            <a:r>
+              <a:rPr lang="en-US" dirty="0">
+                <a:solidFill>
+                  <a:srgbClr val="FF9900"/>
+                </a:solidFill>
+              </a:rPr>
+              <a:t>, Tuple&lt;</a:t>
+            </a:r>
+            <a:r>
+              <a:rPr lang="en-US" dirty="0" err="1">
+                <a:solidFill>
+                  <a:srgbClr val="FF9900"/>
+                </a:solidFill>
+              </a:rPr>
               <a:t>TResult</a:t>
             </a:r>
             <a:r>
-              <a:rPr lang="en-US" dirty="0"/>
+              <a:rPr lang="en-US" dirty="0">
+                <a:solidFill>
+                  <a:srgbClr val="FF9900"/>
+                </a:solidFill>
+              </a:rPr>
               <a:t>, T&gt;&gt; </a:t>
             </a:r>
             <a:r>
-              <a:rPr lang="en-US" dirty="0" smtClean="0"/>
+              <a:rPr lang="en-US" dirty="0" smtClean="0">
+                <a:solidFill>
+                  <a:srgbClr val="FF9900"/>
+                </a:solidFill>
+              </a:rPr>
               <a:t>generator)</a:t>
             </a:r>
-            <a:endParaRPr lang="en-US" dirty="0"/>
+            <a:endParaRPr lang="en-US" dirty="0">
+              <a:solidFill>
+                <a:srgbClr val="FF9900"/>
+              </a:solidFill>
+            </a:endParaRPr>
           </a:p>
         </p:txBody>
       </p:sp>
@@ -17607,7 +19776,7 @@
                                         <p:tgtEl>
                                           <p:spTgt spid="6147">
                                             <p:txEl>
-                                              <p:pRg st="0" end="0"/>
+                                              <p:pRg st="4" end="4"/>
                                             </p:txEl>
                                           </p:spTgt>
                                         </p:tgtEl>
@@ -17656,6 +19825,55 @@
                                         <p:tgtEl>
                                           <p:spTgt spid="6147">
                                             <p:txEl>
+                                              <p:pRg st="0" end="0"/>
+                                            </p:txEl>
+                                          </p:spTgt>
+                                        </p:tgtEl>
+                                        <p:attrNameLst>
+                                          <p:attrName>style.visibility</p:attrName>
+                                        </p:attrNameLst>
+                                      </p:cBhvr>
+                                      <p:to>
+                                        <p:strVal val="visible"/>
+                                      </p:to>
+                                    </p:set>
+                                  </p:childTnLst>
+                                </p:cTn>
+                              </p:par>
+                            </p:childTnLst>
+                          </p:cTn>
+                        </p:par>
+                      </p:childTnLst>
+                    </p:cTn>
+                  </p:par>
+                  <p:par>
+                    <p:cTn id="11" fill="hold">
+                      <p:stCondLst>
+                        <p:cond delay="indefinite"/>
+                      </p:stCondLst>
+                      <p:childTnLst>
+                        <p:par>
+                          <p:cTn id="12" fill="hold">
+                            <p:stCondLst>
+                              <p:cond delay="0"/>
+                            </p:stCondLst>
+                            <p:childTnLst>
+                              <p:par>
+                                <p:cTn id="13" presetID="1" presetClass="entr" presetSubtype="0" fill="hold" nodeType="clickEffect">
+                                  <p:stCondLst>
+                                    <p:cond delay="0"/>
+                                  </p:stCondLst>
+                                  <p:childTnLst>
+                                    <p:set>
+                                      <p:cBhvr>
+                                        <p:cTn id="14" dur="1" fill="hold">
+                                          <p:stCondLst>
+                                            <p:cond delay="0"/>
+                                          </p:stCondLst>
+                                        </p:cTn>
+                                        <p:tgtEl>
+                                          <p:spTgt spid="6147">
+                                            <p:txEl>
                                               <p:pRg st="1" end="1"/>
                                             </p:txEl>
                                           </p:spTgt>
@@ -17671,15 +19889,33 @@
                                   </p:childTnLst>
                                 </p:cTn>
                               </p:par>
+                            </p:childTnLst>
+                          </p:cTn>
+                        </p:par>
+                      </p:childTnLst>
+                    </p:cTn>
+                  </p:par>
+                  <p:par>
+                    <p:cTn id="15" fill="hold">
+                      <p:stCondLst>
+                        <p:cond delay="indefinite"/>
+                      </p:stCondLst>
+                      <p:childTnLst>
+                        <p:par>
+                          <p:cTn id="16" fill="hold">
+                            <p:stCondLst>
+                              <p:cond delay="0"/>
+                            </p:stCondLst>
+                            <p:childTnLst>
                               <p:par>
-                                <p:cTn id="11" presetID="1" presetClass="entr" presetSubtype="0" fill="hold" nodeType="withEffect">
+                                <p:cTn id="17" presetID="1" presetClass="entr" presetSubtype="0" fill="hold" nodeType="clickEffect">
                                   <p:stCondLst>
                                     <p:cond delay="0"/>
                                   </p:stCondLst>
                                   <p:childTnLst>
                                     <p:set>
                                       <p:cBhvr>
-                                        <p:cTn id="12" dur="1" fill="hold">
+                                        <p:cTn id="18" dur="1" fill="hold">
                                           <p:stCondLst>
                                             <p:cond delay="0"/>
                                           </p:stCondLst>
@@ -17709,26 +19945,26 @@
                     </p:cTn>
                   </p:par>
                   <p:par>
-                    <p:cTn id="13" fill="hold">
+                    <p:cTn id="19" fill="hold">
                       <p:stCondLst>
                         <p:cond delay="indefinite"/>
                       </p:stCondLst>
                       <p:childTnLst>
                         <p:par>
-                          <p:cTn id="14" fill="hold">
+                          <p:cTn id="20" fill="hold">
                             <p:stCondLst>
                               <p:cond delay="0"/>
                             </p:stCondLst>
                             <p:childTnLst>
                               <p:par>
-                                <p:cTn id="15" presetID="1" presetClass="entr" presetSubtype="0" fill="hold" nodeType="clickEffect">
+                                <p:cTn id="21" presetID="1" presetClass="entr" presetSubtype="0" fill="hold" nodeType="clickEffect">
                                   <p:stCondLst>
                                     <p:cond delay="0"/>
                                   </p:stCondLst>
                                   <p:childTnLst>
                                     <p:set>
                                       <p:cBhvr>
-                                        <p:cTn id="16" dur="1" fill="hold">
+                                        <p:cTn id="22" dur="1" fill="hold">
                                           <p:stCondLst>
                                             <p:cond delay="0"/>
                                           </p:stCondLst>
@@ -17752,45 +19988,14 @@
                                 </p:cTn>
                               </p:par>
                               <p:par>
-                                <p:cTn id="17" presetID="1" presetClass="entr" presetSubtype="0" fill="hold" nodeType="withEffect">
+                                <p:cTn id="23" presetID="1" presetClass="entr" presetSubtype="0" fill="hold" nodeType="withEffect">
                                   <p:stCondLst>
                                     <p:cond delay="0"/>
                                   </p:stCondLst>
                                   <p:childTnLst>
                                     <p:set>
                                       <p:cBhvr>
-                                        <p:cTn id="18" dur="1" fill="hold">
-                                          <p:stCondLst>
-                                            <p:cond delay="0"/>
-                                          </p:stCondLst>
-                                        </p:cTn>
-                                        <p:tgtEl>
-                                          <p:spTgt spid="6147">
-                                            <p:txEl>
-                                              <p:pRg st="4" end="4"/>
-                                            </p:txEl>
-                                          </p:spTgt>
-                                        </p:tgtEl>
-                                        <p:attrNameLst>
-                                          <p:attrName>style.visibility</p:attrName>
-                                        </p:attrNameLst>
-                                      </p:cBhvr>
-                                      <p:to>
-                                        <p:strVal val="visible"/>
-                                      </p:to>
-                                    </p:set>
-                                  </p:childTnLst>
-                                </p:cTn>
-                              </p:par>
-                              <p:par>
-                                <p:cTn id="19" presetID="1" presetClass="entr" presetSubtype="0" fill="hold" nodeType="withEffect">
-                                  <p:stCondLst>
-                                    <p:cond delay="0"/>
-                                  </p:stCondLst>
-                                  <p:childTnLst>
-                                    <p:set>
-                                      <p:cBhvr>
-                                        <p:cTn id="20" dur="1" fill="hold">
+                                        <p:cTn id="24" dur="1" fill="hold">
                                           <p:stCondLst>
                                             <p:cond delay="0"/>
                                           </p:stCondLst>
@@ -17799,37 +20004,6 @@
                                           <p:spTgt spid="6147">
                                             <p:txEl>
                                               <p:pRg st="5" end="5"/>
-                                            </p:txEl>
-                                          </p:spTgt>
-                                        </p:tgtEl>
-                                        <p:attrNameLst>
-                                          <p:attrName>style.visibility</p:attrName>
-                                        </p:attrNameLst>
-                                      </p:cBhvr>
-                                      <p:to>
-                                        <p:strVal val="visible"/>
-                                      </p:to>
-                                    </p:set>
-                                  </p:childTnLst>
-                                </p:cTn>
-                              </p:par>
-                              <p:par>
-                                <p:cTn id="21" presetID="1" presetClass="entr" presetSubtype="0" fill="hold" nodeType="withEffect">
-                                  <p:stCondLst>
-                                    <p:cond delay="0"/>
-                                  </p:stCondLst>
-                                  <p:childTnLst>
-                                    <p:set>
-                                      <p:cBhvr>
-                                        <p:cTn id="22" dur="1" fill="hold">
-                                          <p:stCondLst>
-                                            <p:cond delay="0"/>
-                                          </p:stCondLst>
-                                        </p:cTn>
-                                        <p:tgtEl>
-                                          <p:spTgt spid="6147">
-                                            <p:txEl>
-                                              <p:pRg st="6" end="6"/>
                                             </p:txEl>
                                           </p:spTgt>
                                         </p:tgtEl>
@@ -17939,31 +20113,59 @@
               <a:buNone/>
             </a:pPr>
             <a:r>
-              <a:rPr lang="en-US" dirty="0"/>
+              <a:rPr lang="en-US" dirty="0">
+                <a:solidFill>
+                  <a:srgbClr val="FF9900"/>
+                </a:solidFill>
+              </a:rPr>
               <a:t>static </a:t>
             </a:r>
             <a:r>
-              <a:rPr lang="en-US" dirty="0" err="1"/>
+              <a:rPr lang="en-US" dirty="0" err="1">
+                <a:solidFill>
+                  <a:srgbClr val="FF9900"/>
+                </a:solidFill>
+              </a:rPr>
               <a:t>IEnumerable</a:t>
             </a:r>
             <a:r>
-              <a:rPr lang="en-US" dirty="0"/>
+              <a:rPr lang="en-US" dirty="0">
+                <a:solidFill>
+                  <a:srgbClr val="FF9900"/>
+                </a:solidFill>
+              </a:rPr>
               <a:t>&lt;</a:t>
             </a:r>
             <a:r>
-              <a:rPr lang="en-US" dirty="0" err="1"/>
+              <a:rPr lang="en-US" dirty="0" err="1">
+                <a:solidFill>
+                  <a:srgbClr val="FF9900"/>
+                </a:solidFill>
+              </a:rPr>
               <a:t>TResult</a:t>
             </a:r>
             <a:r>
-              <a:rPr lang="en-US" dirty="0"/>
+              <a:rPr lang="en-US" dirty="0">
+                <a:solidFill>
+                  <a:srgbClr val="FF9900"/>
+                </a:solidFill>
+              </a:rPr>
               <a:t>&gt; Unfold&lt;T, </a:t>
             </a:r>
             <a:r>
-              <a:rPr lang="en-US" dirty="0" err="1"/>
+              <a:rPr lang="en-US" dirty="0" err="1">
+                <a:solidFill>
+                  <a:srgbClr val="FF9900"/>
+                </a:solidFill>
+              </a:rPr>
               <a:t>TResult</a:t>
             </a:r>
             <a:r>
-              <a:rPr lang="en-US" dirty="0" smtClean="0"/>
+              <a:rPr lang="en-US" dirty="0" smtClean="0">
+                <a:solidFill>
+                  <a:srgbClr val="FF9900"/>
+                </a:solidFill>
+              </a:rPr>
               <a:t>&gt;(</a:t>
             </a:r>
           </a:p>
@@ -17972,15 +20174,27 @@
               <a:buNone/>
             </a:pPr>
             <a:r>
-              <a:rPr lang="en-US" dirty="0" smtClean="0"/>
+              <a:rPr lang="en-US" dirty="0" smtClean="0">
+                <a:solidFill>
+                  <a:srgbClr val="FF9900"/>
+                </a:solidFill>
+              </a:rPr>
               <a:t>  this </a:t>
             </a:r>
             <a:r>
-              <a:rPr lang="en-US" dirty="0"/>
+              <a:rPr lang="en-US" dirty="0">
+                <a:solidFill>
+                  <a:srgbClr val="FF9900"/>
+                </a:solidFill>
+              </a:rPr>
               <a:t>T </a:t>
             </a:r>
             <a:r>
-              <a:rPr lang="en-US" dirty="0" smtClean="0"/>
+              <a:rPr lang="en-US" dirty="0" smtClean="0">
+                <a:solidFill>
+                  <a:srgbClr val="FF9900"/>
+                </a:solidFill>
+              </a:rPr>
               <a:t>state,</a:t>
             </a:r>
           </a:p>
@@ -17989,31 +20203,59 @@
               <a:buNone/>
             </a:pPr>
             <a:r>
-              <a:rPr lang="en-US" dirty="0" smtClean="0"/>
+              <a:rPr lang="en-US" dirty="0" smtClean="0">
+                <a:solidFill>
+                  <a:srgbClr val="FF9900"/>
+                </a:solidFill>
+              </a:rPr>
               <a:t>  </a:t>
             </a:r>
             <a:r>
-              <a:rPr lang="en-US" dirty="0" err="1" smtClean="0"/>
+              <a:rPr lang="en-US" dirty="0" err="1" smtClean="0">
+                <a:solidFill>
+                  <a:srgbClr val="FF9900"/>
+                </a:solidFill>
+              </a:rPr>
               <a:t>Func</a:t>
             </a:r>
             <a:r>
-              <a:rPr lang="en-US" dirty="0" smtClean="0"/>
+              <a:rPr lang="en-US" dirty="0" smtClean="0">
+                <a:solidFill>
+                  <a:srgbClr val="FF9900"/>
+                </a:solidFill>
+              </a:rPr>
               <a:t>&lt;T</a:t>
             </a:r>
             <a:r>
-              <a:rPr lang="en-US" dirty="0"/>
+              <a:rPr lang="en-US" dirty="0">
+                <a:solidFill>
+                  <a:srgbClr val="FF9900"/>
+                </a:solidFill>
+              </a:rPr>
               <a:t>, Tuple&lt;</a:t>
             </a:r>
             <a:r>
-              <a:rPr lang="en-US" dirty="0" err="1"/>
+              <a:rPr lang="en-US" dirty="0" err="1">
+                <a:solidFill>
+                  <a:srgbClr val="FF9900"/>
+                </a:solidFill>
+              </a:rPr>
               <a:t>TResult</a:t>
             </a:r>
             <a:r>
-              <a:rPr lang="en-US" dirty="0"/>
+              <a:rPr lang="en-US" dirty="0">
+                <a:solidFill>
+                  <a:srgbClr val="FF9900"/>
+                </a:solidFill>
+              </a:rPr>
               <a:t>, T&gt;&gt; generator</a:t>
             </a:r>
             <a:r>
-              <a:rPr lang="en-US" dirty="0" smtClean="0"/>
+              <a:rPr lang="en-US" dirty="0" smtClean="0">
+                <a:solidFill>
+                  <a:srgbClr val="FF9900"/>
+                </a:solidFill>
+              </a:rPr>
               <a:t>) {</a:t>
             </a:r>
           </a:p>
@@ -18022,31 +20264,59 @@
               <a:buNone/>
             </a:pPr>
             <a:r>
-              <a:rPr lang="en-US" dirty="0" smtClean="0"/>
+              <a:rPr lang="en-US" dirty="0" smtClean="0">
+                <a:solidFill>
+                  <a:srgbClr val="FF9900"/>
+                </a:solidFill>
+              </a:rPr>
               <a:t>  </a:t>
             </a:r>
             <a:r>
-              <a:rPr lang="en-US" dirty="0" err="1" smtClean="0"/>
+              <a:rPr lang="en-US" dirty="0" err="1" smtClean="0">
+                <a:solidFill>
+                  <a:srgbClr val="FF9900"/>
+                </a:solidFill>
+              </a:rPr>
               <a:t>var</a:t>
             </a:r>
             <a:r>
-              <a:rPr lang="en-US" dirty="0" smtClean="0"/>
+              <a:rPr lang="en-US" dirty="0" smtClean="0">
+                <a:solidFill>
+                  <a:srgbClr val="FF9900"/>
+                </a:solidFill>
+              </a:rPr>
               <a:t> result = </a:t>
             </a:r>
             <a:r>
-              <a:rPr lang="en-US" dirty="0" err="1" smtClean="0"/>
+              <a:rPr lang="en-US" dirty="0" err="1" smtClean="0">
+                <a:solidFill>
+                  <a:srgbClr val="FF9900"/>
+                </a:solidFill>
+              </a:rPr>
               <a:t>Tuple.Create</a:t>
             </a:r>
             <a:r>
-              <a:rPr lang="en-US" dirty="0" smtClean="0"/>
+              <a:rPr lang="en-US" dirty="0" smtClean="0">
+                <a:solidFill>
+                  <a:srgbClr val="FF9900"/>
+                </a:solidFill>
+              </a:rPr>
               <a:t>(default(</a:t>
             </a:r>
             <a:r>
-              <a:rPr lang="en-US" dirty="0" err="1" smtClean="0"/>
+              <a:rPr lang="en-US" dirty="0" err="1" smtClean="0">
+                <a:solidFill>
+                  <a:srgbClr val="FF9900"/>
+                </a:solidFill>
+              </a:rPr>
               <a:t>TResult</a:t>
             </a:r>
             <a:r>
-              <a:rPr lang="en-US" dirty="0" smtClean="0"/>
+              <a:rPr lang="en-US" dirty="0" smtClean="0">
+                <a:solidFill>
+                  <a:srgbClr val="FF9900"/>
+                </a:solidFill>
+              </a:rPr>
               <a:t>), state);</a:t>
             </a:r>
           </a:p>
@@ -18055,7 +20325,11 @@
               <a:buNone/>
             </a:pPr>
             <a:r>
-              <a:rPr lang="en-US" dirty="0" smtClean="0"/>
+              <a:rPr lang="en-US" dirty="0" smtClean="0">
+                <a:solidFill>
+                  <a:srgbClr val="FF9900"/>
+                </a:solidFill>
+              </a:rPr>
               <a:t>  while((result = generator(result.Item2)) != null)</a:t>
             </a:r>
           </a:p>
@@ -18064,7 +20338,11 @@
               <a:buNone/>
             </a:pPr>
             <a:r>
-              <a:rPr lang="en-US" dirty="0" smtClean="0"/>
+              <a:rPr lang="en-US" dirty="0" smtClean="0">
+                <a:solidFill>
+                  <a:srgbClr val="FF9900"/>
+                </a:solidFill>
+              </a:rPr>
               <a:t>    yield return result.Item1;</a:t>
             </a:r>
           </a:p>
@@ -18073,10 +20351,18 @@
               <a:buNone/>
             </a:pPr>
             <a:r>
-              <a:rPr lang="en-US" dirty="0" smtClean="0"/>
+              <a:rPr lang="en-US" dirty="0" smtClean="0">
+                <a:solidFill>
+                  <a:srgbClr val="FF9900"/>
+                </a:solidFill>
+              </a:rPr>
               <a:t>}</a:t>
             </a:r>
-            <a:endParaRPr lang="en-US" dirty="0"/>
+            <a:endParaRPr lang="en-US" dirty="0">
+              <a:solidFill>
+                <a:srgbClr val="FF9900"/>
+              </a:solidFill>
+            </a:endParaRPr>
           </a:p>
         </p:txBody>
       </p:sp>
@@ -18574,31 +20860,59 @@
               <a:buNone/>
             </a:pPr>
             <a:r>
-              <a:rPr lang="en-US" sz="2400" dirty="0"/>
+              <a:rPr lang="en-US" sz="2400" dirty="0">
+                <a:solidFill>
+                  <a:srgbClr val="FF9900"/>
+                </a:solidFill>
+              </a:rPr>
               <a:t>static Tuple&lt;</a:t>
             </a:r>
             <a:r>
-              <a:rPr lang="en-US" sz="2400" dirty="0" err="1"/>
+              <a:rPr lang="en-US" sz="2400" dirty="0" err="1">
+                <a:solidFill>
+                  <a:srgbClr val="FF9900"/>
+                </a:solidFill>
+              </a:rPr>
               <a:t>int</a:t>
             </a:r>
             <a:r>
-              <a:rPr lang="en-US" sz="2400" dirty="0"/>
+              <a:rPr lang="en-US" sz="2400" dirty="0">
+                <a:solidFill>
+                  <a:srgbClr val="FF9900"/>
+                </a:solidFill>
+              </a:rPr>
               <a:t>, Tuple&lt;</a:t>
             </a:r>
             <a:r>
-              <a:rPr lang="en-US" sz="2400" dirty="0" err="1"/>
+              <a:rPr lang="en-US" sz="2400" dirty="0" err="1">
+                <a:solidFill>
+                  <a:srgbClr val="FF9900"/>
+                </a:solidFill>
+              </a:rPr>
               <a:t>int</a:t>
             </a:r>
             <a:r>
-              <a:rPr lang="en-US" sz="2400" dirty="0"/>
+              <a:rPr lang="en-US" sz="2400" dirty="0">
+                <a:solidFill>
+                  <a:srgbClr val="FF9900"/>
+                </a:solidFill>
+              </a:rPr>
               <a:t>, </a:t>
             </a:r>
             <a:r>
-              <a:rPr lang="en-US" sz="2400" dirty="0" err="1"/>
+              <a:rPr lang="en-US" sz="2400" dirty="0" err="1">
+                <a:solidFill>
+                  <a:srgbClr val="FF9900"/>
+                </a:solidFill>
+              </a:rPr>
               <a:t>int</a:t>
             </a:r>
             <a:r>
-              <a:rPr lang="en-US" sz="2400" dirty="0" smtClean="0"/>
+              <a:rPr lang="en-US" sz="2400" dirty="0" smtClean="0">
+                <a:solidFill>
+                  <a:srgbClr val="FF9900"/>
+                </a:solidFill>
+              </a:rPr>
               <a:t>&gt;&gt;</a:t>
             </a:r>
           </a:p>
@@ -18607,83 +20921,123 @@
               <a:buNone/>
             </a:pPr>
             <a:r>
-              <a:rPr lang="en-US" sz="2400" dirty="0" err="1" smtClean="0"/>
+              <a:rPr lang="en-US" sz="2400" dirty="0" err="1" smtClean="0">
+                <a:solidFill>
+                  <a:srgbClr val="FF9900"/>
+                </a:solidFill>
+              </a:rPr>
               <a:t>nextFibonacci</a:t>
             </a:r>
             <a:r>
-              <a:rPr lang="en-US" sz="2400" dirty="0" smtClean="0"/>
+              <a:rPr lang="en-US" sz="2400" dirty="0" smtClean="0">
+                <a:solidFill>
+                  <a:srgbClr val="FF9900"/>
+                </a:solidFill>
+              </a:rPr>
               <a:t>(Tuple&lt;</a:t>
             </a:r>
             <a:r>
-              <a:rPr lang="en-US" sz="2400" dirty="0" err="1" smtClean="0"/>
+              <a:rPr lang="en-US" sz="2400" dirty="0" err="1" smtClean="0">
+                <a:solidFill>
+                  <a:srgbClr val="FF9900"/>
+                </a:solidFill>
+              </a:rPr>
               <a:t>int</a:t>
             </a:r>
             <a:r>
-              <a:rPr lang="en-US" sz="2400" dirty="0"/>
+              <a:rPr lang="en-US" sz="2400" dirty="0">
+                <a:solidFill>
+                  <a:srgbClr val="FF9900"/>
+                </a:solidFill>
+              </a:rPr>
               <a:t>, </a:t>
             </a:r>
             <a:r>
-              <a:rPr lang="en-US" sz="2400" dirty="0" err="1"/>
+              <a:rPr lang="en-US" sz="2400" dirty="0" err="1">
+                <a:solidFill>
+                  <a:srgbClr val="FF9900"/>
+                </a:solidFill>
+              </a:rPr>
               <a:t>int</a:t>
             </a:r>
             <a:r>
-              <a:rPr lang="en-US" sz="2400" dirty="0"/>
+              <a:rPr lang="en-US" sz="2400" dirty="0">
+                <a:solidFill>
+                  <a:srgbClr val="FF9900"/>
+                </a:solidFill>
+              </a:rPr>
               <a:t>&gt; state</a:t>
             </a:r>
             <a:r>
-              <a:rPr lang="en-US" sz="2400" dirty="0" smtClean="0"/>
-              <a:t>) {</a:t>
-            </a:r>
-            <a:endParaRPr lang="en-US" sz="2400" dirty="0"/>
+              <a:rPr lang="en-US" sz="2400" dirty="0" smtClean="0">
+                <a:solidFill>
+                  <a:srgbClr val="FF9900"/>
+                </a:solidFill>
+              </a:rPr>
+              <a:t>)</a:t>
+            </a:r>
           </a:p>
           <a:p>
             <a:pPr marL="0" indent="0">
               <a:buNone/>
             </a:pPr>
             <a:r>
-              <a:rPr lang="en-US" sz="2400" dirty="0" smtClean="0"/>
-              <a:t>  </a:t>
-            </a:r>
-            <a:r>
-              <a:rPr lang="en-US" sz="2400" dirty="0"/>
-              <a:t>return </a:t>
-            </a:r>
-            <a:r>
-              <a:rPr lang="en-US" sz="2400" dirty="0" err="1" smtClean="0"/>
-              <a:t>Tuple.Create</a:t>
-            </a:r>
-            <a:r>
-              <a:rPr lang="en-US" sz="2400" dirty="0" smtClean="0"/>
-              <a:t>(state.Item1</a:t>
-            </a:r>
-            <a:r>
-              <a:rPr lang="en-US" sz="2400" dirty="0"/>
-              <a:t>, </a:t>
-            </a:r>
-            <a:r>
-              <a:rPr lang="en-US" sz="2400" dirty="0" smtClean="0"/>
-              <a:t>// next value in sequence  </a:t>
-            </a:r>
+              <a:rPr lang="en-US" sz="2400" dirty="0" smtClean="0">
+                <a:solidFill>
+                  <a:srgbClr val="FF9900"/>
+                </a:solidFill>
+              </a:rPr>
+              <a:t>{</a:t>
+            </a:r>
+            <a:endParaRPr lang="en-US" sz="2400" dirty="0">
+              <a:solidFill>
+                <a:srgbClr val="FF9900"/>
+              </a:solidFill>
+            </a:endParaRPr>
           </a:p>
           <a:p>
             <a:pPr marL="0" indent="0">
               <a:buNone/>
             </a:pPr>
             <a:r>
-              <a:rPr lang="en-US" sz="2400" dirty="0"/>
+              <a:rPr lang="en-US" sz="2400" dirty="0" smtClean="0">
+                <a:solidFill>
+                  <a:srgbClr val="FF9900"/>
+                </a:solidFill>
+              </a:rPr>
+              <a:t>  </a:t>
+            </a:r>
+            <a:r>
+              <a:rPr lang="en-US" sz="2400" dirty="0" err="1" smtClean="0">
+                <a:solidFill>
+                  <a:srgbClr val="FF9900"/>
+                </a:solidFill>
+              </a:rPr>
+              <a:t>var</a:t>
+            </a:r>
+            <a:r>
+              <a:rPr lang="en-US" sz="2400" dirty="0" smtClean="0">
+                <a:solidFill>
+                  <a:srgbClr val="FF9900"/>
+                </a:solidFill>
+              </a:rPr>
               <a:t> </a:t>
             </a:r>
             <a:r>
-              <a:rPr lang="en-US" sz="2400" dirty="0" smtClean="0"/>
-              <a:t>   </a:t>
-            </a:r>
-            <a:r>
-              <a:rPr lang="en-US" sz="2400" dirty="0" err="1" smtClean="0"/>
-              <a:t>Tuple.Create</a:t>
-            </a:r>
-            <a:r>
-              <a:rPr lang="en-US" sz="2400" dirty="0" smtClean="0"/>
-              <a:t>(state.Item2, // next state</a:t>
+              <a:rPr lang="en-US" sz="2400" dirty="0" err="1">
+                <a:solidFill>
+                  <a:srgbClr val="FF9900"/>
+                </a:solidFill>
+              </a:rPr>
+              <a:t>nextValueInSequence</a:t>
+            </a:r>
+            <a:r>
+              <a:rPr lang="en-US" sz="2400" dirty="0">
+                <a:solidFill>
+                  <a:srgbClr val="FF9900"/>
+                </a:solidFill>
+              </a:rPr>
+              <a:t> = state.Item1;</a:t>
             </a:r>
           </a:p>
           <a:p>
@@ -18691,20 +21045,68 @@
               <a:buNone/>
             </a:pPr>
             <a:r>
-              <a:rPr lang="en-US" sz="2400" dirty="0"/>
+              <a:rPr lang="en-US" sz="2400" dirty="0">
+                <a:solidFill>
+                  <a:srgbClr val="FF9900"/>
+                </a:solidFill>
+              </a:rPr>
+              <a:t>  </a:t>
+            </a:r>
+            <a:r>
+              <a:rPr lang="en-US" sz="2400" dirty="0" err="1" smtClean="0">
+                <a:solidFill>
+                  <a:srgbClr val="FF9900"/>
+                </a:solidFill>
+              </a:rPr>
+              <a:t>var</a:t>
+            </a:r>
+            <a:r>
+              <a:rPr lang="en-US" sz="2400" dirty="0" smtClean="0">
+                <a:solidFill>
+                  <a:srgbClr val="FF9900"/>
+                </a:solidFill>
+              </a:rPr>
               <a:t> </a:t>
             </a:r>
             <a:r>
-              <a:rPr lang="en-US" sz="2400" dirty="0" smtClean="0"/>
-              <a:t>                         state.Item1 </a:t>
-            </a:r>
-            <a:r>
-              <a:rPr lang="en-US" sz="2400" dirty="0"/>
-              <a:t>+ state.Item2</a:t>
-            </a:r>
-            <a:r>
-              <a:rPr lang="en-US" sz="2400" dirty="0" smtClean="0"/>
-              <a:t>));</a:t>
+              <a:rPr lang="en-US" sz="2400" dirty="0" err="1">
+                <a:solidFill>
+                  <a:srgbClr val="FF9900"/>
+                </a:solidFill>
+              </a:rPr>
+              <a:t>nextState</a:t>
+            </a:r>
+            <a:r>
+              <a:rPr lang="en-US" sz="2400" dirty="0">
+                <a:solidFill>
+                  <a:srgbClr val="FF9900"/>
+                </a:solidFill>
+              </a:rPr>
+              <a:t> = </a:t>
+            </a:r>
+            <a:r>
+              <a:rPr lang="en-US" sz="2400" dirty="0" err="1">
+                <a:solidFill>
+                  <a:srgbClr val="FF9900"/>
+                </a:solidFill>
+              </a:rPr>
+              <a:t>Tuple.Create</a:t>
+            </a:r>
+            <a:r>
+              <a:rPr lang="en-US" sz="2400" dirty="0">
+                <a:solidFill>
+                  <a:srgbClr val="FF9900"/>
+                </a:solidFill>
+              </a:rPr>
+              <a:t>(state.Item2</a:t>
+            </a:r>
+            <a:r>
+              <a:rPr lang="en-US" sz="2400" dirty="0" smtClean="0">
+                <a:solidFill>
+                  <a:srgbClr val="FF9900"/>
+                </a:solidFill>
+              </a:rPr>
+              <a:t>,</a:t>
             </a:r>
           </a:p>
           <a:p>
@@ -18712,10 +21114,116 @@
               <a:buNone/>
             </a:pPr>
             <a:r>
-              <a:rPr lang="en-US" sz="2400" dirty="0" smtClean="0"/>
+              <a:rPr lang="en-US" sz="2400" dirty="0">
+                <a:solidFill>
+                  <a:srgbClr val="FF9900"/>
+                </a:solidFill>
+              </a:rPr>
+              <a:t> </a:t>
+            </a:r>
+            <a:r>
+              <a:rPr lang="en-US" sz="2400" dirty="0" smtClean="0">
+                <a:solidFill>
+                  <a:srgbClr val="FF9900"/>
+                </a:solidFill>
+              </a:rPr>
+              <a:t>                                                </a:t>
+            </a:r>
+            <a:r>
+              <a:rPr lang="en-US" sz="2400" dirty="0">
+                <a:solidFill>
+                  <a:srgbClr val="FF9900"/>
+                </a:solidFill>
+              </a:rPr>
+              <a:t>state.Item1 + state.Item2);</a:t>
+            </a:r>
+          </a:p>
+          <a:p>
+            <a:pPr marL="0" indent="0">
+              <a:buNone/>
+            </a:pPr>
+            <a:r>
+              <a:rPr lang="en-US" sz="2400" dirty="0">
+                <a:solidFill>
+                  <a:srgbClr val="FF9900"/>
+                </a:solidFill>
+              </a:rPr>
+              <a:t>  </a:t>
+            </a:r>
+            <a:r>
+              <a:rPr lang="en-US" sz="2400" dirty="0" smtClean="0">
+                <a:solidFill>
+                  <a:srgbClr val="FF9900"/>
+                </a:solidFill>
+              </a:rPr>
+              <a:t>return </a:t>
+            </a:r>
+            <a:r>
+              <a:rPr lang="en-US" sz="2400" dirty="0" err="1">
+                <a:solidFill>
+                  <a:srgbClr val="FF9900"/>
+                </a:solidFill>
+              </a:rPr>
+              <a:t>Tuple.Create</a:t>
+            </a:r>
+            <a:r>
+              <a:rPr lang="en-US" sz="2400" dirty="0">
+                <a:solidFill>
+                  <a:srgbClr val="FF9900"/>
+                </a:solidFill>
+              </a:rPr>
+              <a:t>(</a:t>
+            </a:r>
+            <a:r>
+              <a:rPr lang="en-US" sz="2400" dirty="0" err="1">
+                <a:solidFill>
+                  <a:srgbClr val="FF9900"/>
+                </a:solidFill>
+              </a:rPr>
+              <a:t>nextValueInSequence</a:t>
+            </a:r>
+            <a:r>
+              <a:rPr lang="en-US" sz="2400" dirty="0">
+                <a:solidFill>
+                  <a:srgbClr val="FF9900"/>
+                </a:solidFill>
+              </a:rPr>
+              <a:t>, </a:t>
+            </a:r>
+            <a:r>
+              <a:rPr lang="en-US" sz="2400" dirty="0" err="1">
+                <a:solidFill>
+                  <a:srgbClr val="FF9900"/>
+                </a:solidFill>
+              </a:rPr>
+              <a:t>nextState</a:t>
+            </a:r>
+            <a:r>
+              <a:rPr lang="en-US" sz="2400" dirty="0" smtClean="0">
+                <a:solidFill>
+                  <a:srgbClr val="FF9900"/>
+                </a:solidFill>
+              </a:rPr>
+              <a:t>);</a:t>
+            </a:r>
+          </a:p>
+          <a:p>
+            <a:pPr marL="0" indent="0">
+              <a:buNone/>
+            </a:pPr>
+            <a:r>
+              <a:rPr lang="en-US" sz="2400" dirty="0" smtClean="0">
+                <a:solidFill>
+                  <a:srgbClr val="FF9900"/>
+                </a:solidFill>
+              </a:rPr>
               <a:t>}</a:t>
             </a:r>
-            <a:endParaRPr lang="en-US" sz="2400" dirty="0"/>
+            <a:endParaRPr lang="en-US" sz="2400" dirty="0">
+              <a:solidFill>
+                <a:srgbClr val="FF9900"/>
+              </a:solidFill>
+            </a:endParaRPr>
           </a:p>
         </p:txBody>
       </p:sp>
